--- a/yealp_frontend/flaskblog/static/facicon.pptx
+++ b/yealp_frontend/flaskblog/static/facicon.pptx
@@ -6,6 +6,8 @@
   </p:sldMasterIdLst>
   <p:sldIdLst>
     <p:sldId id="256" r:id="rId2"/>
+    <p:sldId id="257" r:id="rId3"/>
+    <p:sldId id="258" r:id="rId4"/>
   </p:sldIdLst>
   <p:sldSz cx="12192000" cy="6858000"/>
   <p:notesSz cx="6858000" cy="9144000"/>
@@ -270,7 +272,7 @@
           <a:p>
             <a:fld id="{B2F2A9A3-7C5A-7841-9A4D-F2ECE788F479}" type="datetimeFigureOut">
               <a:rPr kumimoji="1" lang="zh-CN" altLang="en-US" smtClean="0"/>
-              <a:t>2022/4/13</a:t>
+              <a:t>2022/4/14</a:t>
             </a:fld>
             <a:endParaRPr kumimoji="1" lang="zh-CN" altLang="en-US"/>
           </a:p>
@@ -468,7 +470,7 @@
           <a:p>
             <a:fld id="{B2F2A9A3-7C5A-7841-9A4D-F2ECE788F479}" type="datetimeFigureOut">
               <a:rPr kumimoji="1" lang="zh-CN" altLang="en-US" smtClean="0"/>
-              <a:t>2022/4/13</a:t>
+              <a:t>2022/4/14</a:t>
             </a:fld>
             <a:endParaRPr kumimoji="1" lang="zh-CN" altLang="en-US"/>
           </a:p>
@@ -676,7 +678,7 @@
           <a:p>
             <a:fld id="{B2F2A9A3-7C5A-7841-9A4D-F2ECE788F479}" type="datetimeFigureOut">
               <a:rPr kumimoji="1" lang="zh-CN" altLang="en-US" smtClean="0"/>
-              <a:t>2022/4/13</a:t>
+              <a:t>2022/4/14</a:t>
             </a:fld>
             <a:endParaRPr kumimoji="1" lang="zh-CN" altLang="en-US"/>
           </a:p>
@@ -874,7 +876,7 @@
           <a:p>
             <a:fld id="{B2F2A9A3-7C5A-7841-9A4D-F2ECE788F479}" type="datetimeFigureOut">
               <a:rPr kumimoji="1" lang="zh-CN" altLang="en-US" smtClean="0"/>
-              <a:t>2022/4/13</a:t>
+              <a:t>2022/4/14</a:t>
             </a:fld>
             <a:endParaRPr kumimoji="1" lang="zh-CN" altLang="en-US"/>
           </a:p>
@@ -1149,7 +1151,7 @@
           <a:p>
             <a:fld id="{B2F2A9A3-7C5A-7841-9A4D-F2ECE788F479}" type="datetimeFigureOut">
               <a:rPr kumimoji="1" lang="zh-CN" altLang="en-US" smtClean="0"/>
-              <a:t>2022/4/13</a:t>
+              <a:t>2022/4/14</a:t>
             </a:fld>
             <a:endParaRPr kumimoji="1" lang="zh-CN" altLang="en-US"/>
           </a:p>
@@ -1414,7 +1416,7 @@
           <a:p>
             <a:fld id="{B2F2A9A3-7C5A-7841-9A4D-F2ECE788F479}" type="datetimeFigureOut">
               <a:rPr kumimoji="1" lang="zh-CN" altLang="en-US" smtClean="0"/>
-              <a:t>2022/4/13</a:t>
+              <a:t>2022/4/14</a:t>
             </a:fld>
             <a:endParaRPr kumimoji="1" lang="zh-CN" altLang="en-US"/>
           </a:p>
@@ -1826,7 +1828,7 @@
           <a:p>
             <a:fld id="{B2F2A9A3-7C5A-7841-9A4D-F2ECE788F479}" type="datetimeFigureOut">
               <a:rPr kumimoji="1" lang="zh-CN" altLang="en-US" smtClean="0"/>
-              <a:t>2022/4/13</a:t>
+              <a:t>2022/4/14</a:t>
             </a:fld>
             <a:endParaRPr kumimoji="1" lang="zh-CN" altLang="en-US"/>
           </a:p>
@@ -1967,7 +1969,7 @@
           <a:p>
             <a:fld id="{B2F2A9A3-7C5A-7841-9A4D-F2ECE788F479}" type="datetimeFigureOut">
               <a:rPr kumimoji="1" lang="zh-CN" altLang="en-US" smtClean="0"/>
-              <a:t>2022/4/13</a:t>
+              <a:t>2022/4/14</a:t>
             </a:fld>
             <a:endParaRPr kumimoji="1" lang="zh-CN" altLang="en-US"/>
           </a:p>
@@ -2080,7 +2082,7 @@
           <a:p>
             <a:fld id="{B2F2A9A3-7C5A-7841-9A4D-F2ECE788F479}" type="datetimeFigureOut">
               <a:rPr kumimoji="1" lang="zh-CN" altLang="en-US" smtClean="0"/>
-              <a:t>2022/4/13</a:t>
+              <a:t>2022/4/14</a:t>
             </a:fld>
             <a:endParaRPr kumimoji="1" lang="zh-CN" altLang="en-US"/>
           </a:p>
@@ -2391,7 +2393,7 @@
           <a:p>
             <a:fld id="{B2F2A9A3-7C5A-7841-9A4D-F2ECE788F479}" type="datetimeFigureOut">
               <a:rPr kumimoji="1" lang="zh-CN" altLang="en-US" smtClean="0"/>
-              <a:t>2022/4/13</a:t>
+              <a:t>2022/4/14</a:t>
             </a:fld>
             <a:endParaRPr kumimoji="1" lang="zh-CN" altLang="en-US"/>
           </a:p>
@@ -2679,7 +2681,7 @@
           <a:p>
             <a:fld id="{B2F2A9A3-7C5A-7841-9A4D-F2ECE788F479}" type="datetimeFigureOut">
               <a:rPr kumimoji="1" lang="zh-CN" altLang="en-US" smtClean="0"/>
-              <a:t>2022/4/13</a:t>
+              <a:t>2022/4/14</a:t>
             </a:fld>
             <a:endParaRPr kumimoji="1" lang="zh-CN" altLang="en-US"/>
           </a:p>
@@ -2920,7 +2922,7 @@
           <a:p>
             <a:fld id="{B2F2A9A3-7C5A-7841-9A4D-F2ECE788F479}" type="datetimeFigureOut">
               <a:rPr kumimoji="1" lang="zh-CN" altLang="en-US" smtClean="0"/>
-              <a:t>2022/4/13</a:t>
+              <a:t>2022/4/14</a:t>
             </a:fld>
             <a:endParaRPr kumimoji="1" lang="zh-CN" altLang="en-US"/>
           </a:p>
@@ -3386,6 +3388,2906 @@
 </p:sld>
 </file>
 
+<file path=ppt/slides/slide2.xml><?xml version="1.0" encoding="utf-8"?>
+<p:sld xmlns:a="http://schemas.openxmlformats.org/drawingml/2006/main" xmlns:r="http://schemas.openxmlformats.org/officeDocument/2006/relationships" xmlns:p="http://schemas.openxmlformats.org/presentationml/2006/main">
+  <p:cSld>
+    <p:spTree>
+      <p:nvGrpSpPr>
+        <p:cNvPr id="1" name=""/>
+        <p:cNvGrpSpPr/>
+        <p:nvPr/>
+      </p:nvGrpSpPr>
+      <p:grpSpPr>
+        <a:xfrm>
+          <a:off x="0" y="0"/>
+          <a:ext cx="0" cy="0"/>
+          <a:chOff x="0" y="0"/>
+          <a:chExt cx="0" cy="0"/>
+        </a:xfrm>
+      </p:grpSpPr>
+      <p:sp>
+        <p:nvSpPr>
+          <p:cNvPr id="10" name="Rounded Rectangle 9">
+            <a:extLst>
+              <a:ext uri="{FF2B5EF4-FFF2-40B4-BE49-F238E27FC236}">
+                <a16:creationId xmlns:a16="http://schemas.microsoft.com/office/drawing/2014/main" id="{E381F6F7-B57A-61C2-D361-D6B80CA8E34C}"/>
+              </a:ext>
+            </a:extLst>
+          </p:cNvPr>
+          <p:cNvSpPr/>
+          <p:nvPr/>
+        </p:nvSpPr>
+        <p:spPr>
+          <a:xfrm>
+            <a:off x="5686425" y="957263"/>
+            <a:ext cx="1028700" cy="1028700"/>
+          </a:xfrm>
+          <a:prstGeom prst="roundRect">
+            <a:avLst>
+              <a:gd name="adj" fmla="val 24152"/>
+            </a:avLst>
+          </a:prstGeom>
+          <a:solidFill>
+            <a:srgbClr val="F25C4E"/>
+          </a:solidFill>
+          <a:ln>
+            <a:noFill/>
+          </a:ln>
+        </p:spPr>
+        <p:style>
+          <a:lnRef idx="2">
+            <a:schemeClr val="accent1">
+              <a:shade val="50000"/>
+            </a:schemeClr>
+          </a:lnRef>
+          <a:fillRef idx="1">
+            <a:schemeClr val="accent1"/>
+          </a:fillRef>
+          <a:effectRef idx="0">
+            <a:schemeClr val="accent1"/>
+          </a:effectRef>
+          <a:fontRef idx="minor">
+            <a:schemeClr val="lt1"/>
+          </a:fontRef>
+        </p:style>
+        <p:txBody>
+          <a:bodyPr rtlCol="0" anchor="ctr"/>
+          <a:lstStyle/>
+          <a:p>
+            <a:pPr algn="ctr"/>
+            <a:endParaRPr lang="en-US"/>
+          </a:p>
+        </p:txBody>
+      </p:sp>
+      <p:pic>
+        <p:nvPicPr>
+          <p:cNvPr id="1026" name="Picture 2" descr="Reviews Yelpgoogle Yelp, Star Symbol, Logo, Trademark Transparent Png">
+            <a:extLst>
+              <a:ext uri="{FF2B5EF4-FFF2-40B4-BE49-F238E27FC236}">
+                <a16:creationId xmlns:a16="http://schemas.microsoft.com/office/drawing/2014/main" id="{A8CE3E53-C976-E89C-DCD2-47CA841B2CCC}"/>
+              </a:ext>
+            </a:extLst>
+          </p:cNvPr>
+          <p:cNvPicPr>
+            <a:picLocks noChangeAspect="1" noChangeArrowheads="1"/>
+          </p:cNvPicPr>
+          <p:nvPr/>
+        </p:nvPicPr>
+        <p:blipFill>
+          <a:blip r:embed="rId2">
+            <a:extLst>
+              <a:ext uri="{28A0092B-C50C-407E-A947-70E740481C1C}">
+                <a14:useLocalDpi xmlns:a14="http://schemas.microsoft.com/office/drawing/2010/main" val="0"/>
+              </a:ext>
+            </a:extLst>
+          </a:blip>
+          <a:srcRect/>
+          <a:stretch>
+            <a:fillRect/>
+          </a:stretch>
+        </p:blipFill>
+        <p:spPr bwMode="auto">
+          <a:xfrm>
+            <a:off x="0" y="2889250"/>
+            <a:ext cx="12192000" cy="3365500"/>
+          </a:xfrm>
+          <a:prstGeom prst="rect">
+            <a:avLst/>
+          </a:prstGeom>
+          <a:noFill/>
+          <a:extLst>
+            <a:ext uri="{909E8E84-426E-40DD-AFC4-6F175D3DCCD1}">
+              <a14:hiddenFill xmlns:a14="http://schemas.microsoft.com/office/drawing/2010/main">
+                <a:solidFill>
+                  <a:srgbClr val="FFFFFF"/>
+                </a:solidFill>
+              </a14:hiddenFill>
+            </a:ext>
+          </a:extLst>
+        </p:spPr>
+      </p:pic>
+      <p:pic>
+        <p:nvPicPr>
+          <p:cNvPr id="9" name="Graphic 8" descr="Star with solid fill">
+            <a:extLst>
+              <a:ext uri="{FF2B5EF4-FFF2-40B4-BE49-F238E27FC236}">
+                <a16:creationId xmlns:a16="http://schemas.microsoft.com/office/drawing/2014/main" id="{0E7262A2-4322-261F-F705-6E001204432A}"/>
+              </a:ext>
+            </a:extLst>
+          </p:cNvPr>
+          <p:cNvPicPr>
+            <a:picLocks noChangeAspect="1"/>
+          </p:cNvPicPr>
+          <p:nvPr/>
+        </p:nvPicPr>
+        <p:blipFill>
+          <a:blip r:embed="rId3">
+            <a:extLst>
+              <a:ext uri="{96DAC541-7B7A-43D3-8B79-37D633B846F1}">
+                <asvg:svgBlip xmlns:asvg="http://schemas.microsoft.com/office/drawing/2016/SVG/main" r:embed="rId4"/>
+              </a:ext>
+            </a:extLst>
+          </a:blip>
+          <a:stretch>
+            <a:fillRect/>
+          </a:stretch>
+        </p:blipFill>
+        <p:spPr>
+          <a:xfrm>
+            <a:off x="5801326" y="1067201"/>
+            <a:ext cx="800100" cy="800100"/>
+          </a:xfrm>
+          <a:prstGeom prst="rect">
+            <a:avLst/>
+          </a:prstGeom>
+        </p:spPr>
+      </p:pic>
+    </p:spTree>
+    <p:extLst>
+      <p:ext uri="{BB962C8B-B14F-4D97-AF65-F5344CB8AC3E}">
+        <p14:creationId xmlns:p14="http://schemas.microsoft.com/office/powerpoint/2010/main" val="1546581607"/>
+      </p:ext>
+    </p:extLst>
+  </p:cSld>
+  <p:clrMapOvr>
+    <a:masterClrMapping/>
+  </p:clrMapOvr>
+</p:sld>
+</file>
+
+<file path=ppt/slides/slide3.xml><?xml version="1.0" encoding="utf-8"?>
+<p:sld xmlns:a="http://schemas.openxmlformats.org/drawingml/2006/main" xmlns:r="http://schemas.openxmlformats.org/officeDocument/2006/relationships" xmlns:p="http://schemas.openxmlformats.org/presentationml/2006/main">
+  <p:cSld>
+    <p:spTree>
+      <p:nvGrpSpPr>
+        <p:cNvPr id="1" name=""/>
+        <p:cNvGrpSpPr/>
+        <p:nvPr/>
+      </p:nvGrpSpPr>
+      <p:grpSpPr>
+        <a:xfrm>
+          <a:off x="0" y="0"/>
+          <a:ext cx="0" cy="0"/>
+          <a:chOff x="0" y="0"/>
+          <a:chExt cx="0" cy="0"/>
+        </a:xfrm>
+      </p:grpSpPr>
+      <p:grpSp>
+        <p:nvGrpSpPr>
+          <p:cNvPr id="6" name="Group 5">
+            <a:extLst>
+              <a:ext uri="{FF2B5EF4-FFF2-40B4-BE49-F238E27FC236}">
+                <a16:creationId xmlns:a16="http://schemas.microsoft.com/office/drawing/2014/main" id="{E335394C-3547-09FE-2B14-3F25D0783787}"/>
+              </a:ext>
+            </a:extLst>
+          </p:cNvPr>
+          <p:cNvGrpSpPr/>
+          <p:nvPr/>
+        </p:nvGrpSpPr>
+        <p:grpSpPr>
+          <a:xfrm>
+            <a:off x="1712424" y="225981"/>
+            <a:ext cx="1028700" cy="1028700"/>
+            <a:chOff x="3486564" y="851246"/>
+            <a:chExt cx="1028700" cy="1028700"/>
+          </a:xfrm>
+        </p:grpSpPr>
+        <p:sp>
+          <p:nvSpPr>
+            <p:cNvPr id="4" name="Rounded Rectangle 3">
+              <a:extLst>
+                <a:ext uri="{FF2B5EF4-FFF2-40B4-BE49-F238E27FC236}">
+                  <a16:creationId xmlns:a16="http://schemas.microsoft.com/office/drawing/2014/main" id="{7013A8EB-8B56-C51F-06B8-67B8CA7DC025}"/>
+                </a:ext>
+              </a:extLst>
+            </p:cNvPr>
+            <p:cNvSpPr/>
+            <p:nvPr/>
+          </p:nvSpPr>
+          <p:spPr>
+            <a:xfrm>
+              <a:off x="3486564" y="851246"/>
+              <a:ext cx="1028700" cy="1028700"/>
+            </a:xfrm>
+            <a:prstGeom prst="roundRect">
+              <a:avLst>
+                <a:gd name="adj" fmla="val 24152"/>
+              </a:avLst>
+            </a:prstGeom>
+            <a:solidFill>
+              <a:srgbClr val="F25C4E"/>
+            </a:solidFill>
+            <a:ln>
+              <a:noFill/>
+            </a:ln>
+          </p:spPr>
+          <p:style>
+            <a:lnRef idx="2">
+              <a:schemeClr val="accent1">
+                <a:shade val="50000"/>
+              </a:schemeClr>
+            </a:lnRef>
+            <a:fillRef idx="1">
+              <a:schemeClr val="accent1"/>
+            </a:fillRef>
+            <a:effectRef idx="0">
+              <a:schemeClr val="accent1"/>
+            </a:effectRef>
+            <a:fontRef idx="minor">
+              <a:schemeClr val="lt1"/>
+            </a:fontRef>
+          </p:style>
+          <p:txBody>
+            <a:bodyPr rtlCol="0" anchor="ctr"/>
+            <a:lstStyle/>
+            <a:p>
+              <a:pPr algn="ctr"/>
+              <a:endParaRPr lang="en-US"/>
+            </a:p>
+          </p:txBody>
+        </p:sp>
+        <p:pic>
+          <p:nvPicPr>
+            <p:cNvPr id="5" name="Graphic 4" descr="Star with solid fill">
+              <a:extLst>
+                <a:ext uri="{FF2B5EF4-FFF2-40B4-BE49-F238E27FC236}">
+                  <a16:creationId xmlns:a16="http://schemas.microsoft.com/office/drawing/2014/main" id="{798BBC6C-DACB-FF04-4557-B013D3EA7ADE}"/>
+                </a:ext>
+              </a:extLst>
+            </p:cNvPr>
+            <p:cNvPicPr>
+              <a:picLocks noChangeAspect="1"/>
+            </p:cNvPicPr>
+            <p:nvPr/>
+          </p:nvPicPr>
+          <p:blipFill>
+            <a:blip r:embed="rId2">
+              <a:extLst>
+                <a:ext uri="{96DAC541-7B7A-43D3-8B79-37D633B846F1}">
+                  <asvg:svgBlip xmlns:asvg="http://schemas.microsoft.com/office/drawing/2016/SVG/main" r:embed="rId3"/>
+                </a:ext>
+              </a:extLst>
+            </a:blip>
+            <a:stretch>
+              <a:fillRect/>
+            </a:stretch>
+          </p:blipFill>
+          <p:spPr>
+            <a:xfrm>
+              <a:off x="3601465" y="961184"/>
+              <a:ext cx="800100" cy="800100"/>
+            </a:xfrm>
+            <a:prstGeom prst="rect">
+              <a:avLst/>
+            </a:prstGeom>
+          </p:spPr>
+        </p:pic>
+      </p:grpSp>
+      <p:grpSp>
+        <p:nvGrpSpPr>
+          <p:cNvPr id="7" name="Group 6">
+            <a:extLst>
+              <a:ext uri="{FF2B5EF4-FFF2-40B4-BE49-F238E27FC236}">
+                <a16:creationId xmlns:a16="http://schemas.microsoft.com/office/drawing/2014/main" id="{82B0374F-B826-07B1-7158-462A6E6C8E35}"/>
+              </a:ext>
+            </a:extLst>
+          </p:cNvPr>
+          <p:cNvGrpSpPr/>
+          <p:nvPr/>
+        </p:nvGrpSpPr>
+        <p:grpSpPr>
+          <a:xfrm>
+            <a:off x="1730459" y="2497390"/>
+            <a:ext cx="1028700" cy="1028700"/>
+            <a:chOff x="3486564" y="851246"/>
+            <a:chExt cx="1028700" cy="1028700"/>
+          </a:xfrm>
+        </p:grpSpPr>
+        <p:sp>
+          <p:nvSpPr>
+            <p:cNvPr id="8" name="Rounded Rectangle 7">
+              <a:extLst>
+                <a:ext uri="{FF2B5EF4-FFF2-40B4-BE49-F238E27FC236}">
+                  <a16:creationId xmlns:a16="http://schemas.microsoft.com/office/drawing/2014/main" id="{80F7688E-9E8C-2112-1E2D-6D66C9594B6E}"/>
+                </a:ext>
+              </a:extLst>
+            </p:cNvPr>
+            <p:cNvSpPr/>
+            <p:nvPr/>
+          </p:nvSpPr>
+          <p:spPr>
+            <a:xfrm>
+              <a:off x="3486564" y="851246"/>
+              <a:ext cx="1028700" cy="1028700"/>
+            </a:xfrm>
+            <a:prstGeom prst="roundRect">
+              <a:avLst>
+                <a:gd name="adj" fmla="val 24152"/>
+              </a:avLst>
+            </a:prstGeom>
+            <a:solidFill>
+              <a:srgbClr val="F25C4E"/>
+            </a:solidFill>
+            <a:ln>
+              <a:noFill/>
+            </a:ln>
+          </p:spPr>
+          <p:style>
+            <a:lnRef idx="2">
+              <a:schemeClr val="accent1">
+                <a:shade val="50000"/>
+              </a:schemeClr>
+            </a:lnRef>
+            <a:fillRef idx="1">
+              <a:schemeClr val="accent1"/>
+            </a:fillRef>
+            <a:effectRef idx="0">
+              <a:schemeClr val="accent1"/>
+            </a:effectRef>
+            <a:fontRef idx="minor">
+              <a:schemeClr val="lt1"/>
+            </a:fontRef>
+          </p:style>
+          <p:txBody>
+            <a:bodyPr rtlCol="0" anchor="ctr"/>
+            <a:lstStyle/>
+            <a:p>
+              <a:pPr algn="ctr"/>
+              <a:endParaRPr lang="en-US"/>
+            </a:p>
+          </p:txBody>
+        </p:sp>
+        <p:pic>
+          <p:nvPicPr>
+            <p:cNvPr id="9" name="Graphic 8" descr="Star with solid fill">
+              <a:extLst>
+                <a:ext uri="{FF2B5EF4-FFF2-40B4-BE49-F238E27FC236}">
+                  <a16:creationId xmlns:a16="http://schemas.microsoft.com/office/drawing/2014/main" id="{A9728C34-6C79-49A7-5CEE-D1131BF4CC67}"/>
+                </a:ext>
+              </a:extLst>
+            </p:cNvPr>
+            <p:cNvPicPr>
+              <a:picLocks noChangeAspect="1"/>
+            </p:cNvPicPr>
+            <p:nvPr/>
+          </p:nvPicPr>
+          <p:blipFill>
+            <a:blip r:embed="rId2">
+              <a:extLst>
+                <a:ext uri="{96DAC541-7B7A-43D3-8B79-37D633B846F1}">
+                  <asvg:svgBlip xmlns:asvg="http://schemas.microsoft.com/office/drawing/2016/SVG/main" r:embed="rId3"/>
+                </a:ext>
+              </a:extLst>
+            </a:blip>
+            <a:stretch>
+              <a:fillRect/>
+            </a:stretch>
+          </p:blipFill>
+          <p:spPr>
+            <a:xfrm>
+              <a:off x="3601465" y="961184"/>
+              <a:ext cx="800100" cy="800100"/>
+            </a:xfrm>
+            <a:prstGeom prst="rect">
+              <a:avLst/>
+            </a:prstGeom>
+          </p:spPr>
+        </p:pic>
+      </p:grpSp>
+      <p:grpSp>
+        <p:nvGrpSpPr>
+          <p:cNvPr id="10" name="Group 9">
+            <a:extLst>
+              <a:ext uri="{FF2B5EF4-FFF2-40B4-BE49-F238E27FC236}">
+                <a16:creationId xmlns:a16="http://schemas.microsoft.com/office/drawing/2014/main" id="{1C51364F-3A87-0406-1AC5-D1E0B77D85F1}"/>
+              </a:ext>
+            </a:extLst>
+          </p:cNvPr>
+          <p:cNvGrpSpPr/>
+          <p:nvPr/>
+        </p:nvGrpSpPr>
+        <p:grpSpPr>
+          <a:xfrm>
+            <a:off x="2874060" y="2497390"/>
+            <a:ext cx="1028700" cy="1028700"/>
+            <a:chOff x="3486564" y="851246"/>
+            <a:chExt cx="1028700" cy="1028700"/>
+          </a:xfrm>
+        </p:grpSpPr>
+        <p:sp>
+          <p:nvSpPr>
+            <p:cNvPr id="11" name="Rounded Rectangle 10">
+              <a:extLst>
+                <a:ext uri="{FF2B5EF4-FFF2-40B4-BE49-F238E27FC236}">
+                  <a16:creationId xmlns:a16="http://schemas.microsoft.com/office/drawing/2014/main" id="{988861C7-0EC8-7A8D-1B34-6CFC6ACAC77B}"/>
+                </a:ext>
+              </a:extLst>
+            </p:cNvPr>
+            <p:cNvSpPr/>
+            <p:nvPr/>
+          </p:nvSpPr>
+          <p:spPr>
+            <a:xfrm>
+              <a:off x="3486564" y="851246"/>
+              <a:ext cx="1028700" cy="1028700"/>
+            </a:xfrm>
+            <a:prstGeom prst="roundRect">
+              <a:avLst>
+                <a:gd name="adj" fmla="val 24152"/>
+              </a:avLst>
+            </a:prstGeom>
+            <a:solidFill>
+              <a:srgbClr val="F25C4E"/>
+            </a:solidFill>
+            <a:ln>
+              <a:noFill/>
+            </a:ln>
+          </p:spPr>
+          <p:style>
+            <a:lnRef idx="2">
+              <a:schemeClr val="accent1">
+                <a:shade val="50000"/>
+              </a:schemeClr>
+            </a:lnRef>
+            <a:fillRef idx="1">
+              <a:schemeClr val="accent1"/>
+            </a:fillRef>
+            <a:effectRef idx="0">
+              <a:schemeClr val="accent1"/>
+            </a:effectRef>
+            <a:fontRef idx="minor">
+              <a:schemeClr val="lt1"/>
+            </a:fontRef>
+          </p:style>
+          <p:txBody>
+            <a:bodyPr rtlCol="0" anchor="ctr"/>
+            <a:lstStyle/>
+            <a:p>
+              <a:pPr algn="ctr"/>
+              <a:endParaRPr lang="en-US"/>
+            </a:p>
+          </p:txBody>
+        </p:sp>
+        <p:pic>
+          <p:nvPicPr>
+            <p:cNvPr id="12" name="Graphic 11" descr="Star with solid fill">
+              <a:extLst>
+                <a:ext uri="{FF2B5EF4-FFF2-40B4-BE49-F238E27FC236}">
+                  <a16:creationId xmlns:a16="http://schemas.microsoft.com/office/drawing/2014/main" id="{580EDEB7-C98C-9F62-879A-08050D894FF6}"/>
+                </a:ext>
+              </a:extLst>
+            </p:cNvPr>
+            <p:cNvPicPr>
+              <a:picLocks noChangeAspect="1"/>
+            </p:cNvPicPr>
+            <p:nvPr/>
+          </p:nvPicPr>
+          <p:blipFill>
+            <a:blip r:embed="rId2">
+              <a:extLst>
+                <a:ext uri="{96DAC541-7B7A-43D3-8B79-37D633B846F1}">
+                  <asvg:svgBlip xmlns:asvg="http://schemas.microsoft.com/office/drawing/2016/SVG/main" r:embed="rId3"/>
+                </a:ext>
+              </a:extLst>
+            </a:blip>
+            <a:stretch>
+              <a:fillRect/>
+            </a:stretch>
+          </p:blipFill>
+          <p:spPr>
+            <a:xfrm>
+              <a:off x="3601465" y="961184"/>
+              <a:ext cx="800100" cy="800100"/>
+            </a:xfrm>
+            <a:prstGeom prst="rect">
+              <a:avLst/>
+            </a:prstGeom>
+          </p:spPr>
+        </p:pic>
+      </p:grpSp>
+      <p:grpSp>
+        <p:nvGrpSpPr>
+          <p:cNvPr id="22" name="Group 21">
+            <a:extLst>
+              <a:ext uri="{FF2B5EF4-FFF2-40B4-BE49-F238E27FC236}">
+                <a16:creationId xmlns:a16="http://schemas.microsoft.com/office/drawing/2014/main" id="{C72FF534-25AC-2580-0857-F75E0BE545F5}"/>
+              </a:ext>
+            </a:extLst>
+          </p:cNvPr>
+          <p:cNvGrpSpPr/>
+          <p:nvPr/>
+        </p:nvGrpSpPr>
+        <p:grpSpPr>
+          <a:xfrm>
+            <a:off x="1712424" y="1338653"/>
+            <a:ext cx="1028700" cy="1028700"/>
+            <a:chOff x="3486564" y="851246"/>
+            <a:chExt cx="1028700" cy="1028700"/>
+          </a:xfrm>
+        </p:grpSpPr>
+        <p:sp>
+          <p:nvSpPr>
+            <p:cNvPr id="23" name="Rounded Rectangle 22">
+              <a:extLst>
+                <a:ext uri="{FF2B5EF4-FFF2-40B4-BE49-F238E27FC236}">
+                  <a16:creationId xmlns:a16="http://schemas.microsoft.com/office/drawing/2014/main" id="{C763DBF3-A59D-1764-24B7-3D3414890598}"/>
+                </a:ext>
+              </a:extLst>
+            </p:cNvPr>
+            <p:cNvSpPr/>
+            <p:nvPr/>
+          </p:nvSpPr>
+          <p:spPr>
+            <a:xfrm>
+              <a:off x="3486564" y="851246"/>
+              <a:ext cx="1028700" cy="1028700"/>
+            </a:xfrm>
+            <a:prstGeom prst="roundRect">
+              <a:avLst>
+                <a:gd name="adj" fmla="val 24152"/>
+              </a:avLst>
+            </a:prstGeom>
+            <a:solidFill>
+              <a:srgbClr val="F25C4E"/>
+            </a:solidFill>
+            <a:ln>
+              <a:noFill/>
+            </a:ln>
+          </p:spPr>
+          <p:style>
+            <a:lnRef idx="2">
+              <a:schemeClr val="accent1">
+                <a:shade val="50000"/>
+              </a:schemeClr>
+            </a:lnRef>
+            <a:fillRef idx="1">
+              <a:schemeClr val="accent1"/>
+            </a:fillRef>
+            <a:effectRef idx="0">
+              <a:schemeClr val="accent1"/>
+            </a:effectRef>
+            <a:fontRef idx="minor">
+              <a:schemeClr val="lt1"/>
+            </a:fontRef>
+          </p:style>
+          <p:txBody>
+            <a:bodyPr rtlCol="0" anchor="ctr"/>
+            <a:lstStyle/>
+            <a:p>
+              <a:pPr algn="ctr"/>
+              <a:endParaRPr lang="en-US"/>
+            </a:p>
+          </p:txBody>
+        </p:sp>
+        <p:pic>
+          <p:nvPicPr>
+            <p:cNvPr id="24" name="Graphic 23" descr="Star with solid fill">
+              <a:extLst>
+                <a:ext uri="{FF2B5EF4-FFF2-40B4-BE49-F238E27FC236}">
+                  <a16:creationId xmlns:a16="http://schemas.microsoft.com/office/drawing/2014/main" id="{7B063F49-16B7-1817-4084-CCB11011EBBE}"/>
+                </a:ext>
+              </a:extLst>
+            </p:cNvPr>
+            <p:cNvPicPr>
+              <a:picLocks noChangeAspect="1"/>
+            </p:cNvPicPr>
+            <p:nvPr/>
+          </p:nvPicPr>
+          <p:blipFill>
+            <a:blip r:embed="rId2">
+              <a:extLst>
+                <a:ext uri="{96DAC541-7B7A-43D3-8B79-37D633B846F1}">
+                  <asvg:svgBlip xmlns:asvg="http://schemas.microsoft.com/office/drawing/2016/SVG/main" r:embed="rId3"/>
+                </a:ext>
+              </a:extLst>
+            </a:blip>
+            <a:stretch>
+              <a:fillRect/>
+            </a:stretch>
+          </p:blipFill>
+          <p:spPr>
+            <a:xfrm>
+              <a:off x="3601465" y="961184"/>
+              <a:ext cx="800100" cy="800100"/>
+            </a:xfrm>
+            <a:prstGeom prst="rect">
+              <a:avLst/>
+            </a:prstGeom>
+          </p:spPr>
+        </p:pic>
+      </p:grpSp>
+      <p:grpSp>
+        <p:nvGrpSpPr>
+          <p:cNvPr id="25" name="Group 24">
+            <a:extLst>
+              <a:ext uri="{FF2B5EF4-FFF2-40B4-BE49-F238E27FC236}">
+                <a16:creationId xmlns:a16="http://schemas.microsoft.com/office/drawing/2014/main" id="{7565C3DF-7A07-D718-DE32-CE476E1CDE90}"/>
+              </a:ext>
+            </a:extLst>
+          </p:cNvPr>
+          <p:cNvGrpSpPr/>
+          <p:nvPr/>
+        </p:nvGrpSpPr>
+        <p:grpSpPr>
+          <a:xfrm>
+            <a:off x="2874060" y="1334291"/>
+            <a:ext cx="1028700" cy="1028700"/>
+            <a:chOff x="4864790" y="1138638"/>
+            <a:chExt cx="1028700" cy="1028700"/>
+          </a:xfrm>
+        </p:grpSpPr>
+        <p:sp>
+          <p:nvSpPr>
+            <p:cNvPr id="26" name="Rounded Rectangle 25">
+              <a:extLst>
+                <a:ext uri="{FF2B5EF4-FFF2-40B4-BE49-F238E27FC236}">
+                  <a16:creationId xmlns:a16="http://schemas.microsoft.com/office/drawing/2014/main" id="{01CE3D6D-B3BD-284E-E0B3-BAB903149CC3}"/>
+                </a:ext>
+              </a:extLst>
+            </p:cNvPr>
+            <p:cNvSpPr/>
+            <p:nvPr/>
+          </p:nvSpPr>
+          <p:spPr>
+            <a:xfrm>
+              <a:off x="4864790" y="1138638"/>
+              <a:ext cx="1028700" cy="1028700"/>
+            </a:xfrm>
+            <a:prstGeom prst="roundRect">
+              <a:avLst>
+                <a:gd name="adj" fmla="val 24152"/>
+              </a:avLst>
+            </a:prstGeom>
+            <a:solidFill>
+              <a:srgbClr val="F25C4E"/>
+            </a:solidFill>
+            <a:ln>
+              <a:noFill/>
+            </a:ln>
+          </p:spPr>
+          <p:style>
+            <a:lnRef idx="2">
+              <a:schemeClr val="accent1">
+                <a:shade val="50000"/>
+              </a:schemeClr>
+            </a:lnRef>
+            <a:fillRef idx="1">
+              <a:schemeClr val="accent1"/>
+            </a:fillRef>
+            <a:effectRef idx="0">
+              <a:schemeClr val="accent1"/>
+            </a:effectRef>
+            <a:fontRef idx="minor">
+              <a:schemeClr val="lt1"/>
+            </a:fontRef>
+          </p:style>
+          <p:txBody>
+            <a:bodyPr rtlCol="0" anchor="ctr"/>
+            <a:lstStyle/>
+            <a:p>
+              <a:pPr algn="ctr"/>
+              <a:endParaRPr lang="en-US"/>
+            </a:p>
+          </p:txBody>
+        </p:sp>
+        <p:sp>
+          <p:nvSpPr>
+            <p:cNvPr id="27" name="Freeform 26">
+              <a:extLst>
+                <a:ext uri="{FF2B5EF4-FFF2-40B4-BE49-F238E27FC236}">
+                  <a16:creationId xmlns:a16="http://schemas.microsoft.com/office/drawing/2014/main" id="{33254D3A-145E-E0ED-1FEC-4958D73AACE4}"/>
+                </a:ext>
+              </a:extLst>
+            </p:cNvPr>
+            <p:cNvSpPr/>
+            <p:nvPr/>
+          </p:nvSpPr>
+          <p:spPr>
+            <a:xfrm>
+              <a:off x="5379140" y="1138638"/>
+              <a:ext cx="514350" cy="1028700"/>
+            </a:xfrm>
+            <a:custGeom>
+              <a:avLst/>
+              <a:gdLst>
+                <a:gd name="connsiteX0" fmla="*/ 0 w 514350"/>
+                <a:gd name="connsiteY0" fmla="*/ 0 h 1028700"/>
+                <a:gd name="connsiteX1" fmla="*/ 265898 w 514350"/>
+                <a:gd name="connsiteY1" fmla="*/ 0 h 1028700"/>
+                <a:gd name="connsiteX2" fmla="*/ 514350 w 514350"/>
+                <a:gd name="connsiteY2" fmla="*/ 248452 h 1028700"/>
+                <a:gd name="connsiteX3" fmla="*/ 514350 w 514350"/>
+                <a:gd name="connsiteY3" fmla="*/ 780248 h 1028700"/>
+                <a:gd name="connsiteX4" fmla="*/ 265898 w 514350"/>
+                <a:gd name="connsiteY4" fmla="*/ 1028700 h 1028700"/>
+                <a:gd name="connsiteX5" fmla="*/ 0 w 514350"/>
+                <a:gd name="connsiteY5" fmla="*/ 1028700 h 1028700"/>
+              </a:gdLst>
+              <a:ahLst/>
+              <a:cxnLst>
+                <a:cxn ang="0">
+                  <a:pos x="connsiteX0" y="connsiteY0"/>
+                </a:cxn>
+                <a:cxn ang="0">
+                  <a:pos x="connsiteX1" y="connsiteY1"/>
+                </a:cxn>
+                <a:cxn ang="0">
+                  <a:pos x="connsiteX2" y="connsiteY2"/>
+                </a:cxn>
+                <a:cxn ang="0">
+                  <a:pos x="connsiteX3" y="connsiteY3"/>
+                </a:cxn>
+                <a:cxn ang="0">
+                  <a:pos x="connsiteX4" y="connsiteY4"/>
+                </a:cxn>
+                <a:cxn ang="0">
+                  <a:pos x="connsiteX5" y="connsiteY5"/>
+                </a:cxn>
+              </a:cxnLst>
+              <a:rect l="l" t="t" r="r" b="b"/>
+              <a:pathLst>
+                <a:path w="514350" h="1028700">
+                  <a:moveTo>
+                    <a:pt x="0" y="0"/>
+                  </a:moveTo>
+                  <a:lnTo>
+                    <a:pt x="265898" y="0"/>
+                  </a:lnTo>
+                  <a:cubicBezTo>
+                    <a:pt x="403114" y="0"/>
+                    <a:pt x="514350" y="111236"/>
+                    <a:pt x="514350" y="248452"/>
+                  </a:cubicBezTo>
+                  <a:lnTo>
+                    <a:pt x="514350" y="780248"/>
+                  </a:lnTo>
+                  <a:cubicBezTo>
+                    <a:pt x="514350" y="917464"/>
+                    <a:pt x="403114" y="1028700"/>
+                    <a:pt x="265898" y="1028700"/>
+                  </a:cubicBezTo>
+                  <a:lnTo>
+                    <a:pt x="0" y="1028700"/>
+                  </a:lnTo>
+                  <a:close/>
+                </a:path>
+              </a:pathLst>
+            </a:custGeom>
+            <a:solidFill>
+              <a:srgbClr val="CBCCCB"/>
+            </a:solidFill>
+            <a:ln>
+              <a:noFill/>
+            </a:ln>
+          </p:spPr>
+          <p:style>
+            <a:lnRef idx="2">
+              <a:schemeClr val="accent1">
+                <a:shade val="50000"/>
+              </a:schemeClr>
+            </a:lnRef>
+            <a:fillRef idx="1">
+              <a:schemeClr val="accent1"/>
+            </a:fillRef>
+            <a:effectRef idx="0">
+              <a:schemeClr val="accent1"/>
+            </a:effectRef>
+            <a:fontRef idx="minor">
+              <a:schemeClr val="lt1"/>
+            </a:fontRef>
+          </p:style>
+          <p:txBody>
+            <a:bodyPr wrap="square" rtlCol="0" anchor="ctr">
+              <a:noAutofit/>
+            </a:bodyPr>
+            <a:lstStyle/>
+            <a:p>
+              <a:pPr algn="ctr"/>
+              <a:endParaRPr lang="en-US"/>
+            </a:p>
+          </p:txBody>
+        </p:sp>
+        <p:pic>
+          <p:nvPicPr>
+            <p:cNvPr id="28" name="Graphic 27" descr="Star with solid fill">
+              <a:extLst>
+                <a:ext uri="{FF2B5EF4-FFF2-40B4-BE49-F238E27FC236}">
+                  <a16:creationId xmlns:a16="http://schemas.microsoft.com/office/drawing/2014/main" id="{04FF0E51-0499-112D-99DC-81FA2492783E}"/>
+                </a:ext>
+              </a:extLst>
+            </p:cNvPr>
+            <p:cNvPicPr>
+              <a:picLocks noChangeAspect="1"/>
+            </p:cNvPicPr>
+            <p:nvPr/>
+          </p:nvPicPr>
+          <p:blipFill>
+            <a:blip r:embed="rId2">
+              <a:extLst>
+                <a:ext uri="{96DAC541-7B7A-43D3-8B79-37D633B846F1}">
+                  <asvg:svgBlip xmlns:asvg="http://schemas.microsoft.com/office/drawing/2016/SVG/main" r:embed="rId3"/>
+                </a:ext>
+              </a:extLst>
+            </a:blip>
+            <a:stretch>
+              <a:fillRect/>
+            </a:stretch>
+          </p:blipFill>
+          <p:spPr>
+            <a:xfrm>
+              <a:off x="4979691" y="1248576"/>
+              <a:ext cx="800100" cy="800100"/>
+            </a:xfrm>
+            <a:prstGeom prst="rect">
+              <a:avLst/>
+            </a:prstGeom>
+          </p:spPr>
+        </p:pic>
+      </p:grpSp>
+      <p:grpSp>
+        <p:nvGrpSpPr>
+          <p:cNvPr id="29" name="Group 28">
+            <a:extLst>
+              <a:ext uri="{FF2B5EF4-FFF2-40B4-BE49-F238E27FC236}">
+                <a16:creationId xmlns:a16="http://schemas.microsoft.com/office/drawing/2014/main" id="{FA2F13B2-4524-C5F5-4D63-70C5CAB661DF}"/>
+              </a:ext>
+            </a:extLst>
+          </p:cNvPr>
+          <p:cNvGrpSpPr/>
+          <p:nvPr/>
+        </p:nvGrpSpPr>
+        <p:grpSpPr>
+          <a:xfrm>
+            <a:off x="1748908" y="3656127"/>
+            <a:ext cx="1028700" cy="1028700"/>
+            <a:chOff x="3486564" y="851246"/>
+            <a:chExt cx="1028700" cy="1028700"/>
+          </a:xfrm>
+        </p:grpSpPr>
+        <p:sp>
+          <p:nvSpPr>
+            <p:cNvPr id="30" name="Rounded Rectangle 29">
+              <a:extLst>
+                <a:ext uri="{FF2B5EF4-FFF2-40B4-BE49-F238E27FC236}">
+                  <a16:creationId xmlns:a16="http://schemas.microsoft.com/office/drawing/2014/main" id="{3E8C4D40-C7DC-41C0-D856-D00F1A427B48}"/>
+                </a:ext>
+              </a:extLst>
+            </p:cNvPr>
+            <p:cNvSpPr/>
+            <p:nvPr/>
+          </p:nvSpPr>
+          <p:spPr>
+            <a:xfrm>
+              <a:off x="3486564" y="851246"/>
+              <a:ext cx="1028700" cy="1028700"/>
+            </a:xfrm>
+            <a:prstGeom prst="roundRect">
+              <a:avLst>
+                <a:gd name="adj" fmla="val 24152"/>
+              </a:avLst>
+            </a:prstGeom>
+            <a:solidFill>
+              <a:srgbClr val="F25C4E"/>
+            </a:solidFill>
+            <a:ln>
+              <a:noFill/>
+            </a:ln>
+          </p:spPr>
+          <p:style>
+            <a:lnRef idx="2">
+              <a:schemeClr val="accent1">
+                <a:shade val="50000"/>
+              </a:schemeClr>
+            </a:lnRef>
+            <a:fillRef idx="1">
+              <a:schemeClr val="accent1"/>
+            </a:fillRef>
+            <a:effectRef idx="0">
+              <a:schemeClr val="accent1"/>
+            </a:effectRef>
+            <a:fontRef idx="minor">
+              <a:schemeClr val="lt1"/>
+            </a:fontRef>
+          </p:style>
+          <p:txBody>
+            <a:bodyPr rtlCol="0" anchor="ctr"/>
+            <a:lstStyle/>
+            <a:p>
+              <a:pPr algn="ctr"/>
+              <a:endParaRPr lang="en-US"/>
+            </a:p>
+          </p:txBody>
+        </p:sp>
+        <p:pic>
+          <p:nvPicPr>
+            <p:cNvPr id="31" name="Graphic 30" descr="Star with solid fill">
+              <a:extLst>
+                <a:ext uri="{FF2B5EF4-FFF2-40B4-BE49-F238E27FC236}">
+                  <a16:creationId xmlns:a16="http://schemas.microsoft.com/office/drawing/2014/main" id="{B0CC04D8-35DA-AF66-F859-78EC7E8804C0}"/>
+                </a:ext>
+              </a:extLst>
+            </p:cNvPr>
+            <p:cNvPicPr>
+              <a:picLocks noChangeAspect="1"/>
+            </p:cNvPicPr>
+            <p:nvPr/>
+          </p:nvPicPr>
+          <p:blipFill>
+            <a:blip r:embed="rId2">
+              <a:extLst>
+                <a:ext uri="{96DAC541-7B7A-43D3-8B79-37D633B846F1}">
+                  <asvg:svgBlip xmlns:asvg="http://schemas.microsoft.com/office/drawing/2016/SVG/main" r:embed="rId3"/>
+                </a:ext>
+              </a:extLst>
+            </a:blip>
+            <a:stretch>
+              <a:fillRect/>
+            </a:stretch>
+          </p:blipFill>
+          <p:spPr>
+            <a:xfrm>
+              <a:off x="3601465" y="961184"/>
+              <a:ext cx="800100" cy="800100"/>
+            </a:xfrm>
+            <a:prstGeom prst="rect">
+              <a:avLst/>
+            </a:prstGeom>
+          </p:spPr>
+        </p:pic>
+      </p:grpSp>
+      <p:grpSp>
+        <p:nvGrpSpPr>
+          <p:cNvPr id="32" name="Group 31">
+            <a:extLst>
+              <a:ext uri="{FF2B5EF4-FFF2-40B4-BE49-F238E27FC236}">
+                <a16:creationId xmlns:a16="http://schemas.microsoft.com/office/drawing/2014/main" id="{4F55183D-5E66-1680-70B8-680618B4862A}"/>
+              </a:ext>
+            </a:extLst>
+          </p:cNvPr>
+          <p:cNvGrpSpPr/>
+          <p:nvPr/>
+        </p:nvGrpSpPr>
+        <p:grpSpPr>
+          <a:xfrm>
+            <a:off x="2892509" y="3656127"/>
+            <a:ext cx="1028700" cy="1028700"/>
+            <a:chOff x="3486564" y="851246"/>
+            <a:chExt cx="1028700" cy="1028700"/>
+          </a:xfrm>
+        </p:grpSpPr>
+        <p:sp>
+          <p:nvSpPr>
+            <p:cNvPr id="33" name="Rounded Rectangle 32">
+              <a:extLst>
+                <a:ext uri="{FF2B5EF4-FFF2-40B4-BE49-F238E27FC236}">
+                  <a16:creationId xmlns:a16="http://schemas.microsoft.com/office/drawing/2014/main" id="{39CD8FB1-2881-ACF0-8C82-D6EAC2E33543}"/>
+                </a:ext>
+              </a:extLst>
+            </p:cNvPr>
+            <p:cNvSpPr/>
+            <p:nvPr/>
+          </p:nvSpPr>
+          <p:spPr>
+            <a:xfrm>
+              <a:off x="3486564" y="851246"/>
+              <a:ext cx="1028700" cy="1028700"/>
+            </a:xfrm>
+            <a:prstGeom prst="roundRect">
+              <a:avLst>
+                <a:gd name="adj" fmla="val 24152"/>
+              </a:avLst>
+            </a:prstGeom>
+            <a:solidFill>
+              <a:srgbClr val="F25C4E"/>
+            </a:solidFill>
+            <a:ln>
+              <a:noFill/>
+            </a:ln>
+          </p:spPr>
+          <p:style>
+            <a:lnRef idx="2">
+              <a:schemeClr val="accent1">
+                <a:shade val="50000"/>
+              </a:schemeClr>
+            </a:lnRef>
+            <a:fillRef idx="1">
+              <a:schemeClr val="accent1"/>
+            </a:fillRef>
+            <a:effectRef idx="0">
+              <a:schemeClr val="accent1"/>
+            </a:effectRef>
+            <a:fontRef idx="minor">
+              <a:schemeClr val="lt1"/>
+            </a:fontRef>
+          </p:style>
+          <p:txBody>
+            <a:bodyPr rtlCol="0" anchor="ctr"/>
+            <a:lstStyle/>
+            <a:p>
+              <a:pPr algn="ctr"/>
+              <a:endParaRPr lang="en-US"/>
+            </a:p>
+          </p:txBody>
+        </p:sp>
+        <p:pic>
+          <p:nvPicPr>
+            <p:cNvPr id="34" name="Graphic 33" descr="Star with solid fill">
+              <a:extLst>
+                <a:ext uri="{FF2B5EF4-FFF2-40B4-BE49-F238E27FC236}">
+                  <a16:creationId xmlns:a16="http://schemas.microsoft.com/office/drawing/2014/main" id="{0D70C6ED-ACE9-F0E8-3FE3-7CC6BEDA3B1D}"/>
+                </a:ext>
+              </a:extLst>
+            </p:cNvPr>
+            <p:cNvPicPr>
+              <a:picLocks noChangeAspect="1"/>
+            </p:cNvPicPr>
+            <p:nvPr/>
+          </p:nvPicPr>
+          <p:blipFill>
+            <a:blip r:embed="rId2">
+              <a:extLst>
+                <a:ext uri="{96DAC541-7B7A-43D3-8B79-37D633B846F1}">
+                  <asvg:svgBlip xmlns:asvg="http://schemas.microsoft.com/office/drawing/2016/SVG/main" r:embed="rId3"/>
+                </a:ext>
+              </a:extLst>
+            </a:blip>
+            <a:stretch>
+              <a:fillRect/>
+            </a:stretch>
+          </p:blipFill>
+          <p:spPr>
+            <a:xfrm>
+              <a:off x="3601465" y="961184"/>
+              <a:ext cx="800100" cy="800100"/>
+            </a:xfrm>
+            <a:prstGeom prst="rect">
+              <a:avLst/>
+            </a:prstGeom>
+          </p:spPr>
+        </p:pic>
+      </p:grpSp>
+      <p:grpSp>
+        <p:nvGrpSpPr>
+          <p:cNvPr id="35" name="Group 34">
+            <a:extLst>
+              <a:ext uri="{FF2B5EF4-FFF2-40B4-BE49-F238E27FC236}">
+                <a16:creationId xmlns:a16="http://schemas.microsoft.com/office/drawing/2014/main" id="{0173960E-6385-CCBC-3984-657CCBF3143A}"/>
+              </a:ext>
+            </a:extLst>
+          </p:cNvPr>
+          <p:cNvGrpSpPr/>
+          <p:nvPr/>
+        </p:nvGrpSpPr>
+        <p:grpSpPr>
+          <a:xfrm>
+            <a:off x="4036110" y="3651765"/>
+            <a:ext cx="1028700" cy="1028700"/>
+            <a:chOff x="4864790" y="1138638"/>
+            <a:chExt cx="1028700" cy="1028700"/>
+          </a:xfrm>
+        </p:grpSpPr>
+        <p:sp>
+          <p:nvSpPr>
+            <p:cNvPr id="36" name="Rounded Rectangle 35">
+              <a:extLst>
+                <a:ext uri="{FF2B5EF4-FFF2-40B4-BE49-F238E27FC236}">
+                  <a16:creationId xmlns:a16="http://schemas.microsoft.com/office/drawing/2014/main" id="{54AFB418-AD73-9D78-05F8-D1496BEE17ED}"/>
+                </a:ext>
+              </a:extLst>
+            </p:cNvPr>
+            <p:cNvSpPr/>
+            <p:nvPr/>
+          </p:nvSpPr>
+          <p:spPr>
+            <a:xfrm>
+              <a:off x="4864790" y="1138638"/>
+              <a:ext cx="1028700" cy="1028700"/>
+            </a:xfrm>
+            <a:prstGeom prst="roundRect">
+              <a:avLst>
+                <a:gd name="adj" fmla="val 24152"/>
+              </a:avLst>
+            </a:prstGeom>
+            <a:solidFill>
+              <a:srgbClr val="F25C4E"/>
+            </a:solidFill>
+            <a:ln>
+              <a:noFill/>
+            </a:ln>
+          </p:spPr>
+          <p:style>
+            <a:lnRef idx="2">
+              <a:schemeClr val="accent1">
+                <a:shade val="50000"/>
+              </a:schemeClr>
+            </a:lnRef>
+            <a:fillRef idx="1">
+              <a:schemeClr val="accent1"/>
+            </a:fillRef>
+            <a:effectRef idx="0">
+              <a:schemeClr val="accent1"/>
+            </a:effectRef>
+            <a:fontRef idx="minor">
+              <a:schemeClr val="lt1"/>
+            </a:fontRef>
+          </p:style>
+          <p:txBody>
+            <a:bodyPr rtlCol="0" anchor="ctr"/>
+            <a:lstStyle/>
+            <a:p>
+              <a:pPr algn="ctr"/>
+              <a:endParaRPr lang="en-US"/>
+            </a:p>
+          </p:txBody>
+        </p:sp>
+        <p:sp>
+          <p:nvSpPr>
+            <p:cNvPr id="37" name="Freeform 36">
+              <a:extLst>
+                <a:ext uri="{FF2B5EF4-FFF2-40B4-BE49-F238E27FC236}">
+                  <a16:creationId xmlns:a16="http://schemas.microsoft.com/office/drawing/2014/main" id="{6418624F-9A7C-F839-42F1-6F9CEB76E673}"/>
+                </a:ext>
+              </a:extLst>
+            </p:cNvPr>
+            <p:cNvSpPr/>
+            <p:nvPr/>
+          </p:nvSpPr>
+          <p:spPr>
+            <a:xfrm>
+              <a:off x="5379140" y="1138638"/>
+              <a:ext cx="514350" cy="1028700"/>
+            </a:xfrm>
+            <a:custGeom>
+              <a:avLst/>
+              <a:gdLst>
+                <a:gd name="connsiteX0" fmla="*/ 0 w 514350"/>
+                <a:gd name="connsiteY0" fmla="*/ 0 h 1028700"/>
+                <a:gd name="connsiteX1" fmla="*/ 265898 w 514350"/>
+                <a:gd name="connsiteY1" fmla="*/ 0 h 1028700"/>
+                <a:gd name="connsiteX2" fmla="*/ 514350 w 514350"/>
+                <a:gd name="connsiteY2" fmla="*/ 248452 h 1028700"/>
+                <a:gd name="connsiteX3" fmla="*/ 514350 w 514350"/>
+                <a:gd name="connsiteY3" fmla="*/ 780248 h 1028700"/>
+                <a:gd name="connsiteX4" fmla="*/ 265898 w 514350"/>
+                <a:gd name="connsiteY4" fmla="*/ 1028700 h 1028700"/>
+                <a:gd name="connsiteX5" fmla="*/ 0 w 514350"/>
+                <a:gd name="connsiteY5" fmla="*/ 1028700 h 1028700"/>
+              </a:gdLst>
+              <a:ahLst/>
+              <a:cxnLst>
+                <a:cxn ang="0">
+                  <a:pos x="connsiteX0" y="connsiteY0"/>
+                </a:cxn>
+                <a:cxn ang="0">
+                  <a:pos x="connsiteX1" y="connsiteY1"/>
+                </a:cxn>
+                <a:cxn ang="0">
+                  <a:pos x="connsiteX2" y="connsiteY2"/>
+                </a:cxn>
+                <a:cxn ang="0">
+                  <a:pos x="connsiteX3" y="connsiteY3"/>
+                </a:cxn>
+                <a:cxn ang="0">
+                  <a:pos x="connsiteX4" y="connsiteY4"/>
+                </a:cxn>
+                <a:cxn ang="0">
+                  <a:pos x="connsiteX5" y="connsiteY5"/>
+                </a:cxn>
+              </a:cxnLst>
+              <a:rect l="l" t="t" r="r" b="b"/>
+              <a:pathLst>
+                <a:path w="514350" h="1028700">
+                  <a:moveTo>
+                    <a:pt x="0" y="0"/>
+                  </a:moveTo>
+                  <a:lnTo>
+                    <a:pt x="265898" y="0"/>
+                  </a:lnTo>
+                  <a:cubicBezTo>
+                    <a:pt x="403114" y="0"/>
+                    <a:pt x="514350" y="111236"/>
+                    <a:pt x="514350" y="248452"/>
+                  </a:cubicBezTo>
+                  <a:lnTo>
+                    <a:pt x="514350" y="780248"/>
+                  </a:lnTo>
+                  <a:cubicBezTo>
+                    <a:pt x="514350" y="917464"/>
+                    <a:pt x="403114" y="1028700"/>
+                    <a:pt x="265898" y="1028700"/>
+                  </a:cubicBezTo>
+                  <a:lnTo>
+                    <a:pt x="0" y="1028700"/>
+                  </a:lnTo>
+                  <a:close/>
+                </a:path>
+              </a:pathLst>
+            </a:custGeom>
+            <a:solidFill>
+              <a:srgbClr val="CBCCCB"/>
+            </a:solidFill>
+            <a:ln>
+              <a:noFill/>
+            </a:ln>
+          </p:spPr>
+          <p:style>
+            <a:lnRef idx="2">
+              <a:schemeClr val="accent1">
+                <a:shade val="50000"/>
+              </a:schemeClr>
+            </a:lnRef>
+            <a:fillRef idx="1">
+              <a:schemeClr val="accent1"/>
+            </a:fillRef>
+            <a:effectRef idx="0">
+              <a:schemeClr val="accent1"/>
+            </a:effectRef>
+            <a:fontRef idx="minor">
+              <a:schemeClr val="lt1"/>
+            </a:fontRef>
+          </p:style>
+          <p:txBody>
+            <a:bodyPr wrap="square" rtlCol="0" anchor="ctr">
+              <a:noAutofit/>
+            </a:bodyPr>
+            <a:lstStyle/>
+            <a:p>
+              <a:pPr algn="ctr"/>
+              <a:endParaRPr lang="en-US"/>
+            </a:p>
+          </p:txBody>
+        </p:sp>
+        <p:pic>
+          <p:nvPicPr>
+            <p:cNvPr id="38" name="Graphic 37" descr="Star with solid fill">
+              <a:extLst>
+                <a:ext uri="{FF2B5EF4-FFF2-40B4-BE49-F238E27FC236}">
+                  <a16:creationId xmlns:a16="http://schemas.microsoft.com/office/drawing/2014/main" id="{E39E0B0B-CC39-F09A-1EF8-60C53A4DAEBF}"/>
+                </a:ext>
+              </a:extLst>
+            </p:cNvPr>
+            <p:cNvPicPr>
+              <a:picLocks noChangeAspect="1"/>
+            </p:cNvPicPr>
+            <p:nvPr/>
+          </p:nvPicPr>
+          <p:blipFill>
+            <a:blip r:embed="rId2">
+              <a:extLst>
+                <a:ext uri="{96DAC541-7B7A-43D3-8B79-37D633B846F1}">
+                  <asvg:svgBlip xmlns:asvg="http://schemas.microsoft.com/office/drawing/2016/SVG/main" r:embed="rId3"/>
+                </a:ext>
+              </a:extLst>
+            </a:blip>
+            <a:stretch>
+              <a:fillRect/>
+            </a:stretch>
+          </p:blipFill>
+          <p:spPr>
+            <a:xfrm>
+              <a:off x="4979691" y="1248576"/>
+              <a:ext cx="800100" cy="800100"/>
+            </a:xfrm>
+            <a:prstGeom prst="rect">
+              <a:avLst/>
+            </a:prstGeom>
+          </p:spPr>
+        </p:pic>
+      </p:grpSp>
+      <p:grpSp>
+        <p:nvGrpSpPr>
+          <p:cNvPr id="39" name="Group 38">
+            <a:extLst>
+              <a:ext uri="{FF2B5EF4-FFF2-40B4-BE49-F238E27FC236}">
+                <a16:creationId xmlns:a16="http://schemas.microsoft.com/office/drawing/2014/main" id="{89A052F9-3CAE-5D35-C312-020D6B450E12}"/>
+              </a:ext>
+            </a:extLst>
+          </p:cNvPr>
+          <p:cNvGrpSpPr/>
+          <p:nvPr/>
+        </p:nvGrpSpPr>
+        <p:grpSpPr>
+          <a:xfrm>
+            <a:off x="1748908" y="4823588"/>
+            <a:ext cx="1028700" cy="1028700"/>
+            <a:chOff x="3486564" y="851246"/>
+            <a:chExt cx="1028700" cy="1028700"/>
+          </a:xfrm>
+        </p:grpSpPr>
+        <p:sp>
+          <p:nvSpPr>
+            <p:cNvPr id="40" name="Rounded Rectangle 39">
+              <a:extLst>
+                <a:ext uri="{FF2B5EF4-FFF2-40B4-BE49-F238E27FC236}">
+                  <a16:creationId xmlns:a16="http://schemas.microsoft.com/office/drawing/2014/main" id="{85FC32F1-D345-D967-4967-2D843A684442}"/>
+                </a:ext>
+              </a:extLst>
+            </p:cNvPr>
+            <p:cNvSpPr/>
+            <p:nvPr/>
+          </p:nvSpPr>
+          <p:spPr>
+            <a:xfrm>
+              <a:off x="3486564" y="851246"/>
+              <a:ext cx="1028700" cy="1028700"/>
+            </a:xfrm>
+            <a:prstGeom prst="roundRect">
+              <a:avLst>
+                <a:gd name="adj" fmla="val 24152"/>
+              </a:avLst>
+            </a:prstGeom>
+            <a:solidFill>
+              <a:srgbClr val="F25C4E"/>
+            </a:solidFill>
+            <a:ln>
+              <a:noFill/>
+            </a:ln>
+          </p:spPr>
+          <p:style>
+            <a:lnRef idx="2">
+              <a:schemeClr val="accent1">
+                <a:shade val="50000"/>
+              </a:schemeClr>
+            </a:lnRef>
+            <a:fillRef idx="1">
+              <a:schemeClr val="accent1"/>
+            </a:fillRef>
+            <a:effectRef idx="0">
+              <a:schemeClr val="accent1"/>
+            </a:effectRef>
+            <a:fontRef idx="minor">
+              <a:schemeClr val="lt1"/>
+            </a:fontRef>
+          </p:style>
+          <p:txBody>
+            <a:bodyPr rtlCol="0" anchor="ctr"/>
+            <a:lstStyle/>
+            <a:p>
+              <a:pPr algn="ctr"/>
+              <a:endParaRPr lang="en-US"/>
+            </a:p>
+          </p:txBody>
+        </p:sp>
+        <p:pic>
+          <p:nvPicPr>
+            <p:cNvPr id="41" name="Graphic 40" descr="Star with solid fill">
+              <a:extLst>
+                <a:ext uri="{FF2B5EF4-FFF2-40B4-BE49-F238E27FC236}">
+                  <a16:creationId xmlns:a16="http://schemas.microsoft.com/office/drawing/2014/main" id="{7601A16B-2FFA-13E9-883A-2CD5F7E4E5FD}"/>
+                </a:ext>
+              </a:extLst>
+            </p:cNvPr>
+            <p:cNvPicPr>
+              <a:picLocks noChangeAspect="1"/>
+            </p:cNvPicPr>
+            <p:nvPr/>
+          </p:nvPicPr>
+          <p:blipFill>
+            <a:blip r:embed="rId2">
+              <a:extLst>
+                <a:ext uri="{96DAC541-7B7A-43D3-8B79-37D633B846F1}">
+                  <asvg:svgBlip xmlns:asvg="http://schemas.microsoft.com/office/drawing/2016/SVG/main" r:embed="rId3"/>
+                </a:ext>
+              </a:extLst>
+            </a:blip>
+            <a:stretch>
+              <a:fillRect/>
+            </a:stretch>
+          </p:blipFill>
+          <p:spPr>
+            <a:xfrm>
+              <a:off x="3601465" y="961184"/>
+              <a:ext cx="800100" cy="800100"/>
+            </a:xfrm>
+            <a:prstGeom prst="rect">
+              <a:avLst/>
+            </a:prstGeom>
+          </p:spPr>
+        </p:pic>
+      </p:grpSp>
+      <p:grpSp>
+        <p:nvGrpSpPr>
+          <p:cNvPr id="42" name="Group 41">
+            <a:extLst>
+              <a:ext uri="{FF2B5EF4-FFF2-40B4-BE49-F238E27FC236}">
+                <a16:creationId xmlns:a16="http://schemas.microsoft.com/office/drawing/2014/main" id="{4F58AE0A-27AD-C360-EF88-A79A64F86E4C}"/>
+              </a:ext>
+            </a:extLst>
+          </p:cNvPr>
+          <p:cNvGrpSpPr/>
+          <p:nvPr/>
+        </p:nvGrpSpPr>
+        <p:grpSpPr>
+          <a:xfrm>
+            <a:off x="2892509" y="4823588"/>
+            <a:ext cx="1028700" cy="1028700"/>
+            <a:chOff x="3486564" y="851246"/>
+            <a:chExt cx="1028700" cy="1028700"/>
+          </a:xfrm>
+        </p:grpSpPr>
+        <p:sp>
+          <p:nvSpPr>
+            <p:cNvPr id="43" name="Rounded Rectangle 42">
+              <a:extLst>
+                <a:ext uri="{FF2B5EF4-FFF2-40B4-BE49-F238E27FC236}">
+                  <a16:creationId xmlns:a16="http://schemas.microsoft.com/office/drawing/2014/main" id="{5741B9BC-4597-FB08-A6CE-123A0523AB39}"/>
+                </a:ext>
+              </a:extLst>
+            </p:cNvPr>
+            <p:cNvSpPr/>
+            <p:nvPr/>
+          </p:nvSpPr>
+          <p:spPr>
+            <a:xfrm>
+              <a:off x="3486564" y="851246"/>
+              <a:ext cx="1028700" cy="1028700"/>
+            </a:xfrm>
+            <a:prstGeom prst="roundRect">
+              <a:avLst>
+                <a:gd name="adj" fmla="val 24152"/>
+              </a:avLst>
+            </a:prstGeom>
+            <a:solidFill>
+              <a:srgbClr val="F25C4E"/>
+            </a:solidFill>
+            <a:ln>
+              <a:noFill/>
+            </a:ln>
+          </p:spPr>
+          <p:style>
+            <a:lnRef idx="2">
+              <a:schemeClr val="accent1">
+                <a:shade val="50000"/>
+              </a:schemeClr>
+            </a:lnRef>
+            <a:fillRef idx="1">
+              <a:schemeClr val="accent1"/>
+            </a:fillRef>
+            <a:effectRef idx="0">
+              <a:schemeClr val="accent1"/>
+            </a:effectRef>
+            <a:fontRef idx="minor">
+              <a:schemeClr val="lt1"/>
+            </a:fontRef>
+          </p:style>
+          <p:txBody>
+            <a:bodyPr rtlCol="0" anchor="ctr"/>
+            <a:lstStyle/>
+            <a:p>
+              <a:pPr algn="ctr"/>
+              <a:endParaRPr lang="en-US"/>
+            </a:p>
+          </p:txBody>
+        </p:sp>
+        <p:pic>
+          <p:nvPicPr>
+            <p:cNvPr id="44" name="Graphic 43" descr="Star with solid fill">
+              <a:extLst>
+                <a:ext uri="{FF2B5EF4-FFF2-40B4-BE49-F238E27FC236}">
+                  <a16:creationId xmlns:a16="http://schemas.microsoft.com/office/drawing/2014/main" id="{91952031-2826-4C27-19DE-212C8DDFBCDD}"/>
+                </a:ext>
+              </a:extLst>
+            </p:cNvPr>
+            <p:cNvPicPr>
+              <a:picLocks noChangeAspect="1"/>
+            </p:cNvPicPr>
+            <p:nvPr/>
+          </p:nvPicPr>
+          <p:blipFill>
+            <a:blip r:embed="rId2">
+              <a:extLst>
+                <a:ext uri="{96DAC541-7B7A-43D3-8B79-37D633B846F1}">
+                  <asvg:svgBlip xmlns:asvg="http://schemas.microsoft.com/office/drawing/2016/SVG/main" r:embed="rId3"/>
+                </a:ext>
+              </a:extLst>
+            </a:blip>
+            <a:stretch>
+              <a:fillRect/>
+            </a:stretch>
+          </p:blipFill>
+          <p:spPr>
+            <a:xfrm>
+              <a:off x="3601465" y="961184"/>
+              <a:ext cx="800100" cy="800100"/>
+            </a:xfrm>
+            <a:prstGeom prst="rect">
+              <a:avLst/>
+            </a:prstGeom>
+          </p:spPr>
+        </p:pic>
+      </p:grpSp>
+      <p:grpSp>
+        <p:nvGrpSpPr>
+          <p:cNvPr id="49" name="Group 48">
+            <a:extLst>
+              <a:ext uri="{FF2B5EF4-FFF2-40B4-BE49-F238E27FC236}">
+                <a16:creationId xmlns:a16="http://schemas.microsoft.com/office/drawing/2014/main" id="{6ED679CF-EF87-86E6-8C59-EA0636274889}"/>
+              </a:ext>
+            </a:extLst>
+          </p:cNvPr>
+          <p:cNvGrpSpPr/>
+          <p:nvPr/>
+        </p:nvGrpSpPr>
+        <p:grpSpPr>
+          <a:xfrm>
+            <a:off x="4036110" y="4819226"/>
+            <a:ext cx="1028700" cy="1028700"/>
+            <a:chOff x="3486564" y="851246"/>
+            <a:chExt cx="1028700" cy="1028700"/>
+          </a:xfrm>
+        </p:grpSpPr>
+        <p:sp>
+          <p:nvSpPr>
+            <p:cNvPr id="50" name="Rounded Rectangle 49">
+              <a:extLst>
+                <a:ext uri="{FF2B5EF4-FFF2-40B4-BE49-F238E27FC236}">
+                  <a16:creationId xmlns:a16="http://schemas.microsoft.com/office/drawing/2014/main" id="{02D8EA01-543A-ABEB-E23E-F536B51EC81C}"/>
+                </a:ext>
+              </a:extLst>
+            </p:cNvPr>
+            <p:cNvSpPr/>
+            <p:nvPr/>
+          </p:nvSpPr>
+          <p:spPr>
+            <a:xfrm>
+              <a:off x="3486564" y="851246"/>
+              <a:ext cx="1028700" cy="1028700"/>
+            </a:xfrm>
+            <a:prstGeom prst="roundRect">
+              <a:avLst>
+                <a:gd name="adj" fmla="val 24152"/>
+              </a:avLst>
+            </a:prstGeom>
+            <a:solidFill>
+              <a:srgbClr val="F25C4E"/>
+            </a:solidFill>
+            <a:ln>
+              <a:noFill/>
+            </a:ln>
+          </p:spPr>
+          <p:style>
+            <a:lnRef idx="2">
+              <a:schemeClr val="accent1">
+                <a:shade val="50000"/>
+              </a:schemeClr>
+            </a:lnRef>
+            <a:fillRef idx="1">
+              <a:schemeClr val="accent1"/>
+            </a:fillRef>
+            <a:effectRef idx="0">
+              <a:schemeClr val="accent1"/>
+            </a:effectRef>
+            <a:fontRef idx="minor">
+              <a:schemeClr val="lt1"/>
+            </a:fontRef>
+          </p:style>
+          <p:txBody>
+            <a:bodyPr rtlCol="0" anchor="ctr"/>
+            <a:lstStyle/>
+            <a:p>
+              <a:pPr algn="ctr"/>
+              <a:endParaRPr lang="en-US"/>
+            </a:p>
+          </p:txBody>
+        </p:sp>
+        <p:pic>
+          <p:nvPicPr>
+            <p:cNvPr id="51" name="Graphic 50" descr="Star with solid fill">
+              <a:extLst>
+                <a:ext uri="{FF2B5EF4-FFF2-40B4-BE49-F238E27FC236}">
+                  <a16:creationId xmlns:a16="http://schemas.microsoft.com/office/drawing/2014/main" id="{1F80F7EC-BEC4-C78F-CDD0-CBE66F6B88B9}"/>
+                </a:ext>
+              </a:extLst>
+            </p:cNvPr>
+            <p:cNvPicPr>
+              <a:picLocks noChangeAspect="1"/>
+            </p:cNvPicPr>
+            <p:nvPr/>
+          </p:nvPicPr>
+          <p:blipFill>
+            <a:blip r:embed="rId2">
+              <a:extLst>
+                <a:ext uri="{96DAC541-7B7A-43D3-8B79-37D633B846F1}">
+                  <asvg:svgBlip xmlns:asvg="http://schemas.microsoft.com/office/drawing/2016/SVG/main" r:embed="rId3"/>
+                </a:ext>
+              </a:extLst>
+            </a:blip>
+            <a:stretch>
+              <a:fillRect/>
+            </a:stretch>
+          </p:blipFill>
+          <p:spPr>
+            <a:xfrm>
+              <a:off x="3601465" y="961184"/>
+              <a:ext cx="800100" cy="800100"/>
+            </a:xfrm>
+            <a:prstGeom prst="rect">
+              <a:avLst/>
+            </a:prstGeom>
+          </p:spPr>
+        </p:pic>
+      </p:grpSp>
+      <p:grpSp>
+        <p:nvGrpSpPr>
+          <p:cNvPr id="52" name="Group 51">
+            <a:extLst>
+              <a:ext uri="{FF2B5EF4-FFF2-40B4-BE49-F238E27FC236}">
+                <a16:creationId xmlns:a16="http://schemas.microsoft.com/office/drawing/2014/main" id="{86DA627E-3EFA-8288-DA13-E8D6F72598FD}"/>
+              </a:ext>
+            </a:extLst>
+          </p:cNvPr>
+          <p:cNvGrpSpPr/>
+          <p:nvPr/>
+        </p:nvGrpSpPr>
+        <p:grpSpPr>
+          <a:xfrm>
+            <a:off x="1712424" y="6204681"/>
+            <a:ext cx="1028700" cy="1028700"/>
+            <a:chOff x="3486564" y="851246"/>
+            <a:chExt cx="1028700" cy="1028700"/>
+          </a:xfrm>
+        </p:grpSpPr>
+        <p:sp>
+          <p:nvSpPr>
+            <p:cNvPr id="53" name="Rounded Rectangle 52">
+              <a:extLst>
+                <a:ext uri="{FF2B5EF4-FFF2-40B4-BE49-F238E27FC236}">
+                  <a16:creationId xmlns:a16="http://schemas.microsoft.com/office/drawing/2014/main" id="{E476E870-E3FF-C71F-B5BF-EE2DDBDCE9E2}"/>
+                </a:ext>
+              </a:extLst>
+            </p:cNvPr>
+            <p:cNvSpPr/>
+            <p:nvPr/>
+          </p:nvSpPr>
+          <p:spPr>
+            <a:xfrm>
+              <a:off x="3486564" y="851246"/>
+              <a:ext cx="1028700" cy="1028700"/>
+            </a:xfrm>
+            <a:prstGeom prst="roundRect">
+              <a:avLst>
+                <a:gd name="adj" fmla="val 24152"/>
+              </a:avLst>
+            </a:prstGeom>
+            <a:solidFill>
+              <a:srgbClr val="F25C4E"/>
+            </a:solidFill>
+            <a:ln>
+              <a:noFill/>
+            </a:ln>
+          </p:spPr>
+          <p:style>
+            <a:lnRef idx="2">
+              <a:schemeClr val="accent1">
+                <a:shade val="50000"/>
+              </a:schemeClr>
+            </a:lnRef>
+            <a:fillRef idx="1">
+              <a:schemeClr val="accent1"/>
+            </a:fillRef>
+            <a:effectRef idx="0">
+              <a:schemeClr val="accent1"/>
+            </a:effectRef>
+            <a:fontRef idx="minor">
+              <a:schemeClr val="lt1"/>
+            </a:fontRef>
+          </p:style>
+          <p:txBody>
+            <a:bodyPr rtlCol="0" anchor="ctr"/>
+            <a:lstStyle/>
+            <a:p>
+              <a:pPr algn="ctr"/>
+              <a:endParaRPr lang="en-US"/>
+            </a:p>
+          </p:txBody>
+        </p:sp>
+        <p:pic>
+          <p:nvPicPr>
+            <p:cNvPr id="54" name="Graphic 53" descr="Star with solid fill">
+              <a:extLst>
+                <a:ext uri="{FF2B5EF4-FFF2-40B4-BE49-F238E27FC236}">
+                  <a16:creationId xmlns:a16="http://schemas.microsoft.com/office/drawing/2014/main" id="{310D71EA-8E5A-6472-2887-E9B1726787E5}"/>
+                </a:ext>
+              </a:extLst>
+            </p:cNvPr>
+            <p:cNvPicPr>
+              <a:picLocks noChangeAspect="1"/>
+            </p:cNvPicPr>
+            <p:nvPr/>
+          </p:nvPicPr>
+          <p:blipFill>
+            <a:blip r:embed="rId2">
+              <a:extLst>
+                <a:ext uri="{96DAC541-7B7A-43D3-8B79-37D633B846F1}">
+                  <asvg:svgBlip xmlns:asvg="http://schemas.microsoft.com/office/drawing/2016/SVG/main" r:embed="rId3"/>
+                </a:ext>
+              </a:extLst>
+            </a:blip>
+            <a:stretch>
+              <a:fillRect/>
+            </a:stretch>
+          </p:blipFill>
+          <p:spPr>
+            <a:xfrm>
+              <a:off x="3601465" y="961184"/>
+              <a:ext cx="800100" cy="800100"/>
+            </a:xfrm>
+            <a:prstGeom prst="rect">
+              <a:avLst/>
+            </a:prstGeom>
+          </p:spPr>
+        </p:pic>
+      </p:grpSp>
+      <p:grpSp>
+        <p:nvGrpSpPr>
+          <p:cNvPr id="55" name="Group 54">
+            <a:extLst>
+              <a:ext uri="{FF2B5EF4-FFF2-40B4-BE49-F238E27FC236}">
+                <a16:creationId xmlns:a16="http://schemas.microsoft.com/office/drawing/2014/main" id="{7F73B874-D69C-900B-8DF7-536329E8F2C1}"/>
+              </a:ext>
+            </a:extLst>
+          </p:cNvPr>
+          <p:cNvGrpSpPr/>
+          <p:nvPr/>
+        </p:nvGrpSpPr>
+        <p:grpSpPr>
+          <a:xfrm>
+            <a:off x="2856025" y="6204681"/>
+            <a:ext cx="1028700" cy="1028700"/>
+            <a:chOff x="3486564" y="851246"/>
+            <a:chExt cx="1028700" cy="1028700"/>
+          </a:xfrm>
+        </p:grpSpPr>
+        <p:sp>
+          <p:nvSpPr>
+            <p:cNvPr id="56" name="Rounded Rectangle 55">
+              <a:extLst>
+                <a:ext uri="{FF2B5EF4-FFF2-40B4-BE49-F238E27FC236}">
+                  <a16:creationId xmlns:a16="http://schemas.microsoft.com/office/drawing/2014/main" id="{3C191087-D2AE-D47F-3F44-9FDCC195D6A8}"/>
+                </a:ext>
+              </a:extLst>
+            </p:cNvPr>
+            <p:cNvSpPr/>
+            <p:nvPr/>
+          </p:nvSpPr>
+          <p:spPr>
+            <a:xfrm>
+              <a:off x="3486564" y="851246"/>
+              <a:ext cx="1028700" cy="1028700"/>
+            </a:xfrm>
+            <a:prstGeom prst="roundRect">
+              <a:avLst>
+                <a:gd name="adj" fmla="val 24152"/>
+              </a:avLst>
+            </a:prstGeom>
+            <a:solidFill>
+              <a:srgbClr val="F25C4E"/>
+            </a:solidFill>
+            <a:ln>
+              <a:noFill/>
+            </a:ln>
+          </p:spPr>
+          <p:style>
+            <a:lnRef idx="2">
+              <a:schemeClr val="accent1">
+                <a:shade val="50000"/>
+              </a:schemeClr>
+            </a:lnRef>
+            <a:fillRef idx="1">
+              <a:schemeClr val="accent1"/>
+            </a:fillRef>
+            <a:effectRef idx="0">
+              <a:schemeClr val="accent1"/>
+            </a:effectRef>
+            <a:fontRef idx="minor">
+              <a:schemeClr val="lt1"/>
+            </a:fontRef>
+          </p:style>
+          <p:txBody>
+            <a:bodyPr rtlCol="0" anchor="ctr"/>
+            <a:lstStyle/>
+            <a:p>
+              <a:pPr algn="ctr"/>
+              <a:endParaRPr lang="en-US"/>
+            </a:p>
+          </p:txBody>
+        </p:sp>
+        <p:pic>
+          <p:nvPicPr>
+            <p:cNvPr id="57" name="Graphic 56" descr="Star with solid fill">
+              <a:extLst>
+                <a:ext uri="{FF2B5EF4-FFF2-40B4-BE49-F238E27FC236}">
+                  <a16:creationId xmlns:a16="http://schemas.microsoft.com/office/drawing/2014/main" id="{C7F595F2-ECE9-6C7D-F03D-7F3F7B1A7721}"/>
+                </a:ext>
+              </a:extLst>
+            </p:cNvPr>
+            <p:cNvPicPr>
+              <a:picLocks noChangeAspect="1"/>
+            </p:cNvPicPr>
+            <p:nvPr/>
+          </p:nvPicPr>
+          <p:blipFill>
+            <a:blip r:embed="rId2">
+              <a:extLst>
+                <a:ext uri="{96DAC541-7B7A-43D3-8B79-37D633B846F1}">
+                  <asvg:svgBlip xmlns:asvg="http://schemas.microsoft.com/office/drawing/2016/SVG/main" r:embed="rId3"/>
+                </a:ext>
+              </a:extLst>
+            </a:blip>
+            <a:stretch>
+              <a:fillRect/>
+            </a:stretch>
+          </p:blipFill>
+          <p:spPr>
+            <a:xfrm>
+              <a:off x="3601465" y="961184"/>
+              <a:ext cx="800100" cy="800100"/>
+            </a:xfrm>
+            <a:prstGeom prst="rect">
+              <a:avLst/>
+            </a:prstGeom>
+          </p:spPr>
+        </p:pic>
+      </p:grpSp>
+      <p:grpSp>
+        <p:nvGrpSpPr>
+          <p:cNvPr id="58" name="Group 57">
+            <a:extLst>
+              <a:ext uri="{FF2B5EF4-FFF2-40B4-BE49-F238E27FC236}">
+                <a16:creationId xmlns:a16="http://schemas.microsoft.com/office/drawing/2014/main" id="{BDA2441A-11AF-875E-392B-A2601BC086FF}"/>
+              </a:ext>
+            </a:extLst>
+          </p:cNvPr>
+          <p:cNvGrpSpPr/>
+          <p:nvPr/>
+        </p:nvGrpSpPr>
+        <p:grpSpPr>
+          <a:xfrm>
+            <a:off x="3999626" y="6200319"/>
+            <a:ext cx="1028700" cy="1028700"/>
+            <a:chOff x="3486564" y="851246"/>
+            <a:chExt cx="1028700" cy="1028700"/>
+          </a:xfrm>
+        </p:grpSpPr>
+        <p:sp>
+          <p:nvSpPr>
+            <p:cNvPr id="59" name="Rounded Rectangle 58">
+              <a:extLst>
+                <a:ext uri="{FF2B5EF4-FFF2-40B4-BE49-F238E27FC236}">
+                  <a16:creationId xmlns:a16="http://schemas.microsoft.com/office/drawing/2014/main" id="{584713B2-7DD6-B3B8-1F39-3175B57B880D}"/>
+                </a:ext>
+              </a:extLst>
+            </p:cNvPr>
+            <p:cNvSpPr/>
+            <p:nvPr/>
+          </p:nvSpPr>
+          <p:spPr>
+            <a:xfrm>
+              <a:off x="3486564" y="851246"/>
+              <a:ext cx="1028700" cy="1028700"/>
+            </a:xfrm>
+            <a:prstGeom prst="roundRect">
+              <a:avLst>
+                <a:gd name="adj" fmla="val 24152"/>
+              </a:avLst>
+            </a:prstGeom>
+            <a:solidFill>
+              <a:srgbClr val="F25C4E"/>
+            </a:solidFill>
+            <a:ln>
+              <a:noFill/>
+            </a:ln>
+          </p:spPr>
+          <p:style>
+            <a:lnRef idx="2">
+              <a:schemeClr val="accent1">
+                <a:shade val="50000"/>
+              </a:schemeClr>
+            </a:lnRef>
+            <a:fillRef idx="1">
+              <a:schemeClr val="accent1"/>
+            </a:fillRef>
+            <a:effectRef idx="0">
+              <a:schemeClr val="accent1"/>
+            </a:effectRef>
+            <a:fontRef idx="minor">
+              <a:schemeClr val="lt1"/>
+            </a:fontRef>
+          </p:style>
+          <p:txBody>
+            <a:bodyPr rtlCol="0" anchor="ctr"/>
+            <a:lstStyle/>
+            <a:p>
+              <a:pPr algn="ctr"/>
+              <a:endParaRPr lang="en-US"/>
+            </a:p>
+          </p:txBody>
+        </p:sp>
+        <p:pic>
+          <p:nvPicPr>
+            <p:cNvPr id="60" name="Graphic 59" descr="Star with solid fill">
+              <a:extLst>
+                <a:ext uri="{FF2B5EF4-FFF2-40B4-BE49-F238E27FC236}">
+                  <a16:creationId xmlns:a16="http://schemas.microsoft.com/office/drawing/2014/main" id="{4A469BAB-0B52-DA8F-9C54-46776E446566}"/>
+                </a:ext>
+              </a:extLst>
+            </p:cNvPr>
+            <p:cNvPicPr>
+              <a:picLocks noChangeAspect="1"/>
+            </p:cNvPicPr>
+            <p:nvPr/>
+          </p:nvPicPr>
+          <p:blipFill>
+            <a:blip r:embed="rId2">
+              <a:extLst>
+                <a:ext uri="{96DAC541-7B7A-43D3-8B79-37D633B846F1}">
+                  <asvg:svgBlip xmlns:asvg="http://schemas.microsoft.com/office/drawing/2016/SVG/main" r:embed="rId3"/>
+                </a:ext>
+              </a:extLst>
+            </a:blip>
+            <a:stretch>
+              <a:fillRect/>
+            </a:stretch>
+          </p:blipFill>
+          <p:spPr>
+            <a:xfrm>
+              <a:off x="3601465" y="961184"/>
+              <a:ext cx="800100" cy="800100"/>
+            </a:xfrm>
+            <a:prstGeom prst="rect">
+              <a:avLst/>
+            </a:prstGeom>
+          </p:spPr>
+        </p:pic>
+      </p:grpSp>
+      <p:grpSp>
+        <p:nvGrpSpPr>
+          <p:cNvPr id="61" name="Group 60">
+            <a:extLst>
+              <a:ext uri="{FF2B5EF4-FFF2-40B4-BE49-F238E27FC236}">
+                <a16:creationId xmlns:a16="http://schemas.microsoft.com/office/drawing/2014/main" id="{D0469064-EA27-3E7C-C700-1931F5FCC2F7}"/>
+              </a:ext>
+            </a:extLst>
+          </p:cNvPr>
+          <p:cNvGrpSpPr/>
+          <p:nvPr/>
+        </p:nvGrpSpPr>
+        <p:grpSpPr>
+          <a:xfrm>
+            <a:off x="5143227" y="6200319"/>
+            <a:ext cx="1028700" cy="1028700"/>
+            <a:chOff x="3486564" y="851246"/>
+            <a:chExt cx="1028700" cy="1028700"/>
+          </a:xfrm>
+        </p:grpSpPr>
+        <p:sp>
+          <p:nvSpPr>
+            <p:cNvPr id="62" name="Rounded Rectangle 61">
+              <a:extLst>
+                <a:ext uri="{FF2B5EF4-FFF2-40B4-BE49-F238E27FC236}">
+                  <a16:creationId xmlns:a16="http://schemas.microsoft.com/office/drawing/2014/main" id="{CD644054-D36A-0436-48E9-3709C08E0D06}"/>
+                </a:ext>
+              </a:extLst>
+            </p:cNvPr>
+            <p:cNvSpPr/>
+            <p:nvPr/>
+          </p:nvSpPr>
+          <p:spPr>
+            <a:xfrm>
+              <a:off x="3486564" y="851246"/>
+              <a:ext cx="1028700" cy="1028700"/>
+            </a:xfrm>
+            <a:prstGeom prst="roundRect">
+              <a:avLst>
+                <a:gd name="adj" fmla="val 24152"/>
+              </a:avLst>
+            </a:prstGeom>
+            <a:solidFill>
+              <a:srgbClr val="F25C4E"/>
+            </a:solidFill>
+            <a:ln>
+              <a:noFill/>
+            </a:ln>
+          </p:spPr>
+          <p:style>
+            <a:lnRef idx="2">
+              <a:schemeClr val="accent1">
+                <a:shade val="50000"/>
+              </a:schemeClr>
+            </a:lnRef>
+            <a:fillRef idx="1">
+              <a:schemeClr val="accent1"/>
+            </a:fillRef>
+            <a:effectRef idx="0">
+              <a:schemeClr val="accent1"/>
+            </a:effectRef>
+            <a:fontRef idx="minor">
+              <a:schemeClr val="lt1"/>
+            </a:fontRef>
+          </p:style>
+          <p:txBody>
+            <a:bodyPr rtlCol="0" anchor="ctr"/>
+            <a:lstStyle/>
+            <a:p>
+              <a:pPr algn="ctr"/>
+              <a:endParaRPr lang="en-US"/>
+            </a:p>
+          </p:txBody>
+        </p:sp>
+        <p:pic>
+          <p:nvPicPr>
+            <p:cNvPr id="63" name="Graphic 62" descr="Star with solid fill">
+              <a:extLst>
+                <a:ext uri="{FF2B5EF4-FFF2-40B4-BE49-F238E27FC236}">
+                  <a16:creationId xmlns:a16="http://schemas.microsoft.com/office/drawing/2014/main" id="{7DF8A291-ABD0-4D81-B0B1-145A4162E86E}"/>
+                </a:ext>
+              </a:extLst>
+            </p:cNvPr>
+            <p:cNvPicPr>
+              <a:picLocks noChangeAspect="1"/>
+            </p:cNvPicPr>
+            <p:nvPr/>
+          </p:nvPicPr>
+          <p:blipFill>
+            <a:blip r:embed="rId2">
+              <a:extLst>
+                <a:ext uri="{96DAC541-7B7A-43D3-8B79-37D633B846F1}">
+                  <asvg:svgBlip xmlns:asvg="http://schemas.microsoft.com/office/drawing/2016/SVG/main" r:embed="rId3"/>
+                </a:ext>
+              </a:extLst>
+            </a:blip>
+            <a:stretch>
+              <a:fillRect/>
+            </a:stretch>
+          </p:blipFill>
+          <p:spPr>
+            <a:xfrm>
+              <a:off x="3601465" y="961184"/>
+              <a:ext cx="800100" cy="800100"/>
+            </a:xfrm>
+            <a:prstGeom prst="rect">
+              <a:avLst/>
+            </a:prstGeom>
+          </p:spPr>
+        </p:pic>
+      </p:grpSp>
+      <p:grpSp>
+        <p:nvGrpSpPr>
+          <p:cNvPr id="64" name="Group 63">
+            <a:extLst>
+              <a:ext uri="{FF2B5EF4-FFF2-40B4-BE49-F238E27FC236}">
+                <a16:creationId xmlns:a16="http://schemas.microsoft.com/office/drawing/2014/main" id="{BC8BC70B-F2C8-D1C3-3658-C8172314D0B3}"/>
+              </a:ext>
+            </a:extLst>
+          </p:cNvPr>
+          <p:cNvGrpSpPr/>
+          <p:nvPr/>
+        </p:nvGrpSpPr>
+        <p:grpSpPr>
+          <a:xfrm>
+            <a:off x="6286828" y="6200319"/>
+            <a:ext cx="1028700" cy="1028700"/>
+            <a:chOff x="3486564" y="851246"/>
+            <a:chExt cx="1028700" cy="1028700"/>
+          </a:xfrm>
+        </p:grpSpPr>
+        <p:sp>
+          <p:nvSpPr>
+            <p:cNvPr id="65" name="Rounded Rectangle 64">
+              <a:extLst>
+                <a:ext uri="{FF2B5EF4-FFF2-40B4-BE49-F238E27FC236}">
+                  <a16:creationId xmlns:a16="http://schemas.microsoft.com/office/drawing/2014/main" id="{69B745C1-9BE5-CA3E-87DD-07E8F2900BA8}"/>
+                </a:ext>
+              </a:extLst>
+            </p:cNvPr>
+            <p:cNvSpPr/>
+            <p:nvPr/>
+          </p:nvSpPr>
+          <p:spPr>
+            <a:xfrm>
+              <a:off x="3486564" y="851246"/>
+              <a:ext cx="1028700" cy="1028700"/>
+            </a:xfrm>
+            <a:prstGeom prst="roundRect">
+              <a:avLst>
+                <a:gd name="adj" fmla="val 24152"/>
+              </a:avLst>
+            </a:prstGeom>
+            <a:solidFill>
+              <a:srgbClr val="F25C4E"/>
+            </a:solidFill>
+            <a:ln>
+              <a:noFill/>
+            </a:ln>
+          </p:spPr>
+          <p:style>
+            <a:lnRef idx="2">
+              <a:schemeClr val="accent1">
+                <a:shade val="50000"/>
+              </a:schemeClr>
+            </a:lnRef>
+            <a:fillRef idx="1">
+              <a:schemeClr val="accent1"/>
+            </a:fillRef>
+            <a:effectRef idx="0">
+              <a:schemeClr val="accent1"/>
+            </a:effectRef>
+            <a:fontRef idx="minor">
+              <a:schemeClr val="lt1"/>
+            </a:fontRef>
+          </p:style>
+          <p:txBody>
+            <a:bodyPr rtlCol="0" anchor="ctr"/>
+            <a:lstStyle/>
+            <a:p>
+              <a:pPr algn="ctr"/>
+              <a:endParaRPr lang="en-US"/>
+            </a:p>
+          </p:txBody>
+        </p:sp>
+        <p:pic>
+          <p:nvPicPr>
+            <p:cNvPr id="66" name="Graphic 65" descr="Star with solid fill">
+              <a:extLst>
+                <a:ext uri="{FF2B5EF4-FFF2-40B4-BE49-F238E27FC236}">
+                  <a16:creationId xmlns:a16="http://schemas.microsoft.com/office/drawing/2014/main" id="{9E3C558B-4E6D-E8F3-5307-22BBECA19CED}"/>
+                </a:ext>
+              </a:extLst>
+            </p:cNvPr>
+            <p:cNvPicPr>
+              <a:picLocks noChangeAspect="1"/>
+            </p:cNvPicPr>
+            <p:nvPr/>
+          </p:nvPicPr>
+          <p:blipFill>
+            <a:blip r:embed="rId2">
+              <a:extLst>
+                <a:ext uri="{96DAC541-7B7A-43D3-8B79-37D633B846F1}">
+                  <asvg:svgBlip xmlns:asvg="http://schemas.microsoft.com/office/drawing/2016/SVG/main" r:embed="rId3"/>
+                </a:ext>
+              </a:extLst>
+            </a:blip>
+            <a:stretch>
+              <a:fillRect/>
+            </a:stretch>
+          </p:blipFill>
+          <p:spPr>
+            <a:xfrm>
+              <a:off x="3601465" y="961184"/>
+              <a:ext cx="800100" cy="800100"/>
+            </a:xfrm>
+            <a:prstGeom prst="rect">
+              <a:avLst/>
+            </a:prstGeom>
+          </p:spPr>
+        </p:pic>
+      </p:grpSp>
+      <p:grpSp>
+        <p:nvGrpSpPr>
+          <p:cNvPr id="89" name="Group 88">
+            <a:extLst>
+              <a:ext uri="{FF2B5EF4-FFF2-40B4-BE49-F238E27FC236}">
+                <a16:creationId xmlns:a16="http://schemas.microsoft.com/office/drawing/2014/main" id="{FAB11C8C-DCA8-8E67-6006-D79EC98FE72C}"/>
+              </a:ext>
+            </a:extLst>
+          </p:cNvPr>
+          <p:cNvGrpSpPr/>
+          <p:nvPr/>
+        </p:nvGrpSpPr>
+        <p:grpSpPr>
+          <a:xfrm>
+            <a:off x="1712424" y="-886691"/>
+            <a:ext cx="5374504" cy="1112672"/>
+            <a:chOff x="1712424" y="-886691"/>
+            <a:chExt cx="5374504" cy="1112672"/>
+          </a:xfrm>
+        </p:grpSpPr>
+        <p:grpSp>
+          <p:nvGrpSpPr>
+            <p:cNvPr id="21" name="Group 20">
+              <a:extLst>
+                <a:ext uri="{FF2B5EF4-FFF2-40B4-BE49-F238E27FC236}">
+                  <a16:creationId xmlns:a16="http://schemas.microsoft.com/office/drawing/2014/main" id="{03B07AC1-D4AB-B4BA-A954-9FCF3AC016F7}"/>
+                </a:ext>
+              </a:extLst>
+            </p:cNvPr>
+            <p:cNvGrpSpPr/>
+            <p:nvPr/>
+          </p:nvGrpSpPr>
+          <p:grpSpPr>
+            <a:xfrm>
+              <a:off x="1712424" y="-886691"/>
+              <a:ext cx="1028700" cy="1028700"/>
+              <a:chOff x="4864790" y="1138638"/>
+              <a:chExt cx="1028700" cy="1028700"/>
+            </a:xfrm>
+          </p:grpSpPr>
+          <p:sp>
+            <p:nvSpPr>
+              <p:cNvPr id="14" name="Rounded Rectangle 13">
+                <a:extLst>
+                  <a:ext uri="{FF2B5EF4-FFF2-40B4-BE49-F238E27FC236}">
+                    <a16:creationId xmlns:a16="http://schemas.microsoft.com/office/drawing/2014/main" id="{B91CAC61-7373-7304-9931-B8AA9C554DC7}"/>
+                  </a:ext>
+                </a:extLst>
+              </p:cNvPr>
+              <p:cNvSpPr/>
+              <p:nvPr/>
+            </p:nvSpPr>
+            <p:spPr>
+              <a:xfrm>
+                <a:off x="4864790" y="1138638"/>
+                <a:ext cx="1028700" cy="1028700"/>
+              </a:xfrm>
+              <a:prstGeom prst="roundRect">
+                <a:avLst>
+                  <a:gd name="adj" fmla="val 24152"/>
+                </a:avLst>
+              </a:prstGeom>
+              <a:solidFill>
+                <a:srgbClr val="F25C4E"/>
+              </a:solidFill>
+              <a:ln>
+                <a:noFill/>
+              </a:ln>
+            </p:spPr>
+            <p:style>
+              <a:lnRef idx="2">
+                <a:schemeClr val="accent1">
+                  <a:shade val="50000"/>
+                </a:schemeClr>
+              </a:lnRef>
+              <a:fillRef idx="1">
+                <a:schemeClr val="accent1"/>
+              </a:fillRef>
+              <a:effectRef idx="0">
+                <a:schemeClr val="accent1"/>
+              </a:effectRef>
+              <a:fontRef idx="minor">
+                <a:schemeClr val="lt1"/>
+              </a:fontRef>
+            </p:style>
+            <p:txBody>
+              <a:bodyPr rtlCol="0" anchor="ctr"/>
+              <a:lstStyle/>
+              <a:p>
+                <a:pPr algn="ctr"/>
+                <a:endParaRPr lang="en-US"/>
+              </a:p>
+            </p:txBody>
+          </p:sp>
+          <p:sp>
+            <p:nvSpPr>
+              <p:cNvPr id="20" name="Freeform 19">
+                <a:extLst>
+                  <a:ext uri="{FF2B5EF4-FFF2-40B4-BE49-F238E27FC236}">
+                    <a16:creationId xmlns:a16="http://schemas.microsoft.com/office/drawing/2014/main" id="{1928024E-1128-3E89-81CB-3B7DC8C95088}"/>
+                  </a:ext>
+                </a:extLst>
+              </p:cNvPr>
+              <p:cNvSpPr/>
+              <p:nvPr/>
+            </p:nvSpPr>
+            <p:spPr>
+              <a:xfrm>
+                <a:off x="5379140" y="1138638"/>
+                <a:ext cx="514350" cy="1028700"/>
+              </a:xfrm>
+              <a:custGeom>
+                <a:avLst/>
+                <a:gdLst>
+                  <a:gd name="connsiteX0" fmla="*/ 0 w 514350"/>
+                  <a:gd name="connsiteY0" fmla="*/ 0 h 1028700"/>
+                  <a:gd name="connsiteX1" fmla="*/ 265898 w 514350"/>
+                  <a:gd name="connsiteY1" fmla="*/ 0 h 1028700"/>
+                  <a:gd name="connsiteX2" fmla="*/ 514350 w 514350"/>
+                  <a:gd name="connsiteY2" fmla="*/ 248452 h 1028700"/>
+                  <a:gd name="connsiteX3" fmla="*/ 514350 w 514350"/>
+                  <a:gd name="connsiteY3" fmla="*/ 780248 h 1028700"/>
+                  <a:gd name="connsiteX4" fmla="*/ 265898 w 514350"/>
+                  <a:gd name="connsiteY4" fmla="*/ 1028700 h 1028700"/>
+                  <a:gd name="connsiteX5" fmla="*/ 0 w 514350"/>
+                  <a:gd name="connsiteY5" fmla="*/ 1028700 h 1028700"/>
+                </a:gdLst>
+                <a:ahLst/>
+                <a:cxnLst>
+                  <a:cxn ang="0">
+                    <a:pos x="connsiteX0" y="connsiteY0"/>
+                  </a:cxn>
+                  <a:cxn ang="0">
+                    <a:pos x="connsiteX1" y="connsiteY1"/>
+                  </a:cxn>
+                  <a:cxn ang="0">
+                    <a:pos x="connsiteX2" y="connsiteY2"/>
+                  </a:cxn>
+                  <a:cxn ang="0">
+                    <a:pos x="connsiteX3" y="connsiteY3"/>
+                  </a:cxn>
+                  <a:cxn ang="0">
+                    <a:pos x="connsiteX4" y="connsiteY4"/>
+                  </a:cxn>
+                  <a:cxn ang="0">
+                    <a:pos x="connsiteX5" y="connsiteY5"/>
+                  </a:cxn>
+                </a:cxnLst>
+                <a:rect l="l" t="t" r="r" b="b"/>
+                <a:pathLst>
+                  <a:path w="514350" h="1028700">
+                    <a:moveTo>
+                      <a:pt x="0" y="0"/>
+                    </a:moveTo>
+                    <a:lnTo>
+                      <a:pt x="265898" y="0"/>
+                    </a:lnTo>
+                    <a:cubicBezTo>
+                      <a:pt x="403114" y="0"/>
+                      <a:pt x="514350" y="111236"/>
+                      <a:pt x="514350" y="248452"/>
+                    </a:cubicBezTo>
+                    <a:lnTo>
+                      <a:pt x="514350" y="780248"/>
+                    </a:lnTo>
+                    <a:cubicBezTo>
+                      <a:pt x="514350" y="917464"/>
+                      <a:pt x="403114" y="1028700"/>
+                      <a:pt x="265898" y="1028700"/>
+                    </a:cubicBezTo>
+                    <a:lnTo>
+                      <a:pt x="0" y="1028700"/>
+                    </a:lnTo>
+                    <a:close/>
+                  </a:path>
+                </a:pathLst>
+              </a:custGeom>
+              <a:solidFill>
+                <a:srgbClr val="CBCCCB"/>
+              </a:solidFill>
+              <a:ln>
+                <a:noFill/>
+              </a:ln>
+            </p:spPr>
+            <p:style>
+              <a:lnRef idx="2">
+                <a:schemeClr val="accent1">
+                  <a:shade val="50000"/>
+                </a:schemeClr>
+              </a:lnRef>
+              <a:fillRef idx="1">
+                <a:schemeClr val="accent1"/>
+              </a:fillRef>
+              <a:effectRef idx="0">
+                <a:schemeClr val="accent1"/>
+              </a:effectRef>
+              <a:fontRef idx="minor">
+                <a:schemeClr val="lt1"/>
+              </a:fontRef>
+            </p:style>
+            <p:txBody>
+              <a:bodyPr wrap="square" rtlCol="0" anchor="ctr">
+                <a:noAutofit/>
+              </a:bodyPr>
+              <a:lstStyle/>
+              <a:p>
+                <a:pPr algn="ctr"/>
+                <a:endParaRPr lang="en-US"/>
+              </a:p>
+            </p:txBody>
+          </p:sp>
+          <p:pic>
+            <p:nvPicPr>
+              <p:cNvPr id="15" name="Graphic 14" descr="Star with solid fill">
+                <a:extLst>
+                  <a:ext uri="{FF2B5EF4-FFF2-40B4-BE49-F238E27FC236}">
+                    <a16:creationId xmlns:a16="http://schemas.microsoft.com/office/drawing/2014/main" id="{D591E98F-1625-6EA6-946E-646CC51B88A7}"/>
+                  </a:ext>
+                </a:extLst>
+              </p:cNvPr>
+              <p:cNvPicPr>
+                <a:picLocks noChangeAspect="1"/>
+              </p:cNvPicPr>
+              <p:nvPr/>
+            </p:nvPicPr>
+            <p:blipFill>
+              <a:blip r:embed="rId2">
+                <a:extLst>
+                  <a:ext uri="{96DAC541-7B7A-43D3-8B79-37D633B846F1}">
+                    <asvg:svgBlip xmlns:asvg="http://schemas.microsoft.com/office/drawing/2016/SVG/main" r:embed="rId3"/>
+                  </a:ext>
+                </a:extLst>
+              </a:blip>
+              <a:stretch>
+                <a:fillRect/>
+              </a:stretch>
+            </p:blipFill>
+            <p:spPr>
+              <a:xfrm>
+                <a:off x="4979691" y="1248576"/>
+                <a:ext cx="800100" cy="800100"/>
+              </a:xfrm>
+              <a:prstGeom prst="rect">
+                <a:avLst/>
+              </a:prstGeom>
+            </p:spPr>
+          </p:pic>
+        </p:grpSp>
+        <p:grpSp>
+          <p:nvGrpSpPr>
+            <p:cNvPr id="67" name="Group 66">
+              <a:extLst>
+                <a:ext uri="{FF2B5EF4-FFF2-40B4-BE49-F238E27FC236}">
+                  <a16:creationId xmlns:a16="http://schemas.microsoft.com/office/drawing/2014/main" id="{0A20E332-5E99-E772-6826-58C9824D7413}"/>
+                </a:ext>
+              </a:extLst>
+            </p:cNvPr>
+            <p:cNvGrpSpPr/>
+            <p:nvPr/>
+          </p:nvGrpSpPr>
+          <p:grpSpPr>
+            <a:xfrm>
+              <a:off x="2778810" y="-869668"/>
+              <a:ext cx="1028700" cy="1028700"/>
+              <a:chOff x="4864790" y="1138638"/>
+              <a:chExt cx="1028700" cy="1028700"/>
+            </a:xfrm>
+          </p:grpSpPr>
+          <p:sp>
+            <p:nvSpPr>
+              <p:cNvPr id="68" name="Rounded Rectangle 67">
+                <a:extLst>
+                  <a:ext uri="{FF2B5EF4-FFF2-40B4-BE49-F238E27FC236}">
+                    <a16:creationId xmlns:a16="http://schemas.microsoft.com/office/drawing/2014/main" id="{EC7D8977-82AD-A531-84D3-C7855C5A398F}"/>
+                  </a:ext>
+                </a:extLst>
+              </p:cNvPr>
+              <p:cNvSpPr/>
+              <p:nvPr/>
+            </p:nvSpPr>
+            <p:spPr>
+              <a:xfrm>
+                <a:off x="4864790" y="1138638"/>
+                <a:ext cx="1028700" cy="1028700"/>
+              </a:xfrm>
+              <a:prstGeom prst="roundRect">
+                <a:avLst>
+                  <a:gd name="adj" fmla="val 24152"/>
+                </a:avLst>
+              </a:prstGeom>
+              <a:solidFill>
+                <a:srgbClr val="CBCCCB"/>
+              </a:solidFill>
+              <a:ln>
+                <a:noFill/>
+              </a:ln>
+            </p:spPr>
+            <p:style>
+              <a:lnRef idx="2">
+                <a:schemeClr val="accent1">
+                  <a:shade val="50000"/>
+                </a:schemeClr>
+              </a:lnRef>
+              <a:fillRef idx="1">
+                <a:schemeClr val="accent1"/>
+              </a:fillRef>
+              <a:effectRef idx="0">
+                <a:schemeClr val="accent1"/>
+              </a:effectRef>
+              <a:fontRef idx="minor">
+                <a:schemeClr val="lt1"/>
+              </a:fontRef>
+            </p:style>
+            <p:txBody>
+              <a:bodyPr rtlCol="0" anchor="ctr"/>
+              <a:lstStyle/>
+              <a:p>
+                <a:pPr algn="ctr"/>
+                <a:endParaRPr lang="en-US"/>
+              </a:p>
+            </p:txBody>
+          </p:sp>
+          <p:pic>
+            <p:nvPicPr>
+              <p:cNvPr id="70" name="Graphic 69" descr="Star with solid fill">
+                <a:extLst>
+                  <a:ext uri="{FF2B5EF4-FFF2-40B4-BE49-F238E27FC236}">
+                    <a16:creationId xmlns:a16="http://schemas.microsoft.com/office/drawing/2014/main" id="{E796CC50-2FDF-7FE5-15F5-087EB1D69D5D}"/>
+                  </a:ext>
+                </a:extLst>
+              </p:cNvPr>
+              <p:cNvPicPr>
+                <a:picLocks noChangeAspect="1"/>
+              </p:cNvPicPr>
+              <p:nvPr/>
+            </p:nvPicPr>
+            <p:blipFill>
+              <a:blip r:embed="rId2">
+                <a:extLst>
+                  <a:ext uri="{96DAC541-7B7A-43D3-8B79-37D633B846F1}">
+                    <asvg:svgBlip xmlns:asvg="http://schemas.microsoft.com/office/drawing/2016/SVG/main" r:embed="rId3"/>
+                  </a:ext>
+                </a:extLst>
+              </a:blip>
+              <a:stretch>
+                <a:fillRect/>
+              </a:stretch>
+            </p:blipFill>
+            <p:spPr>
+              <a:xfrm>
+                <a:off x="4979691" y="1248576"/>
+                <a:ext cx="800100" cy="800100"/>
+              </a:xfrm>
+              <a:prstGeom prst="rect">
+                <a:avLst/>
+              </a:prstGeom>
+            </p:spPr>
+          </p:pic>
+        </p:grpSp>
+        <p:grpSp>
+          <p:nvGrpSpPr>
+            <p:cNvPr id="80" name="Group 79">
+              <a:extLst>
+                <a:ext uri="{FF2B5EF4-FFF2-40B4-BE49-F238E27FC236}">
+                  <a16:creationId xmlns:a16="http://schemas.microsoft.com/office/drawing/2014/main" id="{702331B9-5EF1-A14E-AB2D-C767CCB8850F}"/>
+                </a:ext>
+              </a:extLst>
+            </p:cNvPr>
+            <p:cNvGrpSpPr/>
+            <p:nvPr/>
+          </p:nvGrpSpPr>
+          <p:grpSpPr>
+            <a:xfrm>
+              <a:off x="3902760" y="-855327"/>
+              <a:ext cx="1028700" cy="1028700"/>
+              <a:chOff x="4864790" y="1138638"/>
+              <a:chExt cx="1028700" cy="1028700"/>
+            </a:xfrm>
+          </p:grpSpPr>
+          <p:sp>
+            <p:nvSpPr>
+              <p:cNvPr id="81" name="Rounded Rectangle 80">
+                <a:extLst>
+                  <a:ext uri="{FF2B5EF4-FFF2-40B4-BE49-F238E27FC236}">
+                    <a16:creationId xmlns:a16="http://schemas.microsoft.com/office/drawing/2014/main" id="{A6296211-43C2-2F99-5CA4-BAF1AA804230}"/>
+                  </a:ext>
+                </a:extLst>
+              </p:cNvPr>
+              <p:cNvSpPr/>
+              <p:nvPr/>
+            </p:nvSpPr>
+            <p:spPr>
+              <a:xfrm>
+                <a:off x="4864790" y="1138638"/>
+                <a:ext cx="1028700" cy="1028700"/>
+              </a:xfrm>
+              <a:prstGeom prst="roundRect">
+                <a:avLst>
+                  <a:gd name="adj" fmla="val 24152"/>
+                </a:avLst>
+              </a:prstGeom>
+              <a:solidFill>
+                <a:srgbClr val="CBCCCB"/>
+              </a:solidFill>
+              <a:ln>
+                <a:noFill/>
+              </a:ln>
+            </p:spPr>
+            <p:style>
+              <a:lnRef idx="2">
+                <a:schemeClr val="accent1">
+                  <a:shade val="50000"/>
+                </a:schemeClr>
+              </a:lnRef>
+              <a:fillRef idx="1">
+                <a:schemeClr val="accent1"/>
+              </a:fillRef>
+              <a:effectRef idx="0">
+                <a:schemeClr val="accent1"/>
+              </a:effectRef>
+              <a:fontRef idx="minor">
+                <a:schemeClr val="lt1"/>
+              </a:fontRef>
+            </p:style>
+            <p:txBody>
+              <a:bodyPr rtlCol="0" anchor="ctr"/>
+              <a:lstStyle/>
+              <a:p>
+                <a:pPr algn="ctr"/>
+                <a:endParaRPr lang="en-US"/>
+              </a:p>
+            </p:txBody>
+          </p:sp>
+          <p:pic>
+            <p:nvPicPr>
+              <p:cNvPr id="82" name="Graphic 81" descr="Star with solid fill">
+                <a:extLst>
+                  <a:ext uri="{FF2B5EF4-FFF2-40B4-BE49-F238E27FC236}">
+                    <a16:creationId xmlns:a16="http://schemas.microsoft.com/office/drawing/2014/main" id="{4D5D4290-25D9-DAA5-BD1A-AA395D4A9CD9}"/>
+                  </a:ext>
+                </a:extLst>
+              </p:cNvPr>
+              <p:cNvPicPr>
+                <a:picLocks noChangeAspect="1"/>
+              </p:cNvPicPr>
+              <p:nvPr/>
+            </p:nvPicPr>
+            <p:blipFill>
+              <a:blip r:embed="rId2">
+                <a:extLst>
+                  <a:ext uri="{96DAC541-7B7A-43D3-8B79-37D633B846F1}">
+                    <asvg:svgBlip xmlns:asvg="http://schemas.microsoft.com/office/drawing/2016/SVG/main" r:embed="rId3"/>
+                  </a:ext>
+                </a:extLst>
+              </a:blip>
+              <a:stretch>
+                <a:fillRect/>
+              </a:stretch>
+            </p:blipFill>
+            <p:spPr>
+              <a:xfrm>
+                <a:off x="4979691" y="1248576"/>
+                <a:ext cx="800100" cy="800100"/>
+              </a:xfrm>
+              <a:prstGeom prst="rect">
+                <a:avLst/>
+              </a:prstGeom>
+            </p:spPr>
+          </p:pic>
+        </p:grpSp>
+        <p:grpSp>
+          <p:nvGrpSpPr>
+            <p:cNvPr id="83" name="Group 82">
+              <a:extLst>
+                <a:ext uri="{FF2B5EF4-FFF2-40B4-BE49-F238E27FC236}">
+                  <a16:creationId xmlns:a16="http://schemas.microsoft.com/office/drawing/2014/main" id="{6349965F-E0E0-E625-0D8B-67641667F1F1}"/>
+                </a:ext>
+              </a:extLst>
+            </p:cNvPr>
+            <p:cNvGrpSpPr/>
+            <p:nvPr/>
+          </p:nvGrpSpPr>
+          <p:grpSpPr>
+            <a:xfrm>
+              <a:off x="4961236" y="-823173"/>
+              <a:ext cx="1028700" cy="1028700"/>
+              <a:chOff x="4864790" y="1138638"/>
+              <a:chExt cx="1028700" cy="1028700"/>
+            </a:xfrm>
+          </p:grpSpPr>
+          <p:sp>
+            <p:nvSpPr>
+              <p:cNvPr id="84" name="Rounded Rectangle 83">
+                <a:extLst>
+                  <a:ext uri="{FF2B5EF4-FFF2-40B4-BE49-F238E27FC236}">
+                    <a16:creationId xmlns:a16="http://schemas.microsoft.com/office/drawing/2014/main" id="{33A6A125-7019-EFC1-56CC-94F63C7DB128}"/>
+                  </a:ext>
+                </a:extLst>
+              </p:cNvPr>
+              <p:cNvSpPr/>
+              <p:nvPr/>
+            </p:nvSpPr>
+            <p:spPr>
+              <a:xfrm>
+                <a:off x="4864790" y="1138638"/>
+                <a:ext cx="1028700" cy="1028700"/>
+              </a:xfrm>
+              <a:prstGeom prst="roundRect">
+                <a:avLst>
+                  <a:gd name="adj" fmla="val 24152"/>
+                </a:avLst>
+              </a:prstGeom>
+              <a:solidFill>
+                <a:srgbClr val="CBCCCB"/>
+              </a:solidFill>
+              <a:ln>
+                <a:noFill/>
+              </a:ln>
+            </p:spPr>
+            <p:style>
+              <a:lnRef idx="2">
+                <a:schemeClr val="accent1">
+                  <a:shade val="50000"/>
+                </a:schemeClr>
+              </a:lnRef>
+              <a:fillRef idx="1">
+                <a:schemeClr val="accent1"/>
+              </a:fillRef>
+              <a:effectRef idx="0">
+                <a:schemeClr val="accent1"/>
+              </a:effectRef>
+              <a:fontRef idx="minor">
+                <a:schemeClr val="lt1"/>
+              </a:fontRef>
+            </p:style>
+            <p:txBody>
+              <a:bodyPr rtlCol="0" anchor="ctr"/>
+              <a:lstStyle/>
+              <a:p>
+                <a:pPr algn="ctr"/>
+                <a:endParaRPr lang="en-US"/>
+              </a:p>
+            </p:txBody>
+          </p:sp>
+          <p:pic>
+            <p:nvPicPr>
+              <p:cNvPr id="85" name="Graphic 84" descr="Star with solid fill">
+                <a:extLst>
+                  <a:ext uri="{FF2B5EF4-FFF2-40B4-BE49-F238E27FC236}">
+                    <a16:creationId xmlns:a16="http://schemas.microsoft.com/office/drawing/2014/main" id="{20C44A44-493B-31DF-9462-0A398C156178}"/>
+                  </a:ext>
+                </a:extLst>
+              </p:cNvPr>
+              <p:cNvPicPr>
+                <a:picLocks noChangeAspect="1"/>
+              </p:cNvPicPr>
+              <p:nvPr/>
+            </p:nvPicPr>
+            <p:blipFill>
+              <a:blip r:embed="rId2">
+                <a:extLst>
+                  <a:ext uri="{96DAC541-7B7A-43D3-8B79-37D633B846F1}">
+                    <asvg:svgBlip xmlns:asvg="http://schemas.microsoft.com/office/drawing/2016/SVG/main" r:embed="rId3"/>
+                  </a:ext>
+                </a:extLst>
+              </a:blip>
+              <a:stretch>
+                <a:fillRect/>
+              </a:stretch>
+            </p:blipFill>
+            <p:spPr>
+              <a:xfrm>
+                <a:off x="4979691" y="1248576"/>
+                <a:ext cx="800100" cy="800100"/>
+              </a:xfrm>
+              <a:prstGeom prst="rect">
+                <a:avLst/>
+              </a:prstGeom>
+            </p:spPr>
+          </p:pic>
+        </p:grpSp>
+        <p:grpSp>
+          <p:nvGrpSpPr>
+            <p:cNvPr id="86" name="Group 85">
+              <a:extLst>
+                <a:ext uri="{FF2B5EF4-FFF2-40B4-BE49-F238E27FC236}">
+                  <a16:creationId xmlns:a16="http://schemas.microsoft.com/office/drawing/2014/main" id="{D3B2B862-C506-E54A-21D0-4EF34514C3C6}"/>
+                </a:ext>
+              </a:extLst>
+            </p:cNvPr>
+            <p:cNvGrpSpPr/>
+            <p:nvPr/>
+          </p:nvGrpSpPr>
+          <p:grpSpPr>
+            <a:xfrm>
+              <a:off x="6058228" y="-802719"/>
+              <a:ext cx="1028700" cy="1028700"/>
+              <a:chOff x="4864790" y="1138638"/>
+              <a:chExt cx="1028700" cy="1028700"/>
+            </a:xfrm>
+          </p:grpSpPr>
+          <p:sp>
+            <p:nvSpPr>
+              <p:cNvPr id="87" name="Rounded Rectangle 86">
+                <a:extLst>
+                  <a:ext uri="{FF2B5EF4-FFF2-40B4-BE49-F238E27FC236}">
+                    <a16:creationId xmlns:a16="http://schemas.microsoft.com/office/drawing/2014/main" id="{7909E19A-C1AF-29A5-C060-A5ED2C088815}"/>
+                  </a:ext>
+                </a:extLst>
+              </p:cNvPr>
+              <p:cNvSpPr/>
+              <p:nvPr/>
+            </p:nvSpPr>
+            <p:spPr>
+              <a:xfrm>
+                <a:off x="4864790" y="1138638"/>
+                <a:ext cx="1028700" cy="1028700"/>
+              </a:xfrm>
+              <a:prstGeom prst="roundRect">
+                <a:avLst>
+                  <a:gd name="adj" fmla="val 24152"/>
+                </a:avLst>
+              </a:prstGeom>
+              <a:solidFill>
+                <a:srgbClr val="CBCCCB"/>
+              </a:solidFill>
+              <a:ln>
+                <a:noFill/>
+              </a:ln>
+            </p:spPr>
+            <p:style>
+              <a:lnRef idx="2">
+                <a:schemeClr val="accent1">
+                  <a:shade val="50000"/>
+                </a:schemeClr>
+              </a:lnRef>
+              <a:fillRef idx="1">
+                <a:schemeClr val="accent1"/>
+              </a:fillRef>
+              <a:effectRef idx="0">
+                <a:schemeClr val="accent1"/>
+              </a:effectRef>
+              <a:fontRef idx="minor">
+                <a:schemeClr val="lt1"/>
+              </a:fontRef>
+            </p:style>
+            <p:txBody>
+              <a:bodyPr rtlCol="0" anchor="ctr"/>
+              <a:lstStyle/>
+              <a:p>
+                <a:pPr algn="ctr"/>
+                <a:endParaRPr lang="en-US"/>
+              </a:p>
+            </p:txBody>
+          </p:sp>
+          <p:pic>
+            <p:nvPicPr>
+              <p:cNvPr id="88" name="Graphic 87" descr="Star with solid fill">
+                <a:extLst>
+                  <a:ext uri="{FF2B5EF4-FFF2-40B4-BE49-F238E27FC236}">
+                    <a16:creationId xmlns:a16="http://schemas.microsoft.com/office/drawing/2014/main" id="{5B31894E-F12B-CAF6-9883-B267EE17A465}"/>
+                  </a:ext>
+                </a:extLst>
+              </p:cNvPr>
+              <p:cNvPicPr>
+                <a:picLocks noChangeAspect="1"/>
+              </p:cNvPicPr>
+              <p:nvPr/>
+            </p:nvPicPr>
+            <p:blipFill>
+              <a:blip r:embed="rId2">
+                <a:extLst>
+                  <a:ext uri="{96DAC541-7B7A-43D3-8B79-37D633B846F1}">
+                    <asvg:svgBlip xmlns:asvg="http://schemas.microsoft.com/office/drawing/2016/SVG/main" r:embed="rId3"/>
+                  </a:ext>
+                </a:extLst>
+              </a:blip>
+              <a:stretch>
+                <a:fillRect/>
+              </a:stretch>
+            </p:blipFill>
+            <p:spPr>
+              <a:xfrm>
+                <a:off x="4979691" y="1248576"/>
+                <a:ext cx="800100" cy="800100"/>
+              </a:xfrm>
+              <a:prstGeom prst="rect">
+                <a:avLst/>
+              </a:prstGeom>
+            </p:spPr>
+          </p:pic>
+        </p:grpSp>
+      </p:grpSp>
+    </p:spTree>
+    <p:extLst>
+      <p:ext uri="{BB962C8B-B14F-4D97-AF65-F5344CB8AC3E}">
+        <p14:creationId xmlns:p14="http://schemas.microsoft.com/office/powerpoint/2010/main" val="3996106749"/>
+      </p:ext>
+    </p:extLst>
+  </p:cSld>
+  <p:clrMapOvr>
+    <a:masterClrMapping/>
+  </p:clrMapOvr>
+</p:sld>
+</file>
+
 <file path=ppt/theme/theme1.xml><?xml version="1.0" encoding="utf-8"?>
 <a:theme xmlns:a="http://schemas.openxmlformats.org/drawingml/2006/main" name="Office 主题​​">
   <a:themeElements>

--- a/yealp_frontend/flaskblog/static/facicon.pptx
+++ b/yealp_frontend/flaskblog/static/facicon.pptx
@@ -2,20 +2,20 @@
 <file path=ppt/presentation.xml><?xml version="1.0" encoding="utf-8"?>
 <p:presentation xmlns:a="http://schemas.openxmlformats.org/drawingml/2006/main" xmlns:r="http://schemas.openxmlformats.org/officeDocument/2006/relationships" xmlns:p="http://schemas.openxmlformats.org/presentationml/2006/main" saveSubsetFonts="1" autoCompressPictures="0">
   <p:sldMasterIdLst>
-    <p:sldMasterId id="2147483648" r:id="rId1"/>
+    <p:sldMasterId id="2147483660" r:id="rId1"/>
   </p:sldMasterIdLst>
   <p:sldIdLst>
     <p:sldId id="256" r:id="rId2"/>
     <p:sldId id="257" r:id="rId3"/>
     <p:sldId id="258" r:id="rId4"/>
   </p:sldIdLst>
-  <p:sldSz cx="12192000" cy="6858000"/>
+  <p:sldSz cx="18000663" cy="18000663"/>
   <p:notesSz cx="6858000" cy="9144000"/>
   <p:defaultTextStyle>
     <a:defPPr>
-      <a:defRPr lang="zh-CN"/>
+      <a:defRPr lang="en-US"/>
     </a:defPPr>
-    <a:lvl1pPr marL="0" algn="l" defTabSz="914400" rtl="0" eaLnBrk="1" latinLnBrk="0" hangingPunct="1">
+    <a:lvl1pPr marL="0" algn="l" defTabSz="457200" rtl="0" eaLnBrk="1" latinLnBrk="0" hangingPunct="1">
       <a:defRPr sz="1800" kern="1200">
         <a:solidFill>
           <a:schemeClr val="tx1"/>
@@ -25,7 +25,7 @@
         <a:cs typeface="+mn-cs"/>
       </a:defRPr>
     </a:lvl1pPr>
-    <a:lvl2pPr marL="457200" algn="l" defTabSz="914400" rtl="0" eaLnBrk="1" latinLnBrk="0" hangingPunct="1">
+    <a:lvl2pPr marL="457200" algn="l" defTabSz="457200" rtl="0" eaLnBrk="1" latinLnBrk="0" hangingPunct="1">
       <a:defRPr sz="1800" kern="1200">
         <a:solidFill>
           <a:schemeClr val="tx1"/>
@@ -35,7 +35,7 @@
         <a:cs typeface="+mn-cs"/>
       </a:defRPr>
     </a:lvl2pPr>
-    <a:lvl3pPr marL="914400" algn="l" defTabSz="914400" rtl="0" eaLnBrk="1" latinLnBrk="0" hangingPunct="1">
+    <a:lvl3pPr marL="914400" algn="l" defTabSz="457200" rtl="0" eaLnBrk="1" latinLnBrk="0" hangingPunct="1">
       <a:defRPr sz="1800" kern="1200">
         <a:solidFill>
           <a:schemeClr val="tx1"/>
@@ -45,7 +45,7 @@
         <a:cs typeface="+mn-cs"/>
       </a:defRPr>
     </a:lvl3pPr>
-    <a:lvl4pPr marL="1371600" algn="l" defTabSz="914400" rtl="0" eaLnBrk="1" latinLnBrk="0" hangingPunct="1">
+    <a:lvl4pPr marL="1371600" algn="l" defTabSz="457200" rtl="0" eaLnBrk="1" latinLnBrk="0" hangingPunct="1">
       <a:defRPr sz="1800" kern="1200">
         <a:solidFill>
           <a:schemeClr val="tx1"/>
@@ -55,7 +55,7 @@
         <a:cs typeface="+mn-cs"/>
       </a:defRPr>
     </a:lvl4pPr>
-    <a:lvl5pPr marL="1828800" algn="l" defTabSz="914400" rtl="0" eaLnBrk="1" latinLnBrk="0" hangingPunct="1">
+    <a:lvl5pPr marL="1828800" algn="l" defTabSz="457200" rtl="0" eaLnBrk="1" latinLnBrk="0" hangingPunct="1">
       <a:defRPr sz="1800" kern="1200">
         <a:solidFill>
           <a:schemeClr val="tx1"/>
@@ -65,7 +65,7 @@
         <a:cs typeface="+mn-cs"/>
       </a:defRPr>
     </a:lvl5pPr>
-    <a:lvl6pPr marL="2286000" algn="l" defTabSz="914400" rtl="0" eaLnBrk="1" latinLnBrk="0" hangingPunct="1">
+    <a:lvl6pPr marL="2286000" algn="l" defTabSz="457200" rtl="0" eaLnBrk="1" latinLnBrk="0" hangingPunct="1">
       <a:defRPr sz="1800" kern="1200">
         <a:solidFill>
           <a:schemeClr val="tx1"/>
@@ -75,7 +75,7 @@
         <a:cs typeface="+mn-cs"/>
       </a:defRPr>
     </a:lvl6pPr>
-    <a:lvl7pPr marL="2743200" algn="l" defTabSz="914400" rtl="0" eaLnBrk="1" latinLnBrk="0" hangingPunct="1">
+    <a:lvl7pPr marL="2743200" algn="l" defTabSz="457200" rtl="0" eaLnBrk="1" latinLnBrk="0" hangingPunct="1">
       <a:defRPr sz="1800" kern="1200">
         <a:solidFill>
           <a:schemeClr val="tx1"/>
@@ -85,7 +85,7 @@
         <a:cs typeface="+mn-cs"/>
       </a:defRPr>
     </a:lvl7pPr>
-    <a:lvl8pPr marL="3200400" algn="l" defTabSz="914400" rtl="0" eaLnBrk="1" latinLnBrk="0" hangingPunct="1">
+    <a:lvl8pPr marL="3200400" algn="l" defTabSz="457200" rtl="0" eaLnBrk="1" latinLnBrk="0" hangingPunct="1">
       <a:defRPr sz="1800" kern="1200">
         <a:solidFill>
           <a:schemeClr val="tx1"/>
@@ -95,7 +95,7 @@
         <a:cs typeface="+mn-cs"/>
       </a:defRPr>
     </a:lvl8pPr>
-    <a:lvl9pPr marL="3657600" algn="l" defTabSz="914400" rtl="0" eaLnBrk="1" latinLnBrk="0" hangingPunct="1">
+    <a:lvl9pPr marL="3657600" algn="l" defTabSz="457200" rtl="0" eaLnBrk="1" latinLnBrk="0" hangingPunct="1">
       <a:defRPr sz="1800" kern="1200">
         <a:solidFill>
           <a:schemeClr val="tx1"/>
@@ -109,12 +109,12 @@
   <p:extLst>
     <p:ext uri="{EFAFB233-063F-42B5-8137-9DF3F51BA10A}">
       <p15:sldGuideLst xmlns:p15="http://schemas.microsoft.com/office/powerpoint/2012/main">
-        <p15:guide id="1" orient="horz" pos="2160" userDrawn="1">
+        <p15:guide id="1" orient="horz" pos="5670" userDrawn="1">
           <p15:clr>
             <a:srgbClr val="A4A3A4"/>
           </p15:clr>
         </p15:guide>
-        <p15:guide id="2" pos="3840" userDrawn="1">
+        <p15:guide id="2" pos="5670" userDrawn="1">
           <p15:clr>
             <a:srgbClr val="A4A3A4"/>
           </p15:clr>
@@ -144,13 +144,7 @@
       </p:grpSpPr>
       <p:sp>
         <p:nvSpPr>
-          <p:cNvPr id="2" name="标题 1">
-            <a:extLst>
-              <a:ext uri="{FF2B5EF4-FFF2-40B4-BE49-F238E27FC236}">
-                <a16:creationId xmlns:a16="http://schemas.microsoft.com/office/drawing/2014/main" id="{7858C403-1F40-7D45-ADC5-F9ED33ACBF7E}"/>
-              </a:ext>
-            </a:extLst>
-          </p:cNvPr>
+          <p:cNvPr id="2" name="Title 1"/>
           <p:cNvSpPr>
             <a:spLocks noGrp="1"/>
           </p:cNvSpPr>
@@ -160,34 +154,29 @@
         </p:nvSpPr>
         <p:spPr>
           <a:xfrm>
-            <a:off x="1524000" y="1122363"/>
-            <a:ext cx="9144000" cy="2387600"/>
+            <a:off x="1350050" y="2945943"/>
+            <a:ext cx="15300564" cy="6266897"/>
           </a:xfrm>
         </p:spPr>
         <p:txBody>
           <a:bodyPr anchor="b"/>
           <a:lstStyle>
             <a:lvl1pPr algn="ctr">
-              <a:defRPr sz="6000"/>
+              <a:defRPr sz="11812"/>
             </a:lvl1pPr>
           </a:lstStyle>
           <a:p>
             <a:r>
-              <a:rPr kumimoji="1" lang="zh-CN" altLang="en-US"/>
+              <a:rPr lang="zh-CN" altLang="en-US"/>
               <a:t>单击此处编辑母版标题样式</a:t>
             </a:r>
+            <a:endParaRPr lang="en-US" dirty="0"/>
           </a:p>
         </p:txBody>
       </p:sp>
       <p:sp>
         <p:nvSpPr>
-          <p:cNvPr id="3" name="副标题 2">
-            <a:extLst>
-              <a:ext uri="{FF2B5EF4-FFF2-40B4-BE49-F238E27FC236}">
-                <a16:creationId xmlns:a16="http://schemas.microsoft.com/office/drawing/2014/main" id="{683A75FC-BA54-1940-B4A7-36BECEE6EE10}"/>
-              </a:ext>
-            </a:extLst>
-          </p:cNvPr>
+          <p:cNvPr id="3" name="Subtitle 2"/>
           <p:cNvSpPr>
             <a:spLocks noGrp="1"/>
           </p:cNvSpPr>
@@ -197,8 +186,8 @@
         </p:nvSpPr>
         <p:spPr>
           <a:xfrm>
-            <a:off x="1524000" y="3602038"/>
-            <a:ext cx="9144000" cy="1655762"/>
+            <a:off x="2250083" y="9454516"/>
+            <a:ext cx="13500497" cy="4345992"/>
           </a:xfrm>
         </p:spPr>
         <p:txBody>
@@ -206,58 +195,53 @@
           <a:lstStyle>
             <a:lvl1pPr marL="0" indent="0" algn="ctr">
               <a:buNone/>
-              <a:defRPr sz="2400"/>
+              <a:defRPr sz="4725"/>
             </a:lvl1pPr>
-            <a:lvl2pPr marL="457200" indent="0" algn="ctr">
+            <a:lvl2pPr marL="900044" indent="0" algn="ctr">
               <a:buNone/>
-              <a:defRPr sz="2000"/>
+              <a:defRPr sz="3937"/>
             </a:lvl2pPr>
-            <a:lvl3pPr marL="914400" indent="0" algn="ctr">
+            <a:lvl3pPr marL="1800088" indent="0" algn="ctr">
               <a:buNone/>
-              <a:defRPr sz="1800"/>
+              <a:defRPr sz="3543"/>
             </a:lvl3pPr>
-            <a:lvl4pPr marL="1371600" indent="0" algn="ctr">
+            <a:lvl4pPr marL="2700132" indent="0" algn="ctr">
               <a:buNone/>
-              <a:defRPr sz="1600"/>
+              <a:defRPr sz="3150"/>
             </a:lvl4pPr>
-            <a:lvl5pPr marL="1828800" indent="0" algn="ctr">
+            <a:lvl5pPr marL="3600176" indent="0" algn="ctr">
               <a:buNone/>
-              <a:defRPr sz="1600"/>
+              <a:defRPr sz="3150"/>
             </a:lvl5pPr>
-            <a:lvl6pPr marL="2286000" indent="0" algn="ctr">
+            <a:lvl6pPr marL="4500220" indent="0" algn="ctr">
               <a:buNone/>
-              <a:defRPr sz="1600"/>
+              <a:defRPr sz="3150"/>
             </a:lvl6pPr>
-            <a:lvl7pPr marL="2743200" indent="0" algn="ctr">
+            <a:lvl7pPr marL="5400264" indent="0" algn="ctr">
               <a:buNone/>
-              <a:defRPr sz="1600"/>
+              <a:defRPr sz="3150"/>
             </a:lvl7pPr>
-            <a:lvl8pPr marL="3200400" indent="0" algn="ctr">
+            <a:lvl8pPr marL="6300307" indent="0" algn="ctr">
               <a:buNone/>
-              <a:defRPr sz="1600"/>
+              <a:defRPr sz="3150"/>
             </a:lvl8pPr>
-            <a:lvl9pPr marL="3657600" indent="0" algn="ctr">
+            <a:lvl9pPr marL="7200351" indent="0" algn="ctr">
               <a:buNone/>
-              <a:defRPr sz="1600"/>
+              <a:defRPr sz="3150"/>
             </a:lvl9pPr>
           </a:lstStyle>
           <a:p>
             <a:r>
-              <a:rPr kumimoji="1" lang="zh-CN" altLang="en-US"/>
+              <a:rPr lang="zh-CN" altLang="en-US"/>
               <a:t>单击此处编辑母版副标题样式</a:t>
             </a:r>
+            <a:endParaRPr lang="en-US" dirty="0"/>
           </a:p>
         </p:txBody>
       </p:sp>
       <p:sp>
         <p:nvSpPr>
-          <p:cNvPr id="4" name="日期占位符 3">
-            <a:extLst>
-              <a:ext uri="{FF2B5EF4-FFF2-40B4-BE49-F238E27FC236}">
-                <a16:creationId xmlns:a16="http://schemas.microsoft.com/office/drawing/2014/main" id="{6749CFB4-9AD0-5944-AD3B-84CCE31D397D}"/>
-              </a:ext>
-            </a:extLst>
-          </p:cNvPr>
+          <p:cNvPr id="4" name="Date Placeholder 3"/>
           <p:cNvSpPr>
             <a:spLocks noGrp="1"/>
           </p:cNvSpPr>
@@ -280,13 +264,7 @@
       </p:sp>
       <p:sp>
         <p:nvSpPr>
-          <p:cNvPr id="5" name="页脚占位符 4">
-            <a:extLst>
-              <a:ext uri="{FF2B5EF4-FFF2-40B4-BE49-F238E27FC236}">
-                <a16:creationId xmlns:a16="http://schemas.microsoft.com/office/drawing/2014/main" id="{6398CFFB-F881-854B-894A-88F70B645098}"/>
-              </a:ext>
-            </a:extLst>
-          </p:cNvPr>
+          <p:cNvPr id="5" name="Footer Placeholder 4"/>
           <p:cNvSpPr>
             <a:spLocks noGrp="1"/>
           </p:cNvSpPr>
@@ -305,13 +283,7 @@
       </p:sp>
       <p:sp>
         <p:nvSpPr>
-          <p:cNvPr id="6" name="灯片编号占位符 5">
-            <a:extLst>
-              <a:ext uri="{FF2B5EF4-FFF2-40B4-BE49-F238E27FC236}">
-                <a16:creationId xmlns:a16="http://schemas.microsoft.com/office/drawing/2014/main" id="{1CA7C8BA-E9C9-0D4D-BA15-D17E1EBC74C0}"/>
-              </a:ext>
-            </a:extLst>
-          </p:cNvPr>
+          <p:cNvPr id="6" name="Slide Number Placeholder 5"/>
           <p:cNvSpPr>
             <a:spLocks noGrp="1"/>
           </p:cNvSpPr>
@@ -335,7 +307,7 @@
     </p:spTree>
     <p:extLst>
       <p:ext uri="{BB962C8B-B14F-4D97-AF65-F5344CB8AC3E}">
-        <p14:creationId xmlns:p14="http://schemas.microsoft.com/office/powerpoint/2010/main" val="2801481220"/>
+        <p14:creationId xmlns:p14="http://schemas.microsoft.com/office/powerpoint/2010/main" val="2230067672"/>
       </p:ext>
     </p:extLst>
   </p:cSld>
@@ -364,13 +336,7 @@
       </p:grpSpPr>
       <p:sp>
         <p:nvSpPr>
-          <p:cNvPr id="2" name="标题 1">
-            <a:extLst>
-              <a:ext uri="{FF2B5EF4-FFF2-40B4-BE49-F238E27FC236}">
-                <a16:creationId xmlns:a16="http://schemas.microsoft.com/office/drawing/2014/main" id="{5EB89B3E-73EF-0845-B130-9BC854546402}"/>
-              </a:ext>
-            </a:extLst>
-          </p:cNvPr>
+          <p:cNvPr id="2" name="Title 1"/>
           <p:cNvSpPr>
             <a:spLocks noGrp="1"/>
           </p:cNvSpPr>
@@ -384,21 +350,16 @@
           <a:lstStyle/>
           <a:p>
             <a:r>
-              <a:rPr kumimoji="1" lang="zh-CN" altLang="en-US"/>
+              <a:rPr lang="zh-CN" altLang="en-US"/>
               <a:t>单击此处编辑母版标题样式</a:t>
             </a:r>
+            <a:endParaRPr lang="en-US" dirty="0"/>
           </a:p>
         </p:txBody>
       </p:sp>
       <p:sp>
         <p:nvSpPr>
-          <p:cNvPr id="3" name="竖排文字占位符 2">
-            <a:extLst>
-              <a:ext uri="{FF2B5EF4-FFF2-40B4-BE49-F238E27FC236}">
-                <a16:creationId xmlns:a16="http://schemas.microsoft.com/office/drawing/2014/main" id="{962A6A1F-C6E1-EF4B-AC8F-92C81475BFC0}"/>
-              </a:ext>
-            </a:extLst>
-          </p:cNvPr>
+          <p:cNvPr id="3" name="Vertical Text Placeholder 2"/>
           <p:cNvSpPr>
             <a:spLocks noGrp="1"/>
           </p:cNvSpPr>
@@ -413,49 +374,44 @@
           <a:p>
             <a:pPr lvl="0"/>
             <a:r>
-              <a:rPr kumimoji="1" lang="zh-CN" altLang="en-US"/>
+              <a:rPr lang="zh-CN" altLang="en-US"/>
               <a:t>单击此处编辑母版文本样式</a:t>
             </a:r>
           </a:p>
           <a:p>
             <a:pPr lvl="1"/>
             <a:r>
-              <a:rPr kumimoji="1" lang="zh-CN" altLang="en-US"/>
+              <a:rPr lang="zh-CN" altLang="en-US"/>
               <a:t>二级</a:t>
             </a:r>
           </a:p>
           <a:p>
             <a:pPr lvl="2"/>
             <a:r>
-              <a:rPr kumimoji="1" lang="zh-CN" altLang="en-US"/>
+              <a:rPr lang="zh-CN" altLang="en-US"/>
               <a:t>三级</a:t>
             </a:r>
           </a:p>
           <a:p>
             <a:pPr lvl="3"/>
             <a:r>
-              <a:rPr kumimoji="1" lang="zh-CN" altLang="en-US"/>
+              <a:rPr lang="zh-CN" altLang="en-US"/>
               <a:t>四级</a:t>
             </a:r>
           </a:p>
           <a:p>
             <a:pPr lvl="4"/>
             <a:r>
-              <a:rPr kumimoji="1" lang="zh-CN" altLang="en-US"/>
+              <a:rPr lang="zh-CN" altLang="en-US"/>
               <a:t>五级</a:t>
             </a:r>
+            <a:endParaRPr lang="en-US" dirty="0"/>
           </a:p>
         </p:txBody>
       </p:sp>
       <p:sp>
         <p:nvSpPr>
-          <p:cNvPr id="4" name="日期占位符 3">
-            <a:extLst>
-              <a:ext uri="{FF2B5EF4-FFF2-40B4-BE49-F238E27FC236}">
-                <a16:creationId xmlns:a16="http://schemas.microsoft.com/office/drawing/2014/main" id="{0338E011-A0EB-B849-AB61-77C3F4601AD0}"/>
-              </a:ext>
-            </a:extLst>
-          </p:cNvPr>
+          <p:cNvPr id="4" name="Date Placeholder 3"/>
           <p:cNvSpPr>
             <a:spLocks noGrp="1"/>
           </p:cNvSpPr>
@@ -478,13 +434,7 @@
       </p:sp>
       <p:sp>
         <p:nvSpPr>
-          <p:cNvPr id="5" name="页脚占位符 4">
-            <a:extLst>
-              <a:ext uri="{FF2B5EF4-FFF2-40B4-BE49-F238E27FC236}">
-                <a16:creationId xmlns:a16="http://schemas.microsoft.com/office/drawing/2014/main" id="{8A469E6F-005F-8141-A2B8-987680D1EDB0}"/>
-              </a:ext>
-            </a:extLst>
-          </p:cNvPr>
+          <p:cNvPr id="5" name="Footer Placeholder 4"/>
           <p:cNvSpPr>
             <a:spLocks noGrp="1"/>
           </p:cNvSpPr>
@@ -503,13 +453,7 @@
       </p:sp>
       <p:sp>
         <p:nvSpPr>
-          <p:cNvPr id="6" name="灯片编号占位符 5">
-            <a:extLst>
-              <a:ext uri="{FF2B5EF4-FFF2-40B4-BE49-F238E27FC236}">
-                <a16:creationId xmlns:a16="http://schemas.microsoft.com/office/drawing/2014/main" id="{BBFF876F-1EDE-BC4D-8031-84DA7E606967}"/>
-              </a:ext>
-            </a:extLst>
-          </p:cNvPr>
+          <p:cNvPr id="6" name="Slide Number Placeholder 5"/>
           <p:cNvSpPr>
             <a:spLocks noGrp="1"/>
           </p:cNvSpPr>
@@ -533,7 +477,7 @@
     </p:spTree>
     <p:extLst>
       <p:ext uri="{BB962C8B-B14F-4D97-AF65-F5344CB8AC3E}">
-        <p14:creationId xmlns:p14="http://schemas.microsoft.com/office/powerpoint/2010/main" val="1174409181"/>
+        <p14:creationId xmlns:p14="http://schemas.microsoft.com/office/powerpoint/2010/main" val="2727079279"/>
       </p:ext>
     </p:extLst>
   </p:cSld>
@@ -562,13 +506,7 @@
       </p:grpSpPr>
       <p:sp>
         <p:nvSpPr>
-          <p:cNvPr id="2" name="竖排标题 1">
-            <a:extLst>
-              <a:ext uri="{FF2B5EF4-FFF2-40B4-BE49-F238E27FC236}">
-                <a16:creationId xmlns:a16="http://schemas.microsoft.com/office/drawing/2014/main" id="{485EAB59-B796-F941-AC07-58D33766FFC6}"/>
-              </a:ext>
-            </a:extLst>
-          </p:cNvPr>
+          <p:cNvPr id="2" name="Vertical Title 1"/>
           <p:cNvSpPr>
             <a:spLocks noGrp="1"/>
           </p:cNvSpPr>
@@ -578,8 +516,8 @@
         </p:nvSpPr>
         <p:spPr>
           <a:xfrm>
-            <a:off x="8724900" y="365125"/>
-            <a:ext cx="2628900" cy="5811838"/>
+            <a:off x="12881725" y="958369"/>
+            <a:ext cx="3881393" cy="15254730"/>
           </a:xfrm>
         </p:spPr>
         <p:txBody>
@@ -587,21 +525,16 @@
           <a:lstStyle/>
           <a:p>
             <a:r>
-              <a:rPr kumimoji="1" lang="zh-CN" altLang="en-US"/>
+              <a:rPr lang="zh-CN" altLang="en-US"/>
               <a:t>单击此处编辑母版标题样式</a:t>
             </a:r>
+            <a:endParaRPr lang="en-US" dirty="0"/>
           </a:p>
         </p:txBody>
       </p:sp>
       <p:sp>
         <p:nvSpPr>
-          <p:cNvPr id="3" name="竖排文字占位符 2">
-            <a:extLst>
-              <a:ext uri="{FF2B5EF4-FFF2-40B4-BE49-F238E27FC236}">
-                <a16:creationId xmlns:a16="http://schemas.microsoft.com/office/drawing/2014/main" id="{608274DB-357A-BC4F-86EB-8D47A00B5D44}"/>
-              </a:ext>
-            </a:extLst>
-          </p:cNvPr>
+          <p:cNvPr id="3" name="Vertical Text Placeholder 2"/>
           <p:cNvSpPr>
             <a:spLocks noGrp="1"/>
           </p:cNvSpPr>
@@ -611,8 +544,8 @@
         </p:nvSpPr>
         <p:spPr>
           <a:xfrm>
-            <a:off x="838200" y="365125"/>
-            <a:ext cx="7734300" cy="5811838"/>
+            <a:off x="1237546" y="958369"/>
+            <a:ext cx="11419171" cy="15254730"/>
           </a:xfrm>
         </p:spPr>
         <p:txBody>
@@ -621,49 +554,44 @@
           <a:p>
             <a:pPr lvl="0"/>
             <a:r>
-              <a:rPr kumimoji="1" lang="zh-CN" altLang="en-US"/>
+              <a:rPr lang="zh-CN" altLang="en-US"/>
               <a:t>单击此处编辑母版文本样式</a:t>
             </a:r>
           </a:p>
           <a:p>
             <a:pPr lvl="1"/>
             <a:r>
-              <a:rPr kumimoji="1" lang="zh-CN" altLang="en-US"/>
+              <a:rPr lang="zh-CN" altLang="en-US"/>
               <a:t>二级</a:t>
             </a:r>
           </a:p>
           <a:p>
             <a:pPr lvl="2"/>
             <a:r>
-              <a:rPr kumimoji="1" lang="zh-CN" altLang="en-US"/>
+              <a:rPr lang="zh-CN" altLang="en-US"/>
               <a:t>三级</a:t>
             </a:r>
           </a:p>
           <a:p>
             <a:pPr lvl="3"/>
             <a:r>
-              <a:rPr kumimoji="1" lang="zh-CN" altLang="en-US"/>
+              <a:rPr lang="zh-CN" altLang="en-US"/>
               <a:t>四级</a:t>
             </a:r>
           </a:p>
           <a:p>
             <a:pPr lvl="4"/>
             <a:r>
-              <a:rPr kumimoji="1" lang="zh-CN" altLang="en-US"/>
+              <a:rPr lang="zh-CN" altLang="en-US"/>
               <a:t>五级</a:t>
             </a:r>
+            <a:endParaRPr lang="en-US" dirty="0"/>
           </a:p>
         </p:txBody>
       </p:sp>
       <p:sp>
         <p:nvSpPr>
-          <p:cNvPr id="4" name="日期占位符 3">
-            <a:extLst>
-              <a:ext uri="{FF2B5EF4-FFF2-40B4-BE49-F238E27FC236}">
-                <a16:creationId xmlns:a16="http://schemas.microsoft.com/office/drawing/2014/main" id="{7C78986C-87AE-0E48-9142-F256EBE95B4D}"/>
-              </a:ext>
-            </a:extLst>
-          </p:cNvPr>
+          <p:cNvPr id="4" name="Date Placeholder 3"/>
           <p:cNvSpPr>
             <a:spLocks noGrp="1"/>
           </p:cNvSpPr>
@@ -686,13 +614,7 @@
       </p:sp>
       <p:sp>
         <p:nvSpPr>
-          <p:cNvPr id="5" name="页脚占位符 4">
-            <a:extLst>
-              <a:ext uri="{FF2B5EF4-FFF2-40B4-BE49-F238E27FC236}">
-                <a16:creationId xmlns:a16="http://schemas.microsoft.com/office/drawing/2014/main" id="{6629033C-5B29-2E4E-A4AE-608D448AF579}"/>
-              </a:ext>
-            </a:extLst>
-          </p:cNvPr>
+          <p:cNvPr id="5" name="Footer Placeholder 4"/>
           <p:cNvSpPr>
             <a:spLocks noGrp="1"/>
           </p:cNvSpPr>
@@ -711,13 +633,7 @@
       </p:sp>
       <p:sp>
         <p:nvSpPr>
-          <p:cNvPr id="6" name="灯片编号占位符 5">
-            <a:extLst>
-              <a:ext uri="{FF2B5EF4-FFF2-40B4-BE49-F238E27FC236}">
-                <a16:creationId xmlns:a16="http://schemas.microsoft.com/office/drawing/2014/main" id="{B4A741E3-CB6D-124C-9496-925513820665}"/>
-              </a:ext>
-            </a:extLst>
-          </p:cNvPr>
+          <p:cNvPr id="6" name="Slide Number Placeholder 5"/>
           <p:cNvSpPr>
             <a:spLocks noGrp="1"/>
           </p:cNvSpPr>
@@ -741,7 +657,7 @@
     </p:spTree>
     <p:extLst>
       <p:ext uri="{BB962C8B-B14F-4D97-AF65-F5344CB8AC3E}">
-        <p14:creationId xmlns:p14="http://schemas.microsoft.com/office/powerpoint/2010/main" val="3378954567"/>
+        <p14:creationId xmlns:p14="http://schemas.microsoft.com/office/powerpoint/2010/main" val="2110639967"/>
       </p:ext>
     </p:extLst>
   </p:cSld>
@@ -770,13 +686,7 @@
       </p:grpSpPr>
       <p:sp>
         <p:nvSpPr>
-          <p:cNvPr id="2" name="标题 1">
-            <a:extLst>
-              <a:ext uri="{FF2B5EF4-FFF2-40B4-BE49-F238E27FC236}">
-                <a16:creationId xmlns:a16="http://schemas.microsoft.com/office/drawing/2014/main" id="{04ED1347-FA77-2E44-A8CF-DDC35F1E6D31}"/>
-              </a:ext>
-            </a:extLst>
-          </p:cNvPr>
+          <p:cNvPr id="2" name="Title 1"/>
           <p:cNvSpPr>
             <a:spLocks noGrp="1"/>
           </p:cNvSpPr>
@@ -790,21 +700,16 @@
           <a:lstStyle/>
           <a:p>
             <a:r>
-              <a:rPr kumimoji="1" lang="zh-CN" altLang="en-US"/>
+              <a:rPr lang="zh-CN" altLang="en-US"/>
               <a:t>单击此处编辑母版标题样式</a:t>
             </a:r>
+            <a:endParaRPr lang="en-US" dirty="0"/>
           </a:p>
         </p:txBody>
       </p:sp>
       <p:sp>
         <p:nvSpPr>
-          <p:cNvPr id="3" name="内容占位符 2">
-            <a:extLst>
-              <a:ext uri="{FF2B5EF4-FFF2-40B4-BE49-F238E27FC236}">
-                <a16:creationId xmlns:a16="http://schemas.microsoft.com/office/drawing/2014/main" id="{37083738-8D9A-F747-BDF5-38679F284C6D}"/>
-              </a:ext>
-            </a:extLst>
-          </p:cNvPr>
+          <p:cNvPr id="3" name="Content Placeholder 2"/>
           <p:cNvSpPr>
             <a:spLocks noGrp="1"/>
           </p:cNvSpPr>
@@ -819,49 +724,44 @@
           <a:p>
             <a:pPr lvl="0"/>
             <a:r>
-              <a:rPr kumimoji="1" lang="zh-CN" altLang="en-US"/>
+              <a:rPr lang="zh-CN" altLang="en-US"/>
               <a:t>单击此处编辑母版文本样式</a:t>
             </a:r>
           </a:p>
           <a:p>
             <a:pPr lvl="1"/>
             <a:r>
-              <a:rPr kumimoji="1" lang="zh-CN" altLang="en-US"/>
+              <a:rPr lang="zh-CN" altLang="en-US"/>
               <a:t>二级</a:t>
             </a:r>
           </a:p>
           <a:p>
             <a:pPr lvl="2"/>
             <a:r>
-              <a:rPr kumimoji="1" lang="zh-CN" altLang="en-US"/>
+              <a:rPr lang="zh-CN" altLang="en-US"/>
               <a:t>三级</a:t>
             </a:r>
           </a:p>
           <a:p>
             <a:pPr lvl="3"/>
             <a:r>
-              <a:rPr kumimoji="1" lang="zh-CN" altLang="en-US"/>
+              <a:rPr lang="zh-CN" altLang="en-US"/>
               <a:t>四级</a:t>
             </a:r>
           </a:p>
           <a:p>
             <a:pPr lvl="4"/>
             <a:r>
-              <a:rPr kumimoji="1" lang="zh-CN" altLang="en-US"/>
+              <a:rPr lang="zh-CN" altLang="en-US"/>
               <a:t>五级</a:t>
             </a:r>
+            <a:endParaRPr lang="en-US" dirty="0"/>
           </a:p>
         </p:txBody>
       </p:sp>
       <p:sp>
         <p:nvSpPr>
-          <p:cNvPr id="4" name="日期占位符 3">
-            <a:extLst>
-              <a:ext uri="{FF2B5EF4-FFF2-40B4-BE49-F238E27FC236}">
-                <a16:creationId xmlns:a16="http://schemas.microsoft.com/office/drawing/2014/main" id="{E3154276-32CE-6E4A-8382-032D018D9D3C}"/>
-              </a:ext>
-            </a:extLst>
-          </p:cNvPr>
+          <p:cNvPr id="4" name="Date Placeholder 3"/>
           <p:cNvSpPr>
             <a:spLocks noGrp="1"/>
           </p:cNvSpPr>
@@ -884,13 +784,7 @@
       </p:sp>
       <p:sp>
         <p:nvSpPr>
-          <p:cNvPr id="5" name="页脚占位符 4">
-            <a:extLst>
-              <a:ext uri="{FF2B5EF4-FFF2-40B4-BE49-F238E27FC236}">
-                <a16:creationId xmlns:a16="http://schemas.microsoft.com/office/drawing/2014/main" id="{36AEA877-A6BC-6449-830A-B46C5ABA8B73}"/>
-              </a:ext>
-            </a:extLst>
-          </p:cNvPr>
+          <p:cNvPr id="5" name="Footer Placeholder 4"/>
           <p:cNvSpPr>
             <a:spLocks noGrp="1"/>
           </p:cNvSpPr>
@@ -909,13 +803,7 @@
       </p:sp>
       <p:sp>
         <p:nvSpPr>
-          <p:cNvPr id="6" name="灯片编号占位符 5">
-            <a:extLst>
-              <a:ext uri="{FF2B5EF4-FFF2-40B4-BE49-F238E27FC236}">
-                <a16:creationId xmlns:a16="http://schemas.microsoft.com/office/drawing/2014/main" id="{FF925CC6-306C-A041-ADF5-1A1024152606}"/>
-              </a:ext>
-            </a:extLst>
-          </p:cNvPr>
+          <p:cNvPr id="6" name="Slide Number Placeholder 5"/>
           <p:cNvSpPr>
             <a:spLocks noGrp="1"/>
           </p:cNvSpPr>
@@ -939,7 +827,7 @@
     </p:spTree>
     <p:extLst>
       <p:ext uri="{BB962C8B-B14F-4D97-AF65-F5344CB8AC3E}">
-        <p14:creationId xmlns:p14="http://schemas.microsoft.com/office/powerpoint/2010/main" val="3924728093"/>
+        <p14:creationId xmlns:p14="http://schemas.microsoft.com/office/powerpoint/2010/main" val="75419451"/>
       </p:ext>
     </p:extLst>
   </p:cSld>
@@ -968,13 +856,7 @@
       </p:grpSpPr>
       <p:sp>
         <p:nvSpPr>
-          <p:cNvPr id="2" name="标题 1">
-            <a:extLst>
-              <a:ext uri="{FF2B5EF4-FFF2-40B4-BE49-F238E27FC236}">
-                <a16:creationId xmlns:a16="http://schemas.microsoft.com/office/drawing/2014/main" id="{140370DC-396E-4F43-B6CB-026E63B0735A}"/>
-              </a:ext>
-            </a:extLst>
-          </p:cNvPr>
+          <p:cNvPr id="2" name="Title 1"/>
           <p:cNvSpPr>
             <a:spLocks noGrp="1"/>
           </p:cNvSpPr>
@@ -984,34 +866,29 @@
         </p:nvSpPr>
         <p:spPr>
           <a:xfrm>
-            <a:off x="831850" y="1709738"/>
-            <a:ext cx="10515600" cy="2852737"/>
+            <a:off x="1228171" y="4487671"/>
+            <a:ext cx="15525572" cy="7487774"/>
           </a:xfrm>
         </p:spPr>
         <p:txBody>
           <a:bodyPr anchor="b"/>
           <a:lstStyle>
             <a:lvl1pPr>
-              <a:defRPr sz="6000"/>
+              <a:defRPr sz="11812"/>
             </a:lvl1pPr>
           </a:lstStyle>
           <a:p>
             <a:r>
-              <a:rPr kumimoji="1" lang="zh-CN" altLang="en-US"/>
+              <a:rPr lang="zh-CN" altLang="en-US"/>
               <a:t>单击此处编辑母版标题样式</a:t>
             </a:r>
+            <a:endParaRPr lang="en-US" dirty="0"/>
           </a:p>
         </p:txBody>
       </p:sp>
       <p:sp>
         <p:nvSpPr>
-          <p:cNvPr id="3" name="文本占位符 2">
-            <a:extLst>
-              <a:ext uri="{FF2B5EF4-FFF2-40B4-BE49-F238E27FC236}">
-                <a16:creationId xmlns:a16="http://schemas.microsoft.com/office/drawing/2014/main" id="{92219913-E5C7-2143-A04B-571EEBA51A63}"/>
-              </a:ext>
-            </a:extLst>
-          </p:cNvPr>
+          <p:cNvPr id="3" name="Text Placeholder 2"/>
           <p:cNvSpPr>
             <a:spLocks noGrp="1"/>
           </p:cNvSpPr>
@@ -1021,8 +898,8 @@
         </p:nvSpPr>
         <p:spPr>
           <a:xfrm>
-            <a:off x="831850" y="4589463"/>
-            <a:ext cx="10515600" cy="1500187"/>
+            <a:off x="1228171" y="12046282"/>
+            <a:ext cx="15525572" cy="3937644"/>
           </a:xfrm>
         </p:spPr>
         <p:txBody>
@@ -1030,17 +907,15 @@
           <a:lstStyle>
             <a:lvl1pPr marL="0" indent="0">
               <a:buNone/>
-              <a:defRPr sz="2400">
+              <a:defRPr sz="4725">
                 <a:solidFill>
-                  <a:schemeClr val="tx1">
-                    <a:tint val="75000"/>
-                  </a:schemeClr>
+                  <a:schemeClr val="tx1"/>
                 </a:solidFill>
               </a:defRPr>
             </a:lvl1pPr>
-            <a:lvl2pPr marL="457200" indent="0">
+            <a:lvl2pPr marL="900044" indent="0">
               <a:buNone/>
-              <a:defRPr sz="2000">
+              <a:defRPr sz="3937">
                 <a:solidFill>
                   <a:schemeClr val="tx1">
                     <a:tint val="75000"/>
@@ -1048,9 +923,9 @@
                 </a:solidFill>
               </a:defRPr>
             </a:lvl2pPr>
-            <a:lvl3pPr marL="914400" indent="0">
+            <a:lvl3pPr marL="1800088" indent="0">
               <a:buNone/>
-              <a:defRPr sz="1800">
+              <a:defRPr sz="3543">
                 <a:solidFill>
                   <a:schemeClr val="tx1">
                     <a:tint val="75000"/>
@@ -1058,9 +933,9 @@
                 </a:solidFill>
               </a:defRPr>
             </a:lvl3pPr>
-            <a:lvl4pPr marL="1371600" indent="0">
+            <a:lvl4pPr marL="2700132" indent="0">
               <a:buNone/>
-              <a:defRPr sz="1600">
+              <a:defRPr sz="3150">
                 <a:solidFill>
                   <a:schemeClr val="tx1">
                     <a:tint val="75000"/>
@@ -1068,9 +943,9 @@
                 </a:solidFill>
               </a:defRPr>
             </a:lvl4pPr>
-            <a:lvl5pPr marL="1828800" indent="0">
+            <a:lvl5pPr marL="3600176" indent="0">
               <a:buNone/>
-              <a:defRPr sz="1600">
+              <a:defRPr sz="3150">
                 <a:solidFill>
                   <a:schemeClr val="tx1">
                     <a:tint val="75000"/>
@@ -1078,9 +953,9 @@
                 </a:solidFill>
               </a:defRPr>
             </a:lvl5pPr>
-            <a:lvl6pPr marL="2286000" indent="0">
+            <a:lvl6pPr marL="4500220" indent="0">
               <a:buNone/>
-              <a:defRPr sz="1600">
+              <a:defRPr sz="3150">
                 <a:solidFill>
                   <a:schemeClr val="tx1">
                     <a:tint val="75000"/>
@@ -1088,9 +963,9 @@
                 </a:solidFill>
               </a:defRPr>
             </a:lvl6pPr>
-            <a:lvl7pPr marL="2743200" indent="0">
+            <a:lvl7pPr marL="5400264" indent="0">
               <a:buNone/>
-              <a:defRPr sz="1600">
+              <a:defRPr sz="3150">
                 <a:solidFill>
                   <a:schemeClr val="tx1">
                     <a:tint val="75000"/>
@@ -1098,9 +973,9 @@
                 </a:solidFill>
               </a:defRPr>
             </a:lvl7pPr>
-            <a:lvl8pPr marL="3200400" indent="0">
+            <a:lvl8pPr marL="6300307" indent="0">
               <a:buNone/>
-              <a:defRPr sz="1600">
+              <a:defRPr sz="3150">
                 <a:solidFill>
                   <a:schemeClr val="tx1">
                     <a:tint val="75000"/>
@@ -1108,9 +983,9 @@
                 </a:solidFill>
               </a:defRPr>
             </a:lvl8pPr>
-            <a:lvl9pPr marL="3657600" indent="0">
+            <a:lvl9pPr marL="7200351" indent="0">
               <a:buNone/>
-              <a:defRPr sz="1600">
+              <a:defRPr sz="3150">
                 <a:solidFill>
                   <a:schemeClr val="tx1">
                     <a:tint val="75000"/>
@@ -1122,7 +997,7 @@
           <a:p>
             <a:pPr lvl="0"/>
             <a:r>
-              <a:rPr kumimoji="1" lang="zh-CN" altLang="en-US"/>
+              <a:rPr lang="zh-CN" altLang="en-US"/>
               <a:t>单击此处编辑母版文本样式</a:t>
             </a:r>
           </a:p>
@@ -1130,13 +1005,7 @@
       </p:sp>
       <p:sp>
         <p:nvSpPr>
-          <p:cNvPr id="4" name="日期占位符 3">
-            <a:extLst>
-              <a:ext uri="{FF2B5EF4-FFF2-40B4-BE49-F238E27FC236}">
-                <a16:creationId xmlns:a16="http://schemas.microsoft.com/office/drawing/2014/main" id="{9B3B87D5-A8DF-C44E-AA58-510A29A04605}"/>
-              </a:ext>
-            </a:extLst>
-          </p:cNvPr>
+          <p:cNvPr id="4" name="Date Placeholder 3"/>
           <p:cNvSpPr>
             <a:spLocks noGrp="1"/>
           </p:cNvSpPr>
@@ -1159,13 +1028,7 @@
       </p:sp>
       <p:sp>
         <p:nvSpPr>
-          <p:cNvPr id="5" name="页脚占位符 4">
-            <a:extLst>
-              <a:ext uri="{FF2B5EF4-FFF2-40B4-BE49-F238E27FC236}">
-                <a16:creationId xmlns:a16="http://schemas.microsoft.com/office/drawing/2014/main" id="{B942CF76-4AA6-2146-84EF-4E3AF22EBF81}"/>
-              </a:ext>
-            </a:extLst>
-          </p:cNvPr>
+          <p:cNvPr id="5" name="Footer Placeholder 4"/>
           <p:cNvSpPr>
             <a:spLocks noGrp="1"/>
           </p:cNvSpPr>
@@ -1184,13 +1047,7 @@
       </p:sp>
       <p:sp>
         <p:nvSpPr>
-          <p:cNvPr id="6" name="灯片编号占位符 5">
-            <a:extLst>
-              <a:ext uri="{FF2B5EF4-FFF2-40B4-BE49-F238E27FC236}">
-                <a16:creationId xmlns:a16="http://schemas.microsoft.com/office/drawing/2014/main" id="{3FC9A9FA-BDAD-D948-8642-2885C5CC41C9}"/>
-              </a:ext>
-            </a:extLst>
-          </p:cNvPr>
+          <p:cNvPr id="6" name="Slide Number Placeholder 5"/>
           <p:cNvSpPr>
             <a:spLocks noGrp="1"/>
           </p:cNvSpPr>
@@ -1214,7 +1071,7 @@
     </p:spTree>
     <p:extLst>
       <p:ext uri="{BB962C8B-B14F-4D97-AF65-F5344CB8AC3E}">
-        <p14:creationId xmlns:p14="http://schemas.microsoft.com/office/powerpoint/2010/main" val="2273218151"/>
+        <p14:creationId xmlns:p14="http://schemas.microsoft.com/office/powerpoint/2010/main" val="1202271058"/>
       </p:ext>
     </p:extLst>
   </p:cSld>
@@ -1243,13 +1100,7 @@
       </p:grpSpPr>
       <p:sp>
         <p:nvSpPr>
-          <p:cNvPr id="2" name="标题 1">
-            <a:extLst>
-              <a:ext uri="{FF2B5EF4-FFF2-40B4-BE49-F238E27FC236}">
-                <a16:creationId xmlns:a16="http://schemas.microsoft.com/office/drawing/2014/main" id="{E55182EC-CD61-AF42-9793-44B6B3AA97B6}"/>
-              </a:ext>
-            </a:extLst>
-          </p:cNvPr>
+          <p:cNvPr id="2" name="Title 1"/>
           <p:cNvSpPr>
             <a:spLocks noGrp="1"/>
           </p:cNvSpPr>
@@ -1263,21 +1114,16 @@
           <a:lstStyle/>
           <a:p>
             <a:r>
-              <a:rPr kumimoji="1" lang="zh-CN" altLang="en-US"/>
+              <a:rPr lang="zh-CN" altLang="en-US"/>
               <a:t>单击此处编辑母版标题样式</a:t>
             </a:r>
+            <a:endParaRPr lang="en-US" dirty="0"/>
           </a:p>
         </p:txBody>
       </p:sp>
       <p:sp>
         <p:nvSpPr>
-          <p:cNvPr id="3" name="内容占位符 2">
-            <a:extLst>
-              <a:ext uri="{FF2B5EF4-FFF2-40B4-BE49-F238E27FC236}">
-                <a16:creationId xmlns:a16="http://schemas.microsoft.com/office/drawing/2014/main" id="{1D841BC2-BFC9-A74B-9221-1BA6470426A7}"/>
-              </a:ext>
-            </a:extLst>
-          </p:cNvPr>
+          <p:cNvPr id="3" name="Content Placeholder 2"/>
           <p:cNvSpPr>
             <a:spLocks noGrp="1"/>
           </p:cNvSpPr>
@@ -1287,8 +1133,8 @@
         </p:nvSpPr>
         <p:spPr>
           <a:xfrm>
-            <a:off x="838200" y="1825625"/>
-            <a:ext cx="5181600" cy="4351338"/>
+            <a:off x="1237545" y="4791843"/>
+            <a:ext cx="7650282" cy="11421255"/>
           </a:xfrm>
         </p:spPr>
         <p:txBody>
@@ -1297,49 +1143,44 @@
           <a:p>
             <a:pPr lvl="0"/>
             <a:r>
-              <a:rPr kumimoji="1" lang="zh-CN" altLang="en-US"/>
+              <a:rPr lang="zh-CN" altLang="en-US"/>
               <a:t>单击此处编辑母版文本样式</a:t>
             </a:r>
           </a:p>
           <a:p>
             <a:pPr lvl="1"/>
             <a:r>
-              <a:rPr kumimoji="1" lang="zh-CN" altLang="en-US"/>
+              <a:rPr lang="zh-CN" altLang="en-US"/>
               <a:t>二级</a:t>
             </a:r>
           </a:p>
           <a:p>
             <a:pPr lvl="2"/>
             <a:r>
-              <a:rPr kumimoji="1" lang="zh-CN" altLang="en-US"/>
+              <a:rPr lang="zh-CN" altLang="en-US"/>
               <a:t>三级</a:t>
             </a:r>
           </a:p>
           <a:p>
             <a:pPr lvl="3"/>
             <a:r>
-              <a:rPr kumimoji="1" lang="zh-CN" altLang="en-US"/>
+              <a:rPr lang="zh-CN" altLang="en-US"/>
               <a:t>四级</a:t>
             </a:r>
           </a:p>
           <a:p>
             <a:pPr lvl="4"/>
             <a:r>
-              <a:rPr kumimoji="1" lang="zh-CN" altLang="en-US"/>
+              <a:rPr lang="zh-CN" altLang="en-US"/>
               <a:t>五级</a:t>
             </a:r>
+            <a:endParaRPr lang="en-US" dirty="0"/>
           </a:p>
         </p:txBody>
       </p:sp>
       <p:sp>
         <p:nvSpPr>
-          <p:cNvPr id="4" name="内容占位符 3">
-            <a:extLst>
-              <a:ext uri="{FF2B5EF4-FFF2-40B4-BE49-F238E27FC236}">
-                <a16:creationId xmlns:a16="http://schemas.microsoft.com/office/drawing/2014/main" id="{3E868FEF-BB54-224D-A64B-6C6863CF8FD6}"/>
-              </a:ext>
-            </a:extLst>
-          </p:cNvPr>
+          <p:cNvPr id="4" name="Content Placeholder 3"/>
           <p:cNvSpPr>
             <a:spLocks noGrp="1"/>
           </p:cNvSpPr>
@@ -1349,8 +1190,8 @@
         </p:nvSpPr>
         <p:spPr>
           <a:xfrm>
-            <a:off x="6172200" y="1825625"/>
-            <a:ext cx="5181600" cy="4351338"/>
+            <a:off x="9112836" y="4791843"/>
+            <a:ext cx="7650282" cy="11421255"/>
           </a:xfrm>
         </p:spPr>
         <p:txBody>
@@ -1359,49 +1200,44 @@
           <a:p>
             <a:pPr lvl="0"/>
             <a:r>
-              <a:rPr kumimoji="1" lang="zh-CN" altLang="en-US"/>
+              <a:rPr lang="zh-CN" altLang="en-US"/>
               <a:t>单击此处编辑母版文本样式</a:t>
             </a:r>
           </a:p>
           <a:p>
             <a:pPr lvl="1"/>
             <a:r>
-              <a:rPr kumimoji="1" lang="zh-CN" altLang="en-US"/>
+              <a:rPr lang="zh-CN" altLang="en-US"/>
               <a:t>二级</a:t>
             </a:r>
           </a:p>
           <a:p>
             <a:pPr lvl="2"/>
             <a:r>
-              <a:rPr kumimoji="1" lang="zh-CN" altLang="en-US"/>
+              <a:rPr lang="zh-CN" altLang="en-US"/>
               <a:t>三级</a:t>
             </a:r>
           </a:p>
           <a:p>
             <a:pPr lvl="3"/>
             <a:r>
-              <a:rPr kumimoji="1" lang="zh-CN" altLang="en-US"/>
+              <a:rPr lang="zh-CN" altLang="en-US"/>
               <a:t>四级</a:t>
             </a:r>
           </a:p>
           <a:p>
             <a:pPr lvl="4"/>
             <a:r>
-              <a:rPr kumimoji="1" lang="zh-CN" altLang="en-US"/>
+              <a:rPr lang="zh-CN" altLang="en-US"/>
               <a:t>五级</a:t>
             </a:r>
+            <a:endParaRPr lang="en-US" dirty="0"/>
           </a:p>
         </p:txBody>
       </p:sp>
       <p:sp>
         <p:nvSpPr>
-          <p:cNvPr id="5" name="日期占位符 4">
-            <a:extLst>
-              <a:ext uri="{FF2B5EF4-FFF2-40B4-BE49-F238E27FC236}">
-                <a16:creationId xmlns:a16="http://schemas.microsoft.com/office/drawing/2014/main" id="{273F10EA-B77B-FC41-B4E6-A5A7D65AFD77}"/>
-              </a:ext>
-            </a:extLst>
-          </p:cNvPr>
+          <p:cNvPr id="5" name="Date Placeholder 4"/>
           <p:cNvSpPr>
             <a:spLocks noGrp="1"/>
           </p:cNvSpPr>
@@ -1424,13 +1260,7 @@
       </p:sp>
       <p:sp>
         <p:nvSpPr>
-          <p:cNvPr id="6" name="页脚占位符 5">
-            <a:extLst>
-              <a:ext uri="{FF2B5EF4-FFF2-40B4-BE49-F238E27FC236}">
-                <a16:creationId xmlns:a16="http://schemas.microsoft.com/office/drawing/2014/main" id="{DEBC8776-B952-4D44-A0AB-817B625C77F9}"/>
-              </a:ext>
-            </a:extLst>
-          </p:cNvPr>
+          <p:cNvPr id="6" name="Footer Placeholder 5"/>
           <p:cNvSpPr>
             <a:spLocks noGrp="1"/>
           </p:cNvSpPr>
@@ -1449,13 +1279,7 @@
       </p:sp>
       <p:sp>
         <p:nvSpPr>
-          <p:cNvPr id="7" name="灯片编号占位符 6">
-            <a:extLst>
-              <a:ext uri="{FF2B5EF4-FFF2-40B4-BE49-F238E27FC236}">
-                <a16:creationId xmlns:a16="http://schemas.microsoft.com/office/drawing/2014/main" id="{F55D5399-BE57-F949-81D6-F4462BB688F0}"/>
-              </a:ext>
-            </a:extLst>
-          </p:cNvPr>
+          <p:cNvPr id="7" name="Slide Number Placeholder 6"/>
           <p:cNvSpPr>
             <a:spLocks noGrp="1"/>
           </p:cNvSpPr>
@@ -1479,7 +1303,7 @@
     </p:spTree>
     <p:extLst>
       <p:ext uri="{BB962C8B-B14F-4D97-AF65-F5344CB8AC3E}">
-        <p14:creationId xmlns:p14="http://schemas.microsoft.com/office/powerpoint/2010/main" val="806232110"/>
+        <p14:creationId xmlns:p14="http://schemas.microsoft.com/office/powerpoint/2010/main" val="2746999118"/>
       </p:ext>
     </p:extLst>
   </p:cSld>
@@ -1508,13 +1332,7 @@
       </p:grpSpPr>
       <p:sp>
         <p:nvSpPr>
-          <p:cNvPr id="2" name="标题 1">
-            <a:extLst>
-              <a:ext uri="{FF2B5EF4-FFF2-40B4-BE49-F238E27FC236}">
-                <a16:creationId xmlns:a16="http://schemas.microsoft.com/office/drawing/2014/main" id="{F80860E6-4FB7-6D4F-BD68-528DBFBA1D8D}"/>
-              </a:ext>
-            </a:extLst>
-          </p:cNvPr>
+          <p:cNvPr id="2" name="Title 1"/>
           <p:cNvSpPr>
             <a:spLocks noGrp="1"/>
           </p:cNvSpPr>
@@ -1524,8 +1342,8 @@
         </p:nvSpPr>
         <p:spPr>
           <a:xfrm>
-            <a:off x="839788" y="365125"/>
-            <a:ext cx="10515600" cy="1325563"/>
+            <a:off x="1239890" y="958373"/>
+            <a:ext cx="15525572" cy="3479296"/>
           </a:xfrm>
         </p:spPr>
         <p:txBody>
@@ -1533,21 +1351,16 @@
           <a:lstStyle/>
           <a:p>
             <a:r>
-              <a:rPr kumimoji="1" lang="zh-CN" altLang="en-US"/>
+              <a:rPr lang="zh-CN" altLang="en-US"/>
               <a:t>单击此处编辑母版标题样式</a:t>
             </a:r>
+            <a:endParaRPr lang="en-US" dirty="0"/>
           </a:p>
         </p:txBody>
       </p:sp>
       <p:sp>
         <p:nvSpPr>
-          <p:cNvPr id="3" name="文本占位符 2">
-            <a:extLst>
-              <a:ext uri="{FF2B5EF4-FFF2-40B4-BE49-F238E27FC236}">
-                <a16:creationId xmlns:a16="http://schemas.microsoft.com/office/drawing/2014/main" id="{F67E4146-0C65-8E46-88B8-7F78B4C483FE}"/>
-              </a:ext>
-            </a:extLst>
-          </p:cNvPr>
+          <p:cNvPr id="3" name="Text Placeholder 2"/>
           <p:cNvSpPr>
             <a:spLocks noGrp="1"/>
           </p:cNvSpPr>
@@ -1557,8 +1370,8 @@
         </p:nvSpPr>
         <p:spPr>
           <a:xfrm>
-            <a:off x="839788" y="1681163"/>
-            <a:ext cx="5157787" cy="823912"/>
+            <a:off x="1239892" y="4412664"/>
+            <a:ext cx="7615123" cy="2162578"/>
           </a:xfrm>
         </p:spPr>
         <p:txBody>
@@ -1566,45 +1379,45 @@
           <a:lstStyle>
             <a:lvl1pPr marL="0" indent="0">
               <a:buNone/>
-              <a:defRPr sz="2400" b="1"/>
+              <a:defRPr sz="4725" b="1"/>
             </a:lvl1pPr>
-            <a:lvl2pPr marL="457200" indent="0">
+            <a:lvl2pPr marL="900044" indent="0">
               <a:buNone/>
-              <a:defRPr sz="2000" b="1"/>
+              <a:defRPr sz="3937" b="1"/>
             </a:lvl2pPr>
-            <a:lvl3pPr marL="914400" indent="0">
+            <a:lvl3pPr marL="1800088" indent="0">
               <a:buNone/>
-              <a:defRPr sz="1800" b="1"/>
+              <a:defRPr sz="3543" b="1"/>
             </a:lvl3pPr>
-            <a:lvl4pPr marL="1371600" indent="0">
+            <a:lvl4pPr marL="2700132" indent="0">
               <a:buNone/>
-              <a:defRPr sz="1600" b="1"/>
+              <a:defRPr sz="3150" b="1"/>
             </a:lvl4pPr>
-            <a:lvl5pPr marL="1828800" indent="0">
+            <a:lvl5pPr marL="3600176" indent="0">
               <a:buNone/>
-              <a:defRPr sz="1600" b="1"/>
+              <a:defRPr sz="3150" b="1"/>
             </a:lvl5pPr>
-            <a:lvl6pPr marL="2286000" indent="0">
+            <a:lvl6pPr marL="4500220" indent="0">
               <a:buNone/>
-              <a:defRPr sz="1600" b="1"/>
+              <a:defRPr sz="3150" b="1"/>
             </a:lvl6pPr>
-            <a:lvl7pPr marL="2743200" indent="0">
+            <a:lvl7pPr marL="5400264" indent="0">
               <a:buNone/>
-              <a:defRPr sz="1600" b="1"/>
+              <a:defRPr sz="3150" b="1"/>
             </a:lvl7pPr>
-            <a:lvl8pPr marL="3200400" indent="0">
+            <a:lvl8pPr marL="6300307" indent="0">
               <a:buNone/>
-              <a:defRPr sz="1600" b="1"/>
+              <a:defRPr sz="3150" b="1"/>
             </a:lvl8pPr>
-            <a:lvl9pPr marL="3657600" indent="0">
+            <a:lvl9pPr marL="7200351" indent="0">
               <a:buNone/>
-              <a:defRPr sz="1600" b="1"/>
+              <a:defRPr sz="3150" b="1"/>
             </a:lvl9pPr>
           </a:lstStyle>
           <a:p>
             <a:pPr lvl="0"/>
             <a:r>
-              <a:rPr kumimoji="1" lang="zh-CN" altLang="en-US"/>
+              <a:rPr lang="zh-CN" altLang="en-US"/>
               <a:t>单击此处编辑母版文本样式</a:t>
             </a:r>
           </a:p>
@@ -1612,13 +1425,7 @@
       </p:sp>
       <p:sp>
         <p:nvSpPr>
-          <p:cNvPr id="4" name="内容占位符 3">
-            <a:extLst>
-              <a:ext uri="{FF2B5EF4-FFF2-40B4-BE49-F238E27FC236}">
-                <a16:creationId xmlns:a16="http://schemas.microsoft.com/office/drawing/2014/main" id="{82CB9253-A07B-3644-95E2-04DE32E16A0B}"/>
-              </a:ext>
-            </a:extLst>
-          </p:cNvPr>
+          <p:cNvPr id="4" name="Content Placeholder 3"/>
           <p:cNvSpPr>
             <a:spLocks noGrp="1"/>
           </p:cNvSpPr>
@@ -1628,8 +1435,8 @@
         </p:nvSpPr>
         <p:spPr>
           <a:xfrm>
-            <a:off x="839788" y="2505075"/>
-            <a:ext cx="5157787" cy="3684588"/>
+            <a:off x="1239892" y="6575242"/>
+            <a:ext cx="7615123" cy="9671191"/>
           </a:xfrm>
         </p:spPr>
         <p:txBody>
@@ -1638,49 +1445,44 @@
           <a:p>
             <a:pPr lvl="0"/>
             <a:r>
-              <a:rPr kumimoji="1" lang="zh-CN" altLang="en-US"/>
+              <a:rPr lang="zh-CN" altLang="en-US"/>
               <a:t>单击此处编辑母版文本样式</a:t>
             </a:r>
           </a:p>
           <a:p>
             <a:pPr lvl="1"/>
             <a:r>
-              <a:rPr kumimoji="1" lang="zh-CN" altLang="en-US"/>
+              <a:rPr lang="zh-CN" altLang="en-US"/>
               <a:t>二级</a:t>
             </a:r>
           </a:p>
           <a:p>
             <a:pPr lvl="2"/>
             <a:r>
-              <a:rPr kumimoji="1" lang="zh-CN" altLang="en-US"/>
+              <a:rPr lang="zh-CN" altLang="en-US"/>
               <a:t>三级</a:t>
             </a:r>
           </a:p>
           <a:p>
             <a:pPr lvl="3"/>
             <a:r>
-              <a:rPr kumimoji="1" lang="zh-CN" altLang="en-US"/>
+              <a:rPr lang="zh-CN" altLang="en-US"/>
               <a:t>四级</a:t>
             </a:r>
           </a:p>
           <a:p>
             <a:pPr lvl="4"/>
             <a:r>
-              <a:rPr kumimoji="1" lang="zh-CN" altLang="en-US"/>
+              <a:rPr lang="zh-CN" altLang="en-US"/>
               <a:t>五级</a:t>
             </a:r>
+            <a:endParaRPr lang="en-US" dirty="0"/>
           </a:p>
         </p:txBody>
       </p:sp>
       <p:sp>
         <p:nvSpPr>
-          <p:cNvPr id="5" name="文本占位符 4">
-            <a:extLst>
-              <a:ext uri="{FF2B5EF4-FFF2-40B4-BE49-F238E27FC236}">
-                <a16:creationId xmlns:a16="http://schemas.microsoft.com/office/drawing/2014/main" id="{3A0342ED-9C50-A84E-A612-6D925A6C46B7}"/>
-              </a:ext>
-            </a:extLst>
-          </p:cNvPr>
+          <p:cNvPr id="5" name="Text Placeholder 4"/>
           <p:cNvSpPr>
             <a:spLocks noGrp="1"/>
           </p:cNvSpPr>
@@ -1690,8 +1492,8 @@
         </p:nvSpPr>
         <p:spPr>
           <a:xfrm>
-            <a:off x="6172200" y="1681163"/>
-            <a:ext cx="5183188" cy="823912"/>
+            <a:off x="9112837" y="4412664"/>
+            <a:ext cx="7652626" cy="2162578"/>
           </a:xfrm>
         </p:spPr>
         <p:txBody>
@@ -1699,45 +1501,45 @@
           <a:lstStyle>
             <a:lvl1pPr marL="0" indent="0">
               <a:buNone/>
-              <a:defRPr sz="2400" b="1"/>
+              <a:defRPr sz="4725" b="1"/>
             </a:lvl1pPr>
-            <a:lvl2pPr marL="457200" indent="0">
+            <a:lvl2pPr marL="900044" indent="0">
               <a:buNone/>
-              <a:defRPr sz="2000" b="1"/>
+              <a:defRPr sz="3937" b="1"/>
             </a:lvl2pPr>
-            <a:lvl3pPr marL="914400" indent="0">
+            <a:lvl3pPr marL="1800088" indent="0">
               <a:buNone/>
-              <a:defRPr sz="1800" b="1"/>
+              <a:defRPr sz="3543" b="1"/>
             </a:lvl3pPr>
-            <a:lvl4pPr marL="1371600" indent="0">
+            <a:lvl4pPr marL="2700132" indent="0">
               <a:buNone/>
-              <a:defRPr sz="1600" b="1"/>
+              <a:defRPr sz="3150" b="1"/>
             </a:lvl4pPr>
-            <a:lvl5pPr marL="1828800" indent="0">
+            <a:lvl5pPr marL="3600176" indent="0">
               <a:buNone/>
-              <a:defRPr sz="1600" b="1"/>
+              <a:defRPr sz="3150" b="1"/>
             </a:lvl5pPr>
-            <a:lvl6pPr marL="2286000" indent="0">
+            <a:lvl6pPr marL="4500220" indent="0">
               <a:buNone/>
-              <a:defRPr sz="1600" b="1"/>
+              <a:defRPr sz="3150" b="1"/>
             </a:lvl6pPr>
-            <a:lvl7pPr marL="2743200" indent="0">
+            <a:lvl7pPr marL="5400264" indent="0">
               <a:buNone/>
-              <a:defRPr sz="1600" b="1"/>
+              <a:defRPr sz="3150" b="1"/>
             </a:lvl7pPr>
-            <a:lvl8pPr marL="3200400" indent="0">
+            <a:lvl8pPr marL="6300307" indent="0">
               <a:buNone/>
-              <a:defRPr sz="1600" b="1"/>
+              <a:defRPr sz="3150" b="1"/>
             </a:lvl8pPr>
-            <a:lvl9pPr marL="3657600" indent="0">
+            <a:lvl9pPr marL="7200351" indent="0">
               <a:buNone/>
-              <a:defRPr sz="1600" b="1"/>
+              <a:defRPr sz="3150" b="1"/>
             </a:lvl9pPr>
           </a:lstStyle>
           <a:p>
             <a:pPr lvl="0"/>
             <a:r>
-              <a:rPr kumimoji="1" lang="zh-CN" altLang="en-US"/>
+              <a:rPr lang="zh-CN" altLang="en-US"/>
               <a:t>单击此处编辑母版文本样式</a:t>
             </a:r>
           </a:p>
@@ -1745,13 +1547,7 @@
       </p:sp>
       <p:sp>
         <p:nvSpPr>
-          <p:cNvPr id="6" name="内容占位符 5">
-            <a:extLst>
-              <a:ext uri="{FF2B5EF4-FFF2-40B4-BE49-F238E27FC236}">
-                <a16:creationId xmlns:a16="http://schemas.microsoft.com/office/drawing/2014/main" id="{EFB355C8-4F32-344B-A99E-7B76DDC1A406}"/>
-              </a:ext>
-            </a:extLst>
-          </p:cNvPr>
+          <p:cNvPr id="6" name="Content Placeholder 5"/>
           <p:cNvSpPr>
             <a:spLocks noGrp="1"/>
           </p:cNvSpPr>
@@ -1761,8 +1557,8 @@
         </p:nvSpPr>
         <p:spPr>
           <a:xfrm>
-            <a:off x="6172200" y="2505075"/>
-            <a:ext cx="5183188" cy="3684588"/>
+            <a:off x="9112837" y="6575242"/>
+            <a:ext cx="7652626" cy="9671191"/>
           </a:xfrm>
         </p:spPr>
         <p:txBody>
@@ -1771,49 +1567,44 @@
           <a:p>
             <a:pPr lvl="0"/>
             <a:r>
-              <a:rPr kumimoji="1" lang="zh-CN" altLang="en-US"/>
+              <a:rPr lang="zh-CN" altLang="en-US"/>
               <a:t>单击此处编辑母版文本样式</a:t>
             </a:r>
           </a:p>
           <a:p>
             <a:pPr lvl="1"/>
             <a:r>
-              <a:rPr kumimoji="1" lang="zh-CN" altLang="en-US"/>
+              <a:rPr lang="zh-CN" altLang="en-US"/>
               <a:t>二级</a:t>
             </a:r>
           </a:p>
           <a:p>
             <a:pPr lvl="2"/>
             <a:r>
-              <a:rPr kumimoji="1" lang="zh-CN" altLang="en-US"/>
+              <a:rPr lang="zh-CN" altLang="en-US"/>
               <a:t>三级</a:t>
             </a:r>
           </a:p>
           <a:p>
             <a:pPr lvl="3"/>
             <a:r>
-              <a:rPr kumimoji="1" lang="zh-CN" altLang="en-US"/>
+              <a:rPr lang="zh-CN" altLang="en-US"/>
               <a:t>四级</a:t>
             </a:r>
           </a:p>
           <a:p>
             <a:pPr lvl="4"/>
             <a:r>
-              <a:rPr kumimoji="1" lang="zh-CN" altLang="en-US"/>
+              <a:rPr lang="zh-CN" altLang="en-US"/>
               <a:t>五级</a:t>
             </a:r>
+            <a:endParaRPr lang="en-US" dirty="0"/>
           </a:p>
         </p:txBody>
       </p:sp>
       <p:sp>
         <p:nvSpPr>
-          <p:cNvPr id="7" name="日期占位符 6">
-            <a:extLst>
-              <a:ext uri="{FF2B5EF4-FFF2-40B4-BE49-F238E27FC236}">
-                <a16:creationId xmlns:a16="http://schemas.microsoft.com/office/drawing/2014/main" id="{8F8B19B8-99CE-DC4A-BCF8-B7DE1004A717}"/>
-              </a:ext>
-            </a:extLst>
-          </p:cNvPr>
+          <p:cNvPr id="7" name="Date Placeholder 6"/>
           <p:cNvSpPr>
             <a:spLocks noGrp="1"/>
           </p:cNvSpPr>
@@ -1836,13 +1627,7 @@
       </p:sp>
       <p:sp>
         <p:nvSpPr>
-          <p:cNvPr id="8" name="页脚占位符 7">
-            <a:extLst>
-              <a:ext uri="{FF2B5EF4-FFF2-40B4-BE49-F238E27FC236}">
-                <a16:creationId xmlns:a16="http://schemas.microsoft.com/office/drawing/2014/main" id="{C94BCE60-F13C-BB46-8AF7-524B680D6463}"/>
-              </a:ext>
-            </a:extLst>
-          </p:cNvPr>
+          <p:cNvPr id="8" name="Footer Placeholder 7"/>
           <p:cNvSpPr>
             <a:spLocks noGrp="1"/>
           </p:cNvSpPr>
@@ -1861,13 +1646,7 @@
       </p:sp>
       <p:sp>
         <p:nvSpPr>
-          <p:cNvPr id="9" name="灯片编号占位符 8">
-            <a:extLst>
-              <a:ext uri="{FF2B5EF4-FFF2-40B4-BE49-F238E27FC236}">
-                <a16:creationId xmlns:a16="http://schemas.microsoft.com/office/drawing/2014/main" id="{DEB7ED48-0DD3-4C45-A5D2-ED93FD059348}"/>
-              </a:ext>
-            </a:extLst>
-          </p:cNvPr>
+          <p:cNvPr id="9" name="Slide Number Placeholder 8"/>
           <p:cNvSpPr>
             <a:spLocks noGrp="1"/>
           </p:cNvSpPr>
@@ -1891,7 +1670,7 @@
     </p:spTree>
     <p:extLst>
       <p:ext uri="{BB962C8B-B14F-4D97-AF65-F5344CB8AC3E}">
-        <p14:creationId xmlns:p14="http://schemas.microsoft.com/office/powerpoint/2010/main" val="900938704"/>
+        <p14:creationId xmlns:p14="http://schemas.microsoft.com/office/powerpoint/2010/main" val="838217048"/>
       </p:ext>
     </p:extLst>
   </p:cSld>
@@ -1920,13 +1699,7 @@
       </p:grpSpPr>
       <p:sp>
         <p:nvSpPr>
-          <p:cNvPr id="2" name="标题 1">
-            <a:extLst>
-              <a:ext uri="{FF2B5EF4-FFF2-40B4-BE49-F238E27FC236}">
-                <a16:creationId xmlns:a16="http://schemas.microsoft.com/office/drawing/2014/main" id="{E4997FC2-A13D-004D-9A68-EECE58B74A3A}"/>
-              </a:ext>
-            </a:extLst>
-          </p:cNvPr>
+          <p:cNvPr id="2" name="Title 1"/>
           <p:cNvSpPr>
             <a:spLocks noGrp="1"/>
           </p:cNvSpPr>
@@ -1940,21 +1713,16 @@
           <a:lstStyle/>
           <a:p>
             <a:r>
-              <a:rPr kumimoji="1" lang="zh-CN" altLang="en-US"/>
+              <a:rPr lang="zh-CN" altLang="en-US"/>
               <a:t>单击此处编辑母版标题样式</a:t>
             </a:r>
+            <a:endParaRPr lang="en-US" dirty="0"/>
           </a:p>
         </p:txBody>
       </p:sp>
       <p:sp>
         <p:nvSpPr>
-          <p:cNvPr id="3" name="日期占位符 2">
-            <a:extLst>
-              <a:ext uri="{FF2B5EF4-FFF2-40B4-BE49-F238E27FC236}">
-                <a16:creationId xmlns:a16="http://schemas.microsoft.com/office/drawing/2014/main" id="{361F9C96-0547-F14F-A37B-03E108BBEB46}"/>
-              </a:ext>
-            </a:extLst>
-          </p:cNvPr>
+          <p:cNvPr id="3" name="Date Placeholder 2"/>
           <p:cNvSpPr>
             <a:spLocks noGrp="1"/>
           </p:cNvSpPr>
@@ -1977,13 +1745,7 @@
       </p:sp>
       <p:sp>
         <p:nvSpPr>
-          <p:cNvPr id="4" name="页脚占位符 3">
-            <a:extLst>
-              <a:ext uri="{FF2B5EF4-FFF2-40B4-BE49-F238E27FC236}">
-                <a16:creationId xmlns:a16="http://schemas.microsoft.com/office/drawing/2014/main" id="{16B19A11-3465-4940-AEEE-388FFB020D08}"/>
-              </a:ext>
-            </a:extLst>
-          </p:cNvPr>
+          <p:cNvPr id="4" name="Footer Placeholder 3"/>
           <p:cNvSpPr>
             <a:spLocks noGrp="1"/>
           </p:cNvSpPr>
@@ -2002,13 +1764,7 @@
       </p:sp>
       <p:sp>
         <p:nvSpPr>
-          <p:cNvPr id="5" name="灯片编号占位符 4">
-            <a:extLst>
-              <a:ext uri="{FF2B5EF4-FFF2-40B4-BE49-F238E27FC236}">
-                <a16:creationId xmlns:a16="http://schemas.microsoft.com/office/drawing/2014/main" id="{4635CDF9-8A4A-3240-B08C-B091FA79A009}"/>
-              </a:ext>
-            </a:extLst>
-          </p:cNvPr>
+          <p:cNvPr id="5" name="Slide Number Placeholder 4"/>
           <p:cNvSpPr>
             <a:spLocks noGrp="1"/>
           </p:cNvSpPr>
@@ -2032,7 +1788,7 @@
     </p:spTree>
     <p:extLst>
       <p:ext uri="{BB962C8B-B14F-4D97-AF65-F5344CB8AC3E}">
-        <p14:creationId xmlns:p14="http://schemas.microsoft.com/office/powerpoint/2010/main" val="3462479973"/>
+        <p14:creationId xmlns:p14="http://schemas.microsoft.com/office/powerpoint/2010/main" val="787268190"/>
       </p:ext>
     </p:extLst>
   </p:cSld>
@@ -2061,13 +1817,7 @@
       </p:grpSpPr>
       <p:sp>
         <p:nvSpPr>
-          <p:cNvPr id="2" name="日期占位符 1">
-            <a:extLst>
-              <a:ext uri="{FF2B5EF4-FFF2-40B4-BE49-F238E27FC236}">
-                <a16:creationId xmlns:a16="http://schemas.microsoft.com/office/drawing/2014/main" id="{8DFBF26E-CEBD-4546-8C4D-6C3C637030D8}"/>
-              </a:ext>
-            </a:extLst>
-          </p:cNvPr>
+          <p:cNvPr id="2" name="Date Placeholder 1"/>
           <p:cNvSpPr>
             <a:spLocks noGrp="1"/>
           </p:cNvSpPr>
@@ -2090,13 +1840,7 @@
       </p:sp>
       <p:sp>
         <p:nvSpPr>
-          <p:cNvPr id="3" name="页脚占位符 2">
-            <a:extLst>
-              <a:ext uri="{FF2B5EF4-FFF2-40B4-BE49-F238E27FC236}">
-                <a16:creationId xmlns:a16="http://schemas.microsoft.com/office/drawing/2014/main" id="{93A4973A-36C4-1545-A165-A72DB96A3F4E}"/>
-              </a:ext>
-            </a:extLst>
-          </p:cNvPr>
+          <p:cNvPr id="3" name="Footer Placeholder 2"/>
           <p:cNvSpPr>
             <a:spLocks noGrp="1"/>
           </p:cNvSpPr>
@@ -2115,13 +1859,7 @@
       </p:sp>
       <p:sp>
         <p:nvSpPr>
-          <p:cNvPr id="4" name="灯片编号占位符 3">
-            <a:extLst>
-              <a:ext uri="{FF2B5EF4-FFF2-40B4-BE49-F238E27FC236}">
-                <a16:creationId xmlns:a16="http://schemas.microsoft.com/office/drawing/2014/main" id="{5A25BF65-AEFE-234F-AD99-981DBE0DCCD2}"/>
-              </a:ext>
-            </a:extLst>
-          </p:cNvPr>
+          <p:cNvPr id="4" name="Slide Number Placeholder 3"/>
           <p:cNvSpPr>
             <a:spLocks noGrp="1"/>
           </p:cNvSpPr>
@@ -2145,7 +1883,7 @@
     </p:spTree>
     <p:extLst>
       <p:ext uri="{BB962C8B-B14F-4D97-AF65-F5344CB8AC3E}">
-        <p14:creationId xmlns:p14="http://schemas.microsoft.com/office/powerpoint/2010/main" val="739567541"/>
+        <p14:creationId xmlns:p14="http://schemas.microsoft.com/office/powerpoint/2010/main" val="337186550"/>
       </p:ext>
     </p:extLst>
   </p:cSld>
@@ -2174,13 +1912,7 @@
       </p:grpSpPr>
       <p:sp>
         <p:nvSpPr>
-          <p:cNvPr id="2" name="标题 1">
-            <a:extLst>
-              <a:ext uri="{FF2B5EF4-FFF2-40B4-BE49-F238E27FC236}">
-                <a16:creationId xmlns:a16="http://schemas.microsoft.com/office/drawing/2014/main" id="{033C4161-1F02-A14C-B9D7-A11A8344CD0A}"/>
-              </a:ext>
-            </a:extLst>
-          </p:cNvPr>
+          <p:cNvPr id="2" name="Title 1"/>
           <p:cNvSpPr>
             <a:spLocks noGrp="1"/>
           </p:cNvSpPr>
@@ -2190,34 +1922,29 @@
         </p:nvSpPr>
         <p:spPr>
           <a:xfrm>
-            <a:off x="839788" y="457200"/>
-            <a:ext cx="3932237" cy="1600200"/>
+            <a:off x="1239890" y="1200044"/>
+            <a:ext cx="5805682" cy="4200155"/>
           </a:xfrm>
         </p:spPr>
         <p:txBody>
           <a:bodyPr anchor="b"/>
           <a:lstStyle>
             <a:lvl1pPr>
-              <a:defRPr sz="3200"/>
+              <a:defRPr sz="6300"/>
             </a:lvl1pPr>
           </a:lstStyle>
           <a:p>
             <a:r>
-              <a:rPr kumimoji="1" lang="zh-CN" altLang="en-US"/>
+              <a:rPr lang="zh-CN" altLang="en-US"/>
               <a:t>单击此处编辑母版标题样式</a:t>
             </a:r>
+            <a:endParaRPr lang="en-US" dirty="0"/>
           </a:p>
         </p:txBody>
       </p:sp>
       <p:sp>
         <p:nvSpPr>
-          <p:cNvPr id="3" name="内容占位符 2">
-            <a:extLst>
-              <a:ext uri="{FF2B5EF4-FFF2-40B4-BE49-F238E27FC236}">
-                <a16:creationId xmlns:a16="http://schemas.microsoft.com/office/drawing/2014/main" id="{A94D96D1-7C8D-5A4B-B838-1E0C57ADB481}"/>
-              </a:ext>
-            </a:extLst>
-          </p:cNvPr>
+          <p:cNvPr id="3" name="Content Placeholder 2"/>
           <p:cNvSpPr>
             <a:spLocks noGrp="1"/>
           </p:cNvSpPr>
@@ -2227,87 +1954,82 @@
         </p:nvSpPr>
         <p:spPr>
           <a:xfrm>
-            <a:off x="5183188" y="987425"/>
-            <a:ext cx="6172200" cy="4873625"/>
+            <a:off x="7652626" y="2591766"/>
+            <a:ext cx="9112836" cy="12792138"/>
           </a:xfrm>
         </p:spPr>
         <p:txBody>
           <a:bodyPr/>
           <a:lstStyle>
             <a:lvl1pPr>
-              <a:defRPr sz="3200"/>
+              <a:defRPr sz="6300"/>
             </a:lvl1pPr>
             <a:lvl2pPr>
-              <a:defRPr sz="2800"/>
+              <a:defRPr sz="5512"/>
             </a:lvl2pPr>
             <a:lvl3pPr>
-              <a:defRPr sz="2400"/>
+              <a:defRPr sz="4725"/>
             </a:lvl3pPr>
             <a:lvl4pPr>
-              <a:defRPr sz="2000"/>
+              <a:defRPr sz="3937"/>
             </a:lvl4pPr>
             <a:lvl5pPr>
-              <a:defRPr sz="2000"/>
+              <a:defRPr sz="3937"/>
             </a:lvl5pPr>
             <a:lvl6pPr>
-              <a:defRPr sz="2000"/>
+              <a:defRPr sz="3937"/>
             </a:lvl6pPr>
             <a:lvl7pPr>
-              <a:defRPr sz="2000"/>
+              <a:defRPr sz="3937"/>
             </a:lvl7pPr>
             <a:lvl8pPr>
-              <a:defRPr sz="2000"/>
+              <a:defRPr sz="3937"/>
             </a:lvl8pPr>
             <a:lvl9pPr>
-              <a:defRPr sz="2000"/>
+              <a:defRPr sz="3937"/>
             </a:lvl9pPr>
           </a:lstStyle>
           <a:p>
             <a:pPr lvl="0"/>
             <a:r>
-              <a:rPr kumimoji="1" lang="zh-CN" altLang="en-US"/>
+              <a:rPr lang="zh-CN" altLang="en-US"/>
               <a:t>单击此处编辑母版文本样式</a:t>
             </a:r>
           </a:p>
           <a:p>
             <a:pPr lvl="1"/>
             <a:r>
-              <a:rPr kumimoji="1" lang="zh-CN" altLang="en-US"/>
+              <a:rPr lang="zh-CN" altLang="en-US"/>
               <a:t>二级</a:t>
             </a:r>
           </a:p>
           <a:p>
             <a:pPr lvl="2"/>
             <a:r>
-              <a:rPr kumimoji="1" lang="zh-CN" altLang="en-US"/>
+              <a:rPr lang="zh-CN" altLang="en-US"/>
               <a:t>三级</a:t>
             </a:r>
           </a:p>
           <a:p>
             <a:pPr lvl="3"/>
             <a:r>
-              <a:rPr kumimoji="1" lang="zh-CN" altLang="en-US"/>
+              <a:rPr lang="zh-CN" altLang="en-US"/>
               <a:t>四级</a:t>
             </a:r>
           </a:p>
           <a:p>
             <a:pPr lvl="4"/>
             <a:r>
-              <a:rPr kumimoji="1" lang="zh-CN" altLang="en-US"/>
+              <a:rPr lang="zh-CN" altLang="en-US"/>
               <a:t>五级</a:t>
             </a:r>
+            <a:endParaRPr lang="en-US" dirty="0"/>
           </a:p>
         </p:txBody>
       </p:sp>
       <p:sp>
         <p:nvSpPr>
-          <p:cNvPr id="4" name="文本占位符 3">
-            <a:extLst>
-              <a:ext uri="{FF2B5EF4-FFF2-40B4-BE49-F238E27FC236}">
-                <a16:creationId xmlns:a16="http://schemas.microsoft.com/office/drawing/2014/main" id="{B2CE6371-0079-AE45-97E0-87203EB9281B}"/>
-              </a:ext>
-            </a:extLst>
-          </p:cNvPr>
+          <p:cNvPr id="4" name="Text Placeholder 3"/>
           <p:cNvSpPr>
             <a:spLocks noGrp="1"/>
           </p:cNvSpPr>
@@ -2317,8 +2039,8 @@
         </p:nvSpPr>
         <p:spPr>
           <a:xfrm>
-            <a:off x="839788" y="2057400"/>
-            <a:ext cx="3932237" cy="3811588"/>
+            <a:off x="1239890" y="5400199"/>
+            <a:ext cx="5805682" cy="10004536"/>
           </a:xfrm>
         </p:spPr>
         <p:txBody>
@@ -2326,45 +2048,45 @@
           <a:lstStyle>
             <a:lvl1pPr marL="0" indent="0">
               <a:buNone/>
-              <a:defRPr sz="1600"/>
+              <a:defRPr sz="3150"/>
             </a:lvl1pPr>
-            <a:lvl2pPr marL="457200" indent="0">
+            <a:lvl2pPr marL="900044" indent="0">
               <a:buNone/>
-              <a:defRPr sz="1400"/>
+              <a:defRPr sz="2756"/>
             </a:lvl2pPr>
-            <a:lvl3pPr marL="914400" indent="0">
+            <a:lvl3pPr marL="1800088" indent="0">
               <a:buNone/>
-              <a:defRPr sz="1200"/>
+              <a:defRPr sz="2362"/>
             </a:lvl3pPr>
-            <a:lvl4pPr marL="1371600" indent="0">
+            <a:lvl4pPr marL="2700132" indent="0">
               <a:buNone/>
-              <a:defRPr sz="1000"/>
+              <a:defRPr sz="1969"/>
             </a:lvl4pPr>
-            <a:lvl5pPr marL="1828800" indent="0">
+            <a:lvl5pPr marL="3600176" indent="0">
               <a:buNone/>
-              <a:defRPr sz="1000"/>
+              <a:defRPr sz="1969"/>
             </a:lvl5pPr>
-            <a:lvl6pPr marL="2286000" indent="0">
+            <a:lvl6pPr marL="4500220" indent="0">
               <a:buNone/>
-              <a:defRPr sz="1000"/>
+              <a:defRPr sz="1969"/>
             </a:lvl6pPr>
-            <a:lvl7pPr marL="2743200" indent="0">
+            <a:lvl7pPr marL="5400264" indent="0">
               <a:buNone/>
-              <a:defRPr sz="1000"/>
+              <a:defRPr sz="1969"/>
             </a:lvl7pPr>
-            <a:lvl8pPr marL="3200400" indent="0">
+            <a:lvl8pPr marL="6300307" indent="0">
               <a:buNone/>
-              <a:defRPr sz="1000"/>
+              <a:defRPr sz="1969"/>
             </a:lvl8pPr>
-            <a:lvl9pPr marL="3657600" indent="0">
+            <a:lvl9pPr marL="7200351" indent="0">
               <a:buNone/>
-              <a:defRPr sz="1000"/>
+              <a:defRPr sz="1969"/>
             </a:lvl9pPr>
           </a:lstStyle>
           <a:p>
             <a:pPr lvl="0"/>
             <a:r>
-              <a:rPr kumimoji="1" lang="zh-CN" altLang="en-US"/>
+              <a:rPr lang="zh-CN" altLang="en-US"/>
               <a:t>单击此处编辑母版文本样式</a:t>
             </a:r>
           </a:p>
@@ -2372,13 +2094,7 @@
       </p:sp>
       <p:sp>
         <p:nvSpPr>
-          <p:cNvPr id="5" name="日期占位符 4">
-            <a:extLst>
-              <a:ext uri="{FF2B5EF4-FFF2-40B4-BE49-F238E27FC236}">
-                <a16:creationId xmlns:a16="http://schemas.microsoft.com/office/drawing/2014/main" id="{10172F19-5A9B-8749-92E5-8C79F7A9B682}"/>
-              </a:ext>
-            </a:extLst>
-          </p:cNvPr>
+          <p:cNvPr id="5" name="Date Placeholder 4"/>
           <p:cNvSpPr>
             <a:spLocks noGrp="1"/>
           </p:cNvSpPr>
@@ -2401,13 +2117,7 @@
       </p:sp>
       <p:sp>
         <p:nvSpPr>
-          <p:cNvPr id="6" name="页脚占位符 5">
-            <a:extLst>
-              <a:ext uri="{FF2B5EF4-FFF2-40B4-BE49-F238E27FC236}">
-                <a16:creationId xmlns:a16="http://schemas.microsoft.com/office/drawing/2014/main" id="{F509142E-A825-3140-A10F-CB5521EB3D05}"/>
-              </a:ext>
-            </a:extLst>
-          </p:cNvPr>
+          <p:cNvPr id="6" name="Footer Placeholder 5"/>
           <p:cNvSpPr>
             <a:spLocks noGrp="1"/>
           </p:cNvSpPr>
@@ -2426,13 +2136,7 @@
       </p:sp>
       <p:sp>
         <p:nvSpPr>
-          <p:cNvPr id="7" name="灯片编号占位符 6">
-            <a:extLst>
-              <a:ext uri="{FF2B5EF4-FFF2-40B4-BE49-F238E27FC236}">
-                <a16:creationId xmlns:a16="http://schemas.microsoft.com/office/drawing/2014/main" id="{458C7A3B-A128-FA43-A12C-E4C3B1FD5E16}"/>
-              </a:ext>
-            </a:extLst>
-          </p:cNvPr>
+          <p:cNvPr id="7" name="Slide Number Placeholder 6"/>
           <p:cNvSpPr>
             <a:spLocks noGrp="1"/>
           </p:cNvSpPr>
@@ -2456,7 +2160,7 @@
     </p:spTree>
     <p:extLst>
       <p:ext uri="{BB962C8B-B14F-4D97-AF65-F5344CB8AC3E}">
-        <p14:creationId xmlns:p14="http://schemas.microsoft.com/office/powerpoint/2010/main" val="299390482"/>
+        <p14:creationId xmlns:p14="http://schemas.microsoft.com/office/powerpoint/2010/main" val="3063573922"/>
       </p:ext>
     </p:extLst>
   </p:cSld>
@@ -2485,13 +2189,7 @@
       </p:grpSpPr>
       <p:sp>
         <p:nvSpPr>
-          <p:cNvPr id="2" name="标题 1">
-            <a:extLst>
-              <a:ext uri="{FF2B5EF4-FFF2-40B4-BE49-F238E27FC236}">
-                <a16:creationId xmlns:a16="http://schemas.microsoft.com/office/drawing/2014/main" id="{7EA1156E-4D6D-6241-AFD5-5201EC0108E2}"/>
-              </a:ext>
-            </a:extLst>
-          </p:cNvPr>
+          <p:cNvPr id="2" name="Title 1"/>
           <p:cNvSpPr>
             <a:spLocks noGrp="1"/>
           </p:cNvSpPr>
@@ -2501,36 +2199,31 @@
         </p:nvSpPr>
         <p:spPr>
           <a:xfrm>
-            <a:off x="839788" y="457200"/>
-            <a:ext cx="3932237" cy="1600200"/>
+            <a:off x="1239890" y="1200044"/>
+            <a:ext cx="5805682" cy="4200155"/>
           </a:xfrm>
         </p:spPr>
         <p:txBody>
           <a:bodyPr anchor="b"/>
           <a:lstStyle>
             <a:lvl1pPr>
-              <a:defRPr sz="3200"/>
+              <a:defRPr sz="6300"/>
             </a:lvl1pPr>
           </a:lstStyle>
           <a:p>
             <a:r>
-              <a:rPr kumimoji="1" lang="zh-CN" altLang="en-US"/>
+              <a:rPr lang="zh-CN" altLang="en-US"/>
               <a:t>单击此处编辑母版标题样式</a:t>
             </a:r>
+            <a:endParaRPr lang="en-US" dirty="0"/>
           </a:p>
         </p:txBody>
       </p:sp>
       <p:sp>
         <p:nvSpPr>
-          <p:cNvPr id="3" name="图片占位符 2">
-            <a:extLst>
-              <a:ext uri="{FF2B5EF4-FFF2-40B4-BE49-F238E27FC236}">
-                <a16:creationId xmlns:a16="http://schemas.microsoft.com/office/drawing/2014/main" id="{19BA73C0-9A9C-4746-92DE-60A3CB22C4E9}"/>
-              </a:ext>
-            </a:extLst>
-          </p:cNvPr>
+          <p:cNvPr id="3" name="Picture Placeholder 2"/>
           <p:cNvSpPr>
-            <a:spLocks noGrp="1"/>
+            <a:spLocks noGrp="1" noChangeAspect="1"/>
           </p:cNvSpPr>
           <p:nvPr>
             <p:ph type="pic" idx="1"/>
@@ -2538,64 +2231,62 @@
         </p:nvSpPr>
         <p:spPr>
           <a:xfrm>
-            <a:off x="5183188" y="987425"/>
-            <a:ext cx="6172200" cy="4873625"/>
+            <a:off x="7652626" y="2591766"/>
+            <a:ext cx="9112836" cy="12792138"/>
           </a:xfrm>
         </p:spPr>
         <p:txBody>
-          <a:bodyPr/>
+          <a:bodyPr anchor="t"/>
           <a:lstStyle>
             <a:lvl1pPr marL="0" indent="0">
               <a:buNone/>
-              <a:defRPr sz="3200"/>
+              <a:defRPr sz="6300"/>
             </a:lvl1pPr>
-            <a:lvl2pPr marL="457200" indent="0">
+            <a:lvl2pPr marL="900044" indent="0">
               <a:buNone/>
-              <a:defRPr sz="2800"/>
+              <a:defRPr sz="5512"/>
             </a:lvl2pPr>
-            <a:lvl3pPr marL="914400" indent="0">
+            <a:lvl3pPr marL="1800088" indent="0">
               <a:buNone/>
-              <a:defRPr sz="2400"/>
+              <a:defRPr sz="4725"/>
             </a:lvl3pPr>
-            <a:lvl4pPr marL="1371600" indent="0">
+            <a:lvl4pPr marL="2700132" indent="0">
               <a:buNone/>
-              <a:defRPr sz="2000"/>
+              <a:defRPr sz="3937"/>
             </a:lvl4pPr>
-            <a:lvl5pPr marL="1828800" indent="0">
+            <a:lvl5pPr marL="3600176" indent="0">
               <a:buNone/>
-              <a:defRPr sz="2000"/>
+              <a:defRPr sz="3937"/>
             </a:lvl5pPr>
-            <a:lvl6pPr marL="2286000" indent="0">
+            <a:lvl6pPr marL="4500220" indent="0">
               <a:buNone/>
-              <a:defRPr sz="2000"/>
+              <a:defRPr sz="3937"/>
             </a:lvl6pPr>
-            <a:lvl7pPr marL="2743200" indent="0">
+            <a:lvl7pPr marL="5400264" indent="0">
               <a:buNone/>
-              <a:defRPr sz="2000"/>
+              <a:defRPr sz="3937"/>
             </a:lvl7pPr>
-            <a:lvl8pPr marL="3200400" indent="0">
+            <a:lvl8pPr marL="6300307" indent="0">
               <a:buNone/>
-              <a:defRPr sz="2000"/>
+              <a:defRPr sz="3937"/>
             </a:lvl8pPr>
-            <a:lvl9pPr marL="3657600" indent="0">
+            <a:lvl9pPr marL="7200351" indent="0">
               <a:buNone/>
-              <a:defRPr sz="2000"/>
+              <a:defRPr sz="3937"/>
             </a:lvl9pPr>
           </a:lstStyle>
           <a:p>
-            <a:endParaRPr kumimoji="1" lang="zh-CN" altLang="en-US"/>
+            <a:r>
+              <a:rPr lang="zh-CN" altLang="en-US"/>
+              <a:t>单击图标添加图片</a:t>
+            </a:r>
+            <a:endParaRPr lang="en-US" dirty="0"/>
           </a:p>
         </p:txBody>
       </p:sp>
       <p:sp>
         <p:nvSpPr>
-          <p:cNvPr id="4" name="文本占位符 3">
-            <a:extLst>
-              <a:ext uri="{FF2B5EF4-FFF2-40B4-BE49-F238E27FC236}">
-                <a16:creationId xmlns:a16="http://schemas.microsoft.com/office/drawing/2014/main" id="{B30C2960-CC7B-1E41-AB49-AB570EA214FF}"/>
-              </a:ext>
-            </a:extLst>
-          </p:cNvPr>
+          <p:cNvPr id="4" name="Text Placeholder 3"/>
           <p:cNvSpPr>
             <a:spLocks noGrp="1"/>
           </p:cNvSpPr>
@@ -2605,8 +2296,8 @@
         </p:nvSpPr>
         <p:spPr>
           <a:xfrm>
-            <a:off x="839788" y="2057400"/>
-            <a:ext cx="3932237" cy="3811588"/>
+            <a:off x="1239890" y="5400199"/>
+            <a:ext cx="5805682" cy="10004536"/>
           </a:xfrm>
         </p:spPr>
         <p:txBody>
@@ -2614,45 +2305,45 @@
           <a:lstStyle>
             <a:lvl1pPr marL="0" indent="0">
               <a:buNone/>
-              <a:defRPr sz="1600"/>
+              <a:defRPr sz="3150"/>
             </a:lvl1pPr>
-            <a:lvl2pPr marL="457200" indent="0">
+            <a:lvl2pPr marL="900044" indent="0">
               <a:buNone/>
-              <a:defRPr sz="1400"/>
+              <a:defRPr sz="2756"/>
             </a:lvl2pPr>
-            <a:lvl3pPr marL="914400" indent="0">
+            <a:lvl3pPr marL="1800088" indent="0">
               <a:buNone/>
-              <a:defRPr sz="1200"/>
+              <a:defRPr sz="2362"/>
             </a:lvl3pPr>
-            <a:lvl4pPr marL="1371600" indent="0">
+            <a:lvl4pPr marL="2700132" indent="0">
               <a:buNone/>
-              <a:defRPr sz="1000"/>
+              <a:defRPr sz="1969"/>
             </a:lvl4pPr>
-            <a:lvl5pPr marL="1828800" indent="0">
+            <a:lvl5pPr marL="3600176" indent="0">
               <a:buNone/>
-              <a:defRPr sz="1000"/>
+              <a:defRPr sz="1969"/>
             </a:lvl5pPr>
-            <a:lvl6pPr marL="2286000" indent="0">
+            <a:lvl6pPr marL="4500220" indent="0">
               <a:buNone/>
-              <a:defRPr sz="1000"/>
+              <a:defRPr sz="1969"/>
             </a:lvl6pPr>
-            <a:lvl7pPr marL="2743200" indent="0">
+            <a:lvl7pPr marL="5400264" indent="0">
               <a:buNone/>
-              <a:defRPr sz="1000"/>
+              <a:defRPr sz="1969"/>
             </a:lvl7pPr>
-            <a:lvl8pPr marL="3200400" indent="0">
+            <a:lvl8pPr marL="6300307" indent="0">
               <a:buNone/>
-              <a:defRPr sz="1000"/>
+              <a:defRPr sz="1969"/>
             </a:lvl8pPr>
-            <a:lvl9pPr marL="3657600" indent="0">
+            <a:lvl9pPr marL="7200351" indent="0">
               <a:buNone/>
-              <a:defRPr sz="1000"/>
+              <a:defRPr sz="1969"/>
             </a:lvl9pPr>
           </a:lstStyle>
           <a:p>
             <a:pPr lvl="0"/>
             <a:r>
-              <a:rPr kumimoji="1" lang="zh-CN" altLang="en-US"/>
+              <a:rPr lang="zh-CN" altLang="en-US"/>
               <a:t>单击此处编辑母版文本样式</a:t>
             </a:r>
           </a:p>
@@ -2660,13 +2351,7 @@
       </p:sp>
       <p:sp>
         <p:nvSpPr>
-          <p:cNvPr id="5" name="日期占位符 4">
-            <a:extLst>
-              <a:ext uri="{FF2B5EF4-FFF2-40B4-BE49-F238E27FC236}">
-                <a16:creationId xmlns:a16="http://schemas.microsoft.com/office/drawing/2014/main" id="{4EB73138-34DD-0F44-A6E2-BA5A80865DD9}"/>
-              </a:ext>
-            </a:extLst>
-          </p:cNvPr>
+          <p:cNvPr id="5" name="Date Placeholder 4"/>
           <p:cNvSpPr>
             <a:spLocks noGrp="1"/>
           </p:cNvSpPr>
@@ -2689,13 +2374,7 @@
       </p:sp>
       <p:sp>
         <p:nvSpPr>
-          <p:cNvPr id="6" name="页脚占位符 5">
-            <a:extLst>
-              <a:ext uri="{FF2B5EF4-FFF2-40B4-BE49-F238E27FC236}">
-                <a16:creationId xmlns:a16="http://schemas.microsoft.com/office/drawing/2014/main" id="{3E90683E-FC8E-2D44-9D1E-3E193AD4F6AF}"/>
-              </a:ext>
-            </a:extLst>
-          </p:cNvPr>
+          <p:cNvPr id="6" name="Footer Placeholder 5"/>
           <p:cNvSpPr>
             <a:spLocks noGrp="1"/>
           </p:cNvSpPr>
@@ -2714,13 +2393,7 @@
       </p:sp>
       <p:sp>
         <p:nvSpPr>
-          <p:cNvPr id="7" name="灯片编号占位符 6">
-            <a:extLst>
-              <a:ext uri="{FF2B5EF4-FFF2-40B4-BE49-F238E27FC236}">
-                <a16:creationId xmlns:a16="http://schemas.microsoft.com/office/drawing/2014/main" id="{48137F7A-45EB-5B41-913E-AEBA27E1491F}"/>
-              </a:ext>
-            </a:extLst>
-          </p:cNvPr>
+          <p:cNvPr id="7" name="Slide Number Placeholder 6"/>
           <p:cNvSpPr>
             <a:spLocks noGrp="1"/>
           </p:cNvSpPr>
@@ -2744,7 +2417,7 @@
     </p:spTree>
     <p:extLst>
       <p:ext uri="{BB962C8B-B14F-4D97-AF65-F5344CB8AC3E}">
-        <p14:creationId xmlns:p14="http://schemas.microsoft.com/office/powerpoint/2010/main" val="234345367"/>
+        <p14:creationId xmlns:p14="http://schemas.microsoft.com/office/powerpoint/2010/main" val="3338591161"/>
       </p:ext>
     </p:extLst>
   </p:cSld>
@@ -2778,13 +2451,7 @@
       </p:grpSpPr>
       <p:sp>
         <p:nvSpPr>
-          <p:cNvPr id="2" name="标题占位符 1">
-            <a:extLst>
-              <a:ext uri="{FF2B5EF4-FFF2-40B4-BE49-F238E27FC236}">
-                <a16:creationId xmlns:a16="http://schemas.microsoft.com/office/drawing/2014/main" id="{5517C837-E55B-6647-A136-7BE5EA9EBC6D}"/>
-              </a:ext>
-            </a:extLst>
-          </p:cNvPr>
+          <p:cNvPr id="2" name="Title Placeholder 1"/>
           <p:cNvSpPr>
             <a:spLocks noGrp="1"/>
           </p:cNvSpPr>
@@ -2794,8 +2461,8 @@
         </p:nvSpPr>
         <p:spPr>
           <a:xfrm>
-            <a:off x="838200" y="365125"/>
-            <a:ext cx="10515600" cy="1325563"/>
+            <a:off x="1237546" y="958373"/>
+            <a:ext cx="15525572" cy="3479296"/>
           </a:xfrm>
           <a:prstGeom prst="rect">
             <a:avLst/>
@@ -2808,21 +2475,16 @@
           <a:lstStyle/>
           <a:p>
             <a:r>
-              <a:rPr kumimoji="1" lang="zh-CN" altLang="en-US"/>
+              <a:rPr lang="zh-CN" altLang="en-US"/>
               <a:t>单击此处编辑母版标题样式</a:t>
             </a:r>
+            <a:endParaRPr lang="en-US" dirty="0"/>
           </a:p>
         </p:txBody>
       </p:sp>
       <p:sp>
         <p:nvSpPr>
-          <p:cNvPr id="3" name="文本占位符 2">
-            <a:extLst>
-              <a:ext uri="{FF2B5EF4-FFF2-40B4-BE49-F238E27FC236}">
-                <a16:creationId xmlns:a16="http://schemas.microsoft.com/office/drawing/2014/main" id="{5CF4EDE1-320D-324C-A5C2-8FEF721EE39B}"/>
-              </a:ext>
-            </a:extLst>
-          </p:cNvPr>
+          <p:cNvPr id="3" name="Text Placeholder 2"/>
           <p:cNvSpPr>
             <a:spLocks noGrp="1"/>
           </p:cNvSpPr>
@@ -2832,8 +2494,8 @@
         </p:nvSpPr>
         <p:spPr>
           <a:xfrm>
-            <a:off x="838200" y="1825625"/>
-            <a:ext cx="10515600" cy="4351338"/>
+            <a:off x="1237546" y="4791843"/>
+            <a:ext cx="15525572" cy="11421255"/>
           </a:xfrm>
           <a:prstGeom prst="rect">
             <a:avLst/>
@@ -2847,49 +2509,44 @@
           <a:p>
             <a:pPr lvl="0"/>
             <a:r>
-              <a:rPr kumimoji="1" lang="zh-CN" altLang="en-US"/>
+              <a:rPr lang="zh-CN" altLang="en-US"/>
               <a:t>单击此处编辑母版文本样式</a:t>
             </a:r>
           </a:p>
           <a:p>
             <a:pPr lvl="1"/>
             <a:r>
-              <a:rPr kumimoji="1" lang="zh-CN" altLang="en-US"/>
+              <a:rPr lang="zh-CN" altLang="en-US"/>
               <a:t>二级</a:t>
             </a:r>
           </a:p>
           <a:p>
             <a:pPr lvl="2"/>
             <a:r>
-              <a:rPr kumimoji="1" lang="zh-CN" altLang="en-US"/>
+              <a:rPr lang="zh-CN" altLang="en-US"/>
               <a:t>三级</a:t>
             </a:r>
           </a:p>
           <a:p>
             <a:pPr lvl="3"/>
             <a:r>
-              <a:rPr kumimoji="1" lang="zh-CN" altLang="en-US"/>
+              <a:rPr lang="zh-CN" altLang="en-US"/>
               <a:t>四级</a:t>
             </a:r>
           </a:p>
           <a:p>
             <a:pPr lvl="4"/>
             <a:r>
-              <a:rPr kumimoji="1" lang="zh-CN" altLang="en-US"/>
+              <a:rPr lang="zh-CN" altLang="en-US"/>
               <a:t>五级</a:t>
             </a:r>
+            <a:endParaRPr lang="en-US" dirty="0"/>
           </a:p>
         </p:txBody>
       </p:sp>
       <p:sp>
         <p:nvSpPr>
-          <p:cNvPr id="4" name="日期占位符 3">
-            <a:extLst>
-              <a:ext uri="{FF2B5EF4-FFF2-40B4-BE49-F238E27FC236}">
-                <a16:creationId xmlns:a16="http://schemas.microsoft.com/office/drawing/2014/main" id="{14FA341B-256B-9A41-AADC-12012C710236}"/>
-              </a:ext>
-            </a:extLst>
-          </p:cNvPr>
+          <p:cNvPr id="4" name="Date Placeholder 3"/>
           <p:cNvSpPr>
             <a:spLocks noGrp="1"/>
           </p:cNvSpPr>
@@ -2899,8 +2556,8 @@
         </p:nvSpPr>
         <p:spPr>
           <a:xfrm>
-            <a:off x="838200" y="6356350"/>
-            <a:ext cx="2743200" cy="365125"/>
+            <a:off x="1237546" y="16683952"/>
+            <a:ext cx="4050149" cy="958369"/>
           </a:xfrm>
           <a:prstGeom prst="rect">
             <a:avLst/>
@@ -2910,7 +2567,7 @@
           <a:bodyPr vert="horz" lIns="91440" tIns="45720" rIns="91440" bIns="45720" rtlCol="0" anchor="ctr"/>
           <a:lstStyle>
             <a:lvl1pPr algn="l">
-              <a:defRPr sz="1200">
+              <a:defRPr sz="2362">
                 <a:solidFill>
                   <a:schemeClr val="tx1">
                     <a:tint val="75000"/>
@@ -2930,13 +2587,7 @@
       </p:sp>
       <p:sp>
         <p:nvSpPr>
-          <p:cNvPr id="5" name="页脚占位符 4">
-            <a:extLst>
-              <a:ext uri="{FF2B5EF4-FFF2-40B4-BE49-F238E27FC236}">
-                <a16:creationId xmlns:a16="http://schemas.microsoft.com/office/drawing/2014/main" id="{959F7729-EF10-C843-AAB3-2AE33F897EA7}"/>
-              </a:ext>
-            </a:extLst>
-          </p:cNvPr>
+          <p:cNvPr id="5" name="Footer Placeholder 4"/>
           <p:cNvSpPr>
             <a:spLocks noGrp="1"/>
           </p:cNvSpPr>
@@ -2946,8 +2597,8 @@
         </p:nvSpPr>
         <p:spPr>
           <a:xfrm>
-            <a:off x="4038600" y="6356350"/>
-            <a:ext cx="4114800" cy="365125"/>
+            <a:off x="5962720" y="16683952"/>
+            <a:ext cx="6075224" cy="958369"/>
           </a:xfrm>
           <a:prstGeom prst="rect">
             <a:avLst/>
@@ -2957,7 +2608,7 @@
           <a:bodyPr vert="horz" lIns="91440" tIns="45720" rIns="91440" bIns="45720" rtlCol="0" anchor="ctr"/>
           <a:lstStyle>
             <a:lvl1pPr algn="ctr">
-              <a:defRPr sz="1200">
+              <a:defRPr sz="2362">
                 <a:solidFill>
                   <a:schemeClr val="tx1">
                     <a:tint val="75000"/>
@@ -2973,13 +2624,7 @@
       </p:sp>
       <p:sp>
         <p:nvSpPr>
-          <p:cNvPr id="6" name="灯片编号占位符 5">
-            <a:extLst>
-              <a:ext uri="{FF2B5EF4-FFF2-40B4-BE49-F238E27FC236}">
-                <a16:creationId xmlns:a16="http://schemas.microsoft.com/office/drawing/2014/main" id="{F8E666A6-69B5-E545-BF7A-4BFDA1188795}"/>
-              </a:ext>
-            </a:extLst>
-          </p:cNvPr>
+          <p:cNvPr id="6" name="Slide Number Placeholder 5"/>
           <p:cNvSpPr>
             <a:spLocks noGrp="1"/>
           </p:cNvSpPr>
@@ -2989,8 +2634,8 @@
         </p:nvSpPr>
         <p:spPr>
           <a:xfrm>
-            <a:off x="8610600" y="6356350"/>
-            <a:ext cx="2743200" cy="365125"/>
+            <a:off x="12712968" y="16683952"/>
+            <a:ext cx="4050149" cy="958369"/>
           </a:xfrm>
           <a:prstGeom prst="rect">
             <a:avLst/>
@@ -3000,7 +2645,7 @@
           <a:bodyPr vert="horz" lIns="91440" tIns="45720" rIns="91440" bIns="45720" rtlCol="0" anchor="ctr"/>
           <a:lstStyle>
             <a:lvl1pPr algn="r">
-              <a:defRPr sz="1200">
+              <a:defRPr sz="2362">
                 <a:solidFill>
                   <a:schemeClr val="tx1">
                     <a:tint val="75000"/>
@@ -3021,27 +2666,27 @@
     </p:spTree>
     <p:extLst>
       <p:ext uri="{BB962C8B-B14F-4D97-AF65-F5344CB8AC3E}">
-        <p14:creationId xmlns:p14="http://schemas.microsoft.com/office/powerpoint/2010/main" val="2681858400"/>
+        <p14:creationId xmlns:p14="http://schemas.microsoft.com/office/powerpoint/2010/main" val="2645653266"/>
       </p:ext>
     </p:extLst>
   </p:cSld>
   <p:clrMap bg1="lt1" tx1="dk1" bg2="lt2" tx2="dk2" accent1="accent1" accent2="accent2" accent3="accent3" accent4="accent4" accent5="accent5" accent6="accent6" hlink="hlink" folHlink="folHlink"/>
   <p:sldLayoutIdLst>
-    <p:sldLayoutId id="2147483649" r:id="rId1"/>
-    <p:sldLayoutId id="2147483650" r:id="rId2"/>
-    <p:sldLayoutId id="2147483651" r:id="rId3"/>
-    <p:sldLayoutId id="2147483652" r:id="rId4"/>
-    <p:sldLayoutId id="2147483653" r:id="rId5"/>
-    <p:sldLayoutId id="2147483654" r:id="rId6"/>
-    <p:sldLayoutId id="2147483655" r:id="rId7"/>
-    <p:sldLayoutId id="2147483656" r:id="rId8"/>
-    <p:sldLayoutId id="2147483657" r:id="rId9"/>
-    <p:sldLayoutId id="2147483658" r:id="rId10"/>
-    <p:sldLayoutId id="2147483659" r:id="rId11"/>
+    <p:sldLayoutId id="2147483661" r:id="rId1"/>
+    <p:sldLayoutId id="2147483662" r:id="rId2"/>
+    <p:sldLayoutId id="2147483663" r:id="rId3"/>
+    <p:sldLayoutId id="2147483664" r:id="rId4"/>
+    <p:sldLayoutId id="2147483665" r:id="rId5"/>
+    <p:sldLayoutId id="2147483666" r:id="rId6"/>
+    <p:sldLayoutId id="2147483667" r:id="rId7"/>
+    <p:sldLayoutId id="2147483668" r:id="rId8"/>
+    <p:sldLayoutId id="2147483669" r:id="rId9"/>
+    <p:sldLayoutId id="2147483670" r:id="rId10"/>
+    <p:sldLayoutId id="2147483671" r:id="rId11"/>
   </p:sldLayoutIdLst>
   <p:txStyles>
     <p:titleStyle>
-      <a:lvl1pPr algn="l" defTabSz="914400" rtl="0" eaLnBrk="1" latinLnBrk="0" hangingPunct="1">
+      <a:lvl1pPr algn="l" defTabSz="1800088" rtl="0" eaLnBrk="1" latinLnBrk="0" hangingPunct="1">
         <a:lnSpc>
           <a:spcPct val="90000"/>
         </a:lnSpc>
@@ -3049,7 +2694,7 @@
           <a:spcPct val="0"/>
         </a:spcBef>
         <a:buNone/>
-        <a:defRPr sz="4400" kern="1200">
+        <a:defRPr sz="8662" kern="1200">
           <a:solidFill>
             <a:schemeClr val="tx1"/>
           </a:solidFill>
@@ -3060,16 +2705,16 @@
       </a:lvl1pPr>
     </p:titleStyle>
     <p:bodyStyle>
-      <a:lvl1pPr marL="228600" indent="-228600" algn="l" defTabSz="914400" rtl="0" eaLnBrk="1" latinLnBrk="0" hangingPunct="1">
+      <a:lvl1pPr marL="450022" indent="-450022" algn="l" defTabSz="1800088" rtl="0" eaLnBrk="1" latinLnBrk="0" hangingPunct="1">
         <a:lnSpc>
           <a:spcPct val="90000"/>
         </a:lnSpc>
         <a:spcBef>
-          <a:spcPts val="1000"/>
+          <a:spcPts val="1969"/>
         </a:spcBef>
         <a:buFont typeface="Arial" panose="020B0604020202020204" pitchFamily="34" charset="0"/>
         <a:buChar char="•"/>
-        <a:defRPr sz="2800" kern="1200">
+        <a:defRPr sz="5512" kern="1200">
           <a:solidFill>
             <a:schemeClr val="tx1"/>
           </a:solidFill>
@@ -3078,16 +2723,16 @@
           <a:cs typeface="+mn-cs"/>
         </a:defRPr>
       </a:lvl1pPr>
-      <a:lvl2pPr marL="685800" indent="-228600" algn="l" defTabSz="914400" rtl="0" eaLnBrk="1" latinLnBrk="0" hangingPunct="1">
+      <a:lvl2pPr marL="1350066" indent="-450022" algn="l" defTabSz="1800088" rtl="0" eaLnBrk="1" latinLnBrk="0" hangingPunct="1">
         <a:lnSpc>
           <a:spcPct val="90000"/>
         </a:lnSpc>
         <a:spcBef>
-          <a:spcPts val="500"/>
+          <a:spcPts val="984"/>
         </a:spcBef>
         <a:buFont typeface="Arial" panose="020B0604020202020204" pitchFamily="34" charset="0"/>
         <a:buChar char="•"/>
-        <a:defRPr sz="2400" kern="1200">
+        <a:defRPr sz="4725" kern="1200">
           <a:solidFill>
             <a:schemeClr val="tx1"/>
           </a:solidFill>
@@ -3096,16 +2741,16 @@
           <a:cs typeface="+mn-cs"/>
         </a:defRPr>
       </a:lvl2pPr>
-      <a:lvl3pPr marL="1143000" indent="-228600" algn="l" defTabSz="914400" rtl="0" eaLnBrk="1" latinLnBrk="0" hangingPunct="1">
+      <a:lvl3pPr marL="2250110" indent="-450022" algn="l" defTabSz="1800088" rtl="0" eaLnBrk="1" latinLnBrk="0" hangingPunct="1">
         <a:lnSpc>
           <a:spcPct val="90000"/>
         </a:lnSpc>
         <a:spcBef>
-          <a:spcPts val="500"/>
+          <a:spcPts val="984"/>
         </a:spcBef>
         <a:buFont typeface="Arial" panose="020B0604020202020204" pitchFamily="34" charset="0"/>
         <a:buChar char="•"/>
-        <a:defRPr sz="2000" kern="1200">
+        <a:defRPr sz="3937" kern="1200">
           <a:solidFill>
             <a:schemeClr val="tx1"/>
           </a:solidFill>
@@ -3114,16 +2759,16 @@
           <a:cs typeface="+mn-cs"/>
         </a:defRPr>
       </a:lvl3pPr>
-      <a:lvl4pPr marL="1600200" indent="-228600" algn="l" defTabSz="914400" rtl="0" eaLnBrk="1" latinLnBrk="0" hangingPunct="1">
+      <a:lvl4pPr marL="3150154" indent="-450022" algn="l" defTabSz="1800088" rtl="0" eaLnBrk="1" latinLnBrk="0" hangingPunct="1">
         <a:lnSpc>
           <a:spcPct val="90000"/>
         </a:lnSpc>
         <a:spcBef>
-          <a:spcPts val="500"/>
+          <a:spcPts val="984"/>
         </a:spcBef>
         <a:buFont typeface="Arial" panose="020B0604020202020204" pitchFamily="34" charset="0"/>
         <a:buChar char="•"/>
-        <a:defRPr sz="1800" kern="1200">
+        <a:defRPr sz="3543" kern="1200">
           <a:solidFill>
             <a:schemeClr val="tx1"/>
           </a:solidFill>
@@ -3132,16 +2777,16 @@
           <a:cs typeface="+mn-cs"/>
         </a:defRPr>
       </a:lvl4pPr>
-      <a:lvl5pPr marL="2057400" indent="-228600" algn="l" defTabSz="914400" rtl="0" eaLnBrk="1" latinLnBrk="0" hangingPunct="1">
+      <a:lvl5pPr marL="4050198" indent="-450022" algn="l" defTabSz="1800088" rtl="0" eaLnBrk="1" latinLnBrk="0" hangingPunct="1">
         <a:lnSpc>
           <a:spcPct val="90000"/>
         </a:lnSpc>
         <a:spcBef>
-          <a:spcPts val="500"/>
+          <a:spcPts val="984"/>
         </a:spcBef>
         <a:buFont typeface="Arial" panose="020B0604020202020204" pitchFamily="34" charset="0"/>
         <a:buChar char="•"/>
-        <a:defRPr sz="1800" kern="1200">
+        <a:defRPr sz="3543" kern="1200">
           <a:solidFill>
             <a:schemeClr val="tx1"/>
           </a:solidFill>
@@ -3150,16 +2795,16 @@
           <a:cs typeface="+mn-cs"/>
         </a:defRPr>
       </a:lvl5pPr>
-      <a:lvl6pPr marL="2514600" indent="-228600" algn="l" defTabSz="914400" rtl="0" eaLnBrk="1" latinLnBrk="0" hangingPunct="1">
+      <a:lvl6pPr marL="4950242" indent="-450022" algn="l" defTabSz="1800088" rtl="0" eaLnBrk="1" latinLnBrk="0" hangingPunct="1">
         <a:lnSpc>
           <a:spcPct val="90000"/>
         </a:lnSpc>
         <a:spcBef>
-          <a:spcPts val="500"/>
+          <a:spcPts val="984"/>
         </a:spcBef>
         <a:buFont typeface="Arial" panose="020B0604020202020204" pitchFamily="34" charset="0"/>
         <a:buChar char="•"/>
-        <a:defRPr sz="1800" kern="1200">
+        <a:defRPr sz="3543" kern="1200">
           <a:solidFill>
             <a:schemeClr val="tx1"/>
           </a:solidFill>
@@ -3168,16 +2813,16 @@
           <a:cs typeface="+mn-cs"/>
         </a:defRPr>
       </a:lvl6pPr>
-      <a:lvl7pPr marL="2971800" indent="-228600" algn="l" defTabSz="914400" rtl="0" eaLnBrk="1" latinLnBrk="0" hangingPunct="1">
+      <a:lvl7pPr marL="5850285" indent="-450022" algn="l" defTabSz="1800088" rtl="0" eaLnBrk="1" latinLnBrk="0" hangingPunct="1">
         <a:lnSpc>
           <a:spcPct val="90000"/>
         </a:lnSpc>
         <a:spcBef>
-          <a:spcPts val="500"/>
+          <a:spcPts val="984"/>
         </a:spcBef>
         <a:buFont typeface="Arial" panose="020B0604020202020204" pitchFamily="34" charset="0"/>
         <a:buChar char="•"/>
-        <a:defRPr sz="1800" kern="1200">
+        <a:defRPr sz="3543" kern="1200">
           <a:solidFill>
             <a:schemeClr val="tx1"/>
           </a:solidFill>
@@ -3186,16 +2831,16 @@
           <a:cs typeface="+mn-cs"/>
         </a:defRPr>
       </a:lvl7pPr>
-      <a:lvl8pPr marL="3429000" indent="-228600" algn="l" defTabSz="914400" rtl="0" eaLnBrk="1" latinLnBrk="0" hangingPunct="1">
+      <a:lvl8pPr marL="6750329" indent="-450022" algn="l" defTabSz="1800088" rtl="0" eaLnBrk="1" latinLnBrk="0" hangingPunct="1">
         <a:lnSpc>
           <a:spcPct val="90000"/>
         </a:lnSpc>
         <a:spcBef>
-          <a:spcPts val="500"/>
+          <a:spcPts val="984"/>
         </a:spcBef>
         <a:buFont typeface="Arial" panose="020B0604020202020204" pitchFamily="34" charset="0"/>
         <a:buChar char="•"/>
-        <a:defRPr sz="1800" kern="1200">
+        <a:defRPr sz="3543" kern="1200">
           <a:solidFill>
             <a:schemeClr val="tx1"/>
           </a:solidFill>
@@ -3204,16 +2849,16 @@
           <a:cs typeface="+mn-cs"/>
         </a:defRPr>
       </a:lvl8pPr>
-      <a:lvl9pPr marL="3886200" indent="-228600" algn="l" defTabSz="914400" rtl="0" eaLnBrk="1" latinLnBrk="0" hangingPunct="1">
+      <a:lvl9pPr marL="7650373" indent="-450022" algn="l" defTabSz="1800088" rtl="0" eaLnBrk="1" latinLnBrk="0" hangingPunct="1">
         <a:lnSpc>
           <a:spcPct val="90000"/>
         </a:lnSpc>
         <a:spcBef>
-          <a:spcPts val="500"/>
+          <a:spcPts val="984"/>
         </a:spcBef>
         <a:buFont typeface="Arial" panose="020B0604020202020204" pitchFamily="34" charset="0"/>
         <a:buChar char="•"/>
-        <a:defRPr sz="1800" kern="1200">
+        <a:defRPr sz="3543" kern="1200">
           <a:solidFill>
             <a:schemeClr val="tx1"/>
           </a:solidFill>
@@ -3225,10 +2870,10 @@
     </p:bodyStyle>
     <p:otherStyle>
       <a:defPPr>
-        <a:defRPr lang="zh-CN"/>
+        <a:defRPr lang="en-US"/>
       </a:defPPr>
-      <a:lvl1pPr marL="0" algn="l" defTabSz="914400" rtl="0" eaLnBrk="1" latinLnBrk="0" hangingPunct="1">
-        <a:defRPr sz="1800" kern="1200">
+      <a:lvl1pPr marL="0" algn="l" defTabSz="1800088" rtl="0" eaLnBrk="1" latinLnBrk="0" hangingPunct="1">
+        <a:defRPr sz="3543" kern="1200">
           <a:solidFill>
             <a:schemeClr val="tx1"/>
           </a:solidFill>
@@ -3237,8 +2882,8 @@
           <a:cs typeface="+mn-cs"/>
         </a:defRPr>
       </a:lvl1pPr>
-      <a:lvl2pPr marL="457200" algn="l" defTabSz="914400" rtl="0" eaLnBrk="1" latinLnBrk="0" hangingPunct="1">
-        <a:defRPr sz="1800" kern="1200">
+      <a:lvl2pPr marL="900044" algn="l" defTabSz="1800088" rtl="0" eaLnBrk="1" latinLnBrk="0" hangingPunct="1">
+        <a:defRPr sz="3543" kern="1200">
           <a:solidFill>
             <a:schemeClr val="tx1"/>
           </a:solidFill>
@@ -3247,8 +2892,8 @@
           <a:cs typeface="+mn-cs"/>
         </a:defRPr>
       </a:lvl2pPr>
-      <a:lvl3pPr marL="914400" algn="l" defTabSz="914400" rtl="0" eaLnBrk="1" latinLnBrk="0" hangingPunct="1">
-        <a:defRPr sz="1800" kern="1200">
+      <a:lvl3pPr marL="1800088" algn="l" defTabSz="1800088" rtl="0" eaLnBrk="1" latinLnBrk="0" hangingPunct="1">
+        <a:defRPr sz="3543" kern="1200">
           <a:solidFill>
             <a:schemeClr val="tx1"/>
           </a:solidFill>
@@ -3257,8 +2902,8 @@
           <a:cs typeface="+mn-cs"/>
         </a:defRPr>
       </a:lvl3pPr>
-      <a:lvl4pPr marL="1371600" algn="l" defTabSz="914400" rtl="0" eaLnBrk="1" latinLnBrk="0" hangingPunct="1">
-        <a:defRPr sz="1800" kern="1200">
+      <a:lvl4pPr marL="2700132" algn="l" defTabSz="1800088" rtl="0" eaLnBrk="1" latinLnBrk="0" hangingPunct="1">
+        <a:defRPr sz="3543" kern="1200">
           <a:solidFill>
             <a:schemeClr val="tx1"/>
           </a:solidFill>
@@ -3267,8 +2912,8 @@
           <a:cs typeface="+mn-cs"/>
         </a:defRPr>
       </a:lvl4pPr>
-      <a:lvl5pPr marL="1828800" algn="l" defTabSz="914400" rtl="0" eaLnBrk="1" latinLnBrk="0" hangingPunct="1">
-        <a:defRPr sz="1800" kern="1200">
+      <a:lvl5pPr marL="3600176" algn="l" defTabSz="1800088" rtl="0" eaLnBrk="1" latinLnBrk="0" hangingPunct="1">
+        <a:defRPr sz="3543" kern="1200">
           <a:solidFill>
             <a:schemeClr val="tx1"/>
           </a:solidFill>
@@ -3277,8 +2922,8 @@
           <a:cs typeface="+mn-cs"/>
         </a:defRPr>
       </a:lvl5pPr>
-      <a:lvl6pPr marL="2286000" algn="l" defTabSz="914400" rtl="0" eaLnBrk="1" latinLnBrk="0" hangingPunct="1">
-        <a:defRPr sz="1800" kern="1200">
+      <a:lvl6pPr marL="4500220" algn="l" defTabSz="1800088" rtl="0" eaLnBrk="1" latinLnBrk="0" hangingPunct="1">
+        <a:defRPr sz="3543" kern="1200">
           <a:solidFill>
             <a:schemeClr val="tx1"/>
           </a:solidFill>
@@ -3287,8 +2932,8 @@
           <a:cs typeface="+mn-cs"/>
         </a:defRPr>
       </a:lvl6pPr>
-      <a:lvl7pPr marL="2743200" algn="l" defTabSz="914400" rtl="0" eaLnBrk="1" latinLnBrk="0" hangingPunct="1">
-        <a:defRPr sz="1800" kern="1200">
+      <a:lvl7pPr marL="5400264" algn="l" defTabSz="1800088" rtl="0" eaLnBrk="1" latinLnBrk="0" hangingPunct="1">
+        <a:defRPr sz="3543" kern="1200">
           <a:solidFill>
             <a:schemeClr val="tx1"/>
           </a:solidFill>
@@ -3297,8 +2942,8 @@
           <a:cs typeface="+mn-cs"/>
         </a:defRPr>
       </a:lvl7pPr>
-      <a:lvl8pPr marL="3200400" algn="l" defTabSz="914400" rtl="0" eaLnBrk="1" latinLnBrk="0" hangingPunct="1">
-        <a:defRPr sz="1800" kern="1200">
+      <a:lvl8pPr marL="6300307" algn="l" defTabSz="1800088" rtl="0" eaLnBrk="1" latinLnBrk="0" hangingPunct="1">
+        <a:defRPr sz="3543" kern="1200">
           <a:solidFill>
             <a:schemeClr val="tx1"/>
           </a:solidFill>
@@ -3307,8 +2952,8 @@
           <a:cs typeface="+mn-cs"/>
         </a:defRPr>
       </a:lvl8pPr>
-      <a:lvl9pPr marL="3657600" algn="l" defTabSz="914400" rtl="0" eaLnBrk="1" latinLnBrk="0" hangingPunct="1">
-        <a:defRPr sz="1800" kern="1200">
+      <a:lvl9pPr marL="7200351" algn="l" defTabSz="1800088" rtl="0" eaLnBrk="1" latinLnBrk="0" hangingPunct="1">
+        <a:defRPr sz="3543" kern="1200">
           <a:solidFill>
             <a:schemeClr val="tx1"/>
           </a:solidFill>
@@ -3367,7 +3012,7 @@
         </p:blipFill>
         <p:spPr>
           <a:xfrm>
-            <a:off x="3518817" y="2349262"/>
+            <a:off x="6423148" y="7920593"/>
             <a:ext cx="419100" cy="419100"/>
           </a:xfrm>
           <a:prstGeom prst="rect">
@@ -3419,7 +3064,7 @@
         </p:nvSpPr>
         <p:spPr>
           <a:xfrm>
-            <a:off x="5686425" y="957263"/>
+            <a:off x="8590756" y="6528594"/>
             <a:ext cx="1028700" cy="1028700"/>
           </a:xfrm>
           <a:prstGeom prst="roundRect">
@@ -3488,7 +3133,7 @@
         </p:blipFill>
         <p:spPr bwMode="auto">
           <a:xfrm>
-            <a:off x="0" y="2889250"/>
+            <a:off x="2904331" y="8460581"/>
             <a:ext cx="12192000" cy="3365500"/>
           </a:xfrm>
           <a:prstGeom prst="rect">
@@ -3534,7 +3179,7 @@
         </p:blipFill>
         <p:spPr>
           <a:xfrm>
-            <a:off x="5801326" y="1067201"/>
+            <a:off x="8705657" y="6638532"/>
             <a:ext cx="800100" cy="800100"/>
           </a:xfrm>
           <a:prstGeom prst="rect">
@@ -3586,7 +3231,7 @@
         </p:nvGrpSpPr>
         <p:grpSpPr>
           <a:xfrm>
-            <a:off x="1712424" y="225981"/>
+            <a:off x="4578073" y="2811539"/>
             <a:ext cx="1028700" cy="1028700"/>
             <a:chOff x="3486564" y="851246"/>
             <a:chExt cx="1028700" cy="1028700"/>
@@ -3685,10 +3330,10 @@
       </p:grpSp>
       <p:grpSp>
         <p:nvGrpSpPr>
-          <p:cNvPr id="7" name="Group 6">
+          <p:cNvPr id="52" name="Group 51">
             <a:extLst>
               <a:ext uri="{FF2B5EF4-FFF2-40B4-BE49-F238E27FC236}">
-                <a16:creationId xmlns:a16="http://schemas.microsoft.com/office/drawing/2014/main" id="{82B0374F-B826-07B1-7158-462A6E6C8E35}"/>
+                <a16:creationId xmlns:a16="http://schemas.microsoft.com/office/drawing/2014/main" id="{86DA627E-3EFA-8288-DA13-E8D6F72598FD}"/>
               </a:ext>
             </a:extLst>
           </p:cNvPr>
@@ -3697,7 +3342,7 @@
         </p:nvGrpSpPr>
         <p:grpSpPr>
           <a:xfrm>
-            <a:off x="1730459" y="2497390"/>
+            <a:off x="4578073" y="12503286"/>
             <a:ext cx="1028700" cy="1028700"/>
             <a:chOff x="3486564" y="851246"/>
             <a:chExt cx="1028700" cy="1028700"/>
@@ -3705,10 +3350,10 @@
         </p:grpSpPr>
         <p:sp>
           <p:nvSpPr>
-            <p:cNvPr id="8" name="Rounded Rectangle 7">
-              <a:extLst>
-                <a:ext uri="{FF2B5EF4-FFF2-40B4-BE49-F238E27FC236}">
-                  <a16:creationId xmlns:a16="http://schemas.microsoft.com/office/drawing/2014/main" id="{80F7688E-9E8C-2112-1E2D-6D66C9594B6E}"/>
+            <p:cNvPr id="53" name="Rounded Rectangle 52">
+              <a:extLst>
+                <a:ext uri="{FF2B5EF4-FFF2-40B4-BE49-F238E27FC236}">
+                  <a16:creationId xmlns:a16="http://schemas.microsoft.com/office/drawing/2014/main" id="{E476E870-E3FF-C71F-B5BF-EE2DDBDCE9E2}"/>
                 </a:ext>
               </a:extLst>
             </p:cNvPr>
@@ -3759,10 +3404,10 @@
         </p:sp>
         <p:pic>
           <p:nvPicPr>
-            <p:cNvPr id="9" name="Graphic 8" descr="Star with solid fill">
-              <a:extLst>
-                <a:ext uri="{FF2B5EF4-FFF2-40B4-BE49-F238E27FC236}">
-                  <a16:creationId xmlns:a16="http://schemas.microsoft.com/office/drawing/2014/main" id="{A9728C34-6C79-49A7-5CEE-D1131BF4CC67}"/>
+            <p:cNvPr id="54" name="Graphic 53" descr="Star with solid fill">
+              <a:extLst>
+                <a:ext uri="{FF2B5EF4-FFF2-40B4-BE49-F238E27FC236}">
+                  <a16:creationId xmlns:a16="http://schemas.microsoft.com/office/drawing/2014/main" id="{310D71EA-8E5A-6472-2887-E9B1726787E5}"/>
                 </a:ext>
               </a:extLst>
             </p:cNvPr>
@@ -3796,10 +3441,10 @@
       </p:grpSp>
       <p:grpSp>
         <p:nvGrpSpPr>
-          <p:cNvPr id="10" name="Group 9">
+          <p:cNvPr id="55" name="Group 54">
             <a:extLst>
               <a:ext uri="{FF2B5EF4-FFF2-40B4-BE49-F238E27FC236}">
-                <a16:creationId xmlns:a16="http://schemas.microsoft.com/office/drawing/2014/main" id="{1C51364F-3A87-0406-1AC5-D1E0B77D85F1}"/>
+                <a16:creationId xmlns:a16="http://schemas.microsoft.com/office/drawing/2014/main" id="{7F73B874-D69C-900B-8DF7-536329E8F2C1}"/>
               </a:ext>
             </a:extLst>
           </p:cNvPr>
@@ -3808,7 +3453,7 @@
         </p:nvGrpSpPr>
         <p:grpSpPr>
           <a:xfrm>
-            <a:off x="2874060" y="2497390"/>
+            <a:off x="5706011" y="12503286"/>
             <a:ext cx="1028700" cy="1028700"/>
             <a:chOff x="3486564" y="851246"/>
             <a:chExt cx="1028700" cy="1028700"/>
@@ -3816,10 +3461,10 @@
         </p:grpSpPr>
         <p:sp>
           <p:nvSpPr>
-            <p:cNvPr id="11" name="Rounded Rectangle 10">
-              <a:extLst>
-                <a:ext uri="{FF2B5EF4-FFF2-40B4-BE49-F238E27FC236}">
-                  <a16:creationId xmlns:a16="http://schemas.microsoft.com/office/drawing/2014/main" id="{988861C7-0EC8-7A8D-1B34-6CFC6ACAC77B}"/>
+            <p:cNvPr id="56" name="Rounded Rectangle 55">
+              <a:extLst>
+                <a:ext uri="{FF2B5EF4-FFF2-40B4-BE49-F238E27FC236}">
+                  <a16:creationId xmlns:a16="http://schemas.microsoft.com/office/drawing/2014/main" id="{3C191087-D2AE-D47F-3F44-9FDCC195D6A8}"/>
                 </a:ext>
               </a:extLst>
             </p:cNvPr>
@@ -3870,10 +3515,10 @@
         </p:sp>
         <p:pic>
           <p:nvPicPr>
-            <p:cNvPr id="12" name="Graphic 11" descr="Star with solid fill">
-              <a:extLst>
-                <a:ext uri="{FF2B5EF4-FFF2-40B4-BE49-F238E27FC236}">
-                  <a16:creationId xmlns:a16="http://schemas.microsoft.com/office/drawing/2014/main" id="{580EDEB7-C98C-9F62-879A-08050D894FF6}"/>
+            <p:cNvPr id="57" name="Graphic 56" descr="Star with solid fill">
+              <a:extLst>
+                <a:ext uri="{FF2B5EF4-FFF2-40B4-BE49-F238E27FC236}">
+                  <a16:creationId xmlns:a16="http://schemas.microsoft.com/office/drawing/2014/main" id="{C7F595F2-ECE9-6C7D-F03D-7F3F7B1A7721}"/>
                 </a:ext>
               </a:extLst>
             </p:cNvPr>
@@ -3907,10 +3552,10 @@
       </p:grpSp>
       <p:grpSp>
         <p:nvGrpSpPr>
-          <p:cNvPr id="22" name="Group 21">
+          <p:cNvPr id="58" name="Group 57">
             <a:extLst>
               <a:ext uri="{FF2B5EF4-FFF2-40B4-BE49-F238E27FC236}">
-                <a16:creationId xmlns:a16="http://schemas.microsoft.com/office/drawing/2014/main" id="{C72FF534-25AC-2580-0857-F75E0BE545F5}"/>
+                <a16:creationId xmlns:a16="http://schemas.microsoft.com/office/drawing/2014/main" id="{BDA2441A-11AF-875E-392B-A2601BC086FF}"/>
               </a:ext>
             </a:extLst>
           </p:cNvPr>
@@ -3919,7 +3564,7 @@
         </p:nvGrpSpPr>
         <p:grpSpPr>
           <a:xfrm>
-            <a:off x="1712424" y="1338653"/>
+            <a:off x="6833949" y="12503286"/>
             <a:ext cx="1028700" cy="1028700"/>
             <a:chOff x="3486564" y="851246"/>
             <a:chExt cx="1028700" cy="1028700"/>
@@ -3927,10 +3572,10 @@
         </p:grpSpPr>
         <p:sp>
           <p:nvSpPr>
-            <p:cNvPr id="23" name="Rounded Rectangle 22">
-              <a:extLst>
-                <a:ext uri="{FF2B5EF4-FFF2-40B4-BE49-F238E27FC236}">
-                  <a16:creationId xmlns:a16="http://schemas.microsoft.com/office/drawing/2014/main" id="{C763DBF3-A59D-1764-24B7-3D3414890598}"/>
+            <p:cNvPr id="59" name="Rounded Rectangle 58">
+              <a:extLst>
+                <a:ext uri="{FF2B5EF4-FFF2-40B4-BE49-F238E27FC236}">
+                  <a16:creationId xmlns:a16="http://schemas.microsoft.com/office/drawing/2014/main" id="{584713B2-7DD6-B3B8-1F39-3175B57B880D}"/>
                 </a:ext>
               </a:extLst>
             </p:cNvPr>
@@ -3981,10 +3626,10 @@
         </p:sp>
         <p:pic>
           <p:nvPicPr>
-            <p:cNvPr id="24" name="Graphic 23" descr="Star with solid fill">
-              <a:extLst>
-                <a:ext uri="{FF2B5EF4-FFF2-40B4-BE49-F238E27FC236}">
-                  <a16:creationId xmlns:a16="http://schemas.microsoft.com/office/drawing/2014/main" id="{7B063F49-16B7-1817-4084-CCB11011EBBE}"/>
+            <p:cNvPr id="60" name="Graphic 59" descr="Star with solid fill">
+              <a:extLst>
+                <a:ext uri="{FF2B5EF4-FFF2-40B4-BE49-F238E27FC236}">
+                  <a16:creationId xmlns:a16="http://schemas.microsoft.com/office/drawing/2014/main" id="{4A469BAB-0B52-DA8F-9C54-46776E446566}"/>
                 </a:ext>
               </a:extLst>
             </p:cNvPr>
@@ -4018,10 +3663,10 @@
       </p:grpSp>
       <p:grpSp>
         <p:nvGrpSpPr>
-          <p:cNvPr id="25" name="Group 24">
+          <p:cNvPr id="61" name="Group 60">
             <a:extLst>
               <a:ext uri="{FF2B5EF4-FFF2-40B4-BE49-F238E27FC236}">
-                <a16:creationId xmlns:a16="http://schemas.microsoft.com/office/drawing/2014/main" id="{7565C3DF-7A07-D718-DE32-CE476E1CDE90}"/>
+                <a16:creationId xmlns:a16="http://schemas.microsoft.com/office/drawing/2014/main" id="{D0469064-EA27-3E7C-C700-1931F5FCC2F7}"/>
               </a:ext>
             </a:extLst>
           </p:cNvPr>
@@ -4030,7 +3675,229 @@
         </p:nvGrpSpPr>
         <p:grpSpPr>
           <a:xfrm>
-            <a:off x="2874060" y="1334291"/>
+            <a:off x="7961887" y="12503286"/>
+            <a:ext cx="1028700" cy="1028700"/>
+            <a:chOff x="3486564" y="851246"/>
+            <a:chExt cx="1028700" cy="1028700"/>
+          </a:xfrm>
+        </p:grpSpPr>
+        <p:sp>
+          <p:nvSpPr>
+            <p:cNvPr id="62" name="Rounded Rectangle 61">
+              <a:extLst>
+                <a:ext uri="{FF2B5EF4-FFF2-40B4-BE49-F238E27FC236}">
+                  <a16:creationId xmlns:a16="http://schemas.microsoft.com/office/drawing/2014/main" id="{CD644054-D36A-0436-48E9-3709C08E0D06}"/>
+                </a:ext>
+              </a:extLst>
+            </p:cNvPr>
+            <p:cNvSpPr/>
+            <p:nvPr/>
+          </p:nvSpPr>
+          <p:spPr>
+            <a:xfrm>
+              <a:off x="3486564" y="851246"/>
+              <a:ext cx="1028700" cy="1028700"/>
+            </a:xfrm>
+            <a:prstGeom prst="roundRect">
+              <a:avLst>
+                <a:gd name="adj" fmla="val 24152"/>
+              </a:avLst>
+            </a:prstGeom>
+            <a:solidFill>
+              <a:srgbClr val="F25C4E"/>
+            </a:solidFill>
+            <a:ln>
+              <a:noFill/>
+            </a:ln>
+          </p:spPr>
+          <p:style>
+            <a:lnRef idx="2">
+              <a:schemeClr val="accent1">
+                <a:shade val="50000"/>
+              </a:schemeClr>
+            </a:lnRef>
+            <a:fillRef idx="1">
+              <a:schemeClr val="accent1"/>
+            </a:fillRef>
+            <a:effectRef idx="0">
+              <a:schemeClr val="accent1"/>
+            </a:effectRef>
+            <a:fontRef idx="minor">
+              <a:schemeClr val="lt1"/>
+            </a:fontRef>
+          </p:style>
+          <p:txBody>
+            <a:bodyPr rtlCol="0" anchor="ctr"/>
+            <a:lstStyle/>
+            <a:p>
+              <a:pPr algn="ctr"/>
+              <a:endParaRPr lang="en-US"/>
+            </a:p>
+          </p:txBody>
+        </p:sp>
+        <p:pic>
+          <p:nvPicPr>
+            <p:cNvPr id="63" name="Graphic 62" descr="Star with solid fill">
+              <a:extLst>
+                <a:ext uri="{FF2B5EF4-FFF2-40B4-BE49-F238E27FC236}">
+                  <a16:creationId xmlns:a16="http://schemas.microsoft.com/office/drawing/2014/main" id="{7DF8A291-ABD0-4D81-B0B1-145A4162E86E}"/>
+                </a:ext>
+              </a:extLst>
+            </p:cNvPr>
+            <p:cNvPicPr>
+              <a:picLocks noChangeAspect="1"/>
+            </p:cNvPicPr>
+            <p:nvPr/>
+          </p:nvPicPr>
+          <p:blipFill>
+            <a:blip r:embed="rId2">
+              <a:extLst>
+                <a:ext uri="{96DAC541-7B7A-43D3-8B79-37D633B846F1}">
+                  <asvg:svgBlip xmlns:asvg="http://schemas.microsoft.com/office/drawing/2016/SVG/main" r:embed="rId3"/>
+                </a:ext>
+              </a:extLst>
+            </a:blip>
+            <a:stretch>
+              <a:fillRect/>
+            </a:stretch>
+          </p:blipFill>
+          <p:spPr>
+            <a:xfrm>
+              <a:off x="3601465" y="961184"/>
+              <a:ext cx="800100" cy="800100"/>
+            </a:xfrm>
+            <a:prstGeom prst="rect">
+              <a:avLst/>
+            </a:prstGeom>
+          </p:spPr>
+        </p:pic>
+      </p:grpSp>
+      <p:grpSp>
+        <p:nvGrpSpPr>
+          <p:cNvPr id="64" name="Group 63">
+            <a:extLst>
+              <a:ext uri="{FF2B5EF4-FFF2-40B4-BE49-F238E27FC236}">
+                <a16:creationId xmlns:a16="http://schemas.microsoft.com/office/drawing/2014/main" id="{BC8BC70B-F2C8-D1C3-3658-C8172314D0B3}"/>
+              </a:ext>
+            </a:extLst>
+          </p:cNvPr>
+          <p:cNvGrpSpPr/>
+          <p:nvPr/>
+        </p:nvGrpSpPr>
+        <p:grpSpPr>
+          <a:xfrm>
+            <a:off x="9089824" y="12503286"/>
+            <a:ext cx="1028700" cy="1028700"/>
+            <a:chOff x="3486564" y="851246"/>
+            <a:chExt cx="1028700" cy="1028700"/>
+          </a:xfrm>
+        </p:grpSpPr>
+        <p:sp>
+          <p:nvSpPr>
+            <p:cNvPr id="65" name="Rounded Rectangle 64">
+              <a:extLst>
+                <a:ext uri="{FF2B5EF4-FFF2-40B4-BE49-F238E27FC236}">
+                  <a16:creationId xmlns:a16="http://schemas.microsoft.com/office/drawing/2014/main" id="{69B745C1-9BE5-CA3E-87DD-07E8F2900BA8}"/>
+                </a:ext>
+              </a:extLst>
+            </p:cNvPr>
+            <p:cNvSpPr/>
+            <p:nvPr/>
+          </p:nvSpPr>
+          <p:spPr>
+            <a:xfrm>
+              <a:off x="3486564" y="851246"/>
+              <a:ext cx="1028700" cy="1028700"/>
+            </a:xfrm>
+            <a:prstGeom prst="roundRect">
+              <a:avLst>
+                <a:gd name="adj" fmla="val 24152"/>
+              </a:avLst>
+            </a:prstGeom>
+            <a:solidFill>
+              <a:srgbClr val="F25C4E"/>
+            </a:solidFill>
+            <a:ln>
+              <a:noFill/>
+            </a:ln>
+          </p:spPr>
+          <p:style>
+            <a:lnRef idx="2">
+              <a:schemeClr val="accent1">
+                <a:shade val="50000"/>
+              </a:schemeClr>
+            </a:lnRef>
+            <a:fillRef idx="1">
+              <a:schemeClr val="accent1"/>
+            </a:fillRef>
+            <a:effectRef idx="0">
+              <a:schemeClr val="accent1"/>
+            </a:effectRef>
+            <a:fontRef idx="minor">
+              <a:schemeClr val="lt1"/>
+            </a:fontRef>
+          </p:style>
+          <p:txBody>
+            <a:bodyPr rtlCol="0" anchor="ctr"/>
+            <a:lstStyle/>
+            <a:p>
+              <a:pPr algn="ctr"/>
+              <a:endParaRPr lang="en-US"/>
+            </a:p>
+          </p:txBody>
+        </p:sp>
+        <p:pic>
+          <p:nvPicPr>
+            <p:cNvPr id="66" name="Graphic 65" descr="Star with solid fill">
+              <a:extLst>
+                <a:ext uri="{FF2B5EF4-FFF2-40B4-BE49-F238E27FC236}">
+                  <a16:creationId xmlns:a16="http://schemas.microsoft.com/office/drawing/2014/main" id="{9E3C558B-4E6D-E8F3-5307-22BBECA19CED}"/>
+                </a:ext>
+              </a:extLst>
+            </p:cNvPr>
+            <p:cNvPicPr>
+              <a:picLocks noChangeAspect="1"/>
+            </p:cNvPicPr>
+            <p:nvPr/>
+          </p:nvPicPr>
+          <p:blipFill>
+            <a:blip r:embed="rId2">
+              <a:extLst>
+                <a:ext uri="{96DAC541-7B7A-43D3-8B79-37D633B846F1}">
+                  <asvg:svgBlip xmlns:asvg="http://schemas.microsoft.com/office/drawing/2016/SVG/main" r:embed="rId3"/>
+                </a:ext>
+              </a:extLst>
+            </a:blip>
+            <a:stretch>
+              <a:fillRect/>
+            </a:stretch>
+          </p:blipFill>
+          <p:spPr>
+            <a:xfrm>
+              <a:off x="3601465" y="961184"/>
+              <a:ext cx="800100" cy="800100"/>
+            </a:xfrm>
+            <a:prstGeom prst="rect">
+              <a:avLst/>
+            </a:prstGeom>
+          </p:spPr>
+        </p:pic>
+      </p:grpSp>
+      <p:grpSp>
+        <p:nvGrpSpPr>
+          <p:cNvPr id="21" name="Group 20">
+            <a:extLst>
+              <a:ext uri="{FF2B5EF4-FFF2-40B4-BE49-F238E27FC236}">
+                <a16:creationId xmlns:a16="http://schemas.microsoft.com/office/drawing/2014/main" id="{03B07AC1-D4AB-B4BA-A954-9FCF3AC016F7}"/>
+              </a:ext>
+            </a:extLst>
+          </p:cNvPr>
+          <p:cNvGrpSpPr/>
+          <p:nvPr/>
+        </p:nvGrpSpPr>
+        <p:grpSpPr>
+          <a:xfrm>
+            <a:off x="4578073" y="1599525"/>
             <a:ext cx="1028700" cy="1028700"/>
             <a:chOff x="4864790" y="1138638"/>
             <a:chExt cx="1028700" cy="1028700"/>
@@ -4038,10 +3905,10 @@
         </p:grpSpPr>
         <p:sp>
           <p:nvSpPr>
-            <p:cNvPr id="26" name="Rounded Rectangle 25">
-              <a:extLst>
-                <a:ext uri="{FF2B5EF4-FFF2-40B4-BE49-F238E27FC236}">
-                  <a16:creationId xmlns:a16="http://schemas.microsoft.com/office/drawing/2014/main" id="{01CE3D6D-B3BD-284E-E0B3-BAB903149CC3}"/>
+            <p:cNvPr id="14" name="Rounded Rectangle 13">
+              <a:extLst>
+                <a:ext uri="{FF2B5EF4-FFF2-40B4-BE49-F238E27FC236}">
+                  <a16:creationId xmlns:a16="http://schemas.microsoft.com/office/drawing/2014/main" id="{B91CAC61-7373-7304-9931-B8AA9C554DC7}"/>
                 </a:ext>
               </a:extLst>
             </p:cNvPr>
@@ -4092,10 +3959,10 @@
         </p:sp>
         <p:sp>
           <p:nvSpPr>
-            <p:cNvPr id="27" name="Freeform 26">
-              <a:extLst>
-                <a:ext uri="{FF2B5EF4-FFF2-40B4-BE49-F238E27FC236}">
-                  <a16:creationId xmlns:a16="http://schemas.microsoft.com/office/drawing/2014/main" id="{33254D3A-145E-E0ED-1FEC-4958D73AACE4}"/>
+            <p:cNvPr id="20" name="Freeform 19">
+              <a:extLst>
+                <a:ext uri="{FF2B5EF4-FFF2-40B4-BE49-F238E27FC236}">
+                  <a16:creationId xmlns:a16="http://schemas.microsoft.com/office/drawing/2014/main" id="{1928024E-1128-3E89-81CB-3B7DC8C95088}"/>
                 </a:ext>
               </a:extLst>
             </p:cNvPr>
@@ -4209,10 +4076,10 @@
         </p:sp>
         <p:pic>
           <p:nvPicPr>
-            <p:cNvPr id="28" name="Graphic 27" descr="Star with solid fill">
-              <a:extLst>
-                <a:ext uri="{FF2B5EF4-FFF2-40B4-BE49-F238E27FC236}">
-                  <a16:creationId xmlns:a16="http://schemas.microsoft.com/office/drawing/2014/main" id="{04FF0E51-0499-112D-99DC-81FA2492783E}"/>
+            <p:cNvPr id="15" name="Graphic 14" descr="Star with solid fill">
+              <a:extLst>
+                <a:ext uri="{FF2B5EF4-FFF2-40B4-BE49-F238E27FC236}">
+                  <a16:creationId xmlns:a16="http://schemas.microsoft.com/office/drawing/2014/main" id="{D591E98F-1625-6EA6-946E-646CC51B88A7}"/>
                 </a:ext>
               </a:extLst>
             </p:cNvPr>
@@ -4246,10 +4113,10 @@
       </p:grpSp>
       <p:grpSp>
         <p:nvGrpSpPr>
-          <p:cNvPr id="29" name="Group 28">
+          <p:cNvPr id="67" name="Group 66">
             <a:extLst>
               <a:ext uri="{FF2B5EF4-FFF2-40B4-BE49-F238E27FC236}">
-                <a16:creationId xmlns:a16="http://schemas.microsoft.com/office/drawing/2014/main" id="{FA2F13B2-4524-C5F5-4D63-70C5CAB661DF}"/>
+                <a16:creationId xmlns:a16="http://schemas.microsoft.com/office/drawing/2014/main" id="{0A20E332-5E99-E772-6826-58C9824D7413}"/>
               </a:ext>
             </a:extLst>
           </p:cNvPr>
@@ -4258,18 +4125,18 @@
         </p:nvGrpSpPr>
         <p:grpSpPr>
           <a:xfrm>
-            <a:off x="1748908" y="3656127"/>
+            <a:off x="5706011" y="1599525"/>
             <a:ext cx="1028700" cy="1028700"/>
-            <a:chOff x="3486564" y="851246"/>
+            <a:chOff x="4864790" y="1138638"/>
             <a:chExt cx="1028700" cy="1028700"/>
           </a:xfrm>
         </p:grpSpPr>
         <p:sp>
           <p:nvSpPr>
-            <p:cNvPr id="30" name="Rounded Rectangle 29">
-              <a:extLst>
-                <a:ext uri="{FF2B5EF4-FFF2-40B4-BE49-F238E27FC236}">
-                  <a16:creationId xmlns:a16="http://schemas.microsoft.com/office/drawing/2014/main" id="{3E8C4D40-C7DC-41C0-D856-D00F1A427B48}"/>
+            <p:cNvPr id="68" name="Rounded Rectangle 67">
+              <a:extLst>
+                <a:ext uri="{FF2B5EF4-FFF2-40B4-BE49-F238E27FC236}">
+                  <a16:creationId xmlns:a16="http://schemas.microsoft.com/office/drawing/2014/main" id="{EC7D8977-82AD-A531-84D3-C7855C5A398F}"/>
                 </a:ext>
               </a:extLst>
             </p:cNvPr>
@@ -4278,7 +4145,7 @@
           </p:nvSpPr>
           <p:spPr>
             <a:xfrm>
-              <a:off x="3486564" y="851246"/>
+              <a:off x="4864790" y="1138638"/>
               <a:ext cx="1028700" cy="1028700"/>
             </a:xfrm>
             <a:prstGeom prst="roundRect">
@@ -4287,7 +4154,7 @@
               </a:avLst>
             </a:prstGeom>
             <a:solidFill>
-              <a:srgbClr val="F25C4E"/>
+              <a:srgbClr val="CBCCCB"/>
             </a:solidFill>
             <a:ln>
               <a:noFill/>
@@ -4320,10 +4187,10 @@
         </p:sp>
         <p:pic>
           <p:nvPicPr>
-            <p:cNvPr id="31" name="Graphic 30" descr="Star with solid fill">
-              <a:extLst>
-                <a:ext uri="{FF2B5EF4-FFF2-40B4-BE49-F238E27FC236}">
-                  <a16:creationId xmlns:a16="http://schemas.microsoft.com/office/drawing/2014/main" id="{B0CC04D8-35DA-AF66-F859-78EC7E8804C0}"/>
+            <p:cNvPr id="70" name="Graphic 69" descr="Star with solid fill">
+              <a:extLst>
+                <a:ext uri="{FF2B5EF4-FFF2-40B4-BE49-F238E27FC236}">
+                  <a16:creationId xmlns:a16="http://schemas.microsoft.com/office/drawing/2014/main" id="{E796CC50-2FDF-7FE5-15F5-087EB1D69D5D}"/>
                 </a:ext>
               </a:extLst>
             </p:cNvPr>
@@ -4346,7 +4213,7 @@
           </p:blipFill>
           <p:spPr>
             <a:xfrm>
-              <a:off x="3601465" y="961184"/>
+              <a:off x="4979691" y="1248576"/>
               <a:ext cx="800100" cy="800100"/>
             </a:xfrm>
             <a:prstGeom prst="rect">
@@ -4357,10 +4224,10 @@
       </p:grpSp>
       <p:grpSp>
         <p:nvGrpSpPr>
-          <p:cNvPr id="32" name="Group 31">
+          <p:cNvPr id="80" name="Group 79">
             <a:extLst>
               <a:ext uri="{FF2B5EF4-FFF2-40B4-BE49-F238E27FC236}">
-                <a16:creationId xmlns:a16="http://schemas.microsoft.com/office/drawing/2014/main" id="{4F55183D-5E66-1680-70B8-680618B4862A}"/>
+                <a16:creationId xmlns:a16="http://schemas.microsoft.com/office/drawing/2014/main" id="{702331B9-5EF1-A14E-AB2D-C767CCB8850F}"/>
               </a:ext>
             </a:extLst>
           </p:cNvPr>
@@ -4369,18 +4236,18 @@
         </p:nvGrpSpPr>
         <p:grpSpPr>
           <a:xfrm>
-            <a:off x="2892509" y="3656127"/>
+            <a:off x="6833949" y="1599525"/>
             <a:ext cx="1028700" cy="1028700"/>
-            <a:chOff x="3486564" y="851246"/>
+            <a:chOff x="4864790" y="1138638"/>
             <a:chExt cx="1028700" cy="1028700"/>
           </a:xfrm>
         </p:grpSpPr>
         <p:sp>
           <p:nvSpPr>
-            <p:cNvPr id="33" name="Rounded Rectangle 32">
-              <a:extLst>
-                <a:ext uri="{FF2B5EF4-FFF2-40B4-BE49-F238E27FC236}">
-                  <a16:creationId xmlns:a16="http://schemas.microsoft.com/office/drawing/2014/main" id="{39CD8FB1-2881-ACF0-8C82-D6EAC2E33543}"/>
+            <p:cNvPr id="81" name="Rounded Rectangle 80">
+              <a:extLst>
+                <a:ext uri="{FF2B5EF4-FFF2-40B4-BE49-F238E27FC236}">
+                  <a16:creationId xmlns:a16="http://schemas.microsoft.com/office/drawing/2014/main" id="{A6296211-43C2-2F99-5CA4-BAF1AA804230}"/>
                 </a:ext>
               </a:extLst>
             </p:cNvPr>
@@ -4389,7 +4256,7 @@
           </p:nvSpPr>
           <p:spPr>
             <a:xfrm>
-              <a:off x="3486564" y="851246"/>
+              <a:off x="4864790" y="1138638"/>
               <a:ext cx="1028700" cy="1028700"/>
             </a:xfrm>
             <a:prstGeom prst="roundRect">
@@ -4398,7 +4265,7 @@
               </a:avLst>
             </a:prstGeom>
             <a:solidFill>
-              <a:srgbClr val="F25C4E"/>
+              <a:srgbClr val="CBCCCB"/>
             </a:solidFill>
             <a:ln>
               <a:noFill/>
@@ -4431,10 +4298,10 @@
         </p:sp>
         <p:pic>
           <p:nvPicPr>
-            <p:cNvPr id="34" name="Graphic 33" descr="Star with solid fill">
-              <a:extLst>
-                <a:ext uri="{FF2B5EF4-FFF2-40B4-BE49-F238E27FC236}">
-                  <a16:creationId xmlns:a16="http://schemas.microsoft.com/office/drawing/2014/main" id="{0D70C6ED-ACE9-F0E8-3FE3-7CC6BEDA3B1D}"/>
+            <p:cNvPr id="82" name="Graphic 81" descr="Star with solid fill">
+              <a:extLst>
+                <a:ext uri="{FF2B5EF4-FFF2-40B4-BE49-F238E27FC236}">
+                  <a16:creationId xmlns:a16="http://schemas.microsoft.com/office/drawing/2014/main" id="{4D5D4290-25D9-DAA5-BD1A-AA395D4A9CD9}"/>
                 </a:ext>
               </a:extLst>
             </p:cNvPr>
@@ -4457,7 +4324,7 @@
           </p:blipFill>
           <p:spPr>
             <a:xfrm>
-              <a:off x="3601465" y="961184"/>
+              <a:off x="4979691" y="1248576"/>
               <a:ext cx="800100" cy="800100"/>
             </a:xfrm>
             <a:prstGeom prst="rect">
@@ -4468,10 +4335,10 @@
       </p:grpSp>
       <p:grpSp>
         <p:nvGrpSpPr>
-          <p:cNvPr id="35" name="Group 34">
+          <p:cNvPr id="83" name="Group 82">
             <a:extLst>
               <a:ext uri="{FF2B5EF4-FFF2-40B4-BE49-F238E27FC236}">
-                <a16:creationId xmlns:a16="http://schemas.microsoft.com/office/drawing/2014/main" id="{0173960E-6385-CCBC-3984-657CCBF3143A}"/>
+                <a16:creationId xmlns:a16="http://schemas.microsoft.com/office/drawing/2014/main" id="{6349965F-E0E0-E625-0D8B-67641667F1F1}"/>
               </a:ext>
             </a:extLst>
           </p:cNvPr>
@@ -4480,7 +4347,7 @@
         </p:nvGrpSpPr>
         <p:grpSpPr>
           <a:xfrm>
-            <a:off x="4036110" y="3651765"/>
+            <a:off x="7961887" y="1599525"/>
             <a:ext cx="1028700" cy="1028700"/>
             <a:chOff x="4864790" y="1138638"/>
             <a:chExt cx="1028700" cy="1028700"/>
@@ -4488,10 +4355,1120 @@
         </p:grpSpPr>
         <p:sp>
           <p:nvSpPr>
-            <p:cNvPr id="36" name="Rounded Rectangle 35">
-              <a:extLst>
-                <a:ext uri="{FF2B5EF4-FFF2-40B4-BE49-F238E27FC236}">
-                  <a16:creationId xmlns:a16="http://schemas.microsoft.com/office/drawing/2014/main" id="{54AFB418-AD73-9D78-05F8-D1496BEE17ED}"/>
+            <p:cNvPr id="84" name="Rounded Rectangle 83">
+              <a:extLst>
+                <a:ext uri="{FF2B5EF4-FFF2-40B4-BE49-F238E27FC236}">
+                  <a16:creationId xmlns:a16="http://schemas.microsoft.com/office/drawing/2014/main" id="{33A6A125-7019-EFC1-56CC-94F63C7DB128}"/>
+                </a:ext>
+              </a:extLst>
+            </p:cNvPr>
+            <p:cNvSpPr/>
+            <p:nvPr/>
+          </p:nvSpPr>
+          <p:spPr>
+            <a:xfrm>
+              <a:off x="4864790" y="1138638"/>
+              <a:ext cx="1028700" cy="1028700"/>
+            </a:xfrm>
+            <a:prstGeom prst="roundRect">
+              <a:avLst>
+                <a:gd name="adj" fmla="val 24152"/>
+              </a:avLst>
+            </a:prstGeom>
+            <a:solidFill>
+              <a:srgbClr val="CBCCCB"/>
+            </a:solidFill>
+            <a:ln>
+              <a:noFill/>
+            </a:ln>
+          </p:spPr>
+          <p:style>
+            <a:lnRef idx="2">
+              <a:schemeClr val="accent1">
+                <a:shade val="50000"/>
+              </a:schemeClr>
+            </a:lnRef>
+            <a:fillRef idx="1">
+              <a:schemeClr val="accent1"/>
+            </a:fillRef>
+            <a:effectRef idx="0">
+              <a:schemeClr val="accent1"/>
+            </a:effectRef>
+            <a:fontRef idx="minor">
+              <a:schemeClr val="lt1"/>
+            </a:fontRef>
+          </p:style>
+          <p:txBody>
+            <a:bodyPr rtlCol="0" anchor="ctr"/>
+            <a:lstStyle/>
+            <a:p>
+              <a:pPr algn="ctr"/>
+              <a:endParaRPr lang="en-US"/>
+            </a:p>
+          </p:txBody>
+        </p:sp>
+        <p:pic>
+          <p:nvPicPr>
+            <p:cNvPr id="85" name="Graphic 84" descr="Star with solid fill">
+              <a:extLst>
+                <a:ext uri="{FF2B5EF4-FFF2-40B4-BE49-F238E27FC236}">
+                  <a16:creationId xmlns:a16="http://schemas.microsoft.com/office/drawing/2014/main" id="{20C44A44-493B-31DF-9462-0A398C156178}"/>
+                </a:ext>
+              </a:extLst>
+            </p:cNvPr>
+            <p:cNvPicPr>
+              <a:picLocks noChangeAspect="1"/>
+            </p:cNvPicPr>
+            <p:nvPr/>
+          </p:nvPicPr>
+          <p:blipFill>
+            <a:blip r:embed="rId2">
+              <a:extLst>
+                <a:ext uri="{96DAC541-7B7A-43D3-8B79-37D633B846F1}">
+                  <asvg:svgBlip xmlns:asvg="http://schemas.microsoft.com/office/drawing/2016/SVG/main" r:embed="rId3"/>
+                </a:ext>
+              </a:extLst>
+            </a:blip>
+            <a:stretch>
+              <a:fillRect/>
+            </a:stretch>
+          </p:blipFill>
+          <p:spPr>
+            <a:xfrm>
+              <a:off x="4979691" y="1248576"/>
+              <a:ext cx="800100" cy="800100"/>
+            </a:xfrm>
+            <a:prstGeom prst="rect">
+              <a:avLst/>
+            </a:prstGeom>
+          </p:spPr>
+        </p:pic>
+      </p:grpSp>
+      <p:grpSp>
+        <p:nvGrpSpPr>
+          <p:cNvPr id="86" name="Group 85">
+            <a:extLst>
+              <a:ext uri="{FF2B5EF4-FFF2-40B4-BE49-F238E27FC236}">
+                <a16:creationId xmlns:a16="http://schemas.microsoft.com/office/drawing/2014/main" id="{D3B2B862-C506-E54A-21D0-4EF34514C3C6}"/>
+              </a:ext>
+            </a:extLst>
+          </p:cNvPr>
+          <p:cNvGrpSpPr/>
+          <p:nvPr/>
+        </p:nvGrpSpPr>
+        <p:grpSpPr>
+          <a:xfrm>
+            <a:off x="9089824" y="1599525"/>
+            <a:ext cx="1028700" cy="1028700"/>
+            <a:chOff x="4864790" y="1138638"/>
+            <a:chExt cx="1028700" cy="1028700"/>
+          </a:xfrm>
+        </p:grpSpPr>
+        <p:sp>
+          <p:nvSpPr>
+            <p:cNvPr id="87" name="Rounded Rectangle 86">
+              <a:extLst>
+                <a:ext uri="{FF2B5EF4-FFF2-40B4-BE49-F238E27FC236}">
+                  <a16:creationId xmlns:a16="http://schemas.microsoft.com/office/drawing/2014/main" id="{7909E19A-C1AF-29A5-C060-A5ED2C088815}"/>
+                </a:ext>
+              </a:extLst>
+            </p:cNvPr>
+            <p:cNvSpPr/>
+            <p:nvPr/>
+          </p:nvSpPr>
+          <p:spPr>
+            <a:xfrm>
+              <a:off x="4864790" y="1138638"/>
+              <a:ext cx="1028700" cy="1028700"/>
+            </a:xfrm>
+            <a:prstGeom prst="roundRect">
+              <a:avLst>
+                <a:gd name="adj" fmla="val 24152"/>
+              </a:avLst>
+            </a:prstGeom>
+            <a:solidFill>
+              <a:srgbClr val="CBCCCB"/>
+            </a:solidFill>
+            <a:ln>
+              <a:noFill/>
+            </a:ln>
+          </p:spPr>
+          <p:style>
+            <a:lnRef idx="2">
+              <a:schemeClr val="accent1">
+                <a:shade val="50000"/>
+              </a:schemeClr>
+            </a:lnRef>
+            <a:fillRef idx="1">
+              <a:schemeClr val="accent1"/>
+            </a:fillRef>
+            <a:effectRef idx="0">
+              <a:schemeClr val="accent1"/>
+            </a:effectRef>
+            <a:fontRef idx="minor">
+              <a:schemeClr val="lt1"/>
+            </a:fontRef>
+          </p:style>
+          <p:txBody>
+            <a:bodyPr rtlCol="0" anchor="ctr"/>
+            <a:lstStyle/>
+            <a:p>
+              <a:pPr algn="ctr"/>
+              <a:endParaRPr lang="en-US"/>
+            </a:p>
+          </p:txBody>
+        </p:sp>
+        <p:pic>
+          <p:nvPicPr>
+            <p:cNvPr id="88" name="Graphic 87" descr="Star with solid fill">
+              <a:extLst>
+                <a:ext uri="{FF2B5EF4-FFF2-40B4-BE49-F238E27FC236}">
+                  <a16:creationId xmlns:a16="http://schemas.microsoft.com/office/drawing/2014/main" id="{5B31894E-F12B-CAF6-9883-B267EE17A465}"/>
+                </a:ext>
+              </a:extLst>
+            </p:cNvPr>
+            <p:cNvPicPr>
+              <a:picLocks noChangeAspect="1"/>
+            </p:cNvPicPr>
+            <p:nvPr/>
+          </p:nvPicPr>
+          <p:blipFill>
+            <a:blip r:embed="rId2">
+              <a:extLst>
+                <a:ext uri="{96DAC541-7B7A-43D3-8B79-37D633B846F1}">
+                  <asvg:svgBlip xmlns:asvg="http://schemas.microsoft.com/office/drawing/2016/SVG/main" r:embed="rId3"/>
+                </a:ext>
+              </a:extLst>
+            </a:blip>
+            <a:stretch>
+              <a:fillRect/>
+            </a:stretch>
+          </p:blipFill>
+          <p:spPr>
+            <a:xfrm>
+              <a:off x="4979691" y="1248576"/>
+              <a:ext cx="800100" cy="800100"/>
+            </a:xfrm>
+            <a:prstGeom prst="rect">
+              <a:avLst/>
+            </a:prstGeom>
+          </p:spPr>
+        </p:pic>
+      </p:grpSp>
+      <p:grpSp>
+        <p:nvGrpSpPr>
+          <p:cNvPr id="72" name="Group 66">
+            <a:extLst>
+              <a:ext uri="{FF2B5EF4-FFF2-40B4-BE49-F238E27FC236}">
+                <a16:creationId xmlns:a16="http://schemas.microsoft.com/office/drawing/2014/main" id="{6DFE0F32-8BCE-014F-B404-1F94E8B7C30B}"/>
+              </a:ext>
+            </a:extLst>
+          </p:cNvPr>
+          <p:cNvGrpSpPr/>
+          <p:nvPr/>
+        </p:nvGrpSpPr>
+        <p:grpSpPr>
+          <a:xfrm>
+            <a:off x="5706011" y="2811539"/>
+            <a:ext cx="1028700" cy="1028700"/>
+            <a:chOff x="4864790" y="1138638"/>
+            <a:chExt cx="1028700" cy="1028700"/>
+          </a:xfrm>
+        </p:grpSpPr>
+        <p:sp>
+          <p:nvSpPr>
+            <p:cNvPr id="92" name="Rounded Rectangle 67">
+              <a:extLst>
+                <a:ext uri="{FF2B5EF4-FFF2-40B4-BE49-F238E27FC236}">
+                  <a16:creationId xmlns:a16="http://schemas.microsoft.com/office/drawing/2014/main" id="{9577E7F0-E2DC-E948-8574-BB95F0FB722F}"/>
+                </a:ext>
+              </a:extLst>
+            </p:cNvPr>
+            <p:cNvSpPr/>
+            <p:nvPr/>
+          </p:nvSpPr>
+          <p:spPr>
+            <a:xfrm>
+              <a:off x="4864790" y="1138638"/>
+              <a:ext cx="1028700" cy="1028700"/>
+            </a:xfrm>
+            <a:prstGeom prst="roundRect">
+              <a:avLst>
+                <a:gd name="adj" fmla="val 24152"/>
+              </a:avLst>
+            </a:prstGeom>
+            <a:solidFill>
+              <a:srgbClr val="CBCCCB"/>
+            </a:solidFill>
+            <a:ln>
+              <a:noFill/>
+            </a:ln>
+          </p:spPr>
+          <p:style>
+            <a:lnRef idx="2">
+              <a:schemeClr val="accent1">
+                <a:shade val="50000"/>
+              </a:schemeClr>
+            </a:lnRef>
+            <a:fillRef idx="1">
+              <a:schemeClr val="accent1"/>
+            </a:fillRef>
+            <a:effectRef idx="0">
+              <a:schemeClr val="accent1"/>
+            </a:effectRef>
+            <a:fontRef idx="minor">
+              <a:schemeClr val="lt1"/>
+            </a:fontRef>
+          </p:style>
+          <p:txBody>
+            <a:bodyPr rtlCol="0" anchor="ctr"/>
+            <a:lstStyle/>
+            <a:p>
+              <a:pPr algn="ctr"/>
+              <a:endParaRPr lang="en-US"/>
+            </a:p>
+          </p:txBody>
+        </p:sp>
+        <p:pic>
+          <p:nvPicPr>
+            <p:cNvPr id="93" name="Graphic 69" descr="Star with solid fill">
+              <a:extLst>
+                <a:ext uri="{FF2B5EF4-FFF2-40B4-BE49-F238E27FC236}">
+                  <a16:creationId xmlns:a16="http://schemas.microsoft.com/office/drawing/2014/main" id="{15F9CA6E-2279-824F-A1BB-69FB0A44EA18}"/>
+                </a:ext>
+              </a:extLst>
+            </p:cNvPr>
+            <p:cNvPicPr>
+              <a:picLocks noChangeAspect="1"/>
+            </p:cNvPicPr>
+            <p:nvPr/>
+          </p:nvPicPr>
+          <p:blipFill>
+            <a:blip r:embed="rId2">
+              <a:extLst>
+                <a:ext uri="{96DAC541-7B7A-43D3-8B79-37D633B846F1}">
+                  <asvg:svgBlip xmlns:asvg="http://schemas.microsoft.com/office/drawing/2016/SVG/main" r:embed="rId3"/>
+                </a:ext>
+              </a:extLst>
+            </a:blip>
+            <a:stretch>
+              <a:fillRect/>
+            </a:stretch>
+          </p:blipFill>
+          <p:spPr>
+            <a:xfrm>
+              <a:off x="4979691" y="1248576"/>
+              <a:ext cx="800100" cy="800100"/>
+            </a:xfrm>
+            <a:prstGeom prst="rect">
+              <a:avLst/>
+            </a:prstGeom>
+          </p:spPr>
+        </p:pic>
+      </p:grpSp>
+      <p:grpSp>
+        <p:nvGrpSpPr>
+          <p:cNvPr id="73" name="Group 79">
+            <a:extLst>
+              <a:ext uri="{FF2B5EF4-FFF2-40B4-BE49-F238E27FC236}">
+                <a16:creationId xmlns:a16="http://schemas.microsoft.com/office/drawing/2014/main" id="{A86E5628-616A-2C45-AC25-B4D201DA198B}"/>
+              </a:ext>
+            </a:extLst>
+          </p:cNvPr>
+          <p:cNvGrpSpPr/>
+          <p:nvPr/>
+        </p:nvGrpSpPr>
+        <p:grpSpPr>
+          <a:xfrm>
+            <a:off x="6833949" y="2811539"/>
+            <a:ext cx="1028700" cy="1028700"/>
+            <a:chOff x="4864790" y="1138638"/>
+            <a:chExt cx="1028700" cy="1028700"/>
+          </a:xfrm>
+        </p:grpSpPr>
+        <p:sp>
+          <p:nvSpPr>
+            <p:cNvPr id="90" name="Rounded Rectangle 80">
+              <a:extLst>
+                <a:ext uri="{FF2B5EF4-FFF2-40B4-BE49-F238E27FC236}">
+                  <a16:creationId xmlns:a16="http://schemas.microsoft.com/office/drawing/2014/main" id="{E10135AB-DA32-AB4B-BC12-E8120C934559}"/>
+                </a:ext>
+              </a:extLst>
+            </p:cNvPr>
+            <p:cNvSpPr/>
+            <p:nvPr/>
+          </p:nvSpPr>
+          <p:spPr>
+            <a:xfrm>
+              <a:off x="4864790" y="1138638"/>
+              <a:ext cx="1028700" cy="1028700"/>
+            </a:xfrm>
+            <a:prstGeom prst="roundRect">
+              <a:avLst>
+                <a:gd name="adj" fmla="val 24152"/>
+              </a:avLst>
+            </a:prstGeom>
+            <a:solidFill>
+              <a:srgbClr val="CBCCCB"/>
+            </a:solidFill>
+            <a:ln>
+              <a:noFill/>
+            </a:ln>
+          </p:spPr>
+          <p:style>
+            <a:lnRef idx="2">
+              <a:schemeClr val="accent1">
+                <a:shade val="50000"/>
+              </a:schemeClr>
+            </a:lnRef>
+            <a:fillRef idx="1">
+              <a:schemeClr val="accent1"/>
+            </a:fillRef>
+            <a:effectRef idx="0">
+              <a:schemeClr val="accent1"/>
+            </a:effectRef>
+            <a:fontRef idx="minor">
+              <a:schemeClr val="lt1"/>
+            </a:fontRef>
+          </p:style>
+          <p:txBody>
+            <a:bodyPr rtlCol="0" anchor="ctr"/>
+            <a:lstStyle/>
+            <a:p>
+              <a:pPr algn="ctr"/>
+              <a:endParaRPr lang="en-US"/>
+            </a:p>
+          </p:txBody>
+        </p:sp>
+        <p:pic>
+          <p:nvPicPr>
+            <p:cNvPr id="91" name="Graphic 81" descr="Star with solid fill">
+              <a:extLst>
+                <a:ext uri="{FF2B5EF4-FFF2-40B4-BE49-F238E27FC236}">
+                  <a16:creationId xmlns:a16="http://schemas.microsoft.com/office/drawing/2014/main" id="{10B5843B-4CEA-5441-9DDD-E646573AEC1E}"/>
+                </a:ext>
+              </a:extLst>
+            </p:cNvPr>
+            <p:cNvPicPr>
+              <a:picLocks noChangeAspect="1"/>
+            </p:cNvPicPr>
+            <p:nvPr/>
+          </p:nvPicPr>
+          <p:blipFill>
+            <a:blip r:embed="rId2">
+              <a:extLst>
+                <a:ext uri="{96DAC541-7B7A-43D3-8B79-37D633B846F1}">
+                  <asvg:svgBlip xmlns:asvg="http://schemas.microsoft.com/office/drawing/2016/SVG/main" r:embed="rId3"/>
+                </a:ext>
+              </a:extLst>
+            </a:blip>
+            <a:stretch>
+              <a:fillRect/>
+            </a:stretch>
+          </p:blipFill>
+          <p:spPr>
+            <a:xfrm>
+              <a:off x="4979691" y="1248576"/>
+              <a:ext cx="800100" cy="800100"/>
+            </a:xfrm>
+            <a:prstGeom prst="rect">
+              <a:avLst/>
+            </a:prstGeom>
+          </p:spPr>
+        </p:pic>
+      </p:grpSp>
+      <p:grpSp>
+        <p:nvGrpSpPr>
+          <p:cNvPr id="74" name="Group 82">
+            <a:extLst>
+              <a:ext uri="{FF2B5EF4-FFF2-40B4-BE49-F238E27FC236}">
+                <a16:creationId xmlns:a16="http://schemas.microsoft.com/office/drawing/2014/main" id="{F029C9F2-F3F2-6740-9C27-DD7FEA505B38}"/>
+              </a:ext>
+            </a:extLst>
+          </p:cNvPr>
+          <p:cNvGrpSpPr/>
+          <p:nvPr/>
+        </p:nvGrpSpPr>
+        <p:grpSpPr>
+          <a:xfrm>
+            <a:off x="7961887" y="2811539"/>
+            <a:ext cx="1028700" cy="1028700"/>
+            <a:chOff x="4864790" y="1138638"/>
+            <a:chExt cx="1028700" cy="1028700"/>
+          </a:xfrm>
+        </p:grpSpPr>
+        <p:sp>
+          <p:nvSpPr>
+            <p:cNvPr id="78" name="Rounded Rectangle 83">
+              <a:extLst>
+                <a:ext uri="{FF2B5EF4-FFF2-40B4-BE49-F238E27FC236}">
+                  <a16:creationId xmlns:a16="http://schemas.microsoft.com/office/drawing/2014/main" id="{0E32DDBC-1DB0-BE43-B756-2A823B37D641}"/>
+                </a:ext>
+              </a:extLst>
+            </p:cNvPr>
+            <p:cNvSpPr/>
+            <p:nvPr/>
+          </p:nvSpPr>
+          <p:spPr>
+            <a:xfrm>
+              <a:off x="4864790" y="1138638"/>
+              <a:ext cx="1028700" cy="1028700"/>
+            </a:xfrm>
+            <a:prstGeom prst="roundRect">
+              <a:avLst>
+                <a:gd name="adj" fmla="val 24152"/>
+              </a:avLst>
+            </a:prstGeom>
+            <a:solidFill>
+              <a:srgbClr val="CBCCCB"/>
+            </a:solidFill>
+            <a:ln>
+              <a:noFill/>
+            </a:ln>
+          </p:spPr>
+          <p:style>
+            <a:lnRef idx="2">
+              <a:schemeClr val="accent1">
+                <a:shade val="50000"/>
+              </a:schemeClr>
+            </a:lnRef>
+            <a:fillRef idx="1">
+              <a:schemeClr val="accent1"/>
+            </a:fillRef>
+            <a:effectRef idx="0">
+              <a:schemeClr val="accent1"/>
+            </a:effectRef>
+            <a:fontRef idx="minor">
+              <a:schemeClr val="lt1"/>
+            </a:fontRef>
+          </p:style>
+          <p:txBody>
+            <a:bodyPr rtlCol="0" anchor="ctr"/>
+            <a:lstStyle/>
+            <a:p>
+              <a:pPr algn="ctr"/>
+              <a:endParaRPr lang="en-US"/>
+            </a:p>
+          </p:txBody>
+        </p:sp>
+        <p:pic>
+          <p:nvPicPr>
+            <p:cNvPr id="79" name="Graphic 84" descr="Star with solid fill">
+              <a:extLst>
+                <a:ext uri="{FF2B5EF4-FFF2-40B4-BE49-F238E27FC236}">
+                  <a16:creationId xmlns:a16="http://schemas.microsoft.com/office/drawing/2014/main" id="{49BADBF1-ED45-8B4D-91F2-31BDB085F521}"/>
+                </a:ext>
+              </a:extLst>
+            </p:cNvPr>
+            <p:cNvPicPr>
+              <a:picLocks noChangeAspect="1"/>
+            </p:cNvPicPr>
+            <p:nvPr/>
+          </p:nvPicPr>
+          <p:blipFill>
+            <a:blip r:embed="rId2">
+              <a:extLst>
+                <a:ext uri="{96DAC541-7B7A-43D3-8B79-37D633B846F1}">
+                  <asvg:svgBlip xmlns:asvg="http://schemas.microsoft.com/office/drawing/2016/SVG/main" r:embed="rId3"/>
+                </a:ext>
+              </a:extLst>
+            </a:blip>
+            <a:stretch>
+              <a:fillRect/>
+            </a:stretch>
+          </p:blipFill>
+          <p:spPr>
+            <a:xfrm>
+              <a:off x="4979691" y="1248576"/>
+              <a:ext cx="800100" cy="800100"/>
+            </a:xfrm>
+            <a:prstGeom prst="rect">
+              <a:avLst/>
+            </a:prstGeom>
+          </p:spPr>
+        </p:pic>
+      </p:grpSp>
+      <p:grpSp>
+        <p:nvGrpSpPr>
+          <p:cNvPr id="75" name="Group 85">
+            <a:extLst>
+              <a:ext uri="{FF2B5EF4-FFF2-40B4-BE49-F238E27FC236}">
+                <a16:creationId xmlns:a16="http://schemas.microsoft.com/office/drawing/2014/main" id="{42CA6710-C5E7-6243-91D6-6E33785466EE}"/>
+              </a:ext>
+            </a:extLst>
+          </p:cNvPr>
+          <p:cNvGrpSpPr/>
+          <p:nvPr/>
+        </p:nvGrpSpPr>
+        <p:grpSpPr>
+          <a:xfrm>
+            <a:off x="9089824" y="2811539"/>
+            <a:ext cx="1028700" cy="1028700"/>
+            <a:chOff x="4864790" y="1138638"/>
+            <a:chExt cx="1028700" cy="1028700"/>
+          </a:xfrm>
+        </p:grpSpPr>
+        <p:sp>
+          <p:nvSpPr>
+            <p:cNvPr id="76" name="Rounded Rectangle 86">
+              <a:extLst>
+                <a:ext uri="{FF2B5EF4-FFF2-40B4-BE49-F238E27FC236}">
+                  <a16:creationId xmlns:a16="http://schemas.microsoft.com/office/drawing/2014/main" id="{CEF06517-C0AF-3D4E-BE6F-D9D2FC2D20B3}"/>
+                </a:ext>
+              </a:extLst>
+            </p:cNvPr>
+            <p:cNvSpPr/>
+            <p:nvPr/>
+          </p:nvSpPr>
+          <p:spPr>
+            <a:xfrm>
+              <a:off x="4864790" y="1138638"/>
+              <a:ext cx="1028700" cy="1028700"/>
+            </a:xfrm>
+            <a:prstGeom prst="roundRect">
+              <a:avLst>
+                <a:gd name="adj" fmla="val 24152"/>
+              </a:avLst>
+            </a:prstGeom>
+            <a:solidFill>
+              <a:srgbClr val="CBCCCB"/>
+            </a:solidFill>
+            <a:ln>
+              <a:noFill/>
+            </a:ln>
+          </p:spPr>
+          <p:style>
+            <a:lnRef idx="2">
+              <a:schemeClr val="accent1">
+                <a:shade val="50000"/>
+              </a:schemeClr>
+            </a:lnRef>
+            <a:fillRef idx="1">
+              <a:schemeClr val="accent1"/>
+            </a:fillRef>
+            <a:effectRef idx="0">
+              <a:schemeClr val="accent1"/>
+            </a:effectRef>
+            <a:fontRef idx="minor">
+              <a:schemeClr val="lt1"/>
+            </a:fontRef>
+          </p:style>
+          <p:txBody>
+            <a:bodyPr rtlCol="0" anchor="ctr"/>
+            <a:lstStyle/>
+            <a:p>
+              <a:pPr algn="ctr"/>
+              <a:endParaRPr lang="en-US"/>
+            </a:p>
+          </p:txBody>
+        </p:sp>
+        <p:pic>
+          <p:nvPicPr>
+            <p:cNvPr id="77" name="Graphic 87" descr="Star with solid fill">
+              <a:extLst>
+                <a:ext uri="{FF2B5EF4-FFF2-40B4-BE49-F238E27FC236}">
+                  <a16:creationId xmlns:a16="http://schemas.microsoft.com/office/drawing/2014/main" id="{038154F8-DF9F-4548-B78B-98DC32669738}"/>
+                </a:ext>
+              </a:extLst>
+            </p:cNvPr>
+            <p:cNvPicPr>
+              <a:picLocks noChangeAspect="1"/>
+            </p:cNvPicPr>
+            <p:nvPr/>
+          </p:nvPicPr>
+          <p:blipFill>
+            <a:blip r:embed="rId2">
+              <a:extLst>
+                <a:ext uri="{96DAC541-7B7A-43D3-8B79-37D633B846F1}">
+                  <asvg:svgBlip xmlns:asvg="http://schemas.microsoft.com/office/drawing/2016/SVG/main" r:embed="rId3"/>
+                </a:ext>
+              </a:extLst>
+            </a:blip>
+            <a:stretch>
+              <a:fillRect/>
+            </a:stretch>
+          </p:blipFill>
+          <p:spPr>
+            <a:xfrm>
+              <a:off x="4979691" y="1248576"/>
+              <a:ext cx="800100" cy="800100"/>
+            </a:xfrm>
+            <a:prstGeom prst="rect">
+              <a:avLst/>
+            </a:prstGeom>
+          </p:spPr>
+        </p:pic>
+      </p:grpSp>
+      <p:grpSp>
+        <p:nvGrpSpPr>
+          <p:cNvPr id="97" name="Group 5">
+            <a:extLst>
+              <a:ext uri="{FF2B5EF4-FFF2-40B4-BE49-F238E27FC236}">
+                <a16:creationId xmlns:a16="http://schemas.microsoft.com/office/drawing/2014/main" id="{B2E190AA-4348-4343-A648-3BC19970D6F1}"/>
+              </a:ext>
+            </a:extLst>
+          </p:cNvPr>
+          <p:cNvGrpSpPr/>
+          <p:nvPr/>
+        </p:nvGrpSpPr>
+        <p:grpSpPr>
+          <a:xfrm>
+            <a:off x="4578073" y="4023553"/>
+            <a:ext cx="1028700" cy="1028700"/>
+            <a:chOff x="3486564" y="851246"/>
+            <a:chExt cx="1028700" cy="1028700"/>
+          </a:xfrm>
+        </p:grpSpPr>
+        <p:sp>
+          <p:nvSpPr>
+            <p:cNvPr id="98" name="Rounded Rectangle 3">
+              <a:extLst>
+                <a:ext uri="{FF2B5EF4-FFF2-40B4-BE49-F238E27FC236}">
+                  <a16:creationId xmlns:a16="http://schemas.microsoft.com/office/drawing/2014/main" id="{46E2EA75-4DC9-1741-B4DF-3FC63A99EDF0}"/>
+                </a:ext>
+              </a:extLst>
+            </p:cNvPr>
+            <p:cNvSpPr/>
+            <p:nvPr/>
+          </p:nvSpPr>
+          <p:spPr>
+            <a:xfrm>
+              <a:off x="3486564" y="851246"/>
+              <a:ext cx="1028700" cy="1028700"/>
+            </a:xfrm>
+            <a:prstGeom prst="roundRect">
+              <a:avLst>
+                <a:gd name="adj" fmla="val 24152"/>
+              </a:avLst>
+            </a:prstGeom>
+            <a:solidFill>
+              <a:srgbClr val="F25C4E"/>
+            </a:solidFill>
+            <a:ln>
+              <a:noFill/>
+            </a:ln>
+          </p:spPr>
+          <p:style>
+            <a:lnRef idx="2">
+              <a:schemeClr val="accent1">
+                <a:shade val="50000"/>
+              </a:schemeClr>
+            </a:lnRef>
+            <a:fillRef idx="1">
+              <a:schemeClr val="accent1"/>
+            </a:fillRef>
+            <a:effectRef idx="0">
+              <a:schemeClr val="accent1"/>
+            </a:effectRef>
+            <a:fontRef idx="minor">
+              <a:schemeClr val="lt1"/>
+            </a:fontRef>
+          </p:style>
+          <p:txBody>
+            <a:bodyPr rtlCol="0" anchor="ctr"/>
+            <a:lstStyle/>
+            <a:p>
+              <a:pPr algn="ctr"/>
+              <a:endParaRPr lang="en-US"/>
+            </a:p>
+          </p:txBody>
+        </p:sp>
+        <p:pic>
+          <p:nvPicPr>
+            <p:cNvPr id="99" name="Graphic 4" descr="Star with solid fill">
+              <a:extLst>
+                <a:ext uri="{FF2B5EF4-FFF2-40B4-BE49-F238E27FC236}">
+                  <a16:creationId xmlns:a16="http://schemas.microsoft.com/office/drawing/2014/main" id="{DABA63BA-F12E-FC4F-94BD-E2D0B1B35488}"/>
+                </a:ext>
+              </a:extLst>
+            </p:cNvPr>
+            <p:cNvPicPr>
+              <a:picLocks noChangeAspect="1"/>
+            </p:cNvPicPr>
+            <p:nvPr/>
+          </p:nvPicPr>
+          <p:blipFill>
+            <a:blip r:embed="rId2">
+              <a:extLst>
+                <a:ext uri="{96DAC541-7B7A-43D3-8B79-37D633B846F1}">
+                  <asvg:svgBlip xmlns:asvg="http://schemas.microsoft.com/office/drawing/2016/SVG/main" r:embed="rId3"/>
+                </a:ext>
+              </a:extLst>
+            </a:blip>
+            <a:stretch>
+              <a:fillRect/>
+            </a:stretch>
+          </p:blipFill>
+          <p:spPr>
+            <a:xfrm>
+              <a:off x="3601465" y="961184"/>
+              <a:ext cx="800100" cy="800100"/>
+            </a:xfrm>
+            <a:prstGeom prst="rect">
+              <a:avLst/>
+            </a:prstGeom>
+          </p:spPr>
+        </p:pic>
+      </p:grpSp>
+      <p:grpSp>
+        <p:nvGrpSpPr>
+          <p:cNvPr id="103" name="Group 79">
+            <a:extLst>
+              <a:ext uri="{FF2B5EF4-FFF2-40B4-BE49-F238E27FC236}">
+                <a16:creationId xmlns:a16="http://schemas.microsoft.com/office/drawing/2014/main" id="{EBA08F4C-08BA-1749-A6C0-EE1420CA4036}"/>
+              </a:ext>
+            </a:extLst>
+          </p:cNvPr>
+          <p:cNvGrpSpPr/>
+          <p:nvPr/>
+        </p:nvGrpSpPr>
+        <p:grpSpPr>
+          <a:xfrm>
+            <a:off x="6833949" y="4023553"/>
+            <a:ext cx="1028700" cy="1028700"/>
+            <a:chOff x="4864790" y="1138638"/>
+            <a:chExt cx="1028700" cy="1028700"/>
+          </a:xfrm>
+        </p:grpSpPr>
+        <p:sp>
+          <p:nvSpPr>
+            <p:cNvPr id="104" name="Rounded Rectangle 80">
+              <a:extLst>
+                <a:ext uri="{FF2B5EF4-FFF2-40B4-BE49-F238E27FC236}">
+                  <a16:creationId xmlns:a16="http://schemas.microsoft.com/office/drawing/2014/main" id="{21F1E0B5-E493-5540-B127-E214A265FA1F}"/>
+                </a:ext>
+              </a:extLst>
+            </p:cNvPr>
+            <p:cNvSpPr/>
+            <p:nvPr/>
+          </p:nvSpPr>
+          <p:spPr>
+            <a:xfrm>
+              <a:off x="4864790" y="1138638"/>
+              <a:ext cx="1028700" cy="1028700"/>
+            </a:xfrm>
+            <a:prstGeom prst="roundRect">
+              <a:avLst>
+                <a:gd name="adj" fmla="val 24152"/>
+              </a:avLst>
+            </a:prstGeom>
+            <a:solidFill>
+              <a:srgbClr val="CBCCCB"/>
+            </a:solidFill>
+            <a:ln>
+              <a:noFill/>
+            </a:ln>
+          </p:spPr>
+          <p:style>
+            <a:lnRef idx="2">
+              <a:schemeClr val="accent1">
+                <a:shade val="50000"/>
+              </a:schemeClr>
+            </a:lnRef>
+            <a:fillRef idx="1">
+              <a:schemeClr val="accent1"/>
+            </a:fillRef>
+            <a:effectRef idx="0">
+              <a:schemeClr val="accent1"/>
+            </a:effectRef>
+            <a:fontRef idx="minor">
+              <a:schemeClr val="lt1"/>
+            </a:fontRef>
+          </p:style>
+          <p:txBody>
+            <a:bodyPr rtlCol="0" anchor="ctr"/>
+            <a:lstStyle/>
+            <a:p>
+              <a:pPr algn="ctr"/>
+              <a:endParaRPr lang="en-US"/>
+            </a:p>
+          </p:txBody>
+        </p:sp>
+        <p:pic>
+          <p:nvPicPr>
+            <p:cNvPr id="105" name="Graphic 81" descr="Star with solid fill">
+              <a:extLst>
+                <a:ext uri="{FF2B5EF4-FFF2-40B4-BE49-F238E27FC236}">
+                  <a16:creationId xmlns:a16="http://schemas.microsoft.com/office/drawing/2014/main" id="{1FC4700D-808A-3B4C-A095-2ED8AFCDC329}"/>
+                </a:ext>
+              </a:extLst>
+            </p:cNvPr>
+            <p:cNvPicPr>
+              <a:picLocks noChangeAspect="1"/>
+            </p:cNvPicPr>
+            <p:nvPr/>
+          </p:nvPicPr>
+          <p:blipFill>
+            <a:blip r:embed="rId2">
+              <a:extLst>
+                <a:ext uri="{96DAC541-7B7A-43D3-8B79-37D633B846F1}">
+                  <asvg:svgBlip xmlns:asvg="http://schemas.microsoft.com/office/drawing/2016/SVG/main" r:embed="rId3"/>
+                </a:ext>
+              </a:extLst>
+            </a:blip>
+            <a:stretch>
+              <a:fillRect/>
+            </a:stretch>
+          </p:blipFill>
+          <p:spPr>
+            <a:xfrm>
+              <a:off x="4979691" y="1248576"/>
+              <a:ext cx="800100" cy="800100"/>
+            </a:xfrm>
+            <a:prstGeom prst="rect">
+              <a:avLst/>
+            </a:prstGeom>
+          </p:spPr>
+        </p:pic>
+      </p:grpSp>
+      <p:grpSp>
+        <p:nvGrpSpPr>
+          <p:cNvPr id="106" name="Group 82">
+            <a:extLst>
+              <a:ext uri="{FF2B5EF4-FFF2-40B4-BE49-F238E27FC236}">
+                <a16:creationId xmlns:a16="http://schemas.microsoft.com/office/drawing/2014/main" id="{FD842F72-D878-9E45-B2EE-2A0AB1A0CBA7}"/>
+              </a:ext>
+            </a:extLst>
+          </p:cNvPr>
+          <p:cNvGrpSpPr/>
+          <p:nvPr/>
+        </p:nvGrpSpPr>
+        <p:grpSpPr>
+          <a:xfrm>
+            <a:off x="7961887" y="4023553"/>
+            <a:ext cx="1028700" cy="1028700"/>
+            <a:chOff x="4864790" y="1138638"/>
+            <a:chExt cx="1028700" cy="1028700"/>
+          </a:xfrm>
+        </p:grpSpPr>
+        <p:sp>
+          <p:nvSpPr>
+            <p:cNvPr id="107" name="Rounded Rectangle 83">
+              <a:extLst>
+                <a:ext uri="{FF2B5EF4-FFF2-40B4-BE49-F238E27FC236}">
+                  <a16:creationId xmlns:a16="http://schemas.microsoft.com/office/drawing/2014/main" id="{8E498F3B-0B37-0C4C-95C5-21E2229EB389}"/>
+                </a:ext>
+              </a:extLst>
+            </p:cNvPr>
+            <p:cNvSpPr/>
+            <p:nvPr/>
+          </p:nvSpPr>
+          <p:spPr>
+            <a:xfrm>
+              <a:off x="4864790" y="1138638"/>
+              <a:ext cx="1028700" cy="1028700"/>
+            </a:xfrm>
+            <a:prstGeom prst="roundRect">
+              <a:avLst>
+                <a:gd name="adj" fmla="val 24152"/>
+              </a:avLst>
+            </a:prstGeom>
+            <a:solidFill>
+              <a:srgbClr val="CBCCCB"/>
+            </a:solidFill>
+            <a:ln>
+              <a:noFill/>
+            </a:ln>
+          </p:spPr>
+          <p:style>
+            <a:lnRef idx="2">
+              <a:schemeClr val="accent1">
+                <a:shade val="50000"/>
+              </a:schemeClr>
+            </a:lnRef>
+            <a:fillRef idx="1">
+              <a:schemeClr val="accent1"/>
+            </a:fillRef>
+            <a:effectRef idx="0">
+              <a:schemeClr val="accent1"/>
+            </a:effectRef>
+            <a:fontRef idx="minor">
+              <a:schemeClr val="lt1"/>
+            </a:fontRef>
+          </p:style>
+          <p:txBody>
+            <a:bodyPr rtlCol="0" anchor="ctr"/>
+            <a:lstStyle/>
+            <a:p>
+              <a:pPr algn="ctr"/>
+              <a:endParaRPr lang="en-US"/>
+            </a:p>
+          </p:txBody>
+        </p:sp>
+        <p:pic>
+          <p:nvPicPr>
+            <p:cNvPr id="108" name="Graphic 84" descr="Star with solid fill">
+              <a:extLst>
+                <a:ext uri="{FF2B5EF4-FFF2-40B4-BE49-F238E27FC236}">
+                  <a16:creationId xmlns:a16="http://schemas.microsoft.com/office/drawing/2014/main" id="{667C082D-6635-4D4A-960C-F2FCDF211476}"/>
+                </a:ext>
+              </a:extLst>
+            </p:cNvPr>
+            <p:cNvPicPr>
+              <a:picLocks noChangeAspect="1"/>
+            </p:cNvPicPr>
+            <p:nvPr/>
+          </p:nvPicPr>
+          <p:blipFill>
+            <a:blip r:embed="rId2">
+              <a:extLst>
+                <a:ext uri="{96DAC541-7B7A-43D3-8B79-37D633B846F1}">
+                  <asvg:svgBlip xmlns:asvg="http://schemas.microsoft.com/office/drawing/2016/SVG/main" r:embed="rId3"/>
+                </a:ext>
+              </a:extLst>
+            </a:blip>
+            <a:stretch>
+              <a:fillRect/>
+            </a:stretch>
+          </p:blipFill>
+          <p:spPr>
+            <a:xfrm>
+              <a:off x="4979691" y="1248576"/>
+              <a:ext cx="800100" cy="800100"/>
+            </a:xfrm>
+            <a:prstGeom prst="rect">
+              <a:avLst/>
+            </a:prstGeom>
+          </p:spPr>
+        </p:pic>
+      </p:grpSp>
+      <p:grpSp>
+        <p:nvGrpSpPr>
+          <p:cNvPr id="109" name="Group 85">
+            <a:extLst>
+              <a:ext uri="{FF2B5EF4-FFF2-40B4-BE49-F238E27FC236}">
+                <a16:creationId xmlns:a16="http://schemas.microsoft.com/office/drawing/2014/main" id="{E6931DB8-185A-6D47-8A07-768075AB8E11}"/>
+              </a:ext>
+            </a:extLst>
+          </p:cNvPr>
+          <p:cNvGrpSpPr/>
+          <p:nvPr/>
+        </p:nvGrpSpPr>
+        <p:grpSpPr>
+          <a:xfrm>
+            <a:off x="9089824" y="4023553"/>
+            <a:ext cx="1028700" cy="1028700"/>
+            <a:chOff x="4864790" y="1138638"/>
+            <a:chExt cx="1028700" cy="1028700"/>
+          </a:xfrm>
+        </p:grpSpPr>
+        <p:sp>
+          <p:nvSpPr>
+            <p:cNvPr id="110" name="Rounded Rectangle 86">
+              <a:extLst>
+                <a:ext uri="{FF2B5EF4-FFF2-40B4-BE49-F238E27FC236}">
+                  <a16:creationId xmlns:a16="http://schemas.microsoft.com/office/drawing/2014/main" id="{D34A4A4A-065F-7743-AFBD-801E92668218}"/>
+                </a:ext>
+              </a:extLst>
+            </p:cNvPr>
+            <p:cNvSpPr/>
+            <p:nvPr/>
+          </p:nvSpPr>
+          <p:spPr>
+            <a:xfrm>
+              <a:off x="4864790" y="1138638"/>
+              <a:ext cx="1028700" cy="1028700"/>
+            </a:xfrm>
+            <a:prstGeom prst="roundRect">
+              <a:avLst>
+                <a:gd name="adj" fmla="val 24152"/>
+              </a:avLst>
+            </a:prstGeom>
+            <a:solidFill>
+              <a:srgbClr val="CBCCCB"/>
+            </a:solidFill>
+            <a:ln>
+              <a:noFill/>
+            </a:ln>
+          </p:spPr>
+          <p:style>
+            <a:lnRef idx="2">
+              <a:schemeClr val="accent1">
+                <a:shade val="50000"/>
+              </a:schemeClr>
+            </a:lnRef>
+            <a:fillRef idx="1">
+              <a:schemeClr val="accent1"/>
+            </a:fillRef>
+            <a:effectRef idx="0">
+              <a:schemeClr val="accent1"/>
+            </a:effectRef>
+            <a:fontRef idx="minor">
+              <a:schemeClr val="lt1"/>
+            </a:fontRef>
+          </p:style>
+          <p:txBody>
+            <a:bodyPr rtlCol="0" anchor="ctr"/>
+            <a:lstStyle/>
+            <a:p>
+              <a:pPr algn="ctr"/>
+              <a:endParaRPr lang="en-US"/>
+            </a:p>
+          </p:txBody>
+        </p:sp>
+        <p:pic>
+          <p:nvPicPr>
+            <p:cNvPr id="111" name="Graphic 87" descr="Star with solid fill">
+              <a:extLst>
+                <a:ext uri="{FF2B5EF4-FFF2-40B4-BE49-F238E27FC236}">
+                  <a16:creationId xmlns:a16="http://schemas.microsoft.com/office/drawing/2014/main" id="{F76C0745-BBF7-784A-AB7F-D11C51C174B6}"/>
+                </a:ext>
+              </a:extLst>
+            </p:cNvPr>
+            <p:cNvPicPr>
+              <a:picLocks noChangeAspect="1"/>
+            </p:cNvPicPr>
+            <p:nvPr/>
+          </p:nvPicPr>
+          <p:blipFill>
+            <a:blip r:embed="rId2">
+              <a:extLst>
+                <a:ext uri="{96DAC541-7B7A-43D3-8B79-37D633B846F1}">
+                  <asvg:svgBlip xmlns:asvg="http://schemas.microsoft.com/office/drawing/2016/SVG/main" r:embed="rId3"/>
+                </a:ext>
+              </a:extLst>
+            </a:blip>
+            <a:stretch>
+              <a:fillRect/>
+            </a:stretch>
+          </p:blipFill>
+          <p:spPr>
+            <a:xfrm>
+              <a:off x="4979691" y="1248576"/>
+              <a:ext cx="800100" cy="800100"/>
+            </a:xfrm>
+            <a:prstGeom prst="rect">
+              <a:avLst/>
+            </a:prstGeom>
+          </p:spPr>
+        </p:pic>
+      </p:grpSp>
+      <p:grpSp>
+        <p:nvGrpSpPr>
+          <p:cNvPr id="112" name="Group 20">
+            <a:extLst>
+              <a:ext uri="{FF2B5EF4-FFF2-40B4-BE49-F238E27FC236}">
+                <a16:creationId xmlns:a16="http://schemas.microsoft.com/office/drawing/2014/main" id="{A1AB44DB-4F91-9B49-988E-F75CADCAAD06}"/>
+              </a:ext>
+            </a:extLst>
+          </p:cNvPr>
+          <p:cNvGrpSpPr/>
+          <p:nvPr/>
+        </p:nvGrpSpPr>
+        <p:grpSpPr>
+          <a:xfrm>
+            <a:off x="5706011" y="4023553"/>
+            <a:ext cx="1028700" cy="1028700"/>
+            <a:chOff x="4864790" y="1138638"/>
+            <a:chExt cx="1028700" cy="1028700"/>
+          </a:xfrm>
+        </p:grpSpPr>
+        <p:sp>
+          <p:nvSpPr>
+            <p:cNvPr id="113" name="Rounded Rectangle 13">
+              <a:extLst>
+                <a:ext uri="{FF2B5EF4-FFF2-40B4-BE49-F238E27FC236}">
+                  <a16:creationId xmlns:a16="http://schemas.microsoft.com/office/drawing/2014/main" id="{FFAC371F-DC7D-7543-9DD3-25FCEB1F3E9D}"/>
                 </a:ext>
               </a:extLst>
             </p:cNvPr>
@@ -4542,10 +5519,10 @@
         </p:sp>
         <p:sp>
           <p:nvSpPr>
-            <p:cNvPr id="37" name="Freeform 36">
-              <a:extLst>
-                <a:ext uri="{FF2B5EF4-FFF2-40B4-BE49-F238E27FC236}">
-                  <a16:creationId xmlns:a16="http://schemas.microsoft.com/office/drawing/2014/main" id="{6418624F-9A7C-F839-42F1-6F9CEB76E673}"/>
+            <p:cNvPr id="114" name="Freeform 19">
+              <a:extLst>
+                <a:ext uri="{FF2B5EF4-FFF2-40B4-BE49-F238E27FC236}">
+                  <a16:creationId xmlns:a16="http://schemas.microsoft.com/office/drawing/2014/main" id="{12BBD226-63CB-9E42-8069-A55547C35135}"/>
                 </a:ext>
               </a:extLst>
             </p:cNvPr>
@@ -4659,10 +5636,10 @@
         </p:sp>
         <p:pic>
           <p:nvPicPr>
-            <p:cNvPr id="38" name="Graphic 37" descr="Star with solid fill">
-              <a:extLst>
-                <a:ext uri="{FF2B5EF4-FFF2-40B4-BE49-F238E27FC236}">
-                  <a16:creationId xmlns:a16="http://schemas.microsoft.com/office/drawing/2014/main" id="{E39E0B0B-CC39-F09A-1EF8-60C53A4DAEBF}"/>
+            <p:cNvPr id="115" name="Graphic 14" descr="Star with solid fill">
+              <a:extLst>
+                <a:ext uri="{FF2B5EF4-FFF2-40B4-BE49-F238E27FC236}">
+                  <a16:creationId xmlns:a16="http://schemas.microsoft.com/office/drawing/2014/main" id="{071466B6-2F82-C84E-9E2E-3BB192633A49}"/>
                 </a:ext>
               </a:extLst>
             </p:cNvPr>
@@ -4696,10 +5673,10 @@
       </p:grpSp>
       <p:grpSp>
         <p:nvGrpSpPr>
-          <p:cNvPr id="39" name="Group 38">
+          <p:cNvPr id="116" name="Group 5">
             <a:extLst>
               <a:ext uri="{FF2B5EF4-FFF2-40B4-BE49-F238E27FC236}">
-                <a16:creationId xmlns:a16="http://schemas.microsoft.com/office/drawing/2014/main" id="{89A052F9-3CAE-5D35-C312-020D6B450E12}"/>
+                <a16:creationId xmlns:a16="http://schemas.microsoft.com/office/drawing/2014/main" id="{7DC1506F-481D-1A4C-9574-54F5933B4049}"/>
               </a:ext>
             </a:extLst>
           </p:cNvPr>
@@ -4708,7 +5685,7 @@
         </p:nvGrpSpPr>
         <p:grpSpPr>
           <a:xfrm>
-            <a:off x="1748908" y="4823588"/>
+            <a:off x="4578073" y="5235567"/>
             <a:ext cx="1028700" cy="1028700"/>
             <a:chOff x="3486564" y="851246"/>
             <a:chExt cx="1028700" cy="1028700"/>
@@ -4716,10 +5693,10 @@
         </p:grpSpPr>
         <p:sp>
           <p:nvSpPr>
-            <p:cNvPr id="40" name="Rounded Rectangle 39">
-              <a:extLst>
-                <a:ext uri="{FF2B5EF4-FFF2-40B4-BE49-F238E27FC236}">
-                  <a16:creationId xmlns:a16="http://schemas.microsoft.com/office/drawing/2014/main" id="{85FC32F1-D345-D967-4967-2D843A684442}"/>
+            <p:cNvPr id="117" name="Rounded Rectangle 3">
+              <a:extLst>
+                <a:ext uri="{FF2B5EF4-FFF2-40B4-BE49-F238E27FC236}">
+                  <a16:creationId xmlns:a16="http://schemas.microsoft.com/office/drawing/2014/main" id="{74C11A82-A493-324A-9B40-00DC5C8625D3}"/>
                 </a:ext>
               </a:extLst>
             </p:cNvPr>
@@ -4770,10 +5747,10 @@
         </p:sp>
         <p:pic>
           <p:nvPicPr>
-            <p:cNvPr id="41" name="Graphic 40" descr="Star with solid fill">
-              <a:extLst>
-                <a:ext uri="{FF2B5EF4-FFF2-40B4-BE49-F238E27FC236}">
-                  <a16:creationId xmlns:a16="http://schemas.microsoft.com/office/drawing/2014/main" id="{7601A16B-2FFA-13E9-883A-2CD5F7E4E5FD}"/>
+            <p:cNvPr id="118" name="Graphic 4" descr="Star with solid fill">
+              <a:extLst>
+                <a:ext uri="{FF2B5EF4-FFF2-40B4-BE49-F238E27FC236}">
+                  <a16:creationId xmlns:a16="http://schemas.microsoft.com/office/drawing/2014/main" id="{0F8EF9F1-CA9E-D34A-A899-9D7CB6EDF180}"/>
                 </a:ext>
               </a:extLst>
             </p:cNvPr>
@@ -4807,10 +5784,10 @@
       </p:grpSp>
       <p:grpSp>
         <p:nvGrpSpPr>
-          <p:cNvPr id="42" name="Group 41">
+          <p:cNvPr id="119" name="Group 79">
             <a:extLst>
               <a:ext uri="{FF2B5EF4-FFF2-40B4-BE49-F238E27FC236}">
-                <a16:creationId xmlns:a16="http://schemas.microsoft.com/office/drawing/2014/main" id="{4F58AE0A-27AD-C360-EF88-A79A64F86E4C}"/>
+                <a16:creationId xmlns:a16="http://schemas.microsoft.com/office/drawing/2014/main" id="{7F750560-8E51-464F-A2E6-3C723BBD2E5C}"/>
               </a:ext>
             </a:extLst>
           </p:cNvPr>
@@ -4819,18 +5796,18 @@
         </p:nvGrpSpPr>
         <p:grpSpPr>
           <a:xfrm>
-            <a:off x="2892509" y="4823588"/>
+            <a:off x="6833949" y="5235567"/>
             <a:ext cx="1028700" cy="1028700"/>
-            <a:chOff x="3486564" y="851246"/>
+            <a:chOff x="4864790" y="1138638"/>
             <a:chExt cx="1028700" cy="1028700"/>
           </a:xfrm>
         </p:grpSpPr>
         <p:sp>
           <p:nvSpPr>
-            <p:cNvPr id="43" name="Rounded Rectangle 42">
-              <a:extLst>
-                <a:ext uri="{FF2B5EF4-FFF2-40B4-BE49-F238E27FC236}">
-                  <a16:creationId xmlns:a16="http://schemas.microsoft.com/office/drawing/2014/main" id="{5741B9BC-4597-FB08-A6CE-123A0523AB39}"/>
+            <p:cNvPr id="120" name="Rounded Rectangle 80">
+              <a:extLst>
+                <a:ext uri="{FF2B5EF4-FFF2-40B4-BE49-F238E27FC236}">
+                  <a16:creationId xmlns:a16="http://schemas.microsoft.com/office/drawing/2014/main" id="{20728BEA-0512-8C48-9E39-79DA534C028E}"/>
                 </a:ext>
               </a:extLst>
             </p:cNvPr>
@@ -4839,7 +5816,7 @@
           </p:nvSpPr>
           <p:spPr>
             <a:xfrm>
-              <a:off x="3486564" y="851246"/>
+              <a:off x="4864790" y="1138638"/>
               <a:ext cx="1028700" cy="1028700"/>
             </a:xfrm>
             <a:prstGeom prst="roundRect">
@@ -4848,7 +5825,7 @@
               </a:avLst>
             </a:prstGeom>
             <a:solidFill>
-              <a:srgbClr val="F25C4E"/>
+              <a:srgbClr val="CBCCCB"/>
             </a:solidFill>
             <a:ln>
               <a:noFill/>
@@ -4881,10 +5858,10 @@
         </p:sp>
         <p:pic>
           <p:nvPicPr>
-            <p:cNvPr id="44" name="Graphic 43" descr="Star with solid fill">
-              <a:extLst>
-                <a:ext uri="{FF2B5EF4-FFF2-40B4-BE49-F238E27FC236}">
-                  <a16:creationId xmlns:a16="http://schemas.microsoft.com/office/drawing/2014/main" id="{91952031-2826-4C27-19DE-212C8DDFBCDD}"/>
+            <p:cNvPr id="121" name="Graphic 81" descr="Star with solid fill">
+              <a:extLst>
+                <a:ext uri="{FF2B5EF4-FFF2-40B4-BE49-F238E27FC236}">
+                  <a16:creationId xmlns:a16="http://schemas.microsoft.com/office/drawing/2014/main" id="{C6504E55-4A47-7344-9F69-B981D66EF2EA}"/>
                 </a:ext>
               </a:extLst>
             </p:cNvPr>
@@ -4907,7 +5884,7 @@
           </p:blipFill>
           <p:spPr>
             <a:xfrm>
-              <a:off x="3601465" y="961184"/>
+              <a:off x="4979691" y="1248576"/>
               <a:ext cx="800100" cy="800100"/>
             </a:xfrm>
             <a:prstGeom prst="rect">
@@ -4918,10 +5895,10 @@
       </p:grpSp>
       <p:grpSp>
         <p:nvGrpSpPr>
-          <p:cNvPr id="49" name="Group 48">
+          <p:cNvPr id="122" name="Group 82">
             <a:extLst>
               <a:ext uri="{FF2B5EF4-FFF2-40B4-BE49-F238E27FC236}">
-                <a16:creationId xmlns:a16="http://schemas.microsoft.com/office/drawing/2014/main" id="{6ED679CF-EF87-86E6-8C59-EA0636274889}"/>
+                <a16:creationId xmlns:a16="http://schemas.microsoft.com/office/drawing/2014/main" id="{B15ACFBD-DEE8-9142-B222-C92ADF865148}"/>
               </a:ext>
             </a:extLst>
           </p:cNvPr>
@@ -4930,18 +5907,18 @@
         </p:nvGrpSpPr>
         <p:grpSpPr>
           <a:xfrm>
-            <a:off x="4036110" y="4819226"/>
+            <a:off x="7961887" y="5235567"/>
             <a:ext cx="1028700" cy="1028700"/>
-            <a:chOff x="3486564" y="851246"/>
+            <a:chOff x="4864790" y="1138638"/>
             <a:chExt cx="1028700" cy="1028700"/>
           </a:xfrm>
         </p:grpSpPr>
         <p:sp>
           <p:nvSpPr>
-            <p:cNvPr id="50" name="Rounded Rectangle 49">
-              <a:extLst>
-                <a:ext uri="{FF2B5EF4-FFF2-40B4-BE49-F238E27FC236}">
-                  <a16:creationId xmlns:a16="http://schemas.microsoft.com/office/drawing/2014/main" id="{02D8EA01-543A-ABEB-E23E-F536B51EC81C}"/>
+            <p:cNvPr id="123" name="Rounded Rectangle 83">
+              <a:extLst>
+                <a:ext uri="{FF2B5EF4-FFF2-40B4-BE49-F238E27FC236}">
+                  <a16:creationId xmlns:a16="http://schemas.microsoft.com/office/drawing/2014/main" id="{2D7363FD-BE9B-FA49-A7EF-FDC90C62FFFE}"/>
                 </a:ext>
               </a:extLst>
             </p:cNvPr>
@@ -4950,7 +5927,7 @@
           </p:nvSpPr>
           <p:spPr>
             <a:xfrm>
-              <a:off x="3486564" y="851246"/>
+              <a:off x="4864790" y="1138638"/>
               <a:ext cx="1028700" cy="1028700"/>
             </a:xfrm>
             <a:prstGeom prst="roundRect">
@@ -4959,7 +5936,7 @@
               </a:avLst>
             </a:prstGeom>
             <a:solidFill>
-              <a:srgbClr val="F25C4E"/>
+              <a:srgbClr val="CBCCCB"/>
             </a:solidFill>
             <a:ln>
               <a:noFill/>
@@ -4992,10 +5969,10 @@
         </p:sp>
         <p:pic>
           <p:nvPicPr>
-            <p:cNvPr id="51" name="Graphic 50" descr="Star with solid fill">
-              <a:extLst>
-                <a:ext uri="{FF2B5EF4-FFF2-40B4-BE49-F238E27FC236}">
-                  <a16:creationId xmlns:a16="http://schemas.microsoft.com/office/drawing/2014/main" id="{1F80F7EC-BEC4-C78F-CDD0-CBE66F6B88B9}"/>
+            <p:cNvPr id="124" name="Graphic 84" descr="Star with solid fill">
+              <a:extLst>
+                <a:ext uri="{FF2B5EF4-FFF2-40B4-BE49-F238E27FC236}">
+                  <a16:creationId xmlns:a16="http://schemas.microsoft.com/office/drawing/2014/main" id="{6A85DCFB-4C33-A64C-8C95-63303E1D9488}"/>
                 </a:ext>
               </a:extLst>
             </p:cNvPr>
@@ -5018,7 +5995,7 @@
           </p:blipFill>
           <p:spPr>
             <a:xfrm>
-              <a:off x="3601465" y="961184"/>
+              <a:off x="4979691" y="1248576"/>
               <a:ext cx="800100" cy="800100"/>
             </a:xfrm>
             <a:prstGeom prst="rect">
@@ -5029,10 +6006,10 @@
       </p:grpSp>
       <p:grpSp>
         <p:nvGrpSpPr>
-          <p:cNvPr id="52" name="Group 51">
+          <p:cNvPr id="125" name="Group 85">
             <a:extLst>
               <a:ext uri="{FF2B5EF4-FFF2-40B4-BE49-F238E27FC236}">
-                <a16:creationId xmlns:a16="http://schemas.microsoft.com/office/drawing/2014/main" id="{86DA627E-3EFA-8288-DA13-E8D6F72598FD}"/>
+                <a16:creationId xmlns:a16="http://schemas.microsoft.com/office/drawing/2014/main" id="{9542B058-CD6D-9548-B6A8-9EEE80FAFD98}"/>
               </a:ext>
             </a:extLst>
           </p:cNvPr>
@@ -5041,18 +6018,18 @@
         </p:nvGrpSpPr>
         <p:grpSpPr>
           <a:xfrm>
-            <a:off x="1712424" y="6204681"/>
+            <a:off x="9089824" y="5235567"/>
             <a:ext cx="1028700" cy="1028700"/>
-            <a:chOff x="3486564" y="851246"/>
+            <a:chOff x="4864790" y="1138638"/>
             <a:chExt cx="1028700" cy="1028700"/>
           </a:xfrm>
         </p:grpSpPr>
         <p:sp>
           <p:nvSpPr>
-            <p:cNvPr id="53" name="Rounded Rectangle 52">
-              <a:extLst>
-                <a:ext uri="{FF2B5EF4-FFF2-40B4-BE49-F238E27FC236}">
-                  <a16:creationId xmlns:a16="http://schemas.microsoft.com/office/drawing/2014/main" id="{E476E870-E3FF-C71F-B5BF-EE2DDBDCE9E2}"/>
+            <p:cNvPr id="126" name="Rounded Rectangle 86">
+              <a:extLst>
+                <a:ext uri="{FF2B5EF4-FFF2-40B4-BE49-F238E27FC236}">
+                  <a16:creationId xmlns:a16="http://schemas.microsoft.com/office/drawing/2014/main" id="{06C44E24-916D-CF4A-9916-6FB8FEBF5FF0}"/>
                 </a:ext>
               </a:extLst>
             </p:cNvPr>
@@ -5061,7 +6038,7 @@
           </p:nvSpPr>
           <p:spPr>
             <a:xfrm>
-              <a:off x="3486564" y="851246"/>
+              <a:off x="4864790" y="1138638"/>
               <a:ext cx="1028700" cy="1028700"/>
             </a:xfrm>
             <a:prstGeom prst="roundRect">
@@ -5070,7 +6047,7 @@
               </a:avLst>
             </a:prstGeom>
             <a:solidFill>
-              <a:srgbClr val="F25C4E"/>
+              <a:srgbClr val="CBCCCB"/>
             </a:solidFill>
             <a:ln>
               <a:noFill/>
@@ -5103,10 +6080,10 @@
         </p:sp>
         <p:pic>
           <p:nvPicPr>
-            <p:cNvPr id="54" name="Graphic 53" descr="Star with solid fill">
-              <a:extLst>
-                <a:ext uri="{FF2B5EF4-FFF2-40B4-BE49-F238E27FC236}">
-                  <a16:creationId xmlns:a16="http://schemas.microsoft.com/office/drawing/2014/main" id="{310D71EA-8E5A-6472-2887-E9B1726787E5}"/>
+            <p:cNvPr id="127" name="Graphic 87" descr="Star with solid fill">
+              <a:extLst>
+                <a:ext uri="{FF2B5EF4-FFF2-40B4-BE49-F238E27FC236}">
+                  <a16:creationId xmlns:a16="http://schemas.microsoft.com/office/drawing/2014/main" id="{5325C596-B9DF-1049-B8D0-8823608C7237}"/>
                 </a:ext>
               </a:extLst>
             </p:cNvPr>
@@ -5129,7 +6106,7 @@
           </p:blipFill>
           <p:spPr>
             <a:xfrm>
-              <a:off x="3601465" y="961184"/>
+              <a:off x="4979691" y="1248576"/>
               <a:ext cx="800100" cy="800100"/>
             </a:xfrm>
             <a:prstGeom prst="rect">
@@ -5140,10 +6117,10 @@
       </p:grpSp>
       <p:grpSp>
         <p:nvGrpSpPr>
-          <p:cNvPr id="55" name="Group 54">
+          <p:cNvPr id="132" name="Group 9">
             <a:extLst>
               <a:ext uri="{FF2B5EF4-FFF2-40B4-BE49-F238E27FC236}">
-                <a16:creationId xmlns:a16="http://schemas.microsoft.com/office/drawing/2014/main" id="{7F73B874-D69C-900B-8DF7-536329E8F2C1}"/>
+                <a16:creationId xmlns:a16="http://schemas.microsoft.com/office/drawing/2014/main" id="{B2DBB2BB-91FC-4E40-B1D6-3938C01F3B1D}"/>
               </a:ext>
             </a:extLst>
           </p:cNvPr>
@@ -5152,7 +6129,7 @@
         </p:nvGrpSpPr>
         <p:grpSpPr>
           <a:xfrm>
-            <a:off x="2856025" y="6204681"/>
+            <a:off x="5706011" y="5235567"/>
             <a:ext cx="1028700" cy="1028700"/>
             <a:chOff x="3486564" y="851246"/>
             <a:chExt cx="1028700" cy="1028700"/>
@@ -5160,10 +6137,10 @@
         </p:grpSpPr>
         <p:sp>
           <p:nvSpPr>
-            <p:cNvPr id="56" name="Rounded Rectangle 55">
-              <a:extLst>
-                <a:ext uri="{FF2B5EF4-FFF2-40B4-BE49-F238E27FC236}">
-                  <a16:creationId xmlns:a16="http://schemas.microsoft.com/office/drawing/2014/main" id="{3C191087-D2AE-D47F-3F44-9FDCC195D6A8}"/>
+            <p:cNvPr id="133" name="Rounded Rectangle 10">
+              <a:extLst>
+                <a:ext uri="{FF2B5EF4-FFF2-40B4-BE49-F238E27FC236}">
+                  <a16:creationId xmlns:a16="http://schemas.microsoft.com/office/drawing/2014/main" id="{2A6A615C-594F-3542-BAEA-E5EE17B5F416}"/>
                 </a:ext>
               </a:extLst>
             </p:cNvPr>
@@ -5214,10 +6191,10 @@
         </p:sp>
         <p:pic>
           <p:nvPicPr>
-            <p:cNvPr id="57" name="Graphic 56" descr="Star with solid fill">
-              <a:extLst>
-                <a:ext uri="{FF2B5EF4-FFF2-40B4-BE49-F238E27FC236}">
-                  <a16:creationId xmlns:a16="http://schemas.microsoft.com/office/drawing/2014/main" id="{C7F595F2-ECE9-6C7D-F03D-7F3F7B1A7721}"/>
+            <p:cNvPr id="134" name="Graphic 11" descr="Star with solid fill">
+              <a:extLst>
+                <a:ext uri="{FF2B5EF4-FFF2-40B4-BE49-F238E27FC236}">
+                  <a16:creationId xmlns:a16="http://schemas.microsoft.com/office/drawing/2014/main" id="{3439EA03-D82E-284C-95AA-F2167868616F}"/>
                 </a:ext>
               </a:extLst>
             </p:cNvPr>
@@ -5251,10 +6228,10 @@
       </p:grpSp>
       <p:grpSp>
         <p:nvGrpSpPr>
-          <p:cNvPr id="58" name="Group 57">
+          <p:cNvPr id="135" name="Group 5">
             <a:extLst>
               <a:ext uri="{FF2B5EF4-FFF2-40B4-BE49-F238E27FC236}">
-                <a16:creationId xmlns:a16="http://schemas.microsoft.com/office/drawing/2014/main" id="{BDA2441A-11AF-875E-392B-A2601BC086FF}"/>
+                <a16:creationId xmlns:a16="http://schemas.microsoft.com/office/drawing/2014/main" id="{3589C240-D750-2147-9FA3-0A8066F75B00}"/>
               </a:ext>
             </a:extLst>
           </p:cNvPr>
@@ -5263,7 +6240,7 @@
         </p:nvGrpSpPr>
         <p:grpSpPr>
           <a:xfrm>
-            <a:off x="3999626" y="6200319"/>
+            <a:off x="4578073" y="6447581"/>
             <a:ext cx="1028700" cy="1028700"/>
             <a:chOff x="3486564" y="851246"/>
             <a:chExt cx="1028700" cy="1028700"/>
@@ -5271,10 +6248,10 @@
         </p:grpSpPr>
         <p:sp>
           <p:nvSpPr>
-            <p:cNvPr id="59" name="Rounded Rectangle 58">
-              <a:extLst>
-                <a:ext uri="{FF2B5EF4-FFF2-40B4-BE49-F238E27FC236}">
-                  <a16:creationId xmlns:a16="http://schemas.microsoft.com/office/drawing/2014/main" id="{584713B2-7DD6-B3B8-1F39-3175B57B880D}"/>
+            <p:cNvPr id="136" name="Rounded Rectangle 3">
+              <a:extLst>
+                <a:ext uri="{FF2B5EF4-FFF2-40B4-BE49-F238E27FC236}">
+                  <a16:creationId xmlns:a16="http://schemas.microsoft.com/office/drawing/2014/main" id="{54FDE5CC-4992-F044-924C-A8DD18A2C28C}"/>
                 </a:ext>
               </a:extLst>
             </p:cNvPr>
@@ -5325,10 +6302,10 @@
         </p:sp>
         <p:pic>
           <p:nvPicPr>
-            <p:cNvPr id="60" name="Graphic 59" descr="Star with solid fill">
-              <a:extLst>
-                <a:ext uri="{FF2B5EF4-FFF2-40B4-BE49-F238E27FC236}">
-                  <a16:creationId xmlns:a16="http://schemas.microsoft.com/office/drawing/2014/main" id="{4A469BAB-0B52-DA8F-9C54-46776E446566}"/>
+            <p:cNvPr id="137" name="Graphic 4" descr="Star with solid fill">
+              <a:extLst>
+                <a:ext uri="{FF2B5EF4-FFF2-40B4-BE49-F238E27FC236}">
+                  <a16:creationId xmlns:a16="http://schemas.microsoft.com/office/drawing/2014/main" id="{EC47E22B-37A2-7B47-838D-DE1FAC5FC970}"/>
                 </a:ext>
               </a:extLst>
             </p:cNvPr>
@@ -5362,10 +6339,10 @@
       </p:grpSp>
       <p:grpSp>
         <p:nvGrpSpPr>
-          <p:cNvPr id="61" name="Group 60">
+          <p:cNvPr id="141" name="Group 82">
             <a:extLst>
               <a:ext uri="{FF2B5EF4-FFF2-40B4-BE49-F238E27FC236}">
-                <a16:creationId xmlns:a16="http://schemas.microsoft.com/office/drawing/2014/main" id="{D0469064-EA27-3E7C-C700-1931F5FCC2F7}"/>
+                <a16:creationId xmlns:a16="http://schemas.microsoft.com/office/drawing/2014/main" id="{A31705A1-7328-A341-AE7F-26ADA1251009}"/>
               </a:ext>
             </a:extLst>
           </p:cNvPr>
@@ -5374,18 +6351,18 @@
         </p:nvGrpSpPr>
         <p:grpSpPr>
           <a:xfrm>
-            <a:off x="5143227" y="6200319"/>
+            <a:off x="7961887" y="6447581"/>
             <a:ext cx="1028700" cy="1028700"/>
-            <a:chOff x="3486564" y="851246"/>
+            <a:chOff x="4864790" y="1138638"/>
             <a:chExt cx="1028700" cy="1028700"/>
           </a:xfrm>
         </p:grpSpPr>
         <p:sp>
           <p:nvSpPr>
-            <p:cNvPr id="62" name="Rounded Rectangle 61">
-              <a:extLst>
-                <a:ext uri="{FF2B5EF4-FFF2-40B4-BE49-F238E27FC236}">
-                  <a16:creationId xmlns:a16="http://schemas.microsoft.com/office/drawing/2014/main" id="{CD644054-D36A-0436-48E9-3709C08E0D06}"/>
+            <p:cNvPr id="142" name="Rounded Rectangle 83">
+              <a:extLst>
+                <a:ext uri="{FF2B5EF4-FFF2-40B4-BE49-F238E27FC236}">
+                  <a16:creationId xmlns:a16="http://schemas.microsoft.com/office/drawing/2014/main" id="{3CD9C5CD-2E45-4441-B941-02511EA64269}"/>
                 </a:ext>
               </a:extLst>
             </p:cNvPr>
@@ -5394,7 +6371,7 @@
           </p:nvSpPr>
           <p:spPr>
             <a:xfrm>
-              <a:off x="3486564" y="851246"/>
+              <a:off x="4864790" y="1138638"/>
               <a:ext cx="1028700" cy="1028700"/>
             </a:xfrm>
             <a:prstGeom prst="roundRect">
@@ -5403,7 +6380,7 @@
               </a:avLst>
             </a:prstGeom>
             <a:solidFill>
-              <a:srgbClr val="F25C4E"/>
+              <a:srgbClr val="CBCCCB"/>
             </a:solidFill>
             <a:ln>
               <a:noFill/>
@@ -5436,10 +6413,10 @@
         </p:sp>
         <p:pic>
           <p:nvPicPr>
-            <p:cNvPr id="63" name="Graphic 62" descr="Star with solid fill">
-              <a:extLst>
-                <a:ext uri="{FF2B5EF4-FFF2-40B4-BE49-F238E27FC236}">
-                  <a16:creationId xmlns:a16="http://schemas.microsoft.com/office/drawing/2014/main" id="{7DF8A291-ABD0-4D81-B0B1-145A4162E86E}"/>
+            <p:cNvPr id="143" name="Graphic 84" descr="Star with solid fill">
+              <a:extLst>
+                <a:ext uri="{FF2B5EF4-FFF2-40B4-BE49-F238E27FC236}">
+                  <a16:creationId xmlns:a16="http://schemas.microsoft.com/office/drawing/2014/main" id="{455818D4-F121-AC4A-9EB7-1D24BC903BBD}"/>
                 </a:ext>
               </a:extLst>
             </p:cNvPr>
@@ -5462,7 +6439,7 @@
           </p:blipFill>
           <p:spPr>
             <a:xfrm>
-              <a:off x="3601465" y="961184"/>
+              <a:off x="4979691" y="1248576"/>
               <a:ext cx="800100" cy="800100"/>
             </a:xfrm>
             <a:prstGeom prst="rect">
@@ -5473,10 +6450,10 @@
       </p:grpSp>
       <p:grpSp>
         <p:nvGrpSpPr>
-          <p:cNvPr id="64" name="Group 63">
+          <p:cNvPr id="144" name="Group 85">
             <a:extLst>
               <a:ext uri="{FF2B5EF4-FFF2-40B4-BE49-F238E27FC236}">
-                <a16:creationId xmlns:a16="http://schemas.microsoft.com/office/drawing/2014/main" id="{BC8BC70B-F2C8-D1C3-3658-C8172314D0B3}"/>
+                <a16:creationId xmlns:a16="http://schemas.microsoft.com/office/drawing/2014/main" id="{8E20DF1A-8CDE-0C40-8DA3-77BAD49D762D}"/>
               </a:ext>
             </a:extLst>
           </p:cNvPr>
@@ -5485,18 +6462,18 @@
         </p:nvGrpSpPr>
         <p:grpSpPr>
           <a:xfrm>
-            <a:off x="6286828" y="6200319"/>
+            <a:off x="9089824" y="6447581"/>
             <a:ext cx="1028700" cy="1028700"/>
-            <a:chOff x="3486564" y="851246"/>
+            <a:chOff x="4864790" y="1138638"/>
             <a:chExt cx="1028700" cy="1028700"/>
           </a:xfrm>
         </p:grpSpPr>
         <p:sp>
           <p:nvSpPr>
-            <p:cNvPr id="65" name="Rounded Rectangle 64">
-              <a:extLst>
-                <a:ext uri="{FF2B5EF4-FFF2-40B4-BE49-F238E27FC236}">
-                  <a16:creationId xmlns:a16="http://schemas.microsoft.com/office/drawing/2014/main" id="{69B745C1-9BE5-CA3E-87DD-07E8F2900BA8}"/>
+            <p:cNvPr id="145" name="Rounded Rectangle 86">
+              <a:extLst>
+                <a:ext uri="{FF2B5EF4-FFF2-40B4-BE49-F238E27FC236}">
+                  <a16:creationId xmlns:a16="http://schemas.microsoft.com/office/drawing/2014/main" id="{02087781-5572-B94F-8C03-51267B40A350}"/>
                 </a:ext>
               </a:extLst>
             </p:cNvPr>
@@ -5505,7 +6482,7 @@
           </p:nvSpPr>
           <p:spPr>
             <a:xfrm>
-              <a:off x="3486564" y="851246"/>
+              <a:off x="4864790" y="1138638"/>
               <a:ext cx="1028700" cy="1028700"/>
             </a:xfrm>
             <a:prstGeom prst="roundRect">
@@ -5514,7 +6491,7 @@
               </a:avLst>
             </a:prstGeom>
             <a:solidFill>
-              <a:srgbClr val="F25C4E"/>
+              <a:srgbClr val="CBCCCB"/>
             </a:solidFill>
             <a:ln>
               <a:noFill/>
@@ -5547,10 +6524,10 @@
         </p:sp>
         <p:pic>
           <p:nvPicPr>
-            <p:cNvPr id="66" name="Graphic 65" descr="Star with solid fill">
-              <a:extLst>
-                <a:ext uri="{FF2B5EF4-FFF2-40B4-BE49-F238E27FC236}">
-                  <a16:creationId xmlns:a16="http://schemas.microsoft.com/office/drawing/2014/main" id="{9E3C558B-4E6D-E8F3-5307-22BBECA19CED}"/>
+            <p:cNvPr id="146" name="Graphic 87" descr="Star with solid fill">
+              <a:extLst>
+                <a:ext uri="{FF2B5EF4-FFF2-40B4-BE49-F238E27FC236}">
+                  <a16:creationId xmlns:a16="http://schemas.microsoft.com/office/drawing/2014/main" id="{A88657C4-2C9F-F24A-BF9D-991817CF1EA2}"/>
                 </a:ext>
               </a:extLst>
             </p:cNvPr>
@@ -5573,7 +6550,7 @@
           </p:blipFill>
           <p:spPr>
             <a:xfrm>
-              <a:off x="3601465" y="961184"/>
+              <a:off x="4979691" y="1248576"/>
               <a:ext cx="800100" cy="800100"/>
             </a:xfrm>
             <a:prstGeom prst="rect">
@@ -5584,10 +6561,10 @@
       </p:grpSp>
       <p:grpSp>
         <p:nvGrpSpPr>
-          <p:cNvPr id="89" name="Group 88">
+          <p:cNvPr id="147" name="Group 9">
             <a:extLst>
               <a:ext uri="{FF2B5EF4-FFF2-40B4-BE49-F238E27FC236}">
-                <a16:creationId xmlns:a16="http://schemas.microsoft.com/office/drawing/2014/main" id="{FAB11C8C-DCA8-8E67-6006-D79EC98FE72C}"/>
+                <a16:creationId xmlns:a16="http://schemas.microsoft.com/office/drawing/2014/main" id="{8D3772AB-B5AC-3346-B0BC-EC34A69D3ACC}"/>
               </a:ext>
             </a:extLst>
           </p:cNvPr>
@@ -5596,684 +6573,3339 @@
         </p:nvGrpSpPr>
         <p:grpSpPr>
           <a:xfrm>
-            <a:off x="1712424" y="-886691"/>
-            <a:ext cx="5374504" cy="1112672"/>
-            <a:chOff x="1712424" y="-886691"/>
-            <a:chExt cx="5374504" cy="1112672"/>
+            <a:off x="5706011" y="6447581"/>
+            <a:ext cx="1028700" cy="1028700"/>
+            <a:chOff x="3486564" y="851246"/>
+            <a:chExt cx="1028700" cy="1028700"/>
           </a:xfrm>
         </p:grpSpPr>
-        <p:grpSp>
-          <p:nvGrpSpPr>
-            <p:cNvPr id="21" name="Group 20">
-              <a:extLst>
-                <a:ext uri="{FF2B5EF4-FFF2-40B4-BE49-F238E27FC236}">
-                  <a16:creationId xmlns:a16="http://schemas.microsoft.com/office/drawing/2014/main" id="{03B07AC1-D4AB-B4BA-A954-9FCF3AC016F7}"/>
-                </a:ext>
-              </a:extLst>
-            </p:cNvPr>
-            <p:cNvGrpSpPr/>
-            <p:nvPr/>
-          </p:nvGrpSpPr>
-          <p:grpSpPr>
-            <a:xfrm>
-              <a:off x="1712424" y="-886691"/>
+        <p:sp>
+          <p:nvSpPr>
+            <p:cNvPr id="148" name="Rounded Rectangle 10">
+              <a:extLst>
+                <a:ext uri="{FF2B5EF4-FFF2-40B4-BE49-F238E27FC236}">
+                  <a16:creationId xmlns:a16="http://schemas.microsoft.com/office/drawing/2014/main" id="{5DBB6680-1A70-6146-9973-08EAA88B0F78}"/>
+                </a:ext>
+              </a:extLst>
+            </p:cNvPr>
+            <p:cNvSpPr/>
+            <p:nvPr/>
+          </p:nvSpPr>
+          <p:spPr>
+            <a:xfrm>
+              <a:off x="3486564" y="851246"/>
               <a:ext cx="1028700" cy="1028700"/>
-              <a:chOff x="4864790" y="1138638"/>
-              <a:chExt cx="1028700" cy="1028700"/>
-            </a:xfrm>
-          </p:grpSpPr>
-          <p:sp>
-            <p:nvSpPr>
-              <p:cNvPr id="14" name="Rounded Rectangle 13">
-                <a:extLst>
-                  <a:ext uri="{FF2B5EF4-FFF2-40B4-BE49-F238E27FC236}">
-                    <a16:creationId xmlns:a16="http://schemas.microsoft.com/office/drawing/2014/main" id="{B91CAC61-7373-7304-9931-B8AA9C554DC7}"/>
-                  </a:ext>
-                </a:extLst>
-              </p:cNvPr>
-              <p:cNvSpPr/>
-              <p:nvPr/>
-            </p:nvSpPr>
-            <p:spPr>
-              <a:xfrm>
-                <a:off x="4864790" y="1138638"/>
-                <a:ext cx="1028700" cy="1028700"/>
-              </a:xfrm>
-              <a:prstGeom prst="roundRect">
-                <a:avLst>
-                  <a:gd name="adj" fmla="val 24152"/>
-                </a:avLst>
-              </a:prstGeom>
-              <a:solidFill>
-                <a:srgbClr val="F25C4E"/>
-              </a:solidFill>
-              <a:ln>
-                <a:noFill/>
-              </a:ln>
-            </p:spPr>
-            <p:style>
-              <a:lnRef idx="2">
-                <a:schemeClr val="accent1">
-                  <a:shade val="50000"/>
-                </a:schemeClr>
-              </a:lnRef>
-              <a:fillRef idx="1">
-                <a:schemeClr val="accent1"/>
-              </a:fillRef>
-              <a:effectRef idx="0">
-                <a:schemeClr val="accent1"/>
-              </a:effectRef>
-              <a:fontRef idx="minor">
-                <a:schemeClr val="lt1"/>
-              </a:fontRef>
-            </p:style>
-            <p:txBody>
-              <a:bodyPr rtlCol="0" anchor="ctr"/>
-              <a:lstStyle/>
-              <a:p>
-                <a:pPr algn="ctr"/>
-                <a:endParaRPr lang="en-US"/>
-              </a:p>
-            </p:txBody>
-          </p:sp>
-          <p:sp>
-            <p:nvSpPr>
-              <p:cNvPr id="20" name="Freeform 19">
-                <a:extLst>
-                  <a:ext uri="{FF2B5EF4-FFF2-40B4-BE49-F238E27FC236}">
-                    <a16:creationId xmlns:a16="http://schemas.microsoft.com/office/drawing/2014/main" id="{1928024E-1128-3E89-81CB-3B7DC8C95088}"/>
-                  </a:ext>
-                </a:extLst>
-              </p:cNvPr>
-              <p:cNvSpPr/>
-              <p:nvPr/>
-            </p:nvSpPr>
-            <p:spPr>
-              <a:xfrm>
-                <a:off x="5379140" y="1138638"/>
-                <a:ext cx="514350" cy="1028700"/>
-              </a:xfrm>
-              <a:custGeom>
-                <a:avLst/>
-                <a:gdLst>
-                  <a:gd name="connsiteX0" fmla="*/ 0 w 514350"/>
-                  <a:gd name="connsiteY0" fmla="*/ 0 h 1028700"/>
-                  <a:gd name="connsiteX1" fmla="*/ 265898 w 514350"/>
-                  <a:gd name="connsiteY1" fmla="*/ 0 h 1028700"/>
-                  <a:gd name="connsiteX2" fmla="*/ 514350 w 514350"/>
-                  <a:gd name="connsiteY2" fmla="*/ 248452 h 1028700"/>
-                  <a:gd name="connsiteX3" fmla="*/ 514350 w 514350"/>
-                  <a:gd name="connsiteY3" fmla="*/ 780248 h 1028700"/>
-                  <a:gd name="connsiteX4" fmla="*/ 265898 w 514350"/>
-                  <a:gd name="connsiteY4" fmla="*/ 1028700 h 1028700"/>
-                  <a:gd name="connsiteX5" fmla="*/ 0 w 514350"/>
-                  <a:gd name="connsiteY5" fmla="*/ 1028700 h 1028700"/>
-                </a:gdLst>
-                <a:ahLst/>
-                <a:cxnLst>
-                  <a:cxn ang="0">
-                    <a:pos x="connsiteX0" y="connsiteY0"/>
-                  </a:cxn>
-                  <a:cxn ang="0">
-                    <a:pos x="connsiteX1" y="connsiteY1"/>
-                  </a:cxn>
-                  <a:cxn ang="0">
-                    <a:pos x="connsiteX2" y="connsiteY2"/>
-                  </a:cxn>
-                  <a:cxn ang="0">
-                    <a:pos x="connsiteX3" y="connsiteY3"/>
-                  </a:cxn>
-                  <a:cxn ang="0">
-                    <a:pos x="connsiteX4" y="connsiteY4"/>
-                  </a:cxn>
-                  <a:cxn ang="0">
-                    <a:pos x="connsiteX5" y="connsiteY5"/>
-                  </a:cxn>
-                </a:cxnLst>
-                <a:rect l="l" t="t" r="r" b="b"/>
-                <a:pathLst>
-                  <a:path w="514350" h="1028700">
-                    <a:moveTo>
-                      <a:pt x="0" y="0"/>
-                    </a:moveTo>
-                    <a:lnTo>
-                      <a:pt x="265898" y="0"/>
-                    </a:lnTo>
-                    <a:cubicBezTo>
-                      <a:pt x="403114" y="0"/>
-                      <a:pt x="514350" y="111236"/>
-                      <a:pt x="514350" y="248452"/>
-                    </a:cubicBezTo>
-                    <a:lnTo>
-                      <a:pt x="514350" y="780248"/>
-                    </a:lnTo>
-                    <a:cubicBezTo>
-                      <a:pt x="514350" y="917464"/>
-                      <a:pt x="403114" y="1028700"/>
-                      <a:pt x="265898" y="1028700"/>
-                    </a:cubicBezTo>
-                    <a:lnTo>
-                      <a:pt x="0" y="1028700"/>
-                    </a:lnTo>
-                    <a:close/>
-                  </a:path>
-                </a:pathLst>
-              </a:custGeom>
-              <a:solidFill>
-                <a:srgbClr val="CBCCCB"/>
-              </a:solidFill>
-              <a:ln>
-                <a:noFill/>
-              </a:ln>
-            </p:spPr>
-            <p:style>
-              <a:lnRef idx="2">
-                <a:schemeClr val="accent1">
-                  <a:shade val="50000"/>
-                </a:schemeClr>
-              </a:lnRef>
-              <a:fillRef idx="1">
-                <a:schemeClr val="accent1"/>
-              </a:fillRef>
-              <a:effectRef idx="0">
-                <a:schemeClr val="accent1"/>
-              </a:effectRef>
-              <a:fontRef idx="minor">
-                <a:schemeClr val="lt1"/>
-              </a:fontRef>
-            </p:style>
-            <p:txBody>
-              <a:bodyPr wrap="square" rtlCol="0" anchor="ctr">
-                <a:noAutofit/>
-              </a:bodyPr>
-              <a:lstStyle/>
-              <a:p>
-                <a:pPr algn="ctr"/>
-                <a:endParaRPr lang="en-US"/>
-              </a:p>
-            </p:txBody>
-          </p:sp>
-          <p:pic>
-            <p:nvPicPr>
-              <p:cNvPr id="15" name="Graphic 14" descr="Star with solid fill">
-                <a:extLst>
-                  <a:ext uri="{FF2B5EF4-FFF2-40B4-BE49-F238E27FC236}">
-                    <a16:creationId xmlns:a16="http://schemas.microsoft.com/office/drawing/2014/main" id="{D591E98F-1625-6EA6-946E-646CC51B88A7}"/>
-                  </a:ext>
-                </a:extLst>
-              </p:cNvPr>
-              <p:cNvPicPr>
-                <a:picLocks noChangeAspect="1"/>
-              </p:cNvPicPr>
-              <p:nvPr/>
-            </p:nvPicPr>
-            <p:blipFill>
-              <a:blip r:embed="rId2">
-                <a:extLst>
-                  <a:ext uri="{96DAC541-7B7A-43D3-8B79-37D633B846F1}">
-                    <asvg:svgBlip xmlns:asvg="http://schemas.microsoft.com/office/drawing/2016/SVG/main" r:embed="rId3"/>
-                  </a:ext>
-                </a:extLst>
-              </a:blip>
-              <a:stretch>
-                <a:fillRect/>
-              </a:stretch>
-            </p:blipFill>
-            <p:spPr>
-              <a:xfrm>
-                <a:off x="4979691" y="1248576"/>
-                <a:ext cx="800100" cy="800100"/>
-              </a:xfrm>
-              <a:prstGeom prst="rect">
-                <a:avLst/>
-              </a:prstGeom>
-            </p:spPr>
-          </p:pic>
-        </p:grpSp>
-        <p:grpSp>
-          <p:nvGrpSpPr>
-            <p:cNvPr id="67" name="Group 66">
-              <a:extLst>
-                <a:ext uri="{FF2B5EF4-FFF2-40B4-BE49-F238E27FC236}">
-                  <a16:creationId xmlns:a16="http://schemas.microsoft.com/office/drawing/2014/main" id="{0A20E332-5E99-E772-6826-58C9824D7413}"/>
-                </a:ext>
-              </a:extLst>
-            </p:cNvPr>
-            <p:cNvGrpSpPr/>
-            <p:nvPr/>
-          </p:nvGrpSpPr>
-          <p:grpSpPr>
-            <a:xfrm>
-              <a:off x="2778810" y="-869668"/>
+            </a:xfrm>
+            <a:prstGeom prst="roundRect">
+              <a:avLst>
+                <a:gd name="adj" fmla="val 24152"/>
+              </a:avLst>
+            </a:prstGeom>
+            <a:solidFill>
+              <a:srgbClr val="F25C4E"/>
+            </a:solidFill>
+            <a:ln>
+              <a:noFill/>
+            </a:ln>
+          </p:spPr>
+          <p:style>
+            <a:lnRef idx="2">
+              <a:schemeClr val="accent1">
+                <a:shade val="50000"/>
+              </a:schemeClr>
+            </a:lnRef>
+            <a:fillRef idx="1">
+              <a:schemeClr val="accent1"/>
+            </a:fillRef>
+            <a:effectRef idx="0">
+              <a:schemeClr val="accent1"/>
+            </a:effectRef>
+            <a:fontRef idx="minor">
+              <a:schemeClr val="lt1"/>
+            </a:fontRef>
+          </p:style>
+          <p:txBody>
+            <a:bodyPr rtlCol="0" anchor="ctr"/>
+            <a:lstStyle/>
+            <a:p>
+              <a:pPr algn="ctr"/>
+              <a:endParaRPr lang="en-US"/>
+            </a:p>
+          </p:txBody>
+        </p:sp>
+        <p:pic>
+          <p:nvPicPr>
+            <p:cNvPr id="149" name="Graphic 11" descr="Star with solid fill">
+              <a:extLst>
+                <a:ext uri="{FF2B5EF4-FFF2-40B4-BE49-F238E27FC236}">
+                  <a16:creationId xmlns:a16="http://schemas.microsoft.com/office/drawing/2014/main" id="{10241F62-4D32-6443-8A57-08B89049B444}"/>
+                </a:ext>
+              </a:extLst>
+            </p:cNvPr>
+            <p:cNvPicPr>
+              <a:picLocks noChangeAspect="1"/>
+            </p:cNvPicPr>
+            <p:nvPr/>
+          </p:nvPicPr>
+          <p:blipFill>
+            <a:blip r:embed="rId2">
+              <a:extLst>
+                <a:ext uri="{96DAC541-7B7A-43D3-8B79-37D633B846F1}">
+                  <asvg:svgBlip xmlns:asvg="http://schemas.microsoft.com/office/drawing/2016/SVG/main" r:embed="rId3"/>
+                </a:ext>
+              </a:extLst>
+            </a:blip>
+            <a:stretch>
+              <a:fillRect/>
+            </a:stretch>
+          </p:blipFill>
+          <p:spPr>
+            <a:xfrm>
+              <a:off x="3601465" y="961184"/>
+              <a:ext cx="800100" cy="800100"/>
+            </a:xfrm>
+            <a:prstGeom prst="rect">
+              <a:avLst/>
+            </a:prstGeom>
+          </p:spPr>
+        </p:pic>
+      </p:grpSp>
+      <p:grpSp>
+        <p:nvGrpSpPr>
+          <p:cNvPr id="150" name="Group 20">
+            <a:extLst>
+              <a:ext uri="{FF2B5EF4-FFF2-40B4-BE49-F238E27FC236}">
+                <a16:creationId xmlns:a16="http://schemas.microsoft.com/office/drawing/2014/main" id="{A2C6CF21-085F-8641-B90D-AD233F44CAE5}"/>
+              </a:ext>
+            </a:extLst>
+          </p:cNvPr>
+          <p:cNvGrpSpPr/>
+          <p:nvPr/>
+        </p:nvGrpSpPr>
+        <p:grpSpPr>
+          <a:xfrm>
+            <a:off x="6833949" y="6447581"/>
+            <a:ext cx="1028700" cy="1028700"/>
+            <a:chOff x="4864790" y="1138638"/>
+            <a:chExt cx="1028700" cy="1028700"/>
+          </a:xfrm>
+        </p:grpSpPr>
+        <p:sp>
+          <p:nvSpPr>
+            <p:cNvPr id="151" name="Rounded Rectangle 13">
+              <a:extLst>
+                <a:ext uri="{FF2B5EF4-FFF2-40B4-BE49-F238E27FC236}">
+                  <a16:creationId xmlns:a16="http://schemas.microsoft.com/office/drawing/2014/main" id="{A8C2A769-146E-4A4B-B359-0E9657CDE12F}"/>
+                </a:ext>
+              </a:extLst>
+            </p:cNvPr>
+            <p:cNvSpPr/>
+            <p:nvPr/>
+          </p:nvSpPr>
+          <p:spPr>
+            <a:xfrm>
+              <a:off x="4864790" y="1138638"/>
               <a:ext cx="1028700" cy="1028700"/>
-              <a:chOff x="4864790" y="1138638"/>
-              <a:chExt cx="1028700" cy="1028700"/>
-            </a:xfrm>
-          </p:grpSpPr>
-          <p:sp>
-            <p:nvSpPr>
-              <p:cNvPr id="68" name="Rounded Rectangle 67">
-                <a:extLst>
-                  <a:ext uri="{FF2B5EF4-FFF2-40B4-BE49-F238E27FC236}">
-                    <a16:creationId xmlns:a16="http://schemas.microsoft.com/office/drawing/2014/main" id="{EC7D8977-82AD-A531-84D3-C7855C5A398F}"/>
-                  </a:ext>
-                </a:extLst>
-              </p:cNvPr>
-              <p:cNvSpPr/>
-              <p:nvPr/>
-            </p:nvSpPr>
-            <p:spPr>
-              <a:xfrm>
-                <a:off x="4864790" y="1138638"/>
-                <a:ext cx="1028700" cy="1028700"/>
-              </a:xfrm>
-              <a:prstGeom prst="roundRect">
-                <a:avLst>
-                  <a:gd name="adj" fmla="val 24152"/>
-                </a:avLst>
-              </a:prstGeom>
-              <a:solidFill>
-                <a:srgbClr val="CBCCCB"/>
-              </a:solidFill>
-              <a:ln>
-                <a:noFill/>
-              </a:ln>
-            </p:spPr>
-            <p:style>
-              <a:lnRef idx="2">
-                <a:schemeClr val="accent1">
-                  <a:shade val="50000"/>
-                </a:schemeClr>
-              </a:lnRef>
-              <a:fillRef idx="1">
-                <a:schemeClr val="accent1"/>
-              </a:fillRef>
-              <a:effectRef idx="0">
-                <a:schemeClr val="accent1"/>
-              </a:effectRef>
-              <a:fontRef idx="minor">
-                <a:schemeClr val="lt1"/>
-              </a:fontRef>
-            </p:style>
-            <p:txBody>
-              <a:bodyPr rtlCol="0" anchor="ctr"/>
-              <a:lstStyle/>
-              <a:p>
-                <a:pPr algn="ctr"/>
-                <a:endParaRPr lang="en-US"/>
-              </a:p>
-            </p:txBody>
-          </p:sp>
-          <p:pic>
-            <p:nvPicPr>
-              <p:cNvPr id="70" name="Graphic 69" descr="Star with solid fill">
-                <a:extLst>
-                  <a:ext uri="{FF2B5EF4-FFF2-40B4-BE49-F238E27FC236}">
-                    <a16:creationId xmlns:a16="http://schemas.microsoft.com/office/drawing/2014/main" id="{E796CC50-2FDF-7FE5-15F5-087EB1D69D5D}"/>
-                  </a:ext>
-                </a:extLst>
-              </p:cNvPr>
-              <p:cNvPicPr>
-                <a:picLocks noChangeAspect="1"/>
-              </p:cNvPicPr>
-              <p:nvPr/>
-            </p:nvPicPr>
-            <p:blipFill>
-              <a:blip r:embed="rId2">
-                <a:extLst>
-                  <a:ext uri="{96DAC541-7B7A-43D3-8B79-37D633B846F1}">
-                    <asvg:svgBlip xmlns:asvg="http://schemas.microsoft.com/office/drawing/2016/SVG/main" r:embed="rId3"/>
-                  </a:ext>
-                </a:extLst>
-              </a:blip>
-              <a:stretch>
-                <a:fillRect/>
-              </a:stretch>
-            </p:blipFill>
-            <p:spPr>
-              <a:xfrm>
-                <a:off x="4979691" y="1248576"/>
-                <a:ext cx="800100" cy="800100"/>
-              </a:xfrm>
-              <a:prstGeom prst="rect">
-                <a:avLst/>
-              </a:prstGeom>
-            </p:spPr>
-          </p:pic>
-        </p:grpSp>
-        <p:grpSp>
-          <p:nvGrpSpPr>
-            <p:cNvPr id="80" name="Group 79">
-              <a:extLst>
-                <a:ext uri="{FF2B5EF4-FFF2-40B4-BE49-F238E27FC236}">
-                  <a16:creationId xmlns:a16="http://schemas.microsoft.com/office/drawing/2014/main" id="{702331B9-5EF1-A14E-AB2D-C767CCB8850F}"/>
-                </a:ext>
-              </a:extLst>
-            </p:cNvPr>
-            <p:cNvGrpSpPr/>
-            <p:nvPr/>
-          </p:nvGrpSpPr>
-          <p:grpSpPr>
-            <a:xfrm>
-              <a:off x="3902760" y="-855327"/>
+            </a:xfrm>
+            <a:prstGeom prst="roundRect">
+              <a:avLst>
+                <a:gd name="adj" fmla="val 24152"/>
+              </a:avLst>
+            </a:prstGeom>
+            <a:solidFill>
+              <a:srgbClr val="F25C4E"/>
+            </a:solidFill>
+            <a:ln>
+              <a:noFill/>
+            </a:ln>
+          </p:spPr>
+          <p:style>
+            <a:lnRef idx="2">
+              <a:schemeClr val="accent1">
+                <a:shade val="50000"/>
+              </a:schemeClr>
+            </a:lnRef>
+            <a:fillRef idx="1">
+              <a:schemeClr val="accent1"/>
+            </a:fillRef>
+            <a:effectRef idx="0">
+              <a:schemeClr val="accent1"/>
+            </a:effectRef>
+            <a:fontRef idx="minor">
+              <a:schemeClr val="lt1"/>
+            </a:fontRef>
+          </p:style>
+          <p:txBody>
+            <a:bodyPr rtlCol="0" anchor="ctr"/>
+            <a:lstStyle/>
+            <a:p>
+              <a:pPr algn="ctr"/>
+              <a:endParaRPr lang="en-US"/>
+            </a:p>
+          </p:txBody>
+        </p:sp>
+        <p:sp>
+          <p:nvSpPr>
+            <p:cNvPr id="152" name="Freeform 19">
+              <a:extLst>
+                <a:ext uri="{FF2B5EF4-FFF2-40B4-BE49-F238E27FC236}">
+                  <a16:creationId xmlns:a16="http://schemas.microsoft.com/office/drawing/2014/main" id="{47F67F24-169B-2F4C-A5DC-D430306E8A3B}"/>
+                </a:ext>
+              </a:extLst>
+            </p:cNvPr>
+            <p:cNvSpPr/>
+            <p:nvPr/>
+          </p:nvSpPr>
+          <p:spPr>
+            <a:xfrm>
+              <a:off x="5379140" y="1138638"/>
+              <a:ext cx="514350" cy="1028700"/>
+            </a:xfrm>
+            <a:custGeom>
+              <a:avLst/>
+              <a:gdLst>
+                <a:gd name="connsiteX0" fmla="*/ 0 w 514350"/>
+                <a:gd name="connsiteY0" fmla="*/ 0 h 1028700"/>
+                <a:gd name="connsiteX1" fmla="*/ 265898 w 514350"/>
+                <a:gd name="connsiteY1" fmla="*/ 0 h 1028700"/>
+                <a:gd name="connsiteX2" fmla="*/ 514350 w 514350"/>
+                <a:gd name="connsiteY2" fmla="*/ 248452 h 1028700"/>
+                <a:gd name="connsiteX3" fmla="*/ 514350 w 514350"/>
+                <a:gd name="connsiteY3" fmla="*/ 780248 h 1028700"/>
+                <a:gd name="connsiteX4" fmla="*/ 265898 w 514350"/>
+                <a:gd name="connsiteY4" fmla="*/ 1028700 h 1028700"/>
+                <a:gd name="connsiteX5" fmla="*/ 0 w 514350"/>
+                <a:gd name="connsiteY5" fmla="*/ 1028700 h 1028700"/>
+              </a:gdLst>
+              <a:ahLst/>
+              <a:cxnLst>
+                <a:cxn ang="0">
+                  <a:pos x="connsiteX0" y="connsiteY0"/>
+                </a:cxn>
+                <a:cxn ang="0">
+                  <a:pos x="connsiteX1" y="connsiteY1"/>
+                </a:cxn>
+                <a:cxn ang="0">
+                  <a:pos x="connsiteX2" y="connsiteY2"/>
+                </a:cxn>
+                <a:cxn ang="0">
+                  <a:pos x="connsiteX3" y="connsiteY3"/>
+                </a:cxn>
+                <a:cxn ang="0">
+                  <a:pos x="connsiteX4" y="connsiteY4"/>
+                </a:cxn>
+                <a:cxn ang="0">
+                  <a:pos x="connsiteX5" y="connsiteY5"/>
+                </a:cxn>
+              </a:cxnLst>
+              <a:rect l="l" t="t" r="r" b="b"/>
+              <a:pathLst>
+                <a:path w="514350" h="1028700">
+                  <a:moveTo>
+                    <a:pt x="0" y="0"/>
+                  </a:moveTo>
+                  <a:lnTo>
+                    <a:pt x="265898" y="0"/>
+                  </a:lnTo>
+                  <a:cubicBezTo>
+                    <a:pt x="403114" y="0"/>
+                    <a:pt x="514350" y="111236"/>
+                    <a:pt x="514350" y="248452"/>
+                  </a:cubicBezTo>
+                  <a:lnTo>
+                    <a:pt x="514350" y="780248"/>
+                  </a:lnTo>
+                  <a:cubicBezTo>
+                    <a:pt x="514350" y="917464"/>
+                    <a:pt x="403114" y="1028700"/>
+                    <a:pt x="265898" y="1028700"/>
+                  </a:cubicBezTo>
+                  <a:lnTo>
+                    <a:pt x="0" y="1028700"/>
+                  </a:lnTo>
+                  <a:close/>
+                </a:path>
+              </a:pathLst>
+            </a:custGeom>
+            <a:solidFill>
+              <a:srgbClr val="CBCCCB"/>
+            </a:solidFill>
+            <a:ln>
+              <a:noFill/>
+            </a:ln>
+          </p:spPr>
+          <p:style>
+            <a:lnRef idx="2">
+              <a:schemeClr val="accent1">
+                <a:shade val="50000"/>
+              </a:schemeClr>
+            </a:lnRef>
+            <a:fillRef idx="1">
+              <a:schemeClr val="accent1"/>
+            </a:fillRef>
+            <a:effectRef idx="0">
+              <a:schemeClr val="accent1"/>
+            </a:effectRef>
+            <a:fontRef idx="minor">
+              <a:schemeClr val="lt1"/>
+            </a:fontRef>
+          </p:style>
+          <p:txBody>
+            <a:bodyPr wrap="square" rtlCol="0" anchor="ctr">
+              <a:noAutofit/>
+            </a:bodyPr>
+            <a:lstStyle/>
+            <a:p>
+              <a:pPr algn="ctr"/>
+              <a:endParaRPr lang="en-US"/>
+            </a:p>
+          </p:txBody>
+        </p:sp>
+        <p:pic>
+          <p:nvPicPr>
+            <p:cNvPr id="153" name="Graphic 14" descr="Star with solid fill">
+              <a:extLst>
+                <a:ext uri="{FF2B5EF4-FFF2-40B4-BE49-F238E27FC236}">
+                  <a16:creationId xmlns:a16="http://schemas.microsoft.com/office/drawing/2014/main" id="{FDC3B9C4-5064-E142-8297-8A61BB475A09}"/>
+                </a:ext>
+              </a:extLst>
+            </p:cNvPr>
+            <p:cNvPicPr>
+              <a:picLocks noChangeAspect="1"/>
+            </p:cNvPicPr>
+            <p:nvPr/>
+          </p:nvPicPr>
+          <p:blipFill>
+            <a:blip r:embed="rId2">
+              <a:extLst>
+                <a:ext uri="{96DAC541-7B7A-43D3-8B79-37D633B846F1}">
+                  <asvg:svgBlip xmlns:asvg="http://schemas.microsoft.com/office/drawing/2016/SVG/main" r:embed="rId3"/>
+                </a:ext>
+              </a:extLst>
+            </a:blip>
+            <a:stretch>
+              <a:fillRect/>
+            </a:stretch>
+          </p:blipFill>
+          <p:spPr>
+            <a:xfrm>
+              <a:off x="4979691" y="1248576"/>
+              <a:ext cx="800100" cy="800100"/>
+            </a:xfrm>
+            <a:prstGeom prst="rect">
+              <a:avLst/>
+            </a:prstGeom>
+          </p:spPr>
+        </p:pic>
+      </p:grpSp>
+      <p:grpSp>
+        <p:nvGrpSpPr>
+          <p:cNvPr id="154" name="Group 5">
+            <a:extLst>
+              <a:ext uri="{FF2B5EF4-FFF2-40B4-BE49-F238E27FC236}">
+                <a16:creationId xmlns:a16="http://schemas.microsoft.com/office/drawing/2014/main" id="{A38A818D-3E3E-4248-B3F2-7F3B66D07E30}"/>
+              </a:ext>
+            </a:extLst>
+          </p:cNvPr>
+          <p:cNvGrpSpPr/>
+          <p:nvPr/>
+        </p:nvGrpSpPr>
+        <p:grpSpPr>
+          <a:xfrm>
+            <a:off x="4578073" y="7659595"/>
+            <a:ext cx="1028700" cy="1028700"/>
+            <a:chOff x="3486564" y="851246"/>
+            <a:chExt cx="1028700" cy="1028700"/>
+          </a:xfrm>
+        </p:grpSpPr>
+        <p:sp>
+          <p:nvSpPr>
+            <p:cNvPr id="155" name="Rounded Rectangle 3">
+              <a:extLst>
+                <a:ext uri="{FF2B5EF4-FFF2-40B4-BE49-F238E27FC236}">
+                  <a16:creationId xmlns:a16="http://schemas.microsoft.com/office/drawing/2014/main" id="{F9DE3F0F-8EF2-244A-97E8-EFBBB5CF481F}"/>
+                </a:ext>
+              </a:extLst>
+            </p:cNvPr>
+            <p:cNvSpPr/>
+            <p:nvPr/>
+          </p:nvSpPr>
+          <p:spPr>
+            <a:xfrm>
+              <a:off x="3486564" y="851246"/>
               <a:ext cx="1028700" cy="1028700"/>
-              <a:chOff x="4864790" y="1138638"/>
-              <a:chExt cx="1028700" cy="1028700"/>
-            </a:xfrm>
-          </p:grpSpPr>
-          <p:sp>
-            <p:nvSpPr>
-              <p:cNvPr id="81" name="Rounded Rectangle 80">
-                <a:extLst>
-                  <a:ext uri="{FF2B5EF4-FFF2-40B4-BE49-F238E27FC236}">
-                    <a16:creationId xmlns:a16="http://schemas.microsoft.com/office/drawing/2014/main" id="{A6296211-43C2-2F99-5CA4-BAF1AA804230}"/>
-                  </a:ext>
-                </a:extLst>
-              </p:cNvPr>
-              <p:cNvSpPr/>
-              <p:nvPr/>
-            </p:nvSpPr>
-            <p:spPr>
-              <a:xfrm>
-                <a:off x="4864790" y="1138638"/>
-                <a:ext cx="1028700" cy="1028700"/>
-              </a:xfrm>
-              <a:prstGeom prst="roundRect">
-                <a:avLst>
-                  <a:gd name="adj" fmla="val 24152"/>
-                </a:avLst>
-              </a:prstGeom>
-              <a:solidFill>
-                <a:srgbClr val="CBCCCB"/>
-              </a:solidFill>
-              <a:ln>
-                <a:noFill/>
-              </a:ln>
-            </p:spPr>
-            <p:style>
-              <a:lnRef idx="2">
-                <a:schemeClr val="accent1">
-                  <a:shade val="50000"/>
-                </a:schemeClr>
-              </a:lnRef>
-              <a:fillRef idx="1">
-                <a:schemeClr val="accent1"/>
-              </a:fillRef>
-              <a:effectRef idx="0">
-                <a:schemeClr val="accent1"/>
-              </a:effectRef>
-              <a:fontRef idx="minor">
-                <a:schemeClr val="lt1"/>
-              </a:fontRef>
-            </p:style>
-            <p:txBody>
-              <a:bodyPr rtlCol="0" anchor="ctr"/>
-              <a:lstStyle/>
-              <a:p>
-                <a:pPr algn="ctr"/>
-                <a:endParaRPr lang="en-US"/>
-              </a:p>
-            </p:txBody>
-          </p:sp>
-          <p:pic>
-            <p:nvPicPr>
-              <p:cNvPr id="82" name="Graphic 81" descr="Star with solid fill">
-                <a:extLst>
-                  <a:ext uri="{FF2B5EF4-FFF2-40B4-BE49-F238E27FC236}">
-                    <a16:creationId xmlns:a16="http://schemas.microsoft.com/office/drawing/2014/main" id="{4D5D4290-25D9-DAA5-BD1A-AA395D4A9CD9}"/>
-                  </a:ext>
-                </a:extLst>
-              </p:cNvPr>
-              <p:cNvPicPr>
-                <a:picLocks noChangeAspect="1"/>
-              </p:cNvPicPr>
-              <p:nvPr/>
-            </p:nvPicPr>
-            <p:blipFill>
-              <a:blip r:embed="rId2">
-                <a:extLst>
-                  <a:ext uri="{96DAC541-7B7A-43D3-8B79-37D633B846F1}">
-                    <asvg:svgBlip xmlns:asvg="http://schemas.microsoft.com/office/drawing/2016/SVG/main" r:embed="rId3"/>
-                  </a:ext>
-                </a:extLst>
-              </a:blip>
-              <a:stretch>
-                <a:fillRect/>
-              </a:stretch>
-            </p:blipFill>
-            <p:spPr>
-              <a:xfrm>
-                <a:off x="4979691" y="1248576"/>
-                <a:ext cx="800100" cy="800100"/>
-              </a:xfrm>
-              <a:prstGeom prst="rect">
-                <a:avLst/>
-              </a:prstGeom>
-            </p:spPr>
-          </p:pic>
-        </p:grpSp>
-        <p:grpSp>
-          <p:nvGrpSpPr>
-            <p:cNvPr id="83" name="Group 82">
-              <a:extLst>
-                <a:ext uri="{FF2B5EF4-FFF2-40B4-BE49-F238E27FC236}">
-                  <a16:creationId xmlns:a16="http://schemas.microsoft.com/office/drawing/2014/main" id="{6349965F-E0E0-E625-0D8B-67641667F1F1}"/>
-                </a:ext>
-              </a:extLst>
-            </p:cNvPr>
-            <p:cNvGrpSpPr/>
-            <p:nvPr/>
-          </p:nvGrpSpPr>
-          <p:grpSpPr>
-            <a:xfrm>
-              <a:off x="4961236" y="-823173"/>
+            </a:xfrm>
+            <a:prstGeom prst="roundRect">
+              <a:avLst>
+                <a:gd name="adj" fmla="val 24152"/>
+              </a:avLst>
+            </a:prstGeom>
+            <a:solidFill>
+              <a:srgbClr val="F25C4E"/>
+            </a:solidFill>
+            <a:ln>
+              <a:noFill/>
+            </a:ln>
+          </p:spPr>
+          <p:style>
+            <a:lnRef idx="2">
+              <a:schemeClr val="accent1">
+                <a:shade val="50000"/>
+              </a:schemeClr>
+            </a:lnRef>
+            <a:fillRef idx="1">
+              <a:schemeClr val="accent1"/>
+            </a:fillRef>
+            <a:effectRef idx="0">
+              <a:schemeClr val="accent1"/>
+            </a:effectRef>
+            <a:fontRef idx="minor">
+              <a:schemeClr val="lt1"/>
+            </a:fontRef>
+          </p:style>
+          <p:txBody>
+            <a:bodyPr rtlCol="0" anchor="ctr"/>
+            <a:lstStyle/>
+            <a:p>
+              <a:pPr algn="ctr"/>
+              <a:endParaRPr lang="en-US"/>
+            </a:p>
+          </p:txBody>
+        </p:sp>
+        <p:pic>
+          <p:nvPicPr>
+            <p:cNvPr id="156" name="Graphic 4" descr="Star with solid fill">
+              <a:extLst>
+                <a:ext uri="{FF2B5EF4-FFF2-40B4-BE49-F238E27FC236}">
+                  <a16:creationId xmlns:a16="http://schemas.microsoft.com/office/drawing/2014/main" id="{AAD6CDE1-FA8C-9A4B-894B-82940B3B51FD}"/>
+                </a:ext>
+              </a:extLst>
+            </p:cNvPr>
+            <p:cNvPicPr>
+              <a:picLocks noChangeAspect="1"/>
+            </p:cNvPicPr>
+            <p:nvPr/>
+          </p:nvPicPr>
+          <p:blipFill>
+            <a:blip r:embed="rId2">
+              <a:extLst>
+                <a:ext uri="{96DAC541-7B7A-43D3-8B79-37D633B846F1}">
+                  <asvg:svgBlip xmlns:asvg="http://schemas.microsoft.com/office/drawing/2016/SVG/main" r:embed="rId3"/>
+                </a:ext>
+              </a:extLst>
+            </a:blip>
+            <a:stretch>
+              <a:fillRect/>
+            </a:stretch>
+          </p:blipFill>
+          <p:spPr>
+            <a:xfrm>
+              <a:off x="3601465" y="961184"/>
+              <a:ext cx="800100" cy="800100"/>
+            </a:xfrm>
+            <a:prstGeom prst="rect">
+              <a:avLst/>
+            </a:prstGeom>
+          </p:spPr>
+        </p:pic>
+      </p:grpSp>
+      <p:grpSp>
+        <p:nvGrpSpPr>
+          <p:cNvPr id="157" name="Group 82">
+            <a:extLst>
+              <a:ext uri="{FF2B5EF4-FFF2-40B4-BE49-F238E27FC236}">
+                <a16:creationId xmlns:a16="http://schemas.microsoft.com/office/drawing/2014/main" id="{E24DFD67-60B0-F042-A8E3-BFA09594E7A5}"/>
+              </a:ext>
+            </a:extLst>
+          </p:cNvPr>
+          <p:cNvGrpSpPr/>
+          <p:nvPr/>
+        </p:nvGrpSpPr>
+        <p:grpSpPr>
+          <a:xfrm>
+            <a:off x="7961887" y="7659595"/>
+            <a:ext cx="1028700" cy="1028700"/>
+            <a:chOff x="4864790" y="1138638"/>
+            <a:chExt cx="1028700" cy="1028700"/>
+          </a:xfrm>
+        </p:grpSpPr>
+        <p:sp>
+          <p:nvSpPr>
+            <p:cNvPr id="158" name="Rounded Rectangle 83">
+              <a:extLst>
+                <a:ext uri="{FF2B5EF4-FFF2-40B4-BE49-F238E27FC236}">
+                  <a16:creationId xmlns:a16="http://schemas.microsoft.com/office/drawing/2014/main" id="{39A26415-29F5-5548-8BC9-71FDDC1DE2B0}"/>
+                </a:ext>
+              </a:extLst>
+            </p:cNvPr>
+            <p:cNvSpPr/>
+            <p:nvPr/>
+          </p:nvSpPr>
+          <p:spPr>
+            <a:xfrm>
+              <a:off x="4864790" y="1138638"/>
               <a:ext cx="1028700" cy="1028700"/>
-              <a:chOff x="4864790" y="1138638"/>
-              <a:chExt cx="1028700" cy="1028700"/>
-            </a:xfrm>
-          </p:grpSpPr>
-          <p:sp>
-            <p:nvSpPr>
-              <p:cNvPr id="84" name="Rounded Rectangle 83">
-                <a:extLst>
-                  <a:ext uri="{FF2B5EF4-FFF2-40B4-BE49-F238E27FC236}">
-                    <a16:creationId xmlns:a16="http://schemas.microsoft.com/office/drawing/2014/main" id="{33A6A125-7019-EFC1-56CC-94F63C7DB128}"/>
-                  </a:ext>
-                </a:extLst>
-              </p:cNvPr>
-              <p:cNvSpPr/>
-              <p:nvPr/>
-            </p:nvSpPr>
-            <p:spPr>
-              <a:xfrm>
-                <a:off x="4864790" y="1138638"/>
-                <a:ext cx="1028700" cy="1028700"/>
-              </a:xfrm>
-              <a:prstGeom prst="roundRect">
-                <a:avLst>
-                  <a:gd name="adj" fmla="val 24152"/>
-                </a:avLst>
-              </a:prstGeom>
-              <a:solidFill>
-                <a:srgbClr val="CBCCCB"/>
-              </a:solidFill>
-              <a:ln>
-                <a:noFill/>
-              </a:ln>
-            </p:spPr>
-            <p:style>
-              <a:lnRef idx="2">
-                <a:schemeClr val="accent1">
-                  <a:shade val="50000"/>
-                </a:schemeClr>
-              </a:lnRef>
-              <a:fillRef idx="1">
-                <a:schemeClr val="accent1"/>
-              </a:fillRef>
-              <a:effectRef idx="0">
-                <a:schemeClr val="accent1"/>
-              </a:effectRef>
-              <a:fontRef idx="minor">
-                <a:schemeClr val="lt1"/>
-              </a:fontRef>
-            </p:style>
-            <p:txBody>
-              <a:bodyPr rtlCol="0" anchor="ctr"/>
-              <a:lstStyle/>
-              <a:p>
-                <a:pPr algn="ctr"/>
-                <a:endParaRPr lang="en-US"/>
-              </a:p>
-            </p:txBody>
-          </p:sp>
-          <p:pic>
-            <p:nvPicPr>
-              <p:cNvPr id="85" name="Graphic 84" descr="Star with solid fill">
-                <a:extLst>
-                  <a:ext uri="{FF2B5EF4-FFF2-40B4-BE49-F238E27FC236}">
-                    <a16:creationId xmlns:a16="http://schemas.microsoft.com/office/drawing/2014/main" id="{20C44A44-493B-31DF-9462-0A398C156178}"/>
-                  </a:ext>
-                </a:extLst>
-              </p:cNvPr>
-              <p:cNvPicPr>
-                <a:picLocks noChangeAspect="1"/>
-              </p:cNvPicPr>
-              <p:nvPr/>
-            </p:nvPicPr>
-            <p:blipFill>
-              <a:blip r:embed="rId2">
-                <a:extLst>
-                  <a:ext uri="{96DAC541-7B7A-43D3-8B79-37D633B846F1}">
-                    <asvg:svgBlip xmlns:asvg="http://schemas.microsoft.com/office/drawing/2016/SVG/main" r:embed="rId3"/>
-                  </a:ext>
-                </a:extLst>
-              </a:blip>
-              <a:stretch>
-                <a:fillRect/>
-              </a:stretch>
-            </p:blipFill>
-            <p:spPr>
-              <a:xfrm>
-                <a:off x="4979691" y="1248576"/>
-                <a:ext cx="800100" cy="800100"/>
-              </a:xfrm>
-              <a:prstGeom prst="rect">
-                <a:avLst/>
-              </a:prstGeom>
-            </p:spPr>
-          </p:pic>
-        </p:grpSp>
-        <p:grpSp>
-          <p:nvGrpSpPr>
-            <p:cNvPr id="86" name="Group 85">
-              <a:extLst>
-                <a:ext uri="{FF2B5EF4-FFF2-40B4-BE49-F238E27FC236}">
-                  <a16:creationId xmlns:a16="http://schemas.microsoft.com/office/drawing/2014/main" id="{D3B2B862-C506-E54A-21D0-4EF34514C3C6}"/>
-                </a:ext>
-              </a:extLst>
-            </p:cNvPr>
-            <p:cNvGrpSpPr/>
-            <p:nvPr/>
-          </p:nvGrpSpPr>
-          <p:grpSpPr>
-            <a:xfrm>
-              <a:off x="6058228" y="-802719"/>
+            </a:xfrm>
+            <a:prstGeom prst="roundRect">
+              <a:avLst>
+                <a:gd name="adj" fmla="val 24152"/>
+              </a:avLst>
+            </a:prstGeom>
+            <a:solidFill>
+              <a:srgbClr val="CBCCCB"/>
+            </a:solidFill>
+            <a:ln>
+              <a:noFill/>
+            </a:ln>
+          </p:spPr>
+          <p:style>
+            <a:lnRef idx="2">
+              <a:schemeClr val="accent1">
+                <a:shade val="50000"/>
+              </a:schemeClr>
+            </a:lnRef>
+            <a:fillRef idx="1">
+              <a:schemeClr val="accent1"/>
+            </a:fillRef>
+            <a:effectRef idx="0">
+              <a:schemeClr val="accent1"/>
+            </a:effectRef>
+            <a:fontRef idx="minor">
+              <a:schemeClr val="lt1"/>
+            </a:fontRef>
+          </p:style>
+          <p:txBody>
+            <a:bodyPr rtlCol="0" anchor="ctr"/>
+            <a:lstStyle/>
+            <a:p>
+              <a:pPr algn="ctr"/>
+              <a:endParaRPr lang="en-US"/>
+            </a:p>
+          </p:txBody>
+        </p:sp>
+        <p:pic>
+          <p:nvPicPr>
+            <p:cNvPr id="159" name="Graphic 84" descr="Star with solid fill">
+              <a:extLst>
+                <a:ext uri="{FF2B5EF4-FFF2-40B4-BE49-F238E27FC236}">
+                  <a16:creationId xmlns:a16="http://schemas.microsoft.com/office/drawing/2014/main" id="{D37461A1-B203-764B-A4DE-9796B66CFBBF}"/>
+                </a:ext>
+              </a:extLst>
+            </p:cNvPr>
+            <p:cNvPicPr>
+              <a:picLocks noChangeAspect="1"/>
+            </p:cNvPicPr>
+            <p:nvPr/>
+          </p:nvPicPr>
+          <p:blipFill>
+            <a:blip r:embed="rId2">
+              <a:extLst>
+                <a:ext uri="{96DAC541-7B7A-43D3-8B79-37D633B846F1}">
+                  <asvg:svgBlip xmlns:asvg="http://schemas.microsoft.com/office/drawing/2016/SVG/main" r:embed="rId3"/>
+                </a:ext>
+              </a:extLst>
+            </a:blip>
+            <a:stretch>
+              <a:fillRect/>
+            </a:stretch>
+          </p:blipFill>
+          <p:spPr>
+            <a:xfrm>
+              <a:off x="4979691" y="1248576"/>
+              <a:ext cx="800100" cy="800100"/>
+            </a:xfrm>
+            <a:prstGeom prst="rect">
+              <a:avLst/>
+            </a:prstGeom>
+          </p:spPr>
+        </p:pic>
+      </p:grpSp>
+      <p:grpSp>
+        <p:nvGrpSpPr>
+          <p:cNvPr id="160" name="Group 85">
+            <a:extLst>
+              <a:ext uri="{FF2B5EF4-FFF2-40B4-BE49-F238E27FC236}">
+                <a16:creationId xmlns:a16="http://schemas.microsoft.com/office/drawing/2014/main" id="{812021FA-6CD4-4443-B9C2-45A72B59CCC5}"/>
+              </a:ext>
+            </a:extLst>
+          </p:cNvPr>
+          <p:cNvGrpSpPr/>
+          <p:nvPr/>
+        </p:nvGrpSpPr>
+        <p:grpSpPr>
+          <a:xfrm>
+            <a:off x="9089824" y="7659595"/>
+            <a:ext cx="1028700" cy="1028700"/>
+            <a:chOff x="4864790" y="1138638"/>
+            <a:chExt cx="1028700" cy="1028700"/>
+          </a:xfrm>
+        </p:grpSpPr>
+        <p:sp>
+          <p:nvSpPr>
+            <p:cNvPr id="161" name="Rounded Rectangle 86">
+              <a:extLst>
+                <a:ext uri="{FF2B5EF4-FFF2-40B4-BE49-F238E27FC236}">
+                  <a16:creationId xmlns:a16="http://schemas.microsoft.com/office/drawing/2014/main" id="{E2AC76CA-5FF6-DF45-81C2-1B6D304A67AB}"/>
+                </a:ext>
+              </a:extLst>
+            </p:cNvPr>
+            <p:cNvSpPr/>
+            <p:nvPr/>
+          </p:nvSpPr>
+          <p:spPr>
+            <a:xfrm>
+              <a:off x="4864790" y="1138638"/>
               <a:ext cx="1028700" cy="1028700"/>
-              <a:chOff x="4864790" y="1138638"/>
-              <a:chExt cx="1028700" cy="1028700"/>
-            </a:xfrm>
-          </p:grpSpPr>
-          <p:sp>
-            <p:nvSpPr>
-              <p:cNvPr id="87" name="Rounded Rectangle 86">
-                <a:extLst>
-                  <a:ext uri="{FF2B5EF4-FFF2-40B4-BE49-F238E27FC236}">
-                    <a16:creationId xmlns:a16="http://schemas.microsoft.com/office/drawing/2014/main" id="{7909E19A-C1AF-29A5-C060-A5ED2C088815}"/>
-                  </a:ext>
-                </a:extLst>
-              </p:cNvPr>
-              <p:cNvSpPr/>
-              <p:nvPr/>
-            </p:nvSpPr>
-            <p:spPr>
-              <a:xfrm>
-                <a:off x="4864790" y="1138638"/>
-                <a:ext cx="1028700" cy="1028700"/>
-              </a:xfrm>
-              <a:prstGeom prst="roundRect">
-                <a:avLst>
-                  <a:gd name="adj" fmla="val 24152"/>
-                </a:avLst>
-              </a:prstGeom>
-              <a:solidFill>
-                <a:srgbClr val="CBCCCB"/>
-              </a:solidFill>
-              <a:ln>
-                <a:noFill/>
-              </a:ln>
-            </p:spPr>
-            <p:style>
-              <a:lnRef idx="2">
-                <a:schemeClr val="accent1">
-                  <a:shade val="50000"/>
-                </a:schemeClr>
-              </a:lnRef>
-              <a:fillRef idx="1">
-                <a:schemeClr val="accent1"/>
-              </a:fillRef>
-              <a:effectRef idx="0">
-                <a:schemeClr val="accent1"/>
-              </a:effectRef>
-              <a:fontRef idx="minor">
-                <a:schemeClr val="lt1"/>
-              </a:fontRef>
-            </p:style>
-            <p:txBody>
-              <a:bodyPr rtlCol="0" anchor="ctr"/>
-              <a:lstStyle/>
-              <a:p>
-                <a:pPr algn="ctr"/>
-                <a:endParaRPr lang="en-US"/>
-              </a:p>
-            </p:txBody>
-          </p:sp>
-          <p:pic>
-            <p:nvPicPr>
-              <p:cNvPr id="88" name="Graphic 87" descr="Star with solid fill">
-                <a:extLst>
-                  <a:ext uri="{FF2B5EF4-FFF2-40B4-BE49-F238E27FC236}">
-                    <a16:creationId xmlns:a16="http://schemas.microsoft.com/office/drawing/2014/main" id="{5B31894E-F12B-CAF6-9883-B267EE17A465}"/>
-                  </a:ext>
-                </a:extLst>
-              </p:cNvPr>
-              <p:cNvPicPr>
-                <a:picLocks noChangeAspect="1"/>
-              </p:cNvPicPr>
-              <p:nvPr/>
-            </p:nvPicPr>
-            <p:blipFill>
-              <a:blip r:embed="rId2">
-                <a:extLst>
-                  <a:ext uri="{96DAC541-7B7A-43D3-8B79-37D633B846F1}">
-                    <asvg:svgBlip xmlns:asvg="http://schemas.microsoft.com/office/drawing/2016/SVG/main" r:embed="rId3"/>
-                  </a:ext>
-                </a:extLst>
-              </a:blip>
-              <a:stretch>
-                <a:fillRect/>
-              </a:stretch>
-            </p:blipFill>
-            <p:spPr>
-              <a:xfrm>
-                <a:off x="4979691" y="1248576"/>
-                <a:ext cx="800100" cy="800100"/>
-              </a:xfrm>
-              <a:prstGeom prst="rect">
-                <a:avLst/>
-              </a:prstGeom>
-            </p:spPr>
-          </p:pic>
-        </p:grpSp>
+            </a:xfrm>
+            <a:prstGeom prst="roundRect">
+              <a:avLst>
+                <a:gd name="adj" fmla="val 24152"/>
+              </a:avLst>
+            </a:prstGeom>
+            <a:solidFill>
+              <a:srgbClr val="CBCCCB"/>
+            </a:solidFill>
+            <a:ln>
+              <a:noFill/>
+            </a:ln>
+          </p:spPr>
+          <p:style>
+            <a:lnRef idx="2">
+              <a:schemeClr val="accent1">
+                <a:shade val="50000"/>
+              </a:schemeClr>
+            </a:lnRef>
+            <a:fillRef idx="1">
+              <a:schemeClr val="accent1"/>
+            </a:fillRef>
+            <a:effectRef idx="0">
+              <a:schemeClr val="accent1"/>
+            </a:effectRef>
+            <a:fontRef idx="minor">
+              <a:schemeClr val="lt1"/>
+            </a:fontRef>
+          </p:style>
+          <p:txBody>
+            <a:bodyPr rtlCol="0" anchor="ctr"/>
+            <a:lstStyle/>
+            <a:p>
+              <a:pPr algn="ctr"/>
+              <a:endParaRPr lang="en-US"/>
+            </a:p>
+          </p:txBody>
+        </p:sp>
+        <p:pic>
+          <p:nvPicPr>
+            <p:cNvPr id="162" name="Graphic 87" descr="Star with solid fill">
+              <a:extLst>
+                <a:ext uri="{FF2B5EF4-FFF2-40B4-BE49-F238E27FC236}">
+                  <a16:creationId xmlns:a16="http://schemas.microsoft.com/office/drawing/2014/main" id="{D2023E6D-1101-9244-953B-B222A05C7315}"/>
+                </a:ext>
+              </a:extLst>
+            </p:cNvPr>
+            <p:cNvPicPr>
+              <a:picLocks noChangeAspect="1"/>
+            </p:cNvPicPr>
+            <p:nvPr/>
+          </p:nvPicPr>
+          <p:blipFill>
+            <a:blip r:embed="rId2">
+              <a:extLst>
+                <a:ext uri="{96DAC541-7B7A-43D3-8B79-37D633B846F1}">
+                  <asvg:svgBlip xmlns:asvg="http://schemas.microsoft.com/office/drawing/2016/SVG/main" r:embed="rId3"/>
+                </a:ext>
+              </a:extLst>
+            </a:blip>
+            <a:stretch>
+              <a:fillRect/>
+            </a:stretch>
+          </p:blipFill>
+          <p:spPr>
+            <a:xfrm>
+              <a:off x="4979691" y="1248576"/>
+              <a:ext cx="800100" cy="800100"/>
+            </a:xfrm>
+            <a:prstGeom prst="rect">
+              <a:avLst/>
+            </a:prstGeom>
+          </p:spPr>
+        </p:pic>
+      </p:grpSp>
+      <p:grpSp>
+        <p:nvGrpSpPr>
+          <p:cNvPr id="163" name="Group 9">
+            <a:extLst>
+              <a:ext uri="{FF2B5EF4-FFF2-40B4-BE49-F238E27FC236}">
+                <a16:creationId xmlns:a16="http://schemas.microsoft.com/office/drawing/2014/main" id="{16A4528F-CB32-BA4C-B93E-C7223D8491D0}"/>
+              </a:ext>
+            </a:extLst>
+          </p:cNvPr>
+          <p:cNvGrpSpPr/>
+          <p:nvPr/>
+        </p:nvGrpSpPr>
+        <p:grpSpPr>
+          <a:xfrm>
+            <a:off x="5706011" y="7659595"/>
+            <a:ext cx="1028700" cy="1028700"/>
+            <a:chOff x="3486564" y="851246"/>
+            <a:chExt cx="1028700" cy="1028700"/>
+          </a:xfrm>
+        </p:grpSpPr>
+        <p:sp>
+          <p:nvSpPr>
+            <p:cNvPr id="164" name="Rounded Rectangle 10">
+              <a:extLst>
+                <a:ext uri="{FF2B5EF4-FFF2-40B4-BE49-F238E27FC236}">
+                  <a16:creationId xmlns:a16="http://schemas.microsoft.com/office/drawing/2014/main" id="{81F270C4-62CF-254B-A501-9E2E23F09FDC}"/>
+                </a:ext>
+              </a:extLst>
+            </p:cNvPr>
+            <p:cNvSpPr/>
+            <p:nvPr/>
+          </p:nvSpPr>
+          <p:spPr>
+            <a:xfrm>
+              <a:off x="3486564" y="851246"/>
+              <a:ext cx="1028700" cy="1028700"/>
+            </a:xfrm>
+            <a:prstGeom prst="roundRect">
+              <a:avLst>
+                <a:gd name="adj" fmla="val 24152"/>
+              </a:avLst>
+            </a:prstGeom>
+            <a:solidFill>
+              <a:srgbClr val="F25C4E"/>
+            </a:solidFill>
+            <a:ln>
+              <a:noFill/>
+            </a:ln>
+          </p:spPr>
+          <p:style>
+            <a:lnRef idx="2">
+              <a:schemeClr val="accent1">
+                <a:shade val="50000"/>
+              </a:schemeClr>
+            </a:lnRef>
+            <a:fillRef idx="1">
+              <a:schemeClr val="accent1"/>
+            </a:fillRef>
+            <a:effectRef idx="0">
+              <a:schemeClr val="accent1"/>
+            </a:effectRef>
+            <a:fontRef idx="minor">
+              <a:schemeClr val="lt1"/>
+            </a:fontRef>
+          </p:style>
+          <p:txBody>
+            <a:bodyPr rtlCol="0" anchor="ctr"/>
+            <a:lstStyle/>
+            <a:p>
+              <a:pPr algn="ctr"/>
+              <a:endParaRPr lang="en-US"/>
+            </a:p>
+          </p:txBody>
+        </p:sp>
+        <p:pic>
+          <p:nvPicPr>
+            <p:cNvPr id="165" name="Graphic 11" descr="Star with solid fill">
+              <a:extLst>
+                <a:ext uri="{FF2B5EF4-FFF2-40B4-BE49-F238E27FC236}">
+                  <a16:creationId xmlns:a16="http://schemas.microsoft.com/office/drawing/2014/main" id="{C7A41FDF-CA71-FB42-9D53-CDF2C123452E}"/>
+                </a:ext>
+              </a:extLst>
+            </p:cNvPr>
+            <p:cNvPicPr>
+              <a:picLocks noChangeAspect="1"/>
+            </p:cNvPicPr>
+            <p:nvPr/>
+          </p:nvPicPr>
+          <p:blipFill>
+            <a:blip r:embed="rId2">
+              <a:extLst>
+                <a:ext uri="{96DAC541-7B7A-43D3-8B79-37D633B846F1}">
+                  <asvg:svgBlip xmlns:asvg="http://schemas.microsoft.com/office/drawing/2016/SVG/main" r:embed="rId3"/>
+                </a:ext>
+              </a:extLst>
+            </a:blip>
+            <a:stretch>
+              <a:fillRect/>
+            </a:stretch>
+          </p:blipFill>
+          <p:spPr>
+            <a:xfrm>
+              <a:off x="3601465" y="961184"/>
+              <a:ext cx="800100" cy="800100"/>
+            </a:xfrm>
+            <a:prstGeom prst="rect">
+              <a:avLst/>
+            </a:prstGeom>
+          </p:spPr>
+        </p:pic>
+      </p:grpSp>
+      <p:grpSp>
+        <p:nvGrpSpPr>
+          <p:cNvPr id="170" name="Group 9">
+            <a:extLst>
+              <a:ext uri="{FF2B5EF4-FFF2-40B4-BE49-F238E27FC236}">
+                <a16:creationId xmlns:a16="http://schemas.microsoft.com/office/drawing/2014/main" id="{6452A184-25CD-884B-9D8B-C15CAFD0CAFB}"/>
+              </a:ext>
+            </a:extLst>
+          </p:cNvPr>
+          <p:cNvGrpSpPr/>
+          <p:nvPr/>
+        </p:nvGrpSpPr>
+        <p:grpSpPr>
+          <a:xfrm>
+            <a:off x="6833949" y="7659595"/>
+            <a:ext cx="1028700" cy="1028700"/>
+            <a:chOff x="3486564" y="851246"/>
+            <a:chExt cx="1028700" cy="1028700"/>
+          </a:xfrm>
+        </p:grpSpPr>
+        <p:sp>
+          <p:nvSpPr>
+            <p:cNvPr id="171" name="Rounded Rectangle 10">
+              <a:extLst>
+                <a:ext uri="{FF2B5EF4-FFF2-40B4-BE49-F238E27FC236}">
+                  <a16:creationId xmlns:a16="http://schemas.microsoft.com/office/drawing/2014/main" id="{A8505F90-B269-F34D-972B-8A615B423AC0}"/>
+                </a:ext>
+              </a:extLst>
+            </p:cNvPr>
+            <p:cNvSpPr/>
+            <p:nvPr/>
+          </p:nvSpPr>
+          <p:spPr>
+            <a:xfrm>
+              <a:off x="3486564" y="851246"/>
+              <a:ext cx="1028700" cy="1028700"/>
+            </a:xfrm>
+            <a:prstGeom prst="roundRect">
+              <a:avLst>
+                <a:gd name="adj" fmla="val 24152"/>
+              </a:avLst>
+            </a:prstGeom>
+            <a:solidFill>
+              <a:srgbClr val="F25C4E"/>
+            </a:solidFill>
+            <a:ln>
+              <a:noFill/>
+            </a:ln>
+          </p:spPr>
+          <p:style>
+            <a:lnRef idx="2">
+              <a:schemeClr val="accent1">
+                <a:shade val="50000"/>
+              </a:schemeClr>
+            </a:lnRef>
+            <a:fillRef idx="1">
+              <a:schemeClr val="accent1"/>
+            </a:fillRef>
+            <a:effectRef idx="0">
+              <a:schemeClr val="accent1"/>
+            </a:effectRef>
+            <a:fontRef idx="minor">
+              <a:schemeClr val="lt1"/>
+            </a:fontRef>
+          </p:style>
+          <p:txBody>
+            <a:bodyPr rtlCol="0" anchor="ctr"/>
+            <a:lstStyle/>
+            <a:p>
+              <a:pPr algn="ctr"/>
+              <a:endParaRPr lang="en-US"/>
+            </a:p>
+          </p:txBody>
+        </p:sp>
+        <p:pic>
+          <p:nvPicPr>
+            <p:cNvPr id="172" name="Graphic 11" descr="Star with solid fill">
+              <a:extLst>
+                <a:ext uri="{FF2B5EF4-FFF2-40B4-BE49-F238E27FC236}">
+                  <a16:creationId xmlns:a16="http://schemas.microsoft.com/office/drawing/2014/main" id="{BD31C9F6-1CFF-B344-9965-ECAD00A01463}"/>
+                </a:ext>
+              </a:extLst>
+            </p:cNvPr>
+            <p:cNvPicPr>
+              <a:picLocks noChangeAspect="1"/>
+            </p:cNvPicPr>
+            <p:nvPr/>
+          </p:nvPicPr>
+          <p:blipFill>
+            <a:blip r:embed="rId2">
+              <a:extLst>
+                <a:ext uri="{96DAC541-7B7A-43D3-8B79-37D633B846F1}">
+                  <asvg:svgBlip xmlns:asvg="http://schemas.microsoft.com/office/drawing/2016/SVG/main" r:embed="rId3"/>
+                </a:ext>
+              </a:extLst>
+            </a:blip>
+            <a:stretch>
+              <a:fillRect/>
+            </a:stretch>
+          </p:blipFill>
+          <p:spPr>
+            <a:xfrm>
+              <a:off x="3601465" y="961184"/>
+              <a:ext cx="800100" cy="800100"/>
+            </a:xfrm>
+            <a:prstGeom prst="rect">
+              <a:avLst/>
+            </a:prstGeom>
+          </p:spPr>
+        </p:pic>
+      </p:grpSp>
+      <p:grpSp>
+        <p:nvGrpSpPr>
+          <p:cNvPr id="188" name="Group 5">
+            <a:extLst>
+              <a:ext uri="{FF2B5EF4-FFF2-40B4-BE49-F238E27FC236}">
+                <a16:creationId xmlns:a16="http://schemas.microsoft.com/office/drawing/2014/main" id="{58E24172-D8A2-0E4B-9B3C-D8D6B5E129CC}"/>
+              </a:ext>
+            </a:extLst>
+          </p:cNvPr>
+          <p:cNvGrpSpPr/>
+          <p:nvPr/>
+        </p:nvGrpSpPr>
+        <p:grpSpPr>
+          <a:xfrm>
+            <a:off x="4578073" y="8871609"/>
+            <a:ext cx="1028700" cy="1028700"/>
+            <a:chOff x="3486564" y="851246"/>
+            <a:chExt cx="1028700" cy="1028700"/>
+          </a:xfrm>
+        </p:grpSpPr>
+        <p:sp>
+          <p:nvSpPr>
+            <p:cNvPr id="189" name="Rounded Rectangle 3">
+              <a:extLst>
+                <a:ext uri="{FF2B5EF4-FFF2-40B4-BE49-F238E27FC236}">
+                  <a16:creationId xmlns:a16="http://schemas.microsoft.com/office/drawing/2014/main" id="{B3A6A20C-79D5-2B4A-B8AF-BBD1B04C06C6}"/>
+                </a:ext>
+              </a:extLst>
+            </p:cNvPr>
+            <p:cNvSpPr/>
+            <p:nvPr/>
+          </p:nvSpPr>
+          <p:spPr>
+            <a:xfrm>
+              <a:off x="3486564" y="851246"/>
+              <a:ext cx="1028700" cy="1028700"/>
+            </a:xfrm>
+            <a:prstGeom prst="roundRect">
+              <a:avLst>
+                <a:gd name="adj" fmla="val 24152"/>
+              </a:avLst>
+            </a:prstGeom>
+            <a:solidFill>
+              <a:srgbClr val="F25C4E"/>
+            </a:solidFill>
+            <a:ln>
+              <a:noFill/>
+            </a:ln>
+          </p:spPr>
+          <p:style>
+            <a:lnRef idx="2">
+              <a:schemeClr val="accent1">
+                <a:shade val="50000"/>
+              </a:schemeClr>
+            </a:lnRef>
+            <a:fillRef idx="1">
+              <a:schemeClr val="accent1"/>
+            </a:fillRef>
+            <a:effectRef idx="0">
+              <a:schemeClr val="accent1"/>
+            </a:effectRef>
+            <a:fontRef idx="minor">
+              <a:schemeClr val="lt1"/>
+            </a:fontRef>
+          </p:style>
+          <p:txBody>
+            <a:bodyPr rtlCol="0" anchor="ctr"/>
+            <a:lstStyle/>
+            <a:p>
+              <a:pPr algn="ctr"/>
+              <a:endParaRPr lang="en-US"/>
+            </a:p>
+          </p:txBody>
+        </p:sp>
+        <p:pic>
+          <p:nvPicPr>
+            <p:cNvPr id="190" name="Graphic 4" descr="Star with solid fill">
+              <a:extLst>
+                <a:ext uri="{FF2B5EF4-FFF2-40B4-BE49-F238E27FC236}">
+                  <a16:creationId xmlns:a16="http://schemas.microsoft.com/office/drawing/2014/main" id="{F7E9505F-CB72-AF44-8D9D-9502ECD5D05D}"/>
+                </a:ext>
+              </a:extLst>
+            </p:cNvPr>
+            <p:cNvPicPr>
+              <a:picLocks noChangeAspect="1"/>
+            </p:cNvPicPr>
+            <p:nvPr/>
+          </p:nvPicPr>
+          <p:blipFill>
+            <a:blip r:embed="rId2">
+              <a:extLst>
+                <a:ext uri="{96DAC541-7B7A-43D3-8B79-37D633B846F1}">
+                  <asvg:svgBlip xmlns:asvg="http://schemas.microsoft.com/office/drawing/2016/SVG/main" r:embed="rId3"/>
+                </a:ext>
+              </a:extLst>
+            </a:blip>
+            <a:stretch>
+              <a:fillRect/>
+            </a:stretch>
+          </p:blipFill>
+          <p:spPr>
+            <a:xfrm>
+              <a:off x="3601465" y="961184"/>
+              <a:ext cx="800100" cy="800100"/>
+            </a:xfrm>
+            <a:prstGeom prst="rect">
+              <a:avLst/>
+            </a:prstGeom>
+          </p:spPr>
+        </p:pic>
+      </p:grpSp>
+      <p:grpSp>
+        <p:nvGrpSpPr>
+          <p:cNvPr id="194" name="Group 85">
+            <a:extLst>
+              <a:ext uri="{FF2B5EF4-FFF2-40B4-BE49-F238E27FC236}">
+                <a16:creationId xmlns:a16="http://schemas.microsoft.com/office/drawing/2014/main" id="{513FAC27-DE14-DE43-B656-F5C95C7C9F59}"/>
+              </a:ext>
+            </a:extLst>
+          </p:cNvPr>
+          <p:cNvGrpSpPr/>
+          <p:nvPr/>
+        </p:nvGrpSpPr>
+        <p:grpSpPr>
+          <a:xfrm>
+            <a:off x="9089824" y="8871609"/>
+            <a:ext cx="1028700" cy="1028700"/>
+            <a:chOff x="4864790" y="1138638"/>
+            <a:chExt cx="1028700" cy="1028700"/>
+          </a:xfrm>
+        </p:grpSpPr>
+        <p:sp>
+          <p:nvSpPr>
+            <p:cNvPr id="195" name="Rounded Rectangle 86">
+              <a:extLst>
+                <a:ext uri="{FF2B5EF4-FFF2-40B4-BE49-F238E27FC236}">
+                  <a16:creationId xmlns:a16="http://schemas.microsoft.com/office/drawing/2014/main" id="{BA68C409-EC03-144A-AB15-EF41F5775C23}"/>
+                </a:ext>
+              </a:extLst>
+            </p:cNvPr>
+            <p:cNvSpPr/>
+            <p:nvPr/>
+          </p:nvSpPr>
+          <p:spPr>
+            <a:xfrm>
+              <a:off x="4864790" y="1138638"/>
+              <a:ext cx="1028700" cy="1028700"/>
+            </a:xfrm>
+            <a:prstGeom prst="roundRect">
+              <a:avLst>
+                <a:gd name="adj" fmla="val 24152"/>
+              </a:avLst>
+            </a:prstGeom>
+            <a:solidFill>
+              <a:srgbClr val="CBCCCB"/>
+            </a:solidFill>
+            <a:ln>
+              <a:noFill/>
+            </a:ln>
+          </p:spPr>
+          <p:style>
+            <a:lnRef idx="2">
+              <a:schemeClr val="accent1">
+                <a:shade val="50000"/>
+              </a:schemeClr>
+            </a:lnRef>
+            <a:fillRef idx="1">
+              <a:schemeClr val="accent1"/>
+            </a:fillRef>
+            <a:effectRef idx="0">
+              <a:schemeClr val="accent1"/>
+            </a:effectRef>
+            <a:fontRef idx="minor">
+              <a:schemeClr val="lt1"/>
+            </a:fontRef>
+          </p:style>
+          <p:txBody>
+            <a:bodyPr rtlCol="0" anchor="ctr"/>
+            <a:lstStyle/>
+            <a:p>
+              <a:pPr algn="ctr"/>
+              <a:endParaRPr lang="en-US"/>
+            </a:p>
+          </p:txBody>
+        </p:sp>
+        <p:pic>
+          <p:nvPicPr>
+            <p:cNvPr id="196" name="Graphic 87" descr="Star with solid fill">
+              <a:extLst>
+                <a:ext uri="{FF2B5EF4-FFF2-40B4-BE49-F238E27FC236}">
+                  <a16:creationId xmlns:a16="http://schemas.microsoft.com/office/drawing/2014/main" id="{DA33580E-B394-754A-89E3-8E722A34C7B5}"/>
+                </a:ext>
+              </a:extLst>
+            </p:cNvPr>
+            <p:cNvPicPr>
+              <a:picLocks noChangeAspect="1"/>
+            </p:cNvPicPr>
+            <p:nvPr/>
+          </p:nvPicPr>
+          <p:blipFill>
+            <a:blip r:embed="rId2">
+              <a:extLst>
+                <a:ext uri="{96DAC541-7B7A-43D3-8B79-37D633B846F1}">
+                  <asvg:svgBlip xmlns:asvg="http://schemas.microsoft.com/office/drawing/2016/SVG/main" r:embed="rId3"/>
+                </a:ext>
+              </a:extLst>
+            </a:blip>
+            <a:stretch>
+              <a:fillRect/>
+            </a:stretch>
+          </p:blipFill>
+          <p:spPr>
+            <a:xfrm>
+              <a:off x="4979691" y="1248576"/>
+              <a:ext cx="800100" cy="800100"/>
+            </a:xfrm>
+            <a:prstGeom prst="rect">
+              <a:avLst/>
+            </a:prstGeom>
+          </p:spPr>
+        </p:pic>
+      </p:grpSp>
+      <p:grpSp>
+        <p:nvGrpSpPr>
+          <p:cNvPr id="197" name="Group 9">
+            <a:extLst>
+              <a:ext uri="{FF2B5EF4-FFF2-40B4-BE49-F238E27FC236}">
+                <a16:creationId xmlns:a16="http://schemas.microsoft.com/office/drawing/2014/main" id="{67F6BD16-6B34-564F-A435-15D386968EFC}"/>
+              </a:ext>
+            </a:extLst>
+          </p:cNvPr>
+          <p:cNvGrpSpPr/>
+          <p:nvPr/>
+        </p:nvGrpSpPr>
+        <p:grpSpPr>
+          <a:xfrm>
+            <a:off x="5706011" y="8871609"/>
+            <a:ext cx="1028700" cy="1028700"/>
+            <a:chOff x="3486564" y="851246"/>
+            <a:chExt cx="1028700" cy="1028700"/>
+          </a:xfrm>
+        </p:grpSpPr>
+        <p:sp>
+          <p:nvSpPr>
+            <p:cNvPr id="198" name="Rounded Rectangle 10">
+              <a:extLst>
+                <a:ext uri="{FF2B5EF4-FFF2-40B4-BE49-F238E27FC236}">
+                  <a16:creationId xmlns:a16="http://schemas.microsoft.com/office/drawing/2014/main" id="{B0F3AA58-FED4-224E-A1C5-0E5691A1F5B3}"/>
+                </a:ext>
+              </a:extLst>
+            </p:cNvPr>
+            <p:cNvSpPr/>
+            <p:nvPr/>
+          </p:nvSpPr>
+          <p:spPr>
+            <a:xfrm>
+              <a:off x="3486564" y="851246"/>
+              <a:ext cx="1028700" cy="1028700"/>
+            </a:xfrm>
+            <a:prstGeom prst="roundRect">
+              <a:avLst>
+                <a:gd name="adj" fmla="val 24152"/>
+              </a:avLst>
+            </a:prstGeom>
+            <a:solidFill>
+              <a:srgbClr val="F25C4E"/>
+            </a:solidFill>
+            <a:ln>
+              <a:noFill/>
+            </a:ln>
+          </p:spPr>
+          <p:style>
+            <a:lnRef idx="2">
+              <a:schemeClr val="accent1">
+                <a:shade val="50000"/>
+              </a:schemeClr>
+            </a:lnRef>
+            <a:fillRef idx="1">
+              <a:schemeClr val="accent1"/>
+            </a:fillRef>
+            <a:effectRef idx="0">
+              <a:schemeClr val="accent1"/>
+            </a:effectRef>
+            <a:fontRef idx="minor">
+              <a:schemeClr val="lt1"/>
+            </a:fontRef>
+          </p:style>
+          <p:txBody>
+            <a:bodyPr rtlCol="0" anchor="ctr"/>
+            <a:lstStyle/>
+            <a:p>
+              <a:pPr algn="ctr"/>
+              <a:endParaRPr lang="en-US"/>
+            </a:p>
+          </p:txBody>
+        </p:sp>
+        <p:pic>
+          <p:nvPicPr>
+            <p:cNvPr id="199" name="Graphic 11" descr="Star with solid fill">
+              <a:extLst>
+                <a:ext uri="{FF2B5EF4-FFF2-40B4-BE49-F238E27FC236}">
+                  <a16:creationId xmlns:a16="http://schemas.microsoft.com/office/drawing/2014/main" id="{16783C3E-C481-C44F-8608-5B4F41E99E4C}"/>
+                </a:ext>
+              </a:extLst>
+            </p:cNvPr>
+            <p:cNvPicPr>
+              <a:picLocks noChangeAspect="1"/>
+            </p:cNvPicPr>
+            <p:nvPr/>
+          </p:nvPicPr>
+          <p:blipFill>
+            <a:blip r:embed="rId2">
+              <a:extLst>
+                <a:ext uri="{96DAC541-7B7A-43D3-8B79-37D633B846F1}">
+                  <asvg:svgBlip xmlns:asvg="http://schemas.microsoft.com/office/drawing/2016/SVG/main" r:embed="rId3"/>
+                </a:ext>
+              </a:extLst>
+            </a:blip>
+            <a:stretch>
+              <a:fillRect/>
+            </a:stretch>
+          </p:blipFill>
+          <p:spPr>
+            <a:xfrm>
+              <a:off x="3601465" y="961184"/>
+              <a:ext cx="800100" cy="800100"/>
+            </a:xfrm>
+            <a:prstGeom prst="rect">
+              <a:avLst/>
+            </a:prstGeom>
+          </p:spPr>
+        </p:pic>
+      </p:grpSp>
+      <p:grpSp>
+        <p:nvGrpSpPr>
+          <p:cNvPr id="200" name="Group 9">
+            <a:extLst>
+              <a:ext uri="{FF2B5EF4-FFF2-40B4-BE49-F238E27FC236}">
+                <a16:creationId xmlns:a16="http://schemas.microsoft.com/office/drawing/2014/main" id="{3C1BB51D-7D90-6C48-BBEC-667A800089B0}"/>
+              </a:ext>
+            </a:extLst>
+          </p:cNvPr>
+          <p:cNvGrpSpPr/>
+          <p:nvPr/>
+        </p:nvGrpSpPr>
+        <p:grpSpPr>
+          <a:xfrm>
+            <a:off x="6833949" y="8871609"/>
+            <a:ext cx="1028700" cy="1028700"/>
+            <a:chOff x="3486564" y="851246"/>
+            <a:chExt cx="1028700" cy="1028700"/>
+          </a:xfrm>
+        </p:grpSpPr>
+        <p:sp>
+          <p:nvSpPr>
+            <p:cNvPr id="201" name="Rounded Rectangle 10">
+              <a:extLst>
+                <a:ext uri="{FF2B5EF4-FFF2-40B4-BE49-F238E27FC236}">
+                  <a16:creationId xmlns:a16="http://schemas.microsoft.com/office/drawing/2014/main" id="{64143F91-905E-E544-BA2F-1D208E4819BC}"/>
+                </a:ext>
+              </a:extLst>
+            </p:cNvPr>
+            <p:cNvSpPr/>
+            <p:nvPr/>
+          </p:nvSpPr>
+          <p:spPr>
+            <a:xfrm>
+              <a:off x="3486564" y="851246"/>
+              <a:ext cx="1028700" cy="1028700"/>
+            </a:xfrm>
+            <a:prstGeom prst="roundRect">
+              <a:avLst>
+                <a:gd name="adj" fmla="val 24152"/>
+              </a:avLst>
+            </a:prstGeom>
+            <a:solidFill>
+              <a:srgbClr val="F25C4E"/>
+            </a:solidFill>
+            <a:ln>
+              <a:noFill/>
+            </a:ln>
+          </p:spPr>
+          <p:style>
+            <a:lnRef idx="2">
+              <a:schemeClr val="accent1">
+                <a:shade val="50000"/>
+              </a:schemeClr>
+            </a:lnRef>
+            <a:fillRef idx="1">
+              <a:schemeClr val="accent1"/>
+            </a:fillRef>
+            <a:effectRef idx="0">
+              <a:schemeClr val="accent1"/>
+            </a:effectRef>
+            <a:fontRef idx="minor">
+              <a:schemeClr val="lt1"/>
+            </a:fontRef>
+          </p:style>
+          <p:txBody>
+            <a:bodyPr rtlCol="0" anchor="ctr"/>
+            <a:lstStyle/>
+            <a:p>
+              <a:pPr algn="ctr"/>
+              <a:endParaRPr lang="en-US"/>
+            </a:p>
+          </p:txBody>
+        </p:sp>
+        <p:pic>
+          <p:nvPicPr>
+            <p:cNvPr id="202" name="Graphic 11" descr="Star with solid fill">
+              <a:extLst>
+                <a:ext uri="{FF2B5EF4-FFF2-40B4-BE49-F238E27FC236}">
+                  <a16:creationId xmlns:a16="http://schemas.microsoft.com/office/drawing/2014/main" id="{B4C251D3-DFBD-C944-9FE9-C32A01DD15CF}"/>
+                </a:ext>
+              </a:extLst>
+            </p:cNvPr>
+            <p:cNvPicPr>
+              <a:picLocks noChangeAspect="1"/>
+            </p:cNvPicPr>
+            <p:nvPr/>
+          </p:nvPicPr>
+          <p:blipFill>
+            <a:blip r:embed="rId2">
+              <a:extLst>
+                <a:ext uri="{96DAC541-7B7A-43D3-8B79-37D633B846F1}">
+                  <asvg:svgBlip xmlns:asvg="http://schemas.microsoft.com/office/drawing/2016/SVG/main" r:embed="rId3"/>
+                </a:ext>
+              </a:extLst>
+            </a:blip>
+            <a:stretch>
+              <a:fillRect/>
+            </a:stretch>
+          </p:blipFill>
+          <p:spPr>
+            <a:xfrm>
+              <a:off x="3601465" y="961184"/>
+              <a:ext cx="800100" cy="800100"/>
+            </a:xfrm>
+            <a:prstGeom prst="rect">
+              <a:avLst/>
+            </a:prstGeom>
+          </p:spPr>
+        </p:pic>
+      </p:grpSp>
+      <p:grpSp>
+        <p:nvGrpSpPr>
+          <p:cNvPr id="203" name="Group 20">
+            <a:extLst>
+              <a:ext uri="{FF2B5EF4-FFF2-40B4-BE49-F238E27FC236}">
+                <a16:creationId xmlns:a16="http://schemas.microsoft.com/office/drawing/2014/main" id="{E768F386-231D-5944-B47C-8F0324128FDC}"/>
+              </a:ext>
+            </a:extLst>
+          </p:cNvPr>
+          <p:cNvGrpSpPr/>
+          <p:nvPr/>
+        </p:nvGrpSpPr>
+        <p:grpSpPr>
+          <a:xfrm>
+            <a:off x="7961887" y="8871609"/>
+            <a:ext cx="1028700" cy="1028700"/>
+            <a:chOff x="4864790" y="1138638"/>
+            <a:chExt cx="1028700" cy="1028700"/>
+          </a:xfrm>
+        </p:grpSpPr>
+        <p:sp>
+          <p:nvSpPr>
+            <p:cNvPr id="204" name="Rounded Rectangle 13">
+              <a:extLst>
+                <a:ext uri="{FF2B5EF4-FFF2-40B4-BE49-F238E27FC236}">
+                  <a16:creationId xmlns:a16="http://schemas.microsoft.com/office/drawing/2014/main" id="{58AAE4FE-4D16-2947-A36E-975DC90C4768}"/>
+                </a:ext>
+              </a:extLst>
+            </p:cNvPr>
+            <p:cNvSpPr/>
+            <p:nvPr/>
+          </p:nvSpPr>
+          <p:spPr>
+            <a:xfrm>
+              <a:off x="4864790" y="1138638"/>
+              <a:ext cx="1028700" cy="1028700"/>
+            </a:xfrm>
+            <a:prstGeom prst="roundRect">
+              <a:avLst>
+                <a:gd name="adj" fmla="val 24152"/>
+              </a:avLst>
+            </a:prstGeom>
+            <a:solidFill>
+              <a:srgbClr val="F25C4E"/>
+            </a:solidFill>
+            <a:ln>
+              <a:noFill/>
+            </a:ln>
+          </p:spPr>
+          <p:style>
+            <a:lnRef idx="2">
+              <a:schemeClr val="accent1">
+                <a:shade val="50000"/>
+              </a:schemeClr>
+            </a:lnRef>
+            <a:fillRef idx="1">
+              <a:schemeClr val="accent1"/>
+            </a:fillRef>
+            <a:effectRef idx="0">
+              <a:schemeClr val="accent1"/>
+            </a:effectRef>
+            <a:fontRef idx="minor">
+              <a:schemeClr val="lt1"/>
+            </a:fontRef>
+          </p:style>
+          <p:txBody>
+            <a:bodyPr rtlCol="0" anchor="ctr"/>
+            <a:lstStyle/>
+            <a:p>
+              <a:pPr algn="ctr"/>
+              <a:endParaRPr lang="en-US"/>
+            </a:p>
+          </p:txBody>
+        </p:sp>
+        <p:sp>
+          <p:nvSpPr>
+            <p:cNvPr id="205" name="Freeform 19">
+              <a:extLst>
+                <a:ext uri="{FF2B5EF4-FFF2-40B4-BE49-F238E27FC236}">
+                  <a16:creationId xmlns:a16="http://schemas.microsoft.com/office/drawing/2014/main" id="{D7B6F5C0-BE47-FB43-B0E1-C3A2FF888809}"/>
+                </a:ext>
+              </a:extLst>
+            </p:cNvPr>
+            <p:cNvSpPr/>
+            <p:nvPr/>
+          </p:nvSpPr>
+          <p:spPr>
+            <a:xfrm>
+              <a:off x="5379140" y="1138638"/>
+              <a:ext cx="514350" cy="1028700"/>
+            </a:xfrm>
+            <a:custGeom>
+              <a:avLst/>
+              <a:gdLst>
+                <a:gd name="connsiteX0" fmla="*/ 0 w 514350"/>
+                <a:gd name="connsiteY0" fmla="*/ 0 h 1028700"/>
+                <a:gd name="connsiteX1" fmla="*/ 265898 w 514350"/>
+                <a:gd name="connsiteY1" fmla="*/ 0 h 1028700"/>
+                <a:gd name="connsiteX2" fmla="*/ 514350 w 514350"/>
+                <a:gd name="connsiteY2" fmla="*/ 248452 h 1028700"/>
+                <a:gd name="connsiteX3" fmla="*/ 514350 w 514350"/>
+                <a:gd name="connsiteY3" fmla="*/ 780248 h 1028700"/>
+                <a:gd name="connsiteX4" fmla="*/ 265898 w 514350"/>
+                <a:gd name="connsiteY4" fmla="*/ 1028700 h 1028700"/>
+                <a:gd name="connsiteX5" fmla="*/ 0 w 514350"/>
+                <a:gd name="connsiteY5" fmla="*/ 1028700 h 1028700"/>
+              </a:gdLst>
+              <a:ahLst/>
+              <a:cxnLst>
+                <a:cxn ang="0">
+                  <a:pos x="connsiteX0" y="connsiteY0"/>
+                </a:cxn>
+                <a:cxn ang="0">
+                  <a:pos x="connsiteX1" y="connsiteY1"/>
+                </a:cxn>
+                <a:cxn ang="0">
+                  <a:pos x="connsiteX2" y="connsiteY2"/>
+                </a:cxn>
+                <a:cxn ang="0">
+                  <a:pos x="connsiteX3" y="connsiteY3"/>
+                </a:cxn>
+                <a:cxn ang="0">
+                  <a:pos x="connsiteX4" y="connsiteY4"/>
+                </a:cxn>
+                <a:cxn ang="0">
+                  <a:pos x="connsiteX5" y="connsiteY5"/>
+                </a:cxn>
+              </a:cxnLst>
+              <a:rect l="l" t="t" r="r" b="b"/>
+              <a:pathLst>
+                <a:path w="514350" h="1028700">
+                  <a:moveTo>
+                    <a:pt x="0" y="0"/>
+                  </a:moveTo>
+                  <a:lnTo>
+                    <a:pt x="265898" y="0"/>
+                  </a:lnTo>
+                  <a:cubicBezTo>
+                    <a:pt x="403114" y="0"/>
+                    <a:pt x="514350" y="111236"/>
+                    <a:pt x="514350" y="248452"/>
+                  </a:cubicBezTo>
+                  <a:lnTo>
+                    <a:pt x="514350" y="780248"/>
+                  </a:lnTo>
+                  <a:cubicBezTo>
+                    <a:pt x="514350" y="917464"/>
+                    <a:pt x="403114" y="1028700"/>
+                    <a:pt x="265898" y="1028700"/>
+                  </a:cubicBezTo>
+                  <a:lnTo>
+                    <a:pt x="0" y="1028700"/>
+                  </a:lnTo>
+                  <a:close/>
+                </a:path>
+              </a:pathLst>
+            </a:custGeom>
+            <a:solidFill>
+              <a:srgbClr val="CBCCCB"/>
+            </a:solidFill>
+            <a:ln>
+              <a:noFill/>
+            </a:ln>
+          </p:spPr>
+          <p:style>
+            <a:lnRef idx="2">
+              <a:schemeClr val="accent1">
+                <a:shade val="50000"/>
+              </a:schemeClr>
+            </a:lnRef>
+            <a:fillRef idx="1">
+              <a:schemeClr val="accent1"/>
+            </a:fillRef>
+            <a:effectRef idx="0">
+              <a:schemeClr val="accent1"/>
+            </a:effectRef>
+            <a:fontRef idx="minor">
+              <a:schemeClr val="lt1"/>
+            </a:fontRef>
+          </p:style>
+          <p:txBody>
+            <a:bodyPr wrap="square" rtlCol="0" anchor="ctr">
+              <a:noAutofit/>
+            </a:bodyPr>
+            <a:lstStyle/>
+            <a:p>
+              <a:pPr algn="ctr"/>
+              <a:endParaRPr lang="en-US"/>
+            </a:p>
+          </p:txBody>
+        </p:sp>
+        <p:pic>
+          <p:nvPicPr>
+            <p:cNvPr id="206" name="Graphic 14" descr="Star with solid fill">
+              <a:extLst>
+                <a:ext uri="{FF2B5EF4-FFF2-40B4-BE49-F238E27FC236}">
+                  <a16:creationId xmlns:a16="http://schemas.microsoft.com/office/drawing/2014/main" id="{0B252928-299B-D546-843A-D41DB673EB70}"/>
+                </a:ext>
+              </a:extLst>
+            </p:cNvPr>
+            <p:cNvPicPr>
+              <a:picLocks noChangeAspect="1"/>
+            </p:cNvPicPr>
+            <p:nvPr/>
+          </p:nvPicPr>
+          <p:blipFill>
+            <a:blip r:embed="rId2">
+              <a:extLst>
+                <a:ext uri="{96DAC541-7B7A-43D3-8B79-37D633B846F1}">
+                  <asvg:svgBlip xmlns:asvg="http://schemas.microsoft.com/office/drawing/2016/SVG/main" r:embed="rId3"/>
+                </a:ext>
+              </a:extLst>
+            </a:blip>
+            <a:stretch>
+              <a:fillRect/>
+            </a:stretch>
+          </p:blipFill>
+          <p:spPr>
+            <a:xfrm>
+              <a:off x="4979691" y="1248576"/>
+              <a:ext cx="800100" cy="800100"/>
+            </a:xfrm>
+            <a:prstGeom prst="rect">
+              <a:avLst/>
+            </a:prstGeom>
+          </p:spPr>
+        </p:pic>
+      </p:grpSp>
+      <p:grpSp>
+        <p:nvGrpSpPr>
+          <p:cNvPr id="207" name="Group 5">
+            <a:extLst>
+              <a:ext uri="{FF2B5EF4-FFF2-40B4-BE49-F238E27FC236}">
+                <a16:creationId xmlns:a16="http://schemas.microsoft.com/office/drawing/2014/main" id="{6DD2A478-7020-C442-98FD-2AA982347F15}"/>
+              </a:ext>
+            </a:extLst>
+          </p:cNvPr>
+          <p:cNvGrpSpPr/>
+          <p:nvPr/>
+        </p:nvGrpSpPr>
+        <p:grpSpPr>
+          <a:xfrm>
+            <a:off x="4578073" y="10083623"/>
+            <a:ext cx="1028700" cy="1028700"/>
+            <a:chOff x="3486564" y="851246"/>
+            <a:chExt cx="1028700" cy="1028700"/>
+          </a:xfrm>
+        </p:grpSpPr>
+        <p:sp>
+          <p:nvSpPr>
+            <p:cNvPr id="208" name="Rounded Rectangle 3">
+              <a:extLst>
+                <a:ext uri="{FF2B5EF4-FFF2-40B4-BE49-F238E27FC236}">
+                  <a16:creationId xmlns:a16="http://schemas.microsoft.com/office/drawing/2014/main" id="{14FF549E-A69B-CC48-AA4F-FF77AB4C2E9A}"/>
+                </a:ext>
+              </a:extLst>
+            </p:cNvPr>
+            <p:cNvSpPr/>
+            <p:nvPr/>
+          </p:nvSpPr>
+          <p:spPr>
+            <a:xfrm>
+              <a:off x="3486564" y="851246"/>
+              <a:ext cx="1028700" cy="1028700"/>
+            </a:xfrm>
+            <a:prstGeom prst="roundRect">
+              <a:avLst>
+                <a:gd name="adj" fmla="val 24152"/>
+              </a:avLst>
+            </a:prstGeom>
+            <a:solidFill>
+              <a:srgbClr val="F25C4E"/>
+            </a:solidFill>
+            <a:ln>
+              <a:noFill/>
+            </a:ln>
+          </p:spPr>
+          <p:style>
+            <a:lnRef idx="2">
+              <a:schemeClr val="accent1">
+                <a:shade val="50000"/>
+              </a:schemeClr>
+            </a:lnRef>
+            <a:fillRef idx="1">
+              <a:schemeClr val="accent1"/>
+            </a:fillRef>
+            <a:effectRef idx="0">
+              <a:schemeClr val="accent1"/>
+            </a:effectRef>
+            <a:fontRef idx="minor">
+              <a:schemeClr val="lt1"/>
+            </a:fontRef>
+          </p:style>
+          <p:txBody>
+            <a:bodyPr rtlCol="0" anchor="ctr"/>
+            <a:lstStyle/>
+            <a:p>
+              <a:pPr algn="ctr"/>
+              <a:endParaRPr lang="en-US"/>
+            </a:p>
+          </p:txBody>
+        </p:sp>
+        <p:pic>
+          <p:nvPicPr>
+            <p:cNvPr id="209" name="Graphic 4" descr="Star with solid fill">
+              <a:extLst>
+                <a:ext uri="{FF2B5EF4-FFF2-40B4-BE49-F238E27FC236}">
+                  <a16:creationId xmlns:a16="http://schemas.microsoft.com/office/drawing/2014/main" id="{7ECD9D06-D42D-1E49-9249-A5B0877E8AAA}"/>
+                </a:ext>
+              </a:extLst>
+            </p:cNvPr>
+            <p:cNvPicPr>
+              <a:picLocks noChangeAspect="1"/>
+            </p:cNvPicPr>
+            <p:nvPr/>
+          </p:nvPicPr>
+          <p:blipFill>
+            <a:blip r:embed="rId2">
+              <a:extLst>
+                <a:ext uri="{96DAC541-7B7A-43D3-8B79-37D633B846F1}">
+                  <asvg:svgBlip xmlns:asvg="http://schemas.microsoft.com/office/drawing/2016/SVG/main" r:embed="rId3"/>
+                </a:ext>
+              </a:extLst>
+            </a:blip>
+            <a:stretch>
+              <a:fillRect/>
+            </a:stretch>
+          </p:blipFill>
+          <p:spPr>
+            <a:xfrm>
+              <a:off x="3601465" y="961184"/>
+              <a:ext cx="800100" cy="800100"/>
+            </a:xfrm>
+            <a:prstGeom prst="rect">
+              <a:avLst/>
+            </a:prstGeom>
+          </p:spPr>
+        </p:pic>
+      </p:grpSp>
+      <p:grpSp>
+        <p:nvGrpSpPr>
+          <p:cNvPr id="210" name="Group 85">
+            <a:extLst>
+              <a:ext uri="{FF2B5EF4-FFF2-40B4-BE49-F238E27FC236}">
+                <a16:creationId xmlns:a16="http://schemas.microsoft.com/office/drawing/2014/main" id="{D7E32EF9-7113-4440-980A-70B5E3C7556F}"/>
+              </a:ext>
+            </a:extLst>
+          </p:cNvPr>
+          <p:cNvGrpSpPr/>
+          <p:nvPr/>
+        </p:nvGrpSpPr>
+        <p:grpSpPr>
+          <a:xfrm>
+            <a:off x="9089824" y="10083623"/>
+            <a:ext cx="1028700" cy="1028700"/>
+            <a:chOff x="4864790" y="1138638"/>
+            <a:chExt cx="1028700" cy="1028700"/>
+          </a:xfrm>
+        </p:grpSpPr>
+        <p:sp>
+          <p:nvSpPr>
+            <p:cNvPr id="211" name="Rounded Rectangle 86">
+              <a:extLst>
+                <a:ext uri="{FF2B5EF4-FFF2-40B4-BE49-F238E27FC236}">
+                  <a16:creationId xmlns:a16="http://schemas.microsoft.com/office/drawing/2014/main" id="{0AAE2901-21B0-234F-8DCC-14EB2A9EA724}"/>
+                </a:ext>
+              </a:extLst>
+            </p:cNvPr>
+            <p:cNvSpPr/>
+            <p:nvPr/>
+          </p:nvSpPr>
+          <p:spPr>
+            <a:xfrm>
+              <a:off x="4864790" y="1138638"/>
+              <a:ext cx="1028700" cy="1028700"/>
+            </a:xfrm>
+            <a:prstGeom prst="roundRect">
+              <a:avLst>
+                <a:gd name="adj" fmla="val 24152"/>
+              </a:avLst>
+            </a:prstGeom>
+            <a:solidFill>
+              <a:srgbClr val="CBCCCB"/>
+            </a:solidFill>
+            <a:ln>
+              <a:noFill/>
+            </a:ln>
+          </p:spPr>
+          <p:style>
+            <a:lnRef idx="2">
+              <a:schemeClr val="accent1">
+                <a:shade val="50000"/>
+              </a:schemeClr>
+            </a:lnRef>
+            <a:fillRef idx="1">
+              <a:schemeClr val="accent1"/>
+            </a:fillRef>
+            <a:effectRef idx="0">
+              <a:schemeClr val="accent1"/>
+            </a:effectRef>
+            <a:fontRef idx="minor">
+              <a:schemeClr val="lt1"/>
+            </a:fontRef>
+          </p:style>
+          <p:txBody>
+            <a:bodyPr rtlCol="0" anchor="ctr"/>
+            <a:lstStyle/>
+            <a:p>
+              <a:pPr algn="ctr"/>
+              <a:endParaRPr lang="en-US"/>
+            </a:p>
+          </p:txBody>
+        </p:sp>
+        <p:pic>
+          <p:nvPicPr>
+            <p:cNvPr id="212" name="Graphic 87" descr="Star with solid fill">
+              <a:extLst>
+                <a:ext uri="{FF2B5EF4-FFF2-40B4-BE49-F238E27FC236}">
+                  <a16:creationId xmlns:a16="http://schemas.microsoft.com/office/drawing/2014/main" id="{9823486F-5D80-4F4E-9F55-8AC8330610F0}"/>
+                </a:ext>
+              </a:extLst>
+            </p:cNvPr>
+            <p:cNvPicPr>
+              <a:picLocks noChangeAspect="1"/>
+            </p:cNvPicPr>
+            <p:nvPr/>
+          </p:nvPicPr>
+          <p:blipFill>
+            <a:blip r:embed="rId2">
+              <a:extLst>
+                <a:ext uri="{96DAC541-7B7A-43D3-8B79-37D633B846F1}">
+                  <asvg:svgBlip xmlns:asvg="http://schemas.microsoft.com/office/drawing/2016/SVG/main" r:embed="rId3"/>
+                </a:ext>
+              </a:extLst>
+            </a:blip>
+            <a:stretch>
+              <a:fillRect/>
+            </a:stretch>
+          </p:blipFill>
+          <p:spPr>
+            <a:xfrm>
+              <a:off x="4979691" y="1248576"/>
+              <a:ext cx="800100" cy="800100"/>
+            </a:xfrm>
+            <a:prstGeom prst="rect">
+              <a:avLst/>
+            </a:prstGeom>
+          </p:spPr>
+        </p:pic>
+      </p:grpSp>
+      <p:grpSp>
+        <p:nvGrpSpPr>
+          <p:cNvPr id="213" name="Group 9">
+            <a:extLst>
+              <a:ext uri="{FF2B5EF4-FFF2-40B4-BE49-F238E27FC236}">
+                <a16:creationId xmlns:a16="http://schemas.microsoft.com/office/drawing/2014/main" id="{A0CF05EA-2196-884E-BCC8-AF33451811DB}"/>
+              </a:ext>
+            </a:extLst>
+          </p:cNvPr>
+          <p:cNvGrpSpPr/>
+          <p:nvPr/>
+        </p:nvGrpSpPr>
+        <p:grpSpPr>
+          <a:xfrm>
+            <a:off x="5706011" y="10083623"/>
+            <a:ext cx="1028700" cy="1028700"/>
+            <a:chOff x="3486564" y="851246"/>
+            <a:chExt cx="1028700" cy="1028700"/>
+          </a:xfrm>
+        </p:grpSpPr>
+        <p:sp>
+          <p:nvSpPr>
+            <p:cNvPr id="214" name="Rounded Rectangle 10">
+              <a:extLst>
+                <a:ext uri="{FF2B5EF4-FFF2-40B4-BE49-F238E27FC236}">
+                  <a16:creationId xmlns:a16="http://schemas.microsoft.com/office/drawing/2014/main" id="{FE995F7C-712C-9B4D-84A2-357D1C9CFD2B}"/>
+                </a:ext>
+              </a:extLst>
+            </p:cNvPr>
+            <p:cNvSpPr/>
+            <p:nvPr/>
+          </p:nvSpPr>
+          <p:spPr>
+            <a:xfrm>
+              <a:off x="3486564" y="851246"/>
+              <a:ext cx="1028700" cy="1028700"/>
+            </a:xfrm>
+            <a:prstGeom prst="roundRect">
+              <a:avLst>
+                <a:gd name="adj" fmla="val 24152"/>
+              </a:avLst>
+            </a:prstGeom>
+            <a:solidFill>
+              <a:srgbClr val="F25C4E"/>
+            </a:solidFill>
+            <a:ln>
+              <a:noFill/>
+            </a:ln>
+          </p:spPr>
+          <p:style>
+            <a:lnRef idx="2">
+              <a:schemeClr val="accent1">
+                <a:shade val="50000"/>
+              </a:schemeClr>
+            </a:lnRef>
+            <a:fillRef idx="1">
+              <a:schemeClr val="accent1"/>
+            </a:fillRef>
+            <a:effectRef idx="0">
+              <a:schemeClr val="accent1"/>
+            </a:effectRef>
+            <a:fontRef idx="minor">
+              <a:schemeClr val="lt1"/>
+            </a:fontRef>
+          </p:style>
+          <p:txBody>
+            <a:bodyPr rtlCol="0" anchor="ctr"/>
+            <a:lstStyle/>
+            <a:p>
+              <a:pPr algn="ctr"/>
+              <a:endParaRPr lang="en-US"/>
+            </a:p>
+          </p:txBody>
+        </p:sp>
+        <p:pic>
+          <p:nvPicPr>
+            <p:cNvPr id="215" name="Graphic 11" descr="Star with solid fill">
+              <a:extLst>
+                <a:ext uri="{FF2B5EF4-FFF2-40B4-BE49-F238E27FC236}">
+                  <a16:creationId xmlns:a16="http://schemas.microsoft.com/office/drawing/2014/main" id="{7BBA0E5A-B2E9-B249-AC52-F1A6BFA80139}"/>
+                </a:ext>
+              </a:extLst>
+            </p:cNvPr>
+            <p:cNvPicPr>
+              <a:picLocks noChangeAspect="1"/>
+            </p:cNvPicPr>
+            <p:nvPr/>
+          </p:nvPicPr>
+          <p:blipFill>
+            <a:blip r:embed="rId2">
+              <a:extLst>
+                <a:ext uri="{96DAC541-7B7A-43D3-8B79-37D633B846F1}">
+                  <asvg:svgBlip xmlns:asvg="http://schemas.microsoft.com/office/drawing/2016/SVG/main" r:embed="rId3"/>
+                </a:ext>
+              </a:extLst>
+            </a:blip>
+            <a:stretch>
+              <a:fillRect/>
+            </a:stretch>
+          </p:blipFill>
+          <p:spPr>
+            <a:xfrm>
+              <a:off x="3601465" y="961184"/>
+              <a:ext cx="800100" cy="800100"/>
+            </a:xfrm>
+            <a:prstGeom prst="rect">
+              <a:avLst/>
+            </a:prstGeom>
+          </p:spPr>
+        </p:pic>
+      </p:grpSp>
+      <p:grpSp>
+        <p:nvGrpSpPr>
+          <p:cNvPr id="216" name="Group 9">
+            <a:extLst>
+              <a:ext uri="{FF2B5EF4-FFF2-40B4-BE49-F238E27FC236}">
+                <a16:creationId xmlns:a16="http://schemas.microsoft.com/office/drawing/2014/main" id="{E0A29E28-58AB-9148-9370-F527446E23D3}"/>
+              </a:ext>
+            </a:extLst>
+          </p:cNvPr>
+          <p:cNvGrpSpPr/>
+          <p:nvPr/>
+        </p:nvGrpSpPr>
+        <p:grpSpPr>
+          <a:xfrm>
+            <a:off x="6833949" y="10083623"/>
+            <a:ext cx="1028700" cy="1028700"/>
+            <a:chOff x="3486564" y="851246"/>
+            <a:chExt cx="1028700" cy="1028700"/>
+          </a:xfrm>
+        </p:grpSpPr>
+        <p:sp>
+          <p:nvSpPr>
+            <p:cNvPr id="217" name="Rounded Rectangle 10">
+              <a:extLst>
+                <a:ext uri="{FF2B5EF4-FFF2-40B4-BE49-F238E27FC236}">
+                  <a16:creationId xmlns:a16="http://schemas.microsoft.com/office/drawing/2014/main" id="{42326E21-F799-1A4A-95AC-5766375CA9D5}"/>
+                </a:ext>
+              </a:extLst>
+            </p:cNvPr>
+            <p:cNvSpPr/>
+            <p:nvPr/>
+          </p:nvSpPr>
+          <p:spPr>
+            <a:xfrm>
+              <a:off x="3486564" y="851246"/>
+              <a:ext cx="1028700" cy="1028700"/>
+            </a:xfrm>
+            <a:prstGeom prst="roundRect">
+              <a:avLst>
+                <a:gd name="adj" fmla="val 24152"/>
+              </a:avLst>
+            </a:prstGeom>
+            <a:solidFill>
+              <a:srgbClr val="F25C4E"/>
+            </a:solidFill>
+            <a:ln>
+              <a:noFill/>
+            </a:ln>
+          </p:spPr>
+          <p:style>
+            <a:lnRef idx="2">
+              <a:schemeClr val="accent1">
+                <a:shade val="50000"/>
+              </a:schemeClr>
+            </a:lnRef>
+            <a:fillRef idx="1">
+              <a:schemeClr val="accent1"/>
+            </a:fillRef>
+            <a:effectRef idx="0">
+              <a:schemeClr val="accent1"/>
+            </a:effectRef>
+            <a:fontRef idx="minor">
+              <a:schemeClr val="lt1"/>
+            </a:fontRef>
+          </p:style>
+          <p:txBody>
+            <a:bodyPr rtlCol="0" anchor="ctr"/>
+            <a:lstStyle/>
+            <a:p>
+              <a:pPr algn="ctr"/>
+              <a:endParaRPr lang="en-US"/>
+            </a:p>
+          </p:txBody>
+        </p:sp>
+        <p:pic>
+          <p:nvPicPr>
+            <p:cNvPr id="218" name="Graphic 11" descr="Star with solid fill">
+              <a:extLst>
+                <a:ext uri="{FF2B5EF4-FFF2-40B4-BE49-F238E27FC236}">
+                  <a16:creationId xmlns:a16="http://schemas.microsoft.com/office/drawing/2014/main" id="{803AE0E6-53A3-5B4C-BCD6-09C6885A94A1}"/>
+                </a:ext>
+              </a:extLst>
+            </p:cNvPr>
+            <p:cNvPicPr>
+              <a:picLocks noChangeAspect="1"/>
+            </p:cNvPicPr>
+            <p:nvPr/>
+          </p:nvPicPr>
+          <p:blipFill>
+            <a:blip r:embed="rId2">
+              <a:extLst>
+                <a:ext uri="{96DAC541-7B7A-43D3-8B79-37D633B846F1}">
+                  <asvg:svgBlip xmlns:asvg="http://schemas.microsoft.com/office/drawing/2016/SVG/main" r:embed="rId3"/>
+                </a:ext>
+              </a:extLst>
+            </a:blip>
+            <a:stretch>
+              <a:fillRect/>
+            </a:stretch>
+          </p:blipFill>
+          <p:spPr>
+            <a:xfrm>
+              <a:off x="3601465" y="961184"/>
+              <a:ext cx="800100" cy="800100"/>
+            </a:xfrm>
+            <a:prstGeom prst="rect">
+              <a:avLst/>
+            </a:prstGeom>
+          </p:spPr>
+        </p:pic>
+      </p:grpSp>
+      <p:grpSp>
+        <p:nvGrpSpPr>
+          <p:cNvPr id="223" name="Group 60">
+            <a:extLst>
+              <a:ext uri="{FF2B5EF4-FFF2-40B4-BE49-F238E27FC236}">
+                <a16:creationId xmlns:a16="http://schemas.microsoft.com/office/drawing/2014/main" id="{6D8DA277-26A9-A948-AF4B-73DDBFE7D709}"/>
+              </a:ext>
+            </a:extLst>
+          </p:cNvPr>
+          <p:cNvGrpSpPr/>
+          <p:nvPr/>
+        </p:nvGrpSpPr>
+        <p:grpSpPr>
+          <a:xfrm>
+            <a:off x="7961887" y="10083623"/>
+            <a:ext cx="1028700" cy="1028700"/>
+            <a:chOff x="3486564" y="851246"/>
+            <a:chExt cx="1028700" cy="1028700"/>
+          </a:xfrm>
+        </p:grpSpPr>
+        <p:sp>
+          <p:nvSpPr>
+            <p:cNvPr id="224" name="Rounded Rectangle 61">
+              <a:extLst>
+                <a:ext uri="{FF2B5EF4-FFF2-40B4-BE49-F238E27FC236}">
+                  <a16:creationId xmlns:a16="http://schemas.microsoft.com/office/drawing/2014/main" id="{5A476A73-AFD3-5B46-8C3F-5978770D9810}"/>
+                </a:ext>
+              </a:extLst>
+            </p:cNvPr>
+            <p:cNvSpPr/>
+            <p:nvPr/>
+          </p:nvSpPr>
+          <p:spPr>
+            <a:xfrm>
+              <a:off x="3486564" y="851246"/>
+              <a:ext cx="1028700" cy="1028700"/>
+            </a:xfrm>
+            <a:prstGeom prst="roundRect">
+              <a:avLst>
+                <a:gd name="adj" fmla="val 24152"/>
+              </a:avLst>
+            </a:prstGeom>
+            <a:solidFill>
+              <a:srgbClr val="F25C4E"/>
+            </a:solidFill>
+            <a:ln>
+              <a:noFill/>
+            </a:ln>
+          </p:spPr>
+          <p:style>
+            <a:lnRef idx="2">
+              <a:schemeClr val="accent1">
+                <a:shade val="50000"/>
+              </a:schemeClr>
+            </a:lnRef>
+            <a:fillRef idx="1">
+              <a:schemeClr val="accent1"/>
+            </a:fillRef>
+            <a:effectRef idx="0">
+              <a:schemeClr val="accent1"/>
+            </a:effectRef>
+            <a:fontRef idx="minor">
+              <a:schemeClr val="lt1"/>
+            </a:fontRef>
+          </p:style>
+          <p:txBody>
+            <a:bodyPr rtlCol="0" anchor="ctr"/>
+            <a:lstStyle/>
+            <a:p>
+              <a:pPr algn="ctr"/>
+              <a:endParaRPr lang="en-US"/>
+            </a:p>
+          </p:txBody>
+        </p:sp>
+        <p:pic>
+          <p:nvPicPr>
+            <p:cNvPr id="225" name="Graphic 62" descr="Star with solid fill">
+              <a:extLst>
+                <a:ext uri="{FF2B5EF4-FFF2-40B4-BE49-F238E27FC236}">
+                  <a16:creationId xmlns:a16="http://schemas.microsoft.com/office/drawing/2014/main" id="{F6A76565-0AEE-0343-8CCE-85DA9A862256}"/>
+                </a:ext>
+              </a:extLst>
+            </p:cNvPr>
+            <p:cNvPicPr>
+              <a:picLocks noChangeAspect="1"/>
+            </p:cNvPicPr>
+            <p:nvPr/>
+          </p:nvPicPr>
+          <p:blipFill>
+            <a:blip r:embed="rId2">
+              <a:extLst>
+                <a:ext uri="{96DAC541-7B7A-43D3-8B79-37D633B846F1}">
+                  <asvg:svgBlip xmlns:asvg="http://schemas.microsoft.com/office/drawing/2016/SVG/main" r:embed="rId3"/>
+                </a:ext>
+              </a:extLst>
+            </a:blip>
+            <a:stretch>
+              <a:fillRect/>
+            </a:stretch>
+          </p:blipFill>
+          <p:spPr>
+            <a:xfrm>
+              <a:off x="3601465" y="961184"/>
+              <a:ext cx="800100" cy="800100"/>
+            </a:xfrm>
+            <a:prstGeom prst="rect">
+              <a:avLst/>
+            </a:prstGeom>
+          </p:spPr>
+        </p:pic>
+      </p:grpSp>
+      <p:grpSp>
+        <p:nvGrpSpPr>
+          <p:cNvPr id="226" name="Group 51">
+            <a:extLst>
+              <a:ext uri="{FF2B5EF4-FFF2-40B4-BE49-F238E27FC236}">
+                <a16:creationId xmlns:a16="http://schemas.microsoft.com/office/drawing/2014/main" id="{2DC821AA-21DF-C941-9423-F05A1506A72A}"/>
+              </a:ext>
+            </a:extLst>
+          </p:cNvPr>
+          <p:cNvGrpSpPr/>
+          <p:nvPr/>
+        </p:nvGrpSpPr>
+        <p:grpSpPr>
+          <a:xfrm>
+            <a:off x="4578073" y="11295637"/>
+            <a:ext cx="1028700" cy="1028700"/>
+            <a:chOff x="3486564" y="851246"/>
+            <a:chExt cx="1028700" cy="1028700"/>
+          </a:xfrm>
+        </p:grpSpPr>
+        <p:sp>
+          <p:nvSpPr>
+            <p:cNvPr id="227" name="Rounded Rectangle 52">
+              <a:extLst>
+                <a:ext uri="{FF2B5EF4-FFF2-40B4-BE49-F238E27FC236}">
+                  <a16:creationId xmlns:a16="http://schemas.microsoft.com/office/drawing/2014/main" id="{737D0D4C-B866-A14E-B427-27F93C1560C9}"/>
+                </a:ext>
+              </a:extLst>
+            </p:cNvPr>
+            <p:cNvSpPr/>
+            <p:nvPr/>
+          </p:nvSpPr>
+          <p:spPr>
+            <a:xfrm>
+              <a:off x="3486564" y="851246"/>
+              <a:ext cx="1028700" cy="1028700"/>
+            </a:xfrm>
+            <a:prstGeom prst="roundRect">
+              <a:avLst>
+                <a:gd name="adj" fmla="val 24152"/>
+              </a:avLst>
+            </a:prstGeom>
+            <a:solidFill>
+              <a:srgbClr val="F25C4E"/>
+            </a:solidFill>
+            <a:ln>
+              <a:noFill/>
+            </a:ln>
+          </p:spPr>
+          <p:style>
+            <a:lnRef idx="2">
+              <a:schemeClr val="accent1">
+                <a:shade val="50000"/>
+              </a:schemeClr>
+            </a:lnRef>
+            <a:fillRef idx="1">
+              <a:schemeClr val="accent1"/>
+            </a:fillRef>
+            <a:effectRef idx="0">
+              <a:schemeClr val="accent1"/>
+            </a:effectRef>
+            <a:fontRef idx="minor">
+              <a:schemeClr val="lt1"/>
+            </a:fontRef>
+          </p:style>
+          <p:txBody>
+            <a:bodyPr rtlCol="0" anchor="ctr"/>
+            <a:lstStyle/>
+            <a:p>
+              <a:pPr algn="ctr"/>
+              <a:endParaRPr lang="en-US"/>
+            </a:p>
+          </p:txBody>
+        </p:sp>
+        <p:pic>
+          <p:nvPicPr>
+            <p:cNvPr id="228" name="Graphic 53" descr="Star with solid fill">
+              <a:extLst>
+                <a:ext uri="{FF2B5EF4-FFF2-40B4-BE49-F238E27FC236}">
+                  <a16:creationId xmlns:a16="http://schemas.microsoft.com/office/drawing/2014/main" id="{FFF72B8F-CC05-AB45-A452-19B62EC152F1}"/>
+                </a:ext>
+              </a:extLst>
+            </p:cNvPr>
+            <p:cNvPicPr>
+              <a:picLocks noChangeAspect="1"/>
+            </p:cNvPicPr>
+            <p:nvPr/>
+          </p:nvPicPr>
+          <p:blipFill>
+            <a:blip r:embed="rId2">
+              <a:extLst>
+                <a:ext uri="{96DAC541-7B7A-43D3-8B79-37D633B846F1}">
+                  <asvg:svgBlip xmlns:asvg="http://schemas.microsoft.com/office/drawing/2016/SVG/main" r:embed="rId3"/>
+                </a:ext>
+              </a:extLst>
+            </a:blip>
+            <a:stretch>
+              <a:fillRect/>
+            </a:stretch>
+          </p:blipFill>
+          <p:spPr>
+            <a:xfrm>
+              <a:off x="3601465" y="961184"/>
+              <a:ext cx="800100" cy="800100"/>
+            </a:xfrm>
+            <a:prstGeom prst="rect">
+              <a:avLst/>
+            </a:prstGeom>
+          </p:spPr>
+        </p:pic>
+      </p:grpSp>
+      <p:grpSp>
+        <p:nvGrpSpPr>
+          <p:cNvPr id="229" name="Group 54">
+            <a:extLst>
+              <a:ext uri="{FF2B5EF4-FFF2-40B4-BE49-F238E27FC236}">
+                <a16:creationId xmlns:a16="http://schemas.microsoft.com/office/drawing/2014/main" id="{7B627B71-2406-E44A-83C1-1FE85F444954}"/>
+              </a:ext>
+            </a:extLst>
+          </p:cNvPr>
+          <p:cNvGrpSpPr/>
+          <p:nvPr/>
+        </p:nvGrpSpPr>
+        <p:grpSpPr>
+          <a:xfrm>
+            <a:off x="5706011" y="11295637"/>
+            <a:ext cx="1028700" cy="1028700"/>
+            <a:chOff x="3486564" y="851246"/>
+            <a:chExt cx="1028700" cy="1028700"/>
+          </a:xfrm>
+        </p:grpSpPr>
+        <p:sp>
+          <p:nvSpPr>
+            <p:cNvPr id="230" name="Rounded Rectangle 55">
+              <a:extLst>
+                <a:ext uri="{FF2B5EF4-FFF2-40B4-BE49-F238E27FC236}">
+                  <a16:creationId xmlns:a16="http://schemas.microsoft.com/office/drawing/2014/main" id="{EA14EF90-727D-5047-8183-5C97D1D1B5E0}"/>
+                </a:ext>
+              </a:extLst>
+            </p:cNvPr>
+            <p:cNvSpPr/>
+            <p:nvPr/>
+          </p:nvSpPr>
+          <p:spPr>
+            <a:xfrm>
+              <a:off x="3486564" y="851246"/>
+              <a:ext cx="1028700" cy="1028700"/>
+            </a:xfrm>
+            <a:prstGeom prst="roundRect">
+              <a:avLst>
+                <a:gd name="adj" fmla="val 24152"/>
+              </a:avLst>
+            </a:prstGeom>
+            <a:solidFill>
+              <a:srgbClr val="F25C4E"/>
+            </a:solidFill>
+            <a:ln>
+              <a:noFill/>
+            </a:ln>
+          </p:spPr>
+          <p:style>
+            <a:lnRef idx="2">
+              <a:schemeClr val="accent1">
+                <a:shade val="50000"/>
+              </a:schemeClr>
+            </a:lnRef>
+            <a:fillRef idx="1">
+              <a:schemeClr val="accent1"/>
+            </a:fillRef>
+            <a:effectRef idx="0">
+              <a:schemeClr val="accent1"/>
+            </a:effectRef>
+            <a:fontRef idx="minor">
+              <a:schemeClr val="lt1"/>
+            </a:fontRef>
+          </p:style>
+          <p:txBody>
+            <a:bodyPr rtlCol="0" anchor="ctr"/>
+            <a:lstStyle/>
+            <a:p>
+              <a:pPr algn="ctr"/>
+              <a:endParaRPr lang="en-US"/>
+            </a:p>
+          </p:txBody>
+        </p:sp>
+        <p:pic>
+          <p:nvPicPr>
+            <p:cNvPr id="231" name="Graphic 56" descr="Star with solid fill">
+              <a:extLst>
+                <a:ext uri="{FF2B5EF4-FFF2-40B4-BE49-F238E27FC236}">
+                  <a16:creationId xmlns:a16="http://schemas.microsoft.com/office/drawing/2014/main" id="{26796F68-CB70-1642-83CF-326D085C99E0}"/>
+                </a:ext>
+              </a:extLst>
+            </p:cNvPr>
+            <p:cNvPicPr>
+              <a:picLocks noChangeAspect="1"/>
+            </p:cNvPicPr>
+            <p:nvPr/>
+          </p:nvPicPr>
+          <p:blipFill>
+            <a:blip r:embed="rId2">
+              <a:extLst>
+                <a:ext uri="{96DAC541-7B7A-43D3-8B79-37D633B846F1}">
+                  <asvg:svgBlip xmlns:asvg="http://schemas.microsoft.com/office/drawing/2016/SVG/main" r:embed="rId3"/>
+                </a:ext>
+              </a:extLst>
+            </a:blip>
+            <a:stretch>
+              <a:fillRect/>
+            </a:stretch>
+          </p:blipFill>
+          <p:spPr>
+            <a:xfrm>
+              <a:off x="3601465" y="961184"/>
+              <a:ext cx="800100" cy="800100"/>
+            </a:xfrm>
+            <a:prstGeom prst="rect">
+              <a:avLst/>
+            </a:prstGeom>
+          </p:spPr>
+        </p:pic>
+      </p:grpSp>
+      <p:grpSp>
+        <p:nvGrpSpPr>
+          <p:cNvPr id="232" name="Group 57">
+            <a:extLst>
+              <a:ext uri="{FF2B5EF4-FFF2-40B4-BE49-F238E27FC236}">
+                <a16:creationId xmlns:a16="http://schemas.microsoft.com/office/drawing/2014/main" id="{DD1054CC-B7FC-C144-A1FB-855367ED25CE}"/>
+              </a:ext>
+            </a:extLst>
+          </p:cNvPr>
+          <p:cNvGrpSpPr/>
+          <p:nvPr/>
+        </p:nvGrpSpPr>
+        <p:grpSpPr>
+          <a:xfrm>
+            <a:off x="6833949" y="11295637"/>
+            <a:ext cx="1028700" cy="1028700"/>
+            <a:chOff x="3486564" y="851246"/>
+            <a:chExt cx="1028700" cy="1028700"/>
+          </a:xfrm>
+        </p:grpSpPr>
+        <p:sp>
+          <p:nvSpPr>
+            <p:cNvPr id="233" name="Rounded Rectangle 58">
+              <a:extLst>
+                <a:ext uri="{FF2B5EF4-FFF2-40B4-BE49-F238E27FC236}">
+                  <a16:creationId xmlns:a16="http://schemas.microsoft.com/office/drawing/2014/main" id="{03B44E31-3D4E-F046-9E78-65C118CDF916}"/>
+                </a:ext>
+              </a:extLst>
+            </p:cNvPr>
+            <p:cNvSpPr/>
+            <p:nvPr/>
+          </p:nvSpPr>
+          <p:spPr>
+            <a:xfrm>
+              <a:off x="3486564" y="851246"/>
+              <a:ext cx="1028700" cy="1028700"/>
+            </a:xfrm>
+            <a:prstGeom prst="roundRect">
+              <a:avLst>
+                <a:gd name="adj" fmla="val 24152"/>
+              </a:avLst>
+            </a:prstGeom>
+            <a:solidFill>
+              <a:srgbClr val="F25C4E"/>
+            </a:solidFill>
+            <a:ln>
+              <a:noFill/>
+            </a:ln>
+          </p:spPr>
+          <p:style>
+            <a:lnRef idx="2">
+              <a:schemeClr val="accent1">
+                <a:shade val="50000"/>
+              </a:schemeClr>
+            </a:lnRef>
+            <a:fillRef idx="1">
+              <a:schemeClr val="accent1"/>
+            </a:fillRef>
+            <a:effectRef idx="0">
+              <a:schemeClr val="accent1"/>
+            </a:effectRef>
+            <a:fontRef idx="minor">
+              <a:schemeClr val="lt1"/>
+            </a:fontRef>
+          </p:style>
+          <p:txBody>
+            <a:bodyPr rtlCol="0" anchor="ctr"/>
+            <a:lstStyle/>
+            <a:p>
+              <a:pPr algn="ctr"/>
+              <a:endParaRPr lang="en-US"/>
+            </a:p>
+          </p:txBody>
+        </p:sp>
+        <p:pic>
+          <p:nvPicPr>
+            <p:cNvPr id="234" name="Graphic 59" descr="Star with solid fill">
+              <a:extLst>
+                <a:ext uri="{FF2B5EF4-FFF2-40B4-BE49-F238E27FC236}">
+                  <a16:creationId xmlns:a16="http://schemas.microsoft.com/office/drawing/2014/main" id="{6156D557-8C72-D148-B42D-2A24059709DA}"/>
+                </a:ext>
+              </a:extLst>
+            </p:cNvPr>
+            <p:cNvPicPr>
+              <a:picLocks noChangeAspect="1"/>
+            </p:cNvPicPr>
+            <p:nvPr/>
+          </p:nvPicPr>
+          <p:blipFill>
+            <a:blip r:embed="rId2">
+              <a:extLst>
+                <a:ext uri="{96DAC541-7B7A-43D3-8B79-37D633B846F1}">
+                  <asvg:svgBlip xmlns:asvg="http://schemas.microsoft.com/office/drawing/2016/SVG/main" r:embed="rId3"/>
+                </a:ext>
+              </a:extLst>
+            </a:blip>
+            <a:stretch>
+              <a:fillRect/>
+            </a:stretch>
+          </p:blipFill>
+          <p:spPr>
+            <a:xfrm>
+              <a:off x="3601465" y="961184"/>
+              <a:ext cx="800100" cy="800100"/>
+            </a:xfrm>
+            <a:prstGeom prst="rect">
+              <a:avLst/>
+            </a:prstGeom>
+          </p:spPr>
+        </p:pic>
+      </p:grpSp>
+      <p:grpSp>
+        <p:nvGrpSpPr>
+          <p:cNvPr id="235" name="Group 60">
+            <a:extLst>
+              <a:ext uri="{FF2B5EF4-FFF2-40B4-BE49-F238E27FC236}">
+                <a16:creationId xmlns:a16="http://schemas.microsoft.com/office/drawing/2014/main" id="{38185B8A-E28F-8D40-975D-8FA8C96A16DA}"/>
+              </a:ext>
+            </a:extLst>
+          </p:cNvPr>
+          <p:cNvGrpSpPr/>
+          <p:nvPr/>
+        </p:nvGrpSpPr>
+        <p:grpSpPr>
+          <a:xfrm>
+            <a:off x="7961887" y="11295637"/>
+            <a:ext cx="1028700" cy="1028700"/>
+            <a:chOff x="3486564" y="851246"/>
+            <a:chExt cx="1028700" cy="1028700"/>
+          </a:xfrm>
+        </p:grpSpPr>
+        <p:sp>
+          <p:nvSpPr>
+            <p:cNvPr id="236" name="Rounded Rectangle 61">
+              <a:extLst>
+                <a:ext uri="{FF2B5EF4-FFF2-40B4-BE49-F238E27FC236}">
+                  <a16:creationId xmlns:a16="http://schemas.microsoft.com/office/drawing/2014/main" id="{E4C4BBCD-E4B7-6542-B80E-3A3BC59A1A4B}"/>
+                </a:ext>
+              </a:extLst>
+            </p:cNvPr>
+            <p:cNvSpPr/>
+            <p:nvPr/>
+          </p:nvSpPr>
+          <p:spPr>
+            <a:xfrm>
+              <a:off x="3486564" y="851246"/>
+              <a:ext cx="1028700" cy="1028700"/>
+            </a:xfrm>
+            <a:prstGeom prst="roundRect">
+              <a:avLst>
+                <a:gd name="adj" fmla="val 24152"/>
+              </a:avLst>
+            </a:prstGeom>
+            <a:solidFill>
+              <a:srgbClr val="F25C4E"/>
+            </a:solidFill>
+            <a:ln>
+              <a:noFill/>
+            </a:ln>
+          </p:spPr>
+          <p:style>
+            <a:lnRef idx="2">
+              <a:schemeClr val="accent1">
+                <a:shade val="50000"/>
+              </a:schemeClr>
+            </a:lnRef>
+            <a:fillRef idx="1">
+              <a:schemeClr val="accent1"/>
+            </a:fillRef>
+            <a:effectRef idx="0">
+              <a:schemeClr val="accent1"/>
+            </a:effectRef>
+            <a:fontRef idx="minor">
+              <a:schemeClr val="lt1"/>
+            </a:fontRef>
+          </p:style>
+          <p:txBody>
+            <a:bodyPr rtlCol="0" anchor="ctr"/>
+            <a:lstStyle/>
+            <a:p>
+              <a:pPr algn="ctr"/>
+              <a:endParaRPr lang="en-US"/>
+            </a:p>
+          </p:txBody>
+        </p:sp>
+        <p:pic>
+          <p:nvPicPr>
+            <p:cNvPr id="237" name="Graphic 62" descr="Star with solid fill">
+              <a:extLst>
+                <a:ext uri="{FF2B5EF4-FFF2-40B4-BE49-F238E27FC236}">
+                  <a16:creationId xmlns:a16="http://schemas.microsoft.com/office/drawing/2014/main" id="{0FA378B1-666E-4E43-B0FA-10F8F3E7A641}"/>
+                </a:ext>
+              </a:extLst>
+            </p:cNvPr>
+            <p:cNvPicPr>
+              <a:picLocks noChangeAspect="1"/>
+            </p:cNvPicPr>
+            <p:nvPr/>
+          </p:nvPicPr>
+          <p:blipFill>
+            <a:blip r:embed="rId2">
+              <a:extLst>
+                <a:ext uri="{96DAC541-7B7A-43D3-8B79-37D633B846F1}">
+                  <asvg:svgBlip xmlns:asvg="http://schemas.microsoft.com/office/drawing/2016/SVG/main" r:embed="rId3"/>
+                </a:ext>
+              </a:extLst>
+            </a:blip>
+            <a:stretch>
+              <a:fillRect/>
+            </a:stretch>
+          </p:blipFill>
+          <p:spPr>
+            <a:xfrm>
+              <a:off x="3601465" y="961184"/>
+              <a:ext cx="800100" cy="800100"/>
+            </a:xfrm>
+            <a:prstGeom prst="rect">
+              <a:avLst/>
+            </a:prstGeom>
+          </p:spPr>
+        </p:pic>
+      </p:grpSp>
+      <p:grpSp>
+        <p:nvGrpSpPr>
+          <p:cNvPr id="241" name="Group 20">
+            <a:extLst>
+              <a:ext uri="{FF2B5EF4-FFF2-40B4-BE49-F238E27FC236}">
+                <a16:creationId xmlns:a16="http://schemas.microsoft.com/office/drawing/2014/main" id="{4F4E8826-C72D-7D4F-B90D-A6F092E86866}"/>
+              </a:ext>
+            </a:extLst>
+          </p:cNvPr>
+          <p:cNvGrpSpPr/>
+          <p:nvPr/>
+        </p:nvGrpSpPr>
+        <p:grpSpPr>
+          <a:xfrm>
+            <a:off x="9089824" y="11295637"/>
+            <a:ext cx="1028700" cy="1028700"/>
+            <a:chOff x="4864790" y="1138638"/>
+            <a:chExt cx="1028700" cy="1028700"/>
+          </a:xfrm>
+        </p:grpSpPr>
+        <p:sp>
+          <p:nvSpPr>
+            <p:cNvPr id="242" name="Rounded Rectangle 13">
+              <a:extLst>
+                <a:ext uri="{FF2B5EF4-FFF2-40B4-BE49-F238E27FC236}">
+                  <a16:creationId xmlns:a16="http://schemas.microsoft.com/office/drawing/2014/main" id="{972318B4-D740-B747-8634-F70AEC24DA2A}"/>
+                </a:ext>
+              </a:extLst>
+            </p:cNvPr>
+            <p:cNvSpPr/>
+            <p:nvPr/>
+          </p:nvSpPr>
+          <p:spPr>
+            <a:xfrm>
+              <a:off x="4864790" y="1138638"/>
+              <a:ext cx="1028700" cy="1028700"/>
+            </a:xfrm>
+            <a:prstGeom prst="roundRect">
+              <a:avLst>
+                <a:gd name="adj" fmla="val 24152"/>
+              </a:avLst>
+            </a:prstGeom>
+            <a:solidFill>
+              <a:srgbClr val="F25C4E"/>
+            </a:solidFill>
+            <a:ln>
+              <a:noFill/>
+            </a:ln>
+          </p:spPr>
+          <p:style>
+            <a:lnRef idx="2">
+              <a:schemeClr val="accent1">
+                <a:shade val="50000"/>
+              </a:schemeClr>
+            </a:lnRef>
+            <a:fillRef idx="1">
+              <a:schemeClr val="accent1"/>
+            </a:fillRef>
+            <a:effectRef idx="0">
+              <a:schemeClr val="accent1"/>
+            </a:effectRef>
+            <a:fontRef idx="minor">
+              <a:schemeClr val="lt1"/>
+            </a:fontRef>
+          </p:style>
+          <p:txBody>
+            <a:bodyPr rtlCol="0" anchor="ctr"/>
+            <a:lstStyle/>
+            <a:p>
+              <a:pPr algn="ctr"/>
+              <a:endParaRPr lang="en-US"/>
+            </a:p>
+          </p:txBody>
+        </p:sp>
+        <p:sp>
+          <p:nvSpPr>
+            <p:cNvPr id="243" name="Freeform 19">
+              <a:extLst>
+                <a:ext uri="{FF2B5EF4-FFF2-40B4-BE49-F238E27FC236}">
+                  <a16:creationId xmlns:a16="http://schemas.microsoft.com/office/drawing/2014/main" id="{AB679BDD-F982-EE49-9E91-41B91F55DC66}"/>
+                </a:ext>
+              </a:extLst>
+            </p:cNvPr>
+            <p:cNvSpPr/>
+            <p:nvPr/>
+          </p:nvSpPr>
+          <p:spPr>
+            <a:xfrm>
+              <a:off x="5379140" y="1138638"/>
+              <a:ext cx="514350" cy="1028700"/>
+            </a:xfrm>
+            <a:custGeom>
+              <a:avLst/>
+              <a:gdLst>
+                <a:gd name="connsiteX0" fmla="*/ 0 w 514350"/>
+                <a:gd name="connsiteY0" fmla="*/ 0 h 1028700"/>
+                <a:gd name="connsiteX1" fmla="*/ 265898 w 514350"/>
+                <a:gd name="connsiteY1" fmla="*/ 0 h 1028700"/>
+                <a:gd name="connsiteX2" fmla="*/ 514350 w 514350"/>
+                <a:gd name="connsiteY2" fmla="*/ 248452 h 1028700"/>
+                <a:gd name="connsiteX3" fmla="*/ 514350 w 514350"/>
+                <a:gd name="connsiteY3" fmla="*/ 780248 h 1028700"/>
+                <a:gd name="connsiteX4" fmla="*/ 265898 w 514350"/>
+                <a:gd name="connsiteY4" fmla="*/ 1028700 h 1028700"/>
+                <a:gd name="connsiteX5" fmla="*/ 0 w 514350"/>
+                <a:gd name="connsiteY5" fmla="*/ 1028700 h 1028700"/>
+              </a:gdLst>
+              <a:ahLst/>
+              <a:cxnLst>
+                <a:cxn ang="0">
+                  <a:pos x="connsiteX0" y="connsiteY0"/>
+                </a:cxn>
+                <a:cxn ang="0">
+                  <a:pos x="connsiteX1" y="connsiteY1"/>
+                </a:cxn>
+                <a:cxn ang="0">
+                  <a:pos x="connsiteX2" y="connsiteY2"/>
+                </a:cxn>
+                <a:cxn ang="0">
+                  <a:pos x="connsiteX3" y="connsiteY3"/>
+                </a:cxn>
+                <a:cxn ang="0">
+                  <a:pos x="connsiteX4" y="connsiteY4"/>
+                </a:cxn>
+                <a:cxn ang="0">
+                  <a:pos x="connsiteX5" y="connsiteY5"/>
+                </a:cxn>
+              </a:cxnLst>
+              <a:rect l="l" t="t" r="r" b="b"/>
+              <a:pathLst>
+                <a:path w="514350" h="1028700">
+                  <a:moveTo>
+                    <a:pt x="0" y="0"/>
+                  </a:moveTo>
+                  <a:lnTo>
+                    <a:pt x="265898" y="0"/>
+                  </a:lnTo>
+                  <a:cubicBezTo>
+                    <a:pt x="403114" y="0"/>
+                    <a:pt x="514350" y="111236"/>
+                    <a:pt x="514350" y="248452"/>
+                  </a:cubicBezTo>
+                  <a:lnTo>
+                    <a:pt x="514350" y="780248"/>
+                  </a:lnTo>
+                  <a:cubicBezTo>
+                    <a:pt x="514350" y="917464"/>
+                    <a:pt x="403114" y="1028700"/>
+                    <a:pt x="265898" y="1028700"/>
+                  </a:cubicBezTo>
+                  <a:lnTo>
+                    <a:pt x="0" y="1028700"/>
+                  </a:lnTo>
+                  <a:close/>
+                </a:path>
+              </a:pathLst>
+            </a:custGeom>
+            <a:solidFill>
+              <a:srgbClr val="CBCCCB"/>
+            </a:solidFill>
+            <a:ln>
+              <a:noFill/>
+            </a:ln>
+          </p:spPr>
+          <p:style>
+            <a:lnRef idx="2">
+              <a:schemeClr val="accent1">
+                <a:shade val="50000"/>
+              </a:schemeClr>
+            </a:lnRef>
+            <a:fillRef idx="1">
+              <a:schemeClr val="accent1"/>
+            </a:fillRef>
+            <a:effectRef idx="0">
+              <a:schemeClr val="accent1"/>
+            </a:effectRef>
+            <a:fontRef idx="minor">
+              <a:schemeClr val="lt1"/>
+            </a:fontRef>
+          </p:style>
+          <p:txBody>
+            <a:bodyPr wrap="square" rtlCol="0" anchor="ctr">
+              <a:noAutofit/>
+            </a:bodyPr>
+            <a:lstStyle/>
+            <a:p>
+              <a:pPr algn="ctr"/>
+              <a:endParaRPr lang="en-US"/>
+            </a:p>
+          </p:txBody>
+        </p:sp>
+        <p:pic>
+          <p:nvPicPr>
+            <p:cNvPr id="244" name="Graphic 14" descr="Star with solid fill">
+              <a:extLst>
+                <a:ext uri="{FF2B5EF4-FFF2-40B4-BE49-F238E27FC236}">
+                  <a16:creationId xmlns:a16="http://schemas.microsoft.com/office/drawing/2014/main" id="{95CFBC6E-6700-394B-B76F-D4412FD32998}"/>
+                </a:ext>
+              </a:extLst>
+            </p:cNvPr>
+            <p:cNvPicPr>
+              <a:picLocks noChangeAspect="1"/>
+            </p:cNvPicPr>
+            <p:nvPr/>
+          </p:nvPicPr>
+          <p:blipFill>
+            <a:blip r:embed="rId2">
+              <a:extLst>
+                <a:ext uri="{96DAC541-7B7A-43D3-8B79-37D633B846F1}">
+                  <asvg:svgBlip xmlns:asvg="http://schemas.microsoft.com/office/drawing/2016/SVG/main" r:embed="rId3"/>
+                </a:ext>
+              </a:extLst>
+            </a:blip>
+            <a:stretch>
+              <a:fillRect/>
+            </a:stretch>
+          </p:blipFill>
+          <p:spPr>
+            <a:xfrm>
+              <a:off x="4979691" y="1248576"/>
+              <a:ext cx="800100" cy="800100"/>
+            </a:xfrm>
+            <a:prstGeom prst="rect">
+              <a:avLst/>
+            </a:prstGeom>
+          </p:spPr>
+        </p:pic>
+      </p:grpSp>
+      <p:grpSp>
+        <p:nvGrpSpPr>
+          <p:cNvPr id="249" name="Group 66">
+            <a:extLst>
+              <a:ext uri="{FF2B5EF4-FFF2-40B4-BE49-F238E27FC236}">
+                <a16:creationId xmlns:a16="http://schemas.microsoft.com/office/drawing/2014/main" id="{C5610286-8A19-6A45-9E51-EBBA143CD670}"/>
+              </a:ext>
+            </a:extLst>
+          </p:cNvPr>
+          <p:cNvGrpSpPr/>
+          <p:nvPr/>
+        </p:nvGrpSpPr>
+        <p:grpSpPr>
+          <a:xfrm>
+            <a:off x="5706011" y="363611"/>
+            <a:ext cx="1028700" cy="1028700"/>
+            <a:chOff x="4864790" y="1138638"/>
+            <a:chExt cx="1028700" cy="1028700"/>
+          </a:xfrm>
+        </p:grpSpPr>
+        <p:sp>
+          <p:nvSpPr>
+            <p:cNvPr id="250" name="Rounded Rectangle 67">
+              <a:extLst>
+                <a:ext uri="{FF2B5EF4-FFF2-40B4-BE49-F238E27FC236}">
+                  <a16:creationId xmlns:a16="http://schemas.microsoft.com/office/drawing/2014/main" id="{C7C714D0-39EF-E44C-AD84-AB3F2B9360C7}"/>
+                </a:ext>
+              </a:extLst>
+            </p:cNvPr>
+            <p:cNvSpPr/>
+            <p:nvPr/>
+          </p:nvSpPr>
+          <p:spPr>
+            <a:xfrm>
+              <a:off x="4864790" y="1138638"/>
+              <a:ext cx="1028700" cy="1028700"/>
+            </a:xfrm>
+            <a:prstGeom prst="roundRect">
+              <a:avLst>
+                <a:gd name="adj" fmla="val 24152"/>
+              </a:avLst>
+            </a:prstGeom>
+            <a:solidFill>
+              <a:srgbClr val="CBCCCB"/>
+            </a:solidFill>
+            <a:ln>
+              <a:noFill/>
+            </a:ln>
+          </p:spPr>
+          <p:style>
+            <a:lnRef idx="2">
+              <a:schemeClr val="accent1">
+                <a:shade val="50000"/>
+              </a:schemeClr>
+            </a:lnRef>
+            <a:fillRef idx="1">
+              <a:schemeClr val="accent1"/>
+            </a:fillRef>
+            <a:effectRef idx="0">
+              <a:schemeClr val="accent1"/>
+            </a:effectRef>
+            <a:fontRef idx="minor">
+              <a:schemeClr val="lt1"/>
+            </a:fontRef>
+          </p:style>
+          <p:txBody>
+            <a:bodyPr rtlCol="0" anchor="ctr"/>
+            <a:lstStyle/>
+            <a:p>
+              <a:pPr algn="ctr"/>
+              <a:endParaRPr lang="en-US"/>
+            </a:p>
+          </p:txBody>
+        </p:sp>
+        <p:pic>
+          <p:nvPicPr>
+            <p:cNvPr id="251" name="Graphic 69" descr="Star with solid fill">
+              <a:extLst>
+                <a:ext uri="{FF2B5EF4-FFF2-40B4-BE49-F238E27FC236}">
+                  <a16:creationId xmlns:a16="http://schemas.microsoft.com/office/drawing/2014/main" id="{2C96D326-DE0D-3B4B-800A-C9958A49E8F8}"/>
+                </a:ext>
+              </a:extLst>
+            </p:cNvPr>
+            <p:cNvPicPr>
+              <a:picLocks noChangeAspect="1"/>
+            </p:cNvPicPr>
+            <p:nvPr/>
+          </p:nvPicPr>
+          <p:blipFill>
+            <a:blip r:embed="rId2">
+              <a:extLst>
+                <a:ext uri="{96DAC541-7B7A-43D3-8B79-37D633B846F1}">
+                  <asvg:svgBlip xmlns:asvg="http://schemas.microsoft.com/office/drawing/2016/SVG/main" r:embed="rId3"/>
+                </a:ext>
+              </a:extLst>
+            </a:blip>
+            <a:stretch>
+              <a:fillRect/>
+            </a:stretch>
+          </p:blipFill>
+          <p:spPr>
+            <a:xfrm>
+              <a:off x="4979691" y="1248576"/>
+              <a:ext cx="800100" cy="800100"/>
+            </a:xfrm>
+            <a:prstGeom prst="rect">
+              <a:avLst/>
+            </a:prstGeom>
+          </p:spPr>
+        </p:pic>
+      </p:grpSp>
+      <p:grpSp>
+        <p:nvGrpSpPr>
+          <p:cNvPr id="252" name="Group 79">
+            <a:extLst>
+              <a:ext uri="{FF2B5EF4-FFF2-40B4-BE49-F238E27FC236}">
+                <a16:creationId xmlns:a16="http://schemas.microsoft.com/office/drawing/2014/main" id="{7919288E-8A8F-B542-8DDD-16A45A35861F}"/>
+              </a:ext>
+            </a:extLst>
+          </p:cNvPr>
+          <p:cNvGrpSpPr/>
+          <p:nvPr/>
+        </p:nvGrpSpPr>
+        <p:grpSpPr>
+          <a:xfrm>
+            <a:off x="6833949" y="363611"/>
+            <a:ext cx="1028700" cy="1028700"/>
+            <a:chOff x="4864790" y="1138638"/>
+            <a:chExt cx="1028700" cy="1028700"/>
+          </a:xfrm>
+        </p:grpSpPr>
+        <p:sp>
+          <p:nvSpPr>
+            <p:cNvPr id="253" name="Rounded Rectangle 80">
+              <a:extLst>
+                <a:ext uri="{FF2B5EF4-FFF2-40B4-BE49-F238E27FC236}">
+                  <a16:creationId xmlns:a16="http://schemas.microsoft.com/office/drawing/2014/main" id="{F1E0AE7E-FD3D-1845-9F54-FB5AE5924949}"/>
+                </a:ext>
+              </a:extLst>
+            </p:cNvPr>
+            <p:cNvSpPr/>
+            <p:nvPr/>
+          </p:nvSpPr>
+          <p:spPr>
+            <a:xfrm>
+              <a:off x="4864790" y="1138638"/>
+              <a:ext cx="1028700" cy="1028700"/>
+            </a:xfrm>
+            <a:prstGeom prst="roundRect">
+              <a:avLst>
+                <a:gd name="adj" fmla="val 24152"/>
+              </a:avLst>
+            </a:prstGeom>
+            <a:solidFill>
+              <a:srgbClr val="CBCCCB"/>
+            </a:solidFill>
+            <a:ln>
+              <a:noFill/>
+            </a:ln>
+          </p:spPr>
+          <p:style>
+            <a:lnRef idx="2">
+              <a:schemeClr val="accent1">
+                <a:shade val="50000"/>
+              </a:schemeClr>
+            </a:lnRef>
+            <a:fillRef idx="1">
+              <a:schemeClr val="accent1"/>
+            </a:fillRef>
+            <a:effectRef idx="0">
+              <a:schemeClr val="accent1"/>
+            </a:effectRef>
+            <a:fontRef idx="minor">
+              <a:schemeClr val="lt1"/>
+            </a:fontRef>
+          </p:style>
+          <p:txBody>
+            <a:bodyPr rtlCol="0" anchor="ctr"/>
+            <a:lstStyle/>
+            <a:p>
+              <a:pPr algn="ctr"/>
+              <a:endParaRPr lang="en-US"/>
+            </a:p>
+          </p:txBody>
+        </p:sp>
+        <p:pic>
+          <p:nvPicPr>
+            <p:cNvPr id="254" name="Graphic 81" descr="Star with solid fill">
+              <a:extLst>
+                <a:ext uri="{FF2B5EF4-FFF2-40B4-BE49-F238E27FC236}">
+                  <a16:creationId xmlns:a16="http://schemas.microsoft.com/office/drawing/2014/main" id="{ADDB6859-0DBC-504A-A734-57C13A35B668}"/>
+                </a:ext>
+              </a:extLst>
+            </p:cNvPr>
+            <p:cNvPicPr>
+              <a:picLocks noChangeAspect="1"/>
+            </p:cNvPicPr>
+            <p:nvPr/>
+          </p:nvPicPr>
+          <p:blipFill>
+            <a:blip r:embed="rId2">
+              <a:extLst>
+                <a:ext uri="{96DAC541-7B7A-43D3-8B79-37D633B846F1}">
+                  <asvg:svgBlip xmlns:asvg="http://schemas.microsoft.com/office/drawing/2016/SVG/main" r:embed="rId3"/>
+                </a:ext>
+              </a:extLst>
+            </a:blip>
+            <a:stretch>
+              <a:fillRect/>
+            </a:stretch>
+          </p:blipFill>
+          <p:spPr>
+            <a:xfrm>
+              <a:off x="4979691" y="1248576"/>
+              <a:ext cx="800100" cy="800100"/>
+            </a:xfrm>
+            <a:prstGeom prst="rect">
+              <a:avLst/>
+            </a:prstGeom>
+          </p:spPr>
+        </p:pic>
+      </p:grpSp>
+      <p:grpSp>
+        <p:nvGrpSpPr>
+          <p:cNvPr id="255" name="Group 82">
+            <a:extLst>
+              <a:ext uri="{FF2B5EF4-FFF2-40B4-BE49-F238E27FC236}">
+                <a16:creationId xmlns:a16="http://schemas.microsoft.com/office/drawing/2014/main" id="{54910C19-2655-744B-A1B8-0D56F7B6ED11}"/>
+              </a:ext>
+            </a:extLst>
+          </p:cNvPr>
+          <p:cNvGrpSpPr/>
+          <p:nvPr/>
+        </p:nvGrpSpPr>
+        <p:grpSpPr>
+          <a:xfrm>
+            <a:off x="7961887" y="363611"/>
+            <a:ext cx="1028700" cy="1028700"/>
+            <a:chOff x="4864790" y="1138638"/>
+            <a:chExt cx="1028700" cy="1028700"/>
+          </a:xfrm>
+        </p:grpSpPr>
+        <p:sp>
+          <p:nvSpPr>
+            <p:cNvPr id="256" name="Rounded Rectangle 83">
+              <a:extLst>
+                <a:ext uri="{FF2B5EF4-FFF2-40B4-BE49-F238E27FC236}">
+                  <a16:creationId xmlns:a16="http://schemas.microsoft.com/office/drawing/2014/main" id="{00857EB3-6010-B949-9557-FAF4D94BCA2B}"/>
+                </a:ext>
+              </a:extLst>
+            </p:cNvPr>
+            <p:cNvSpPr/>
+            <p:nvPr/>
+          </p:nvSpPr>
+          <p:spPr>
+            <a:xfrm>
+              <a:off x="4864790" y="1138638"/>
+              <a:ext cx="1028700" cy="1028700"/>
+            </a:xfrm>
+            <a:prstGeom prst="roundRect">
+              <a:avLst>
+                <a:gd name="adj" fmla="val 24152"/>
+              </a:avLst>
+            </a:prstGeom>
+            <a:solidFill>
+              <a:srgbClr val="CBCCCB"/>
+            </a:solidFill>
+            <a:ln>
+              <a:noFill/>
+            </a:ln>
+          </p:spPr>
+          <p:style>
+            <a:lnRef idx="2">
+              <a:schemeClr val="accent1">
+                <a:shade val="50000"/>
+              </a:schemeClr>
+            </a:lnRef>
+            <a:fillRef idx="1">
+              <a:schemeClr val="accent1"/>
+            </a:fillRef>
+            <a:effectRef idx="0">
+              <a:schemeClr val="accent1"/>
+            </a:effectRef>
+            <a:fontRef idx="minor">
+              <a:schemeClr val="lt1"/>
+            </a:fontRef>
+          </p:style>
+          <p:txBody>
+            <a:bodyPr rtlCol="0" anchor="ctr"/>
+            <a:lstStyle/>
+            <a:p>
+              <a:pPr algn="ctr"/>
+              <a:endParaRPr lang="en-US"/>
+            </a:p>
+          </p:txBody>
+        </p:sp>
+        <p:pic>
+          <p:nvPicPr>
+            <p:cNvPr id="257" name="Graphic 84" descr="Star with solid fill">
+              <a:extLst>
+                <a:ext uri="{FF2B5EF4-FFF2-40B4-BE49-F238E27FC236}">
+                  <a16:creationId xmlns:a16="http://schemas.microsoft.com/office/drawing/2014/main" id="{33988E09-F159-E942-8098-79E50DD8DA2D}"/>
+                </a:ext>
+              </a:extLst>
+            </p:cNvPr>
+            <p:cNvPicPr>
+              <a:picLocks noChangeAspect="1"/>
+            </p:cNvPicPr>
+            <p:nvPr/>
+          </p:nvPicPr>
+          <p:blipFill>
+            <a:blip r:embed="rId2">
+              <a:extLst>
+                <a:ext uri="{96DAC541-7B7A-43D3-8B79-37D633B846F1}">
+                  <asvg:svgBlip xmlns:asvg="http://schemas.microsoft.com/office/drawing/2016/SVG/main" r:embed="rId3"/>
+                </a:ext>
+              </a:extLst>
+            </a:blip>
+            <a:stretch>
+              <a:fillRect/>
+            </a:stretch>
+          </p:blipFill>
+          <p:spPr>
+            <a:xfrm>
+              <a:off x="4979691" y="1248576"/>
+              <a:ext cx="800100" cy="800100"/>
+            </a:xfrm>
+            <a:prstGeom prst="rect">
+              <a:avLst/>
+            </a:prstGeom>
+          </p:spPr>
+        </p:pic>
+      </p:grpSp>
+      <p:grpSp>
+        <p:nvGrpSpPr>
+          <p:cNvPr id="258" name="Group 85">
+            <a:extLst>
+              <a:ext uri="{FF2B5EF4-FFF2-40B4-BE49-F238E27FC236}">
+                <a16:creationId xmlns:a16="http://schemas.microsoft.com/office/drawing/2014/main" id="{1A3CA48E-0410-0B45-951D-D34E97A4420B}"/>
+              </a:ext>
+            </a:extLst>
+          </p:cNvPr>
+          <p:cNvGrpSpPr/>
+          <p:nvPr/>
+        </p:nvGrpSpPr>
+        <p:grpSpPr>
+          <a:xfrm>
+            <a:off x="9089824" y="363611"/>
+            <a:ext cx="1028700" cy="1028700"/>
+            <a:chOff x="4864790" y="1138638"/>
+            <a:chExt cx="1028700" cy="1028700"/>
+          </a:xfrm>
+        </p:grpSpPr>
+        <p:sp>
+          <p:nvSpPr>
+            <p:cNvPr id="259" name="Rounded Rectangle 86">
+              <a:extLst>
+                <a:ext uri="{FF2B5EF4-FFF2-40B4-BE49-F238E27FC236}">
+                  <a16:creationId xmlns:a16="http://schemas.microsoft.com/office/drawing/2014/main" id="{4307FB3D-2FD1-B04A-9EB8-ECB4B8499126}"/>
+                </a:ext>
+              </a:extLst>
+            </p:cNvPr>
+            <p:cNvSpPr/>
+            <p:nvPr/>
+          </p:nvSpPr>
+          <p:spPr>
+            <a:xfrm>
+              <a:off x="4864790" y="1138638"/>
+              <a:ext cx="1028700" cy="1028700"/>
+            </a:xfrm>
+            <a:prstGeom prst="roundRect">
+              <a:avLst>
+                <a:gd name="adj" fmla="val 24152"/>
+              </a:avLst>
+            </a:prstGeom>
+            <a:solidFill>
+              <a:srgbClr val="CBCCCB"/>
+            </a:solidFill>
+            <a:ln>
+              <a:noFill/>
+            </a:ln>
+          </p:spPr>
+          <p:style>
+            <a:lnRef idx="2">
+              <a:schemeClr val="accent1">
+                <a:shade val="50000"/>
+              </a:schemeClr>
+            </a:lnRef>
+            <a:fillRef idx="1">
+              <a:schemeClr val="accent1"/>
+            </a:fillRef>
+            <a:effectRef idx="0">
+              <a:schemeClr val="accent1"/>
+            </a:effectRef>
+            <a:fontRef idx="minor">
+              <a:schemeClr val="lt1"/>
+            </a:fontRef>
+          </p:style>
+          <p:txBody>
+            <a:bodyPr rtlCol="0" anchor="ctr"/>
+            <a:lstStyle/>
+            <a:p>
+              <a:pPr algn="ctr"/>
+              <a:endParaRPr lang="en-US"/>
+            </a:p>
+          </p:txBody>
+        </p:sp>
+        <p:pic>
+          <p:nvPicPr>
+            <p:cNvPr id="260" name="Graphic 87" descr="Star with solid fill">
+              <a:extLst>
+                <a:ext uri="{FF2B5EF4-FFF2-40B4-BE49-F238E27FC236}">
+                  <a16:creationId xmlns:a16="http://schemas.microsoft.com/office/drawing/2014/main" id="{CC7FD231-B2E2-044D-97AF-C05A4F9D9877}"/>
+                </a:ext>
+              </a:extLst>
+            </p:cNvPr>
+            <p:cNvPicPr>
+              <a:picLocks noChangeAspect="1"/>
+            </p:cNvPicPr>
+            <p:nvPr/>
+          </p:nvPicPr>
+          <p:blipFill>
+            <a:blip r:embed="rId2">
+              <a:extLst>
+                <a:ext uri="{96DAC541-7B7A-43D3-8B79-37D633B846F1}">
+                  <asvg:svgBlip xmlns:asvg="http://schemas.microsoft.com/office/drawing/2016/SVG/main" r:embed="rId3"/>
+                </a:ext>
+              </a:extLst>
+            </a:blip>
+            <a:stretch>
+              <a:fillRect/>
+            </a:stretch>
+          </p:blipFill>
+          <p:spPr>
+            <a:xfrm>
+              <a:off x="4979691" y="1248576"/>
+              <a:ext cx="800100" cy="800100"/>
+            </a:xfrm>
+            <a:prstGeom prst="rect">
+              <a:avLst/>
+            </a:prstGeom>
+          </p:spPr>
+        </p:pic>
+      </p:grpSp>
+      <p:grpSp>
+        <p:nvGrpSpPr>
+          <p:cNvPr id="261" name="Group 66">
+            <a:extLst>
+              <a:ext uri="{FF2B5EF4-FFF2-40B4-BE49-F238E27FC236}">
+                <a16:creationId xmlns:a16="http://schemas.microsoft.com/office/drawing/2014/main" id="{4B1C038A-8980-FF4C-89D2-773DF7499A46}"/>
+              </a:ext>
+            </a:extLst>
+          </p:cNvPr>
+          <p:cNvGrpSpPr/>
+          <p:nvPr/>
+        </p:nvGrpSpPr>
+        <p:grpSpPr>
+          <a:xfrm>
+            <a:off x="4578073" y="363611"/>
+            <a:ext cx="1028700" cy="1028700"/>
+            <a:chOff x="4864790" y="1138638"/>
+            <a:chExt cx="1028700" cy="1028700"/>
+          </a:xfrm>
+        </p:grpSpPr>
+        <p:sp>
+          <p:nvSpPr>
+            <p:cNvPr id="262" name="Rounded Rectangle 67">
+              <a:extLst>
+                <a:ext uri="{FF2B5EF4-FFF2-40B4-BE49-F238E27FC236}">
+                  <a16:creationId xmlns:a16="http://schemas.microsoft.com/office/drawing/2014/main" id="{0DDC2C50-7AC8-C14D-BE0D-863F9B1B827C}"/>
+                </a:ext>
+              </a:extLst>
+            </p:cNvPr>
+            <p:cNvSpPr/>
+            <p:nvPr/>
+          </p:nvSpPr>
+          <p:spPr>
+            <a:xfrm>
+              <a:off x="4864790" y="1138638"/>
+              <a:ext cx="1028700" cy="1028700"/>
+            </a:xfrm>
+            <a:prstGeom prst="roundRect">
+              <a:avLst>
+                <a:gd name="adj" fmla="val 24152"/>
+              </a:avLst>
+            </a:prstGeom>
+            <a:solidFill>
+              <a:srgbClr val="CBCCCB"/>
+            </a:solidFill>
+            <a:ln>
+              <a:noFill/>
+            </a:ln>
+          </p:spPr>
+          <p:style>
+            <a:lnRef idx="2">
+              <a:schemeClr val="accent1">
+                <a:shade val="50000"/>
+              </a:schemeClr>
+            </a:lnRef>
+            <a:fillRef idx="1">
+              <a:schemeClr val="accent1"/>
+            </a:fillRef>
+            <a:effectRef idx="0">
+              <a:schemeClr val="accent1"/>
+            </a:effectRef>
+            <a:fontRef idx="minor">
+              <a:schemeClr val="lt1"/>
+            </a:fontRef>
+          </p:style>
+          <p:txBody>
+            <a:bodyPr rtlCol="0" anchor="ctr"/>
+            <a:lstStyle/>
+            <a:p>
+              <a:pPr algn="ctr"/>
+              <a:endParaRPr lang="en-US"/>
+            </a:p>
+          </p:txBody>
+        </p:sp>
+        <p:pic>
+          <p:nvPicPr>
+            <p:cNvPr id="263" name="Graphic 69" descr="Star with solid fill">
+              <a:extLst>
+                <a:ext uri="{FF2B5EF4-FFF2-40B4-BE49-F238E27FC236}">
+                  <a16:creationId xmlns:a16="http://schemas.microsoft.com/office/drawing/2014/main" id="{1C0DA6BD-5A17-C245-B867-6A812008519A}"/>
+                </a:ext>
+              </a:extLst>
+            </p:cNvPr>
+            <p:cNvPicPr>
+              <a:picLocks noChangeAspect="1"/>
+            </p:cNvPicPr>
+            <p:nvPr/>
+          </p:nvPicPr>
+          <p:blipFill>
+            <a:blip r:embed="rId2">
+              <a:extLst>
+                <a:ext uri="{96DAC541-7B7A-43D3-8B79-37D633B846F1}">
+                  <asvg:svgBlip xmlns:asvg="http://schemas.microsoft.com/office/drawing/2016/SVG/main" r:embed="rId3"/>
+                </a:ext>
+              </a:extLst>
+            </a:blip>
+            <a:stretch>
+              <a:fillRect/>
+            </a:stretch>
+          </p:blipFill>
+          <p:spPr>
+            <a:xfrm>
+              <a:off x="4979691" y="1248576"/>
+              <a:ext cx="800100" cy="800100"/>
+            </a:xfrm>
+            <a:prstGeom prst="rect">
+              <a:avLst/>
+            </a:prstGeom>
+          </p:spPr>
+        </p:pic>
       </p:grpSp>
     </p:spTree>
     <p:extLst>
@@ -6291,7 +9923,7 @@
 <file path=ppt/theme/theme1.xml><?xml version="1.0" encoding="utf-8"?>
 <a:theme xmlns:a="http://schemas.openxmlformats.org/drawingml/2006/main" name="Office 主题​​">
   <a:themeElements>
-    <a:clrScheme name="Office">
+    <a:clrScheme name="Office 主题​​">
       <a:dk1>
         <a:sysClr val="windowText" lastClr="000000"/>
       </a:dk1>
@@ -6329,9 +9961,9 @@
         <a:srgbClr val="954F72"/>
       </a:folHlink>
     </a:clrScheme>
-    <a:fontScheme name="Office">
+    <a:fontScheme name="Office 主题​​">
       <a:majorFont>
-        <a:latin typeface="等线 Light" panose="020F0302020204030204"/>
+        <a:latin typeface="Calibri Light" panose="020F0302020204030204"/>
         <a:ea typeface=""/>
         <a:cs typeface=""/>
         <a:font script="Jpan" typeface="游ゴシック Light"/>
@@ -6364,26 +9996,9 @@
         <a:font script="Viet" typeface="Times New Roman"/>
         <a:font script="Uigh" typeface="Microsoft Uighur"/>
         <a:font script="Geor" typeface="Sylfaen"/>
-        <a:font script="Armn" typeface="Arial"/>
-        <a:font script="Bugi" typeface="Leelawadee UI"/>
-        <a:font script="Bopo" typeface="Microsoft JhengHei"/>
-        <a:font script="Java" typeface="Javanese Text"/>
-        <a:font script="Lisu" typeface="Segoe UI"/>
-        <a:font script="Mymr" typeface="Myanmar Text"/>
-        <a:font script="Nkoo" typeface="Ebrima"/>
-        <a:font script="Olck" typeface="Nirmala UI"/>
-        <a:font script="Osma" typeface="Ebrima"/>
-        <a:font script="Phag" typeface="Phagspa"/>
-        <a:font script="Syrn" typeface="Estrangelo Edessa"/>
-        <a:font script="Syrj" typeface="Estrangelo Edessa"/>
-        <a:font script="Syre" typeface="Estrangelo Edessa"/>
-        <a:font script="Sora" typeface="Nirmala UI"/>
-        <a:font script="Tale" typeface="Microsoft Tai Le"/>
-        <a:font script="Talu" typeface="Microsoft New Tai Lue"/>
-        <a:font script="Tfng" typeface="Ebrima"/>
       </a:majorFont>
       <a:minorFont>
-        <a:latin typeface="等线" panose="020F0502020204030204"/>
+        <a:latin typeface="Calibri" panose="020F0502020204030204"/>
         <a:ea typeface=""/>
         <a:cs typeface=""/>
         <a:font script="Jpan" typeface="游ゴシック"/>
@@ -6416,26 +10031,9 @@
         <a:font script="Viet" typeface="Arial"/>
         <a:font script="Uigh" typeface="Microsoft Uighur"/>
         <a:font script="Geor" typeface="Sylfaen"/>
-        <a:font script="Armn" typeface="Arial"/>
-        <a:font script="Bugi" typeface="Leelawadee UI"/>
-        <a:font script="Bopo" typeface="Microsoft JhengHei"/>
-        <a:font script="Java" typeface="Javanese Text"/>
-        <a:font script="Lisu" typeface="Segoe UI"/>
-        <a:font script="Mymr" typeface="Myanmar Text"/>
-        <a:font script="Nkoo" typeface="Ebrima"/>
-        <a:font script="Olck" typeface="Nirmala UI"/>
-        <a:font script="Osma" typeface="Ebrima"/>
-        <a:font script="Phag" typeface="Phagspa"/>
-        <a:font script="Syrn" typeface="Estrangelo Edessa"/>
-        <a:font script="Syrj" typeface="Estrangelo Edessa"/>
-        <a:font script="Syre" typeface="Estrangelo Edessa"/>
-        <a:font script="Sora" typeface="Nirmala UI"/>
-        <a:font script="Tale" typeface="Microsoft Tai Le"/>
-        <a:font script="Talu" typeface="Microsoft New Tai Lue"/>
-        <a:font script="Tfng" typeface="Ebrima"/>
       </a:minorFont>
     </a:fontScheme>
-    <a:fmtScheme name="Office">
+    <a:fmtScheme name="Office 主题​​">
       <a:fillStyleLst>
         <a:solidFill>
           <a:schemeClr val="phClr"/>

--- a/yealp_frontend/flaskblog/static/facicon.pptx
+++ b/yealp_frontend/flaskblog/static/facicon.pptx
@@ -8,6 +8,7 @@
     <p:sldId id="256" r:id="rId2"/>
     <p:sldId id="257" r:id="rId3"/>
     <p:sldId id="258" r:id="rId4"/>
+    <p:sldId id="259" r:id="rId5"/>
   </p:sldIdLst>
   <p:sldSz cx="18000663" cy="18000663"/>
   <p:notesSz cx="6858000" cy="9144000"/>
@@ -9920,6 +9921,315 @@
 </p:sld>
 </file>
 
+<file path=ppt/slides/slide4.xml><?xml version="1.0" encoding="utf-8"?>
+<p:sld xmlns:a="http://schemas.openxmlformats.org/drawingml/2006/main" xmlns:r="http://schemas.openxmlformats.org/officeDocument/2006/relationships" xmlns:p="http://schemas.openxmlformats.org/presentationml/2006/main">
+  <p:cSld>
+    <p:spTree>
+      <p:nvGrpSpPr>
+        <p:cNvPr id="1" name=""/>
+        <p:cNvGrpSpPr/>
+        <p:nvPr/>
+      </p:nvGrpSpPr>
+      <p:grpSpPr>
+        <a:xfrm>
+          <a:off x="0" y="0"/>
+          <a:ext cx="0" cy="0"/>
+          <a:chOff x="0" y="0"/>
+          <a:chExt cx="0" cy="0"/>
+        </a:xfrm>
+      </p:grpSpPr>
+      <p:sp>
+        <p:nvSpPr>
+          <p:cNvPr id="2" name="标题 1">
+            <a:extLst>
+              <a:ext uri="{FF2B5EF4-FFF2-40B4-BE49-F238E27FC236}">
+                <a16:creationId xmlns:a16="http://schemas.microsoft.com/office/drawing/2014/main" id="{C8B9B9DB-D664-4048-8AB5-74F5DCB101A6}"/>
+              </a:ext>
+            </a:extLst>
+          </p:cNvPr>
+          <p:cNvSpPr>
+            <a:spLocks noGrp="1"/>
+          </p:cNvSpPr>
+          <p:nvPr>
+            <p:ph type="title"/>
+          </p:nvPr>
+        </p:nvSpPr>
+        <p:spPr/>
+        <p:txBody>
+          <a:bodyPr/>
+          <a:lstStyle/>
+          <a:p>
+            <a:endParaRPr kumimoji="1" lang="zh-CN" altLang="en-US"/>
+          </a:p>
+        </p:txBody>
+      </p:sp>
+      <p:grpSp>
+        <p:nvGrpSpPr>
+          <p:cNvPr id="7" name="组合 6">
+            <a:extLst>
+              <a:ext uri="{FF2B5EF4-FFF2-40B4-BE49-F238E27FC236}">
+                <a16:creationId xmlns:a16="http://schemas.microsoft.com/office/drawing/2014/main" id="{38219AED-5361-7940-B4B2-2F459E495A10}"/>
+              </a:ext>
+            </a:extLst>
+          </p:cNvPr>
+          <p:cNvGrpSpPr/>
+          <p:nvPr/>
+        </p:nvGrpSpPr>
+        <p:grpSpPr>
+          <a:xfrm>
+            <a:off x="2552168" y="5405325"/>
+            <a:ext cx="747264" cy="747264"/>
+            <a:chOff x="2552168" y="5405325"/>
+            <a:chExt cx="747264" cy="747264"/>
+          </a:xfrm>
+        </p:grpSpPr>
+        <p:sp>
+          <p:nvSpPr>
+            <p:cNvPr id="6" name="Rounded Rectangle 3">
+              <a:extLst>
+                <a:ext uri="{FF2B5EF4-FFF2-40B4-BE49-F238E27FC236}">
+                  <a16:creationId xmlns:a16="http://schemas.microsoft.com/office/drawing/2014/main" id="{F61FD9CF-679B-1846-8E97-457A2982C610}"/>
+                </a:ext>
+              </a:extLst>
+            </p:cNvPr>
+            <p:cNvSpPr/>
+            <p:nvPr/>
+          </p:nvSpPr>
+          <p:spPr>
+            <a:xfrm>
+              <a:off x="2552168" y="5405325"/>
+              <a:ext cx="747264" cy="747264"/>
+            </a:xfrm>
+            <a:prstGeom prst="roundRect">
+              <a:avLst>
+                <a:gd name="adj" fmla="val 24152"/>
+              </a:avLst>
+            </a:prstGeom>
+            <a:noFill/>
+            <a:ln>
+              <a:noFill/>
+            </a:ln>
+          </p:spPr>
+          <p:style>
+            <a:lnRef idx="2">
+              <a:schemeClr val="accent1">
+                <a:shade val="50000"/>
+              </a:schemeClr>
+            </a:lnRef>
+            <a:fillRef idx="1">
+              <a:schemeClr val="accent1"/>
+            </a:fillRef>
+            <a:effectRef idx="0">
+              <a:schemeClr val="accent1"/>
+            </a:effectRef>
+            <a:fontRef idx="minor">
+              <a:schemeClr val="lt1"/>
+            </a:fontRef>
+          </p:style>
+          <p:txBody>
+            <a:bodyPr rtlCol="0" anchor="ctr"/>
+            <a:lstStyle/>
+            <a:p>
+              <a:pPr algn="ctr"/>
+              <a:endParaRPr lang="en-US"/>
+            </a:p>
+          </p:txBody>
+        </p:sp>
+        <p:sp>
+          <p:nvSpPr>
+            <p:cNvPr id="4" name="iconfont-11800-6036736">
+              <a:extLst>
+                <a:ext uri="{FF2B5EF4-FFF2-40B4-BE49-F238E27FC236}">
+                  <a16:creationId xmlns:a16="http://schemas.microsoft.com/office/drawing/2014/main" id="{F7A0E650-509A-4746-BAEF-B1FDB62110ED}"/>
+                </a:ext>
+              </a:extLst>
+            </p:cNvPr>
+            <p:cNvSpPr>
+              <a:spLocks noChangeAspect="1"/>
+            </p:cNvSpPr>
+            <p:nvPr/>
+          </p:nvSpPr>
+          <p:spPr>
+            <a:xfrm rot="21115808">
+              <a:off x="2668357" y="5580216"/>
+              <a:ext cx="514886" cy="397483"/>
+            </a:xfrm>
+            <a:custGeom>
+              <a:avLst/>
+              <a:gdLst>
+                <a:gd name="T0" fmla="*/ 5673 w 5828"/>
+                <a:gd name="T1" fmla="*/ 155 h 4500"/>
+                <a:gd name="T2" fmla="*/ 5106 w 5828"/>
+                <a:gd name="T3" fmla="*/ 155 h 4500"/>
+                <a:gd name="T4" fmla="*/ 1860 w 5828"/>
+                <a:gd name="T5" fmla="*/ 3401 h 4500"/>
+                <a:gd name="T6" fmla="*/ 819 w 5828"/>
+                <a:gd name="T7" fmla="*/ 1666 h 4500"/>
+                <a:gd name="T8" fmla="*/ 270 w 5828"/>
+                <a:gd name="T9" fmla="*/ 1529 h 4500"/>
+                <a:gd name="T10" fmla="*/ 250 w 5828"/>
+                <a:gd name="T11" fmla="*/ 1541 h 4500"/>
+                <a:gd name="T12" fmla="*/ 113 w 5828"/>
+                <a:gd name="T13" fmla="*/ 2090 h 4500"/>
+                <a:gd name="T14" fmla="*/ 1416 w 5828"/>
+                <a:gd name="T15" fmla="*/ 4264 h 4500"/>
+                <a:gd name="T16" fmla="*/ 1479 w 5828"/>
+                <a:gd name="T17" fmla="*/ 4344 h 4500"/>
+                <a:gd name="T18" fmla="*/ 1480 w 5828"/>
+                <a:gd name="T19" fmla="*/ 4345 h 4500"/>
+                <a:gd name="T20" fmla="*/ 2046 w 5828"/>
+                <a:gd name="T21" fmla="*/ 4345 h 4500"/>
+                <a:gd name="T22" fmla="*/ 5671 w 5828"/>
+                <a:gd name="T23" fmla="*/ 720 h 4500"/>
+                <a:gd name="T24" fmla="*/ 5673 w 5828"/>
+                <a:gd name="T25" fmla="*/ 155 h 4500"/>
+              </a:gdLst>
+              <a:ahLst/>
+              <a:cxnLst>
+                <a:cxn ang="0">
+                  <a:pos x="T0" y="T1"/>
+                </a:cxn>
+                <a:cxn ang="0">
+                  <a:pos x="T2" y="T3"/>
+                </a:cxn>
+                <a:cxn ang="0">
+                  <a:pos x="T4" y="T5"/>
+                </a:cxn>
+                <a:cxn ang="0">
+                  <a:pos x="T6" y="T7"/>
+                </a:cxn>
+                <a:cxn ang="0">
+                  <a:pos x="T8" y="T9"/>
+                </a:cxn>
+                <a:cxn ang="0">
+                  <a:pos x="T10" y="T11"/>
+                </a:cxn>
+                <a:cxn ang="0">
+                  <a:pos x="T12" y="T13"/>
+                </a:cxn>
+                <a:cxn ang="0">
+                  <a:pos x="T14" y="T15"/>
+                </a:cxn>
+                <a:cxn ang="0">
+                  <a:pos x="T16" y="T17"/>
+                </a:cxn>
+                <a:cxn ang="0">
+                  <a:pos x="T18" y="T19"/>
+                </a:cxn>
+                <a:cxn ang="0">
+                  <a:pos x="T20" y="T21"/>
+                </a:cxn>
+                <a:cxn ang="0">
+                  <a:pos x="T22" y="T23"/>
+                </a:cxn>
+                <a:cxn ang="0">
+                  <a:pos x="T24" y="T25"/>
+                </a:cxn>
+              </a:cxnLst>
+              <a:rect l="0" t="0" r="r" b="b"/>
+              <a:pathLst>
+                <a:path w="5828" h="4500">
+                  <a:moveTo>
+                    <a:pt x="5673" y="155"/>
+                  </a:moveTo>
+                  <a:cubicBezTo>
+                    <a:pt x="5518" y="0"/>
+                    <a:pt x="5263" y="0"/>
+                    <a:pt x="5106" y="155"/>
+                  </a:cubicBezTo>
+                  <a:lnTo>
+                    <a:pt x="1860" y="3401"/>
+                  </a:lnTo>
+                  <a:lnTo>
+                    <a:pt x="819" y="1666"/>
+                  </a:lnTo>
+                  <a:cubicBezTo>
+                    <a:pt x="705" y="1477"/>
+                    <a:pt x="459" y="1416"/>
+                    <a:pt x="270" y="1529"/>
+                  </a:cubicBezTo>
+                  <a:lnTo>
+                    <a:pt x="250" y="1541"/>
+                  </a:lnTo>
+                  <a:cubicBezTo>
+                    <a:pt x="61" y="1655"/>
+                    <a:pt x="0" y="1901"/>
+                    <a:pt x="113" y="2090"/>
+                  </a:cubicBezTo>
+                  <a:lnTo>
+                    <a:pt x="1416" y="4264"/>
+                  </a:lnTo>
+                  <a:cubicBezTo>
+                    <a:pt x="1434" y="4294"/>
+                    <a:pt x="1455" y="4320"/>
+                    <a:pt x="1479" y="4344"/>
+                  </a:cubicBezTo>
+                  <a:lnTo>
+                    <a:pt x="1480" y="4345"/>
+                  </a:lnTo>
+                  <a:cubicBezTo>
+                    <a:pt x="1635" y="4500"/>
+                    <a:pt x="1890" y="4500"/>
+                    <a:pt x="2046" y="4345"/>
+                  </a:cubicBezTo>
+                  <a:lnTo>
+                    <a:pt x="5671" y="720"/>
+                  </a:lnTo>
+                  <a:cubicBezTo>
+                    <a:pt x="5828" y="565"/>
+                    <a:pt x="5828" y="310"/>
+                    <a:pt x="5673" y="155"/>
+                  </a:cubicBezTo>
+                  <a:close/>
+                </a:path>
+              </a:pathLst>
+            </a:custGeom>
+            <a:solidFill>
+              <a:srgbClr val="3570F2"/>
+            </a:solidFill>
+            <a:ln>
+              <a:noFill/>
+            </a:ln>
+          </p:spPr>
+          <p:style>
+            <a:lnRef idx="2">
+              <a:schemeClr val="accent1">
+                <a:shade val="50000"/>
+              </a:schemeClr>
+            </a:lnRef>
+            <a:fillRef idx="1">
+              <a:schemeClr val="accent1"/>
+            </a:fillRef>
+            <a:effectRef idx="0">
+              <a:schemeClr val="accent1"/>
+            </a:effectRef>
+            <a:fontRef idx="minor">
+              <a:schemeClr val="lt1"/>
+            </a:fontRef>
+          </p:style>
+          <p:txBody>
+            <a:bodyPr rtlCol="0" anchor="ctr"/>
+            <a:lstStyle/>
+            <a:p>
+              <a:pPr algn="ctr"/>
+              <a:endParaRPr lang="en-US"/>
+            </a:p>
+          </p:txBody>
+        </p:sp>
+      </p:grpSp>
+    </p:spTree>
+    <p:extLst>
+      <p:ext uri="{BB962C8B-B14F-4D97-AF65-F5344CB8AC3E}">
+        <p14:creationId xmlns:p14="http://schemas.microsoft.com/office/powerpoint/2010/main" val="980675638"/>
+      </p:ext>
+    </p:extLst>
+  </p:cSld>
+  <p:clrMapOvr>
+    <a:masterClrMapping/>
+  </p:clrMapOvr>
+</p:sld>
+</file>
+
 <file path=ppt/theme/theme1.xml><?xml version="1.0" encoding="utf-8"?>
 <a:theme xmlns:a="http://schemas.openxmlformats.org/drawingml/2006/main" name="Office 主题​​">
   <a:themeElements>
